--- a/WhatsNewInWindows81/WhatsNewInWindows81.pptx
+++ b/WhatsNewInWindows81/WhatsNewInWindows81.pptx
@@ -5,10 +5,10 @@
     <p:sldMasterId id="2147483648" r:id="rId4"/>
   </p:sldMasterIdLst>
   <p:notesMasterIdLst>
-    <p:notesMasterId r:id="rId15"/>
+    <p:notesMasterId r:id="rId16"/>
   </p:notesMasterIdLst>
   <p:handoutMasterIdLst>
-    <p:handoutMasterId r:id="rId16"/>
+    <p:handoutMasterId r:id="rId17"/>
   </p:handoutMasterIdLst>
   <p:sldIdLst>
     <p:sldId id="256" r:id="rId5"/>
@@ -16,11 +16,12 @@
     <p:sldId id="259" r:id="rId7"/>
     <p:sldId id="262" r:id="rId8"/>
     <p:sldId id="263" r:id="rId9"/>
-    <p:sldId id="265" r:id="rId10"/>
-    <p:sldId id="264" r:id="rId11"/>
-    <p:sldId id="266" r:id="rId12"/>
-    <p:sldId id="260" r:id="rId13"/>
-    <p:sldId id="257" r:id="rId14"/>
+    <p:sldId id="267" r:id="rId10"/>
+    <p:sldId id="265" r:id="rId11"/>
+    <p:sldId id="264" r:id="rId12"/>
+    <p:sldId id="266" r:id="rId13"/>
+    <p:sldId id="260" r:id="rId14"/>
+    <p:sldId id="257" r:id="rId15"/>
   </p:sldIdLst>
   <p:sldSz cx="9144000" cy="6858000" type="screen4x3"/>
   <p:notesSz cx="7099300" cy="10234613"/>
@@ -220,7 +221,7 @@
           <a:p>
             <a:fld id="{40B0E7F3-8182-422E-9E50-C39AF57C071F}" type="datetimeFigureOut">
               <a:rPr lang="en-NZ" smtClean="0"/>
-              <a:t>28/08/2013</a:t>
+              <a:t>30/08/2013</a:t>
             </a:fld>
             <a:endParaRPr lang="en-NZ"/>
           </a:p>
@@ -386,7 +387,7 @@
           <a:p>
             <a:fld id="{A2C04580-EA0A-4FF1-8861-A6210EFB727D}" type="datetimeFigureOut">
               <a:rPr lang="en-NZ" smtClean="0"/>
-              <a:t>28/08/2013</a:t>
+              <a:t>30/08/2013</a:t>
             </a:fld>
             <a:endParaRPr lang="en-NZ"/>
           </a:p>
@@ -655,6 +656,529 @@
 </p:notesMaster>
 </file>
 
+<file path=ppt/notesSlides/notesSlide1.xml><?xml version="1.0" encoding="utf-8"?>
+<p:notes xmlns:a="http://schemas.openxmlformats.org/drawingml/2006/main" xmlns:r="http://schemas.openxmlformats.org/officeDocument/2006/relationships" xmlns:p="http://schemas.openxmlformats.org/presentationml/2006/main">
+  <p:cSld>
+    <p:spTree>
+      <p:nvGrpSpPr>
+        <p:cNvPr id="1" name=""/>
+        <p:cNvGrpSpPr/>
+        <p:nvPr/>
+      </p:nvGrpSpPr>
+      <p:grpSpPr>
+        <a:xfrm>
+          <a:off x="0" y="0"/>
+          <a:ext cx="0" cy="0"/>
+          <a:chOff x="0" y="0"/>
+          <a:chExt cx="0" cy="0"/>
+        </a:xfrm>
+      </p:grpSpPr>
+      <p:sp>
+        <p:nvSpPr>
+          <p:cNvPr id="2" name="Slide Image Placeholder 1"/>
+          <p:cNvSpPr>
+            <a:spLocks noGrp="1" noRot="1" noChangeAspect="1"/>
+          </p:cNvSpPr>
+          <p:nvPr>
+            <p:ph type="sldImg"/>
+          </p:nvPr>
+        </p:nvSpPr>
+        <p:spPr/>
+      </p:sp>
+      <p:sp>
+        <p:nvSpPr>
+          <p:cNvPr id="3" name="Notes Placeholder 2"/>
+          <p:cNvSpPr>
+            <a:spLocks noGrp="1"/>
+          </p:cNvSpPr>
+          <p:nvPr>
+            <p:ph type="body" idx="1"/>
+          </p:nvPr>
+        </p:nvSpPr>
+        <p:spPr/>
+        <p:txBody>
+          <a:bodyPr/>
+          <a:lstStyle/>
+          <a:p>
+            <a:r>
+              <a:rPr lang="en-NZ" dirty="0" smtClean="0"/>
+              <a:t>Background switch to desktop background</a:t>
+            </a:r>
+          </a:p>
+          <a:p>
+            <a:endParaRPr lang="en-NZ" dirty="0" smtClean="0"/>
+          </a:p>
+          <a:p>
+            <a:r>
+              <a:rPr lang="en-NZ" dirty="0" smtClean="0"/>
+              <a:t>Demonstrate</a:t>
+            </a:r>
+            <a:r>
+              <a:rPr lang="en-NZ" baseline="0" dirty="0" smtClean="0"/>
+              <a:t> changing Tile sizes</a:t>
+            </a:r>
+          </a:p>
+          <a:p>
+            <a:r>
+              <a:rPr lang="en-NZ" baseline="0" dirty="0" smtClean="0"/>
+              <a:t>- Also group headings</a:t>
+            </a:r>
+          </a:p>
+          <a:p>
+            <a:r>
+              <a:rPr lang="en-NZ" baseline="0" dirty="0" smtClean="0"/>
+              <a:t>- </a:t>
+            </a:r>
+          </a:p>
+          <a:p>
+            <a:r>
+              <a:rPr lang="en-NZ" baseline="0" dirty="0" smtClean="0"/>
+              <a:t>Swipe Up /  all programs arrow</a:t>
+            </a:r>
+          </a:p>
+          <a:p>
+            <a:endParaRPr lang="en-NZ" dirty="0" smtClean="0"/>
+          </a:p>
+          <a:p>
+            <a:r>
+              <a:rPr lang="en-NZ" dirty="0" smtClean="0"/>
+              <a:t>Search</a:t>
+            </a:r>
+            <a:r>
+              <a:rPr lang="en-NZ" baseline="0" dirty="0" smtClean="0"/>
+              <a:t> Changes</a:t>
+            </a:r>
+          </a:p>
+          <a:p>
+            <a:pPr marL="171450" indent="-171450">
+              <a:buFontTx/>
+              <a:buChar char="-"/>
+            </a:pPr>
+            <a:r>
+              <a:rPr lang="en-NZ" baseline="0" dirty="0" smtClean="0"/>
+              <a:t>Apps, Settings and Files are all combined</a:t>
+            </a:r>
+          </a:p>
+          <a:p>
+            <a:pPr marL="171450" indent="-171450">
+              <a:buFontTx/>
+              <a:buChar char="-"/>
+            </a:pPr>
+            <a:r>
+              <a:rPr lang="en-NZ" baseline="0" dirty="0" smtClean="0"/>
+              <a:t>Enter Key brings up search app unless auto-complete is highlighted</a:t>
+            </a:r>
+          </a:p>
+          <a:p>
+            <a:pPr marL="171450" indent="-171450">
+              <a:buFontTx/>
+              <a:buChar char="-"/>
+            </a:pPr>
+            <a:r>
+              <a:rPr lang="en-NZ" baseline="0" dirty="0" smtClean="0"/>
+              <a:t>In App search is still there but the app needs to be open. Packaged apps are moving away from search charm?</a:t>
+            </a:r>
+            <a:endParaRPr lang="en-NZ" dirty="0"/>
+          </a:p>
+        </p:txBody>
+      </p:sp>
+    </p:spTree>
+    <p:extLst>
+      <p:ext uri="{BB962C8B-B14F-4D97-AF65-F5344CB8AC3E}">
+        <p14:creationId xmlns:p14="http://schemas.microsoft.com/office/powerpoint/2010/main" val="2104304627"/>
+      </p:ext>
+    </p:extLst>
+  </p:cSld>
+  <p:clrMapOvr>
+    <a:masterClrMapping/>
+  </p:clrMapOvr>
+</p:notes>
+</file>
+
+<file path=ppt/notesSlides/notesSlide2.xml><?xml version="1.0" encoding="utf-8"?>
+<p:notes xmlns:a="http://schemas.openxmlformats.org/drawingml/2006/main" xmlns:r="http://schemas.openxmlformats.org/officeDocument/2006/relationships" xmlns:p="http://schemas.openxmlformats.org/presentationml/2006/main">
+  <p:cSld>
+    <p:spTree>
+      <p:nvGrpSpPr>
+        <p:cNvPr id="1" name=""/>
+        <p:cNvGrpSpPr/>
+        <p:nvPr/>
+      </p:nvGrpSpPr>
+      <p:grpSpPr>
+        <a:xfrm>
+          <a:off x="0" y="0"/>
+          <a:ext cx="0" cy="0"/>
+          <a:chOff x="0" y="0"/>
+          <a:chExt cx="0" cy="0"/>
+        </a:xfrm>
+      </p:grpSpPr>
+      <p:sp>
+        <p:nvSpPr>
+          <p:cNvPr id="2" name="Slide Image Placeholder 1"/>
+          <p:cNvSpPr>
+            <a:spLocks noGrp="1" noRot="1" noChangeAspect="1"/>
+          </p:cNvSpPr>
+          <p:nvPr>
+            <p:ph type="sldImg"/>
+          </p:nvPr>
+        </p:nvSpPr>
+        <p:spPr/>
+      </p:sp>
+      <p:sp>
+        <p:nvSpPr>
+          <p:cNvPr id="3" name="Notes Placeholder 2"/>
+          <p:cNvSpPr>
+            <a:spLocks noGrp="1"/>
+          </p:cNvSpPr>
+          <p:nvPr>
+            <p:ph type="body" idx="1"/>
+          </p:nvPr>
+        </p:nvSpPr>
+        <p:spPr/>
+        <p:txBody>
+          <a:bodyPr/>
+          <a:lstStyle/>
+          <a:p>
+            <a:r>
+              <a:rPr lang="en-NZ" dirty="0" smtClean="0"/>
+              <a:t>New</a:t>
+            </a:r>
+            <a:r>
+              <a:rPr lang="en-NZ" baseline="0" dirty="0" smtClean="0"/>
+              <a:t> Apps</a:t>
+            </a:r>
+          </a:p>
+          <a:p>
+            <a:pPr marL="171450" indent="-171450">
+              <a:buFontTx/>
+              <a:buChar char="-"/>
+            </a:pPr>
+            <a:r>
+              <a:rPr lang="en-NZ" dirty="0" smtClean="0"/>
+              <a:t>Health and Fitness</a:t>
+            </a:r>
+          </a:p>
+          <a:p>
+            <a:pPr marL="171450" indent="-171450">
+              <a:buFontTx/>
+              <a:buChar char="-"/>
+            </a:pPr>
+            <a:r>
+              <a:rPr lang="en-NZ" dirty="0" smtClean="0"/>
+              <a:t>Scan</a:t>
+            </a:r>
+          </a:p>
+          <a:p>
+            <a:pPr marL="171450" indent="-171450">
+              <a:buFontTx/>
+              <a:buChar char="-"/>
+            </a:pPr>
+            <a:endParaRPr lang="en-NZ" dirty="0" smtClean="0"/>
+          </a:p>
+          <a:p>
+            <a:pPr marL="0" indent="0">
+              <a:buFontTx/>
+              <a:buNone/>
+            </a:pPr>
+            <a:endParaRPr lang="en-NZ" dirty="0" smtClean="0"/>
+          </a:p>
+          <a:p>
+            <a:r>
+              <a:rPr lang="en-NZ" dirty="0" smtClean="0"/>
+              <a:t>Store</a:t>
+            </a:r>
+          </a:p>
+          <a:p>
+            <a:r>
+              <a:rPr lang="en-NZ" dirty="0" smtClean="0"/>
+              <a:t>- Doesn’t show you a blank page of never ending sorrow</a:t>
+            </a:r>
+          </a:p>
+          <a:p>
+            <a:pPr marL="171450" indent="-171450">
+              <a:buFontTx/>
+              <a:buChar char="-"/>
+            </a:pPr>
+            <a:r>
+              <a:rPr lang="en-NZ" dirty="0" smtClean="0"/>
+              <a:t>Picks for you</a:t>
+            </a:r>
+          </a:p>
+          <a:p>
+            <a:pPr marL="171450" indent="-171450">
+              <a:buFontTx/>
+              <a:buChar char="-"/>
+            </a:pPr>
+            <a:r>
+              <a:rPr lang="en-NZ" dirty="0" smtClean="0"/>
+              <a:t>App</a:t>
+            </a:r>
+            <a:r>
+              <a:rPr lang="en-NZ" baseline="0" dirty="0" smtClean="0"/>
+              <a:t> Detail Layout</a:t>
+            </a:r>
+          </a:p>
+          <a:p>
+            <a:pPr marL="171450" indent="-171450">
+              <a:buFontTx/>
+              <a:buChar char="-"/>
+            </a:pPr>
+            <a:r>
+              <a:rPr lang="en-NZ" baseline="0" dirty="0" smtClean="0"/>
+              <a:t>App Bar</a:t>
+            </a:r>
+          </a:p>
+          <a:p>
+            <a:pPr marL="171450" indent="-171450">
+              <a:buFontTx/>
+              <a:buChar char="-"/>
+            </a:pPr>
+            <a:endParaRPr lang="en-NZ" baseline="0" dirty="0" smtClean="0"/>
+          </a:p>
+          <a:p>
+            <a:pPr marL="171450" indent="-171450">
+              <a:buFontTx/>
+              <a:buChar char="-"/>
+            </a:pPr>
+            <a:r>
+              <a:rPr lang="en-NZ" baseline="0" dirty="0" smtClean="0"/>
+              <a:t>Snap</a:t>
+            </a:r>
+          </a:p>
+          <a:p>
+            <a:pPr marL="628650" lvl="1" indent="-171450">
+              <a:buFontTx/>
+              <a:buChar char="-"/>
+            </a:pPr>
+            <a:r>
+              <a:rPr lang="en-NZ" baseline="0" dirty="0" smtClean="0"/>
+              <a:t>1</a:t>
+            </a:r>
+          </a:p>
+          <a:p>
+            <a:pPr marL="628650" lvl="1" indent="-171450">
+              <a:buFontTx/>
+              <a:buChar char="-"/>
+            </a:pPr>
+            <a:r>
+              <a:rPr lang="en-NZ" baseline="0" dirty="0" smtClean="0"/>
+              <a:t>2</a:t>
+            </a:r>
+          </a:p>
+          <a:p>
+            <a:pPr marL="628650" lvl="1" indent="-171450">
+              <a:buFontTx/>
+              <a:buChar char="-"/>
+            </a:pPr>
+            <a:r>
+              <a:rPr lang="en-NZ" baseline="0" dirty="0" smtClean="0"/>
+              <a:t>3</a:t>
+            </a:r>
+          </a:p>
+          <a:p>
+            <a:pPr marL="628650" lvl="1" indent="-171450">
+              <a:buFontTx/>
+              <a:buChar char="-"/>
+            </a:pPr>
+            <a:r>
+              <a:rPr lang="en-NZ" baseline="0" dirty="0" smtClean="0"/>
+              <a:t>Open New – choice</a:t>
+            </a:r>
+          </a:p>
+          <a:p>
+            <a:pPr marL="628650" lvl="1" indent="-171450">
+              <a:buFontTx/>
+              <a:buChar char="-"/>
+            </a:pPr>
+            <a:endParaRPr lang="en-NZ" baseline="0" dirty="0" smtClean="0"/>
+          </a:p>
+          <a:p>
+            <a:pPr marL="628650" lvl="1" indent="-171450">
+              <a:buFontTx/>
+              <a:buChar char="-"/>
+            </a:pPr>
+            <a:r>
+              <a:rPr lang="en-NZ" baseline="0" dirty="0" smtClean="0"/>
+              <a:t>Windows 8 apps under 8.1</a:t>
+            </a:r>
+          </a:p>
+          <a:p>
+            <a:pPr marL="628650" lvl="1" indent="-171450">
+              <a:buFontTx/>
+              <a:buChar char="-"/>
+            </a:pPr>
+            <a:r>
+              <a:rPr lang="en-NZ" baseline="0" dirty="0" smtClean="0"/>
+              <a:t>320px – 768 = snapped</a:t>
+            </a:r>
+          </a:p>
+          <a:p>
+            <a:pPr marL="628650" lvl="1" indent="-171450">
+              <a:buFontTx/>
+              <a:buChar char="-"/>
+            </a:pPr>
+            <a:r>
+              <a:rPr lang="en-NZ" baseline="0" dirty="0" smtClean="0"/>
+              <a:t>768 - 1024px = Portrait</a:t>
+            </a:r>
+          </a:p>
+          <a:p>
+            <a:pPr marL="628650" lvl="1" indent="-171450">
+              <a:buFontTx/>
+              <a:buChar char="-"/>
+            </a:pPr>
+            <a:endParaRPr lang="en-NZ" baseline="0" dirty="0" smtClean="0"/>
+          </a:p>
+          <a:p>
+            <a:pPr marL="171450" lvl="0" indent="-171450">
+              <a:buFontTx/>
+              <a:buChar char="-"/>
+            </a:pPr>
+            <a:r>
+              <a:rPr lang="en-NZ" baseline="0" dirty="0" smtClean="0"/>
+              <a:t>Drag down to close</a:t>
+            </a:r>
+          </a:p>
+          <a:p>
+            <a:pPr marL="628650" lvl="1" indent="-171450">
+              <a:buFontTx/>
+              <a:buChar char="-"/>
+            </a:pPr>
+            <a:r>
+              <a:rPr lang="en-NZ" baseline="0" dirty="0" smtClean="0"/>
+              <a:t>Split view Store app / Task Manager</a:t>
+            </a:r>
+          </a:p>
+          <a:p>
+            <a:pPr marL="628650" lvl="1" indent="-171450">
+              <a:buFontTx/>
+              <a:buChar char="-"/>
+            </a:pPr>
+            <a:r>
+              <a:rPr lang="en-NZ" baseline="0" dirty="0" smtClean="0"/>
+              <a:t>Drag down to close</a:t>
+            </a:r>
+          </a:p>
+          <a:p>
+            <a:pPr marL="628650" lvl="1" indent="-171450">
+              <a:buFontTx/>
+              <a:buChar char="-"/>
+            </a:pPr>
+            <a:r>
+              <a:rPr lang="en-NZ" baseline="0" dirty="0" smtClean="0"/>
+              <a:t>Still running</a:t>
+            </a:r>
+          </a:p>
+          <a:p>
+            <a:pPr marL="628650" lvl="1" indent="-171450">
+              <a:buFontTx/>
+              <a:buChar char="-"/>
+            </a:pPr>
+            <a:r>
+              <a:rPr lang="en-NZ" baseline="0" dirty="0" smtClean="0"/>
+              <a:t>Repeat but wait till app icon is shown</a:t>
+            </a:r>
+          </a:p>
+          <a:p>
+            <a:pPr marL="628650" lvl="1" indent="-171450">
+              <a:buFontTx/>
+              <a:buChar char="-"/>
+            </a:pPr>
+            <a:endParaRPr lang="en-NZ" baseline="0" dirty="0" smtClean="0"/>
+          </a:p>
+          <a:p>
+            <a:pPr marL="171450" lvl="0" indent="-171450">
+              <a:buFontTx/>
+              <a:buChar char="-"/>
+            </a:pPr>
+            <a:r>
+              <a:rPr lang="en-NZ" baseline="0" dirty="0" smtClean="0"/>
+              <a:t>Charms appear closer to the mouse pointer</a:t>
+            </a:r>
+          </a:p>
+          <a:p>
+            <a:pPr marL="171450" lvl="0" indent="-171450">
+              <a:buFontTx/>
+              <a:buChar char="-"/>
+            </a:pPr>
+            <a:endParaRPr lang="en-NZ" baseline="0" dirty="0" smtClean="0"/>
+          </a:p>
+        </p:txBody>
+      </p:sp>
+    </p:spTree>
+    <p:extLst>
+      <p:ext uri="{BB962C8B-B14F-4D97-AF65-F5344CB8AC3E}">
+        <p14:creationId xmlns:p14="http://schemas.microsoft.com/office/powerpoint/2010/main" val="1566595857"/>
+      </p:ext>
+    </p:extLst>
+  </p:cSld>
+  <p:clrMapOvr>
+    <a:masterClrMapping/>
+  </p:clrMapOvr>
+</p:notes>
+</file>
+
+<file path=ppt/notesSlides/notesSlide3.xml><?xml version="1.0" encoding="utf-8"?>
+<p:notes xmlns:a="http://schemas.openxmlformats.org/drawingml/2006/main" xmlns:r="http://schemas.openxmlformats.org/officeDocument/2006/relationships" xmlns:p="http://schemas.openxmlformats.org/presentationml/2006/main">
+  <p:cSld>
+    <p:spTree>
+      <p:nvGrpSpPr>
+        <p:cNvPr id="1" name=""/>
+        <p:cNvGrpSpPr/>
+        <p:nvPr/>
+      </p:nvGrpSpPr>
+      <p:grpSpPr>
+        <a:xfrm>
+          <a:off x="0" y="0"/>
+          <a:ext cx="0" cy="0"/>
+          <a:chOff x="0" y="0"/>
+          <a:chExt cx="0" cy="0"/>
+        </a:xfrm>
+      </p:grpSpPr>
+      <p:sp>
+        <p:nvSpPr>
+          <p:cNvPr id="2" name="Slide Image Placeholder 1"/>
+          <p:cNvSpPr>
+            <a:spLocks noGrp="1" noRot="1" noChangeAspect="1"/>
+          </p:cNvSpPr>
+          <p:nvPr>
+            <p:ph type="sldImg"/>
+          </p:nvPr>
+        </p:nvSpPr>
+        <p:spPr/>
+      </p:sp>
+      <p:sp>
+        <p:nvSpPr>
+          <p:cNvPr id="3" name="Notes Placeholder 2"/>
+          <p:cNvSpPr>
+            <a:spLocks noGrp="1"/>
+          </p:cNvSpPr>
+          <p:nvPr>
+            <p:ph type="body" idx="1"/>
+          </p:nvPr>
+        </p:nvSpPr>
+        <p:spPr/>
+        <p:txBody>
+          <a:bodyPr/>
+          <a:lstStyle/>
+          <a:p>
+            <a:endParaRPr lang="en-NZ" dirty="0"/>
+          </a:p>
+        </p:txBody>
+      </p:sp>
+    </p:spTree>
+    <p:extLst>
+      <p:ext uri="{BB962C8B-B14F-4D97-AF65-F5344CB8AC3E}">
+        <p14:creationId xmlns:p14="http://schemas.microsoft.com/office/powerpoint/2010/main" val="3485577604"/>
+      </p:ext>
+    </p:extLst>
+  </p:cSld>
+  <p:clrMapOvr>
+    <a:masterClrMapping/>
+  </p:clrMapOvr>
+</p:notes>
+</file>
+
 <file path=ppt/slideLayouts/slideLayout1.xml><?xml version="1.0" encoding="utf-8"?>
 <p:sldLayout xmlns:a="http://schemas.openxmlformats.org/drawingml/2006/main" xmlns:r="http://schemas.openxmlformats.org/officeDocument/2006/relationships" xmlns:p="http://schemas.openxmlformats.org/presentationml/2006/main" type="title" preserve="1">
   <p:cSld name="Title Slide">
@@ -836,7 +1360,7 @@
           <a:p>
             <a:fld id="{27B2882D-2C5B-415E-9E91-4F10E2FB91E8}" type="datetime1">
               <a:rPr lang="en-US" smtClean="0"/>
-              <a:t>8/28/2013</a:t>
+              <a:t>8/30/2013</a:t>
             </a:fld>
             <a:endParaRPr lang="en-US"/>
           </a:p>
@@ -1002,7 +1526,7 @@
           <a:p>
             <a:fld id="{3FE0B654-7835-4B8C-B84F-A49FB20243E7}" type="datetime1">
               <a:rPr lang="en-US" smtClean="0"/>
-              <a:t>8/28/2013</a:t>
+              <a:t>8/30/2013</a:t>
             </a:fld>
             <a:endParaRPr lang="en-US"/>
           </a:p>
@@ -1178,7 +1702,7 @@
           <a:p>
             <a:fld id="{DFAA97B9-09AC-437D-ADB2-D66347E88734}" type="datetime1">
               <a:rPr lang="en-US" smtClean="0"/>
-              <a:t>8/28/2013</a:t>
+              <a:t>8/30/2013</a:t>
             </a:fld>
             <a:endParaRPr lang="en-US"/>
           </a:p>
@@ -1344,7 +1868,7 @@
           <a:p>
             <a:fld id="{4693C857-92DD-410A-8C0B-3007C496C0FC}" type="datetime1">
               <a:rPr lang="en-US" smtClean="0"/>
-              <a:t>8/28/2013</a:t>
+              <a:t>8/30/2013</a:t>
             </a:fld>
             <a:endParaRPr lang="en-US"/>
           </a:p>
@@ -1586,7 +2110,7 @@
           <a:p>
             <a:fld id="{3ED1EC2D-51E9-45C0-BBFF-7C45DCB9D6E2}" type="datetime1">
               <a:rPr lang="en-US" smtClean="0"/>
-              <a:t>8/28/2013</a:t>
+              <a:t>8/30/2013</a:t>
             </a:fld>
             <a:endParaRPr lang="en-US"/>
           </a:p>
@@ -1870,7 +2394,7 @@
           <a:p>
             <a:fld id="{72080DC6-5E97-4188-9057-288F7ECA5876}" type="datetime1">
               <a:rPr lang="en-US" smtClean="0"/>
-              <a:t>8/28/2013</a:t>
+              <a:t>8/30/2013</a:t>
             </a:fld>
             <a:endParaRPr lang="en-US"/>
           </a:p>
@@ -2288,7 +2812,7 @@
           <a:p>
             <a:fld id="{F1BE4DCF-1F7E-4739-8487-7FF753A2C6FB}" type="datetime1">
               <a:rPr lang="en-US" smtClean="0"/>
-              <a:t>8/28/2013</a:t>
+              <a:t>8/30/2013</a:t>
             </a:fld>
             <a:endParaRPr lang="en-US"/>
           </a:p>
@@ -2402,7 +2926,7 @@
           <a:p>
             <a:fld id="{DF87845E-2D21-4665-BD6E-FD42BAE64A4E}" type="datetime1">
               <a:rPr lang="en-US" smtClean="0"/>
-              <a:t>8/28/2013</a:t>
+              <a:t>8/30/2013</a:t>
             </a:fld>
             <a:endParaRPr lang="en-US"/>
           </a:p>
@@ -2493,7 +3017,7 @@
           <a:p>
             <a:fld id="{CAC2D25A-8247-4FE1-AD59-2F9BBEB7005C}" type="datetime1">
               <a:rPr lang="en-US" smtClean="0"/>
-              <a:t>8/28/2013</a:t>
+              <a:t>8/30/2013</a:t>
             </a:fld>
             <a:endParaRPr lang="en-US"/>
           </a:p>
@@ -2766,7 +3290,7 @@
           <a:p>
             <a:fld id="{8E239F14-F4AB-46AA-9314-BE83D40BE308}" type="datetime1">
               <a:rPr lang="en-US" smtClean="0"/>
-              <a:t>8/28/2013</a:t>
+              <a:t>8/30/2013</a:t>
             </a:fld>
             <a:endParaRPr lang="en-US"/>
           </a:p>
@@ -3015,7 +3539,7 @@
           <a:p>
             <a:fld id="{35B379C5-8BBA-4AE4-86E1-BE81FA04CC86}" type="datetime1">
               <a:rPr lang="en-US" smtClean="0"/>
-              <a:t>8/28/2013</a:t>
+              <a:t>8/30/2013</a:t>
             </a:fld>
             <a:endParaRPr lang="en-US"/>
           </a:p>
@@ -3224,7 +3748,7 @@
           <a:p>
             <a:fld id="{D0CCED58-6F3F-4589-BCCA-6C233D41C43B}" type="datetime1">
               <a:rPr lang="en-US" smtClean="0"/>
-              <a:t>8/28/2013</a:t>
+              <a:t>8/30/2013</a:t>
             </a:fld>
             <a:endParaRPr lang="en-US"/>
           </a:p>
@@ -3665,6 +4189,245 @@
       </p:grpSpPr>
       <p:pic>
         <p:nvPicPr>
+          <p:cNvPr id="6" name="Picture 5"/>
+          <p:cNvPicPr>
+            <a:picLocks noChangeAspect="1"/>
+          </p:cNvPicPr>
+          <p:nvPr/>
+        </p:nvPicPr>
+        <p:blipFill>
+          <a:blip r:embed="rId2">
+            <a:extLst>
+              <a:ext uri="{28A0092B-C50C-407E-A947-70E740481C1C}">
+                <a14:useLocalDpi xmlns:a14="http://schemas.microsoft.com/office/drawing/2010/main" val="0"/>
+              </a:ext>
+            </a:extLst>
+          </a:blip>
+          <a:stretch>
+            <a:fillRect/>
+          </a:stretch>
+        </p:blipFill>
+        <p:spPr>
+          <a:xfrm>
+            <a:off x="0" y="0"/>
+            <a:ext cx="9144000" cy="6858000"/>
+          </a:xfrm>
+          <a:prstGeom prst="rect">
+            <a:avLst/>
+          </a:prstGeom>
+        </p:spPr>
+      </p:pic>
+      <p:sp>
+        <p:nvSpPr>
+          <p:cNvPr id="3" name="TextBox 2"/>
+          <p:cNvSpPr txBox="1"/>
+          <p:nvPr/>
+        </p:nvSpPr>
+        <p:spPr>
+          <a:xfrm>
+            <a:off x="3200400" y="533400"/>
+            <a:ext cx="5410200" cy="338554"/>
+          </a:xfrm>
+          <a:prstGeom prst="rect">
+            <a:avLst/>
+          </a:prstGeom>
+          <a:noFill/>
+        </p:spPr>
+        <p:txBody>
+          <a:bodyPr wrap="square" rtlCol="0">
+            <a:spAutoFit/>
+          </a:bodyPr>
+          <a:lstStyle/>
+          <a:p>
+            <a:pPr algn="r"/>
+            <a:r>
+              <a:rPr lang="en-NZ" sz="1600" dirty="0" smtClean="0">
+                <a:solidFill>
+                  <a:schemeClr val="tx1">
+                    <a:lumMod val="50000"/>
+                    <a:lumOff val="50000"/>
+                  </a:schemeClr>
+                </a:solidFill>
+                <a:latin typeface="Segoe UI Semilight" panose="020B0402040204020203" pitchFamily="34" charset="0"/>
+                <a:cs typeface="Segoe UI Semilight" panose="020B0402040204020203" pitchFamily="34" charset="0"/>
+              </a:rPr>
+              <a:t>INTRODUCING MARKER METRO</a:t>
+            </a:r>
+            <a:endParaRPr lang="en-NZ" sz="1600" dirty="0">
+              <a:solidFill>
+                <a:schemeClr val="tx1">
+                  <a:lumMod val="50000"/>
+                  <a:lumOff val="50000"/>
+                </a:schemeClr>
+              </a:solidFill>
+              <a:latin typeface="Segoe UI Semilight" panose="020B0402040204020203" pitchFamily="34" charset="0"/>
+              <a:cs typeface="Segoe UI Semilight" panose="020B0402040204020203" pitchFamily="34" charset="0"/>
+            </a:endParaRPr>
+          </a:p>
+        </p:txBody>
+      </p:sp>
+      <p:sp>
+        <p:nvSpPr>
+          <p:cNvPr id="5" name="TextBox 4"/>
+          <p:cNvSpPr txBox="1"/>
+          <p:nvPr/>
+        </p:nvSpPr>
+        <p:spPr>
+          <a:xfrm>
+            <a:off x="533400" y="1487269"/>
+            <a:ext cx="7467600" cy="646331"/>
+          </a:xfrm>
+          <a:prstGeom prst="rect">
+            <a:avLst/>
+          </a:prstGeom>
+          <a:noFill/>
+        </p:spPr>
+        <p:txBody>
+          <a:bodyPr wrap="square" rtlCol="0">
+            <a:spAutoFit/>
+          </a:bodyPr>
+          <a:lstStyle/>
+          <a:p>
+            <a:r>
+              <a:rPr lang="en-NZ" sz="3600" dirty="0">
+                <a:solidFill>
+                  <a:schemeClr val="tx1">
+                    <a:lumMod val="75000"/>
+                    <a:lumOff val="25000"/>
+                  </a:schemeClr>
+                </a:solidFill>
+                <a:latin typeface="Proxima Nova Alt Lt" pitchFamily="50" charset="0"/>
+              </a:rPr>
+              <a:t>m</a:t>
+            </a:r>
+            <a:r>
+              <a:rPr lang="en-NZ" sz="3600" dirty="0" smtClean="0">
+                <a:solidFill>
+                  <a:schemeClr val="tx1">
+                    <a:lumMod val="75000"/>
+                    <a:lumOff val="25000"/>
+                  </a:schemeClr>
+                </a:solidFill>
+                <a:latin typeface="Proxima Nova Alt Lt" pitchFamily="50" charset="0"/>
+              </a:rPr>
+              <a:t>arker metro</a:t>
+            </a:r>
+            <a:endParaRPr lang="en-NZ" sz="3600" dirty="0">
+              <a:solidFill>
+                <a:schemeClr val="tx1">
+                  <a:lumMod val="75000"/>
+                  <a:lumOff val="25000"/>
+                </a:schemeClr>
+              </a:solidFill>
+              <a:latin typeface="Proxima Nova Alt Lt" pitchFamily="50" charset="0"/>
+            </a:endParaRPr>
+          </a:p>
+        </p:txBody>
+      </p:sp>
+      <p:sp>
+        <p:nvSpPr>
+          <p:cNvPr id="7" name="TextBox 6"/>
+          <p:cNvSpPr txBox="1"/>
+          <p:nvPr/>
+        </p:nvSpPr>
+        <p:spPr>
+          <a:xfrm>
+            <a:off x="533400" y="2296180"/>
+            <a:ext cx="7848600" cy="1692771"/>
+          </a:xfrm>
+          <a:prstGeom prst="rect">
+            <a:avLst/>
+          </a:prstGeom>
+          <a:noFill/>
+        </p:spPr>
+        <p:txBody>
+          <a:bodyPr wrap="square" rtlCol="0">
+            <a:spAutoFit/>
+          </a:bodyPr>
+          <a:lstStyle/>
+          <a:p>
+            <a:r>
+              <a:rPr lang="en-NZ" sz="2600" dirty="0">
+                <a:latin typeface="Proxima Nova Alt Lt" pitchFamily="50" charset="0"/>
+              </a:rPr>
+              <a:t>The first 100% Metro </a:t>
+            </a:r>
+            <a:r>
+              <a:rPr lang="en-NZ" sz="2600" dirty="0" smtClean="0">
+                <a:latin typeface="Proxima Nova Alt Lt" pitchFamily="50" charset="0"/>
+              </a:rPr>
+              <a:t>agency. </a:t>
+            </a:r>
+          </a:p>
+          <a:p>
+            <a:endParaRPr lang="en-NZ" sz="2600" dirty="0">
+              <a:latin typeface="Proxima Nova Alt Lt" pitchFamily="50" charset="0"/>
+            </a:endParaRPr>
+          </a:p>
+          <a:p>
+            <a:r>
+              <a:rPr lang="en-NZ" sz="2600" dirty="0" smtClean="0">
+                <a:latin typeface="Proxima Nova Alt Lt" pitchFamily="50" charset="0"/>
+              </a:rPr>
+              <a:t>We design and build world-class</a:t>
+            </a:r>
+            <a:r>
+              <a:rPr lang="en-NZ" sz="2600" dirty="0">
+                <a:latin typeface="Proxima Nova Alt Lt" pitchFamily="50" charset="0"/>
+              </a:rPr>
+              <a:t>, award-winning apps for </a:t>
+            </a:r>
+            <a:r>
+              <a:rPr lang="en-NZ" sz="2600" dirty="0" smtClean="0">
+                <a:latin typeface="Proxima Nova Alt Lt" pitchFamily="50" charset="0"/>
+              </a:rPr>
+              <a:t>Windows. </a:t>
+            </a:r>
+            <a:endParaRPr lang="en-NZ" sz="2600" dirty="0">
+              <a:latin typeface="Proxima Nova Alt Lt" pitchFamily="50" charset="0"/>
+            </a:endParaRPr>
+          </a:p>
+        </p:txBody>
+      </p:sp>
+    </p:spTree>
+    <p:extLst>
+      <p:ext uri="{BB962C8B-B14F-4D97-AF65-F5344CB8AC3E}">
+        <p14:creationId xmlns:p14="http://schemas.microsoft.com/office/powerpoint/2010/main" val="1968027101"/>
+      </p:ext>
+    </p:extLst>
+  </p:cSld>
+  <p:clrMapOvr>
+    <a:masterClrMapping/>
+  </p:clrMapOvr>
+  <p:timing>
+    <p:tnLst>
+      <p:par>
+        <p:cTn id="1" dur="indefinite" restart="never" nodeType="tmRoot"/>
+      </p:par>
+    </p:tnLst>
+  </p:timing>
+</p:sld>
+</file>
+
+<file path=ppt/slides/slide11.xml><?xml version="1.0" encoding="utf-8"?>
+<p:sld xmlns:a="http://schemas.openxmlformats.org/drawingml/2006/main" xmlns:r="http://schemas.openxmlformats.org/officeDocument/2006/relationships" xmlns:p="http://schemas.openxmlformats.org/presentationml/2006/main">
+  <p:cSld>
+    <p:spTree>
+      <p:nvGrpSpPr>
+        <p:cNvPr id="1" name=""/>
+        <p:cNvGrpSpPr/>
+        <p:nvPr/>
+      </p:nvGrpSpPr>
+      <p:grpSpPr>
+        <a:xfrm>
+          <a:off x="0" y="0"/>
+          <a:ext cx="0" cy="0"/>
+          <a:chOff x="0" y="0"/>
+          <a:chExt cx="0" cy="0"/>
+        </a:xfrm>
+      </p:grpSpPr>
+      <p:pic>
+        <p:nvPicPr>
           <p:cNvPr id="2" name="Picture 1"/>
           <p:cNvPicPr>
             <a:picLocks noChangeAspect="1"/>
@@ -4188,7 +4951,7 @@
         <p:spPr>
           <a:xfrm>
             <a:off x="612512" y="1752600"/>
-            <a:ext cx="2587888" cy="3785652"/>
+            <a:ext cx="7159888" cy="3785652"/>
           </a:xfrm>
           <a:prstGeom prst="rect">
             <a:avLst/>
@@ -4196,7 +4959,7 @@
           <a:noFill/>
         </p:spPr>
         <p:txBody>
-          <a:bodyPr wrap="none" rtlCol="0">
+          <a:bodyPr wrap="square" rtlCol="0">
             <a:spAutoFit/>
           </a:bodyPr>
           <a:lstStyle/>
@@ -4407,7 +5170,7 @@
           <p:nvPr/>
         </p:nvPicPr>
         <p:blipFill>
-          <a:blip r:embed="rId2">
+          <a:blip r:embed="rId3">
             <a:extLst>
               <a:ext uri="{28A0092B-C50C-407E-A947-70E740481C1C}">
                 <a14:useLocalDpi xmlns:a14="http://schemas.microsoft.com/office/drawing/2010/main" val="0"/>
@@ -4486,7 +5249,7 @@
         <p:spPr>
           <a:xfrm>
             <a:off x="609600" y="1524000"/>
-            <a:ext cx="5693995" cy="6124754"/>
+            <a:ext cx="6651949" cy="6370975"/>
           </a:xfrm>
           <a:prstGeom prst="rect">
             <a:avLst/>
@@ -4504,7 +5267,7 @@
               <a:buChar char="•"/>
             </a:pPr>
             <a:r>
-              <a:rPr lang="en-NZ" sz="2000" dirty="0" smtClean="0">
+              <a:rPr lang="en-NZ" sz="2400" dirty="0" smtClean="0">
                 <a:solidFill>
                   <a:srgbClr val="3A537B"/>
                 </a:solidFill>
@@ -4515,59 +5278,11 @@
             </a:r>
           </a:p>
           <a:p>
-            <a:pPr marL="742950" lvl="1" indent="-285750">
+            <a:pPr marL="285750" indent="-285750">
               <a:buFont typeface="Arial" panose="020B0604020202020204" pitchFamily="34" charset="0"/>
               <a:buChar char="•"/>
             </a:pPr>
-            <a:r>
-              <a:rPr lang="en-NZ" sz="2000" dirty="0" smtClean="0">
-                <a:solidFill>
-                  <a:srgbClr val="3A537B"/>
-                </a:solidFill>
-                <a:latin typeface="Segoe UI Semilight" panose="020B0402040204020203" pitchFamily="34" charset="0"/>
-                <a:cs typeface="Segoe UI Semilight" panose="020B0402040204020203" pitchFamily="34" charset="0"/>
-              </a:rPr>
-              <a:t>Multi-size tile (Small, Medium, Wide, Large)</a:t>
-            </a:r>
-          </a:p>
-          <a:p>
-            <a:pPr marL="742950" lvl="1" indent="-285750">
-              <a:buFont typeface="Arial" panose="020B0604020202020204" pitchFamily="34" charset="0"/>
-              <a:buChar char="•"/>
-            </a:pPr>
-            <a:r>
-              <a:rPr lang="en-NZ" sz="2000" dirty="0" smtClean="0">
-                <a:solidFill>
-                  <a:srgbClr val="3A537B"/>
-                </a:solidFill>
-                <a:latin typeface="Segoe UI Semilight" panose="020B0402040204020203" pitchFamily="34" charset="0"/>
-                <a:cs typeface="Segoe UI Semilight" panose="020B0402040204020203" pitchFamily="34" charset="0"/>
-              </a:rPr>
-              <a:t>Swipe up for all Apps</a:t>
-            </a:r>
-          </a:p>
-          <a:p>
-            <a:pPr marL="742950" lvl="1" indent="-285750">
-              <a:buFont typeface="Arial" panose="020B0604020202020204" pitchFamily="34" charset="0"/>
-              <a:buChar char="•"/>
-            </a:pPr>
-            <a:r>
-              <a:rPr lang="en-NZ" sz="2000" dirty="0" smtClean="0">
-                <a:solidFill>
-                  <a:srgbClr val="3A537B"/>
-                </a:solidFill>
-                <a:latin typeface="Segoe UI Semilight" panose="020B0402040204020203" pitchFamily="34" charset="0"/>
-                <a:cs typeface="Segoe UI Semilight" panose="020B0402040204020203" pitchFamily="34" charset="0"/>
-              </a:rPr>
-              <a:t>Search Changes</a:t>
-            </a:r>
-          </a:p>
-          <a:p>
-            <a:pPr marL="742950" lvl="1" indent="-285750">
-              <a:buFont typeface="Arial" panose="020B0604020202020204" pitchFamily="34" charset="0"/>
-              <a:buChar char="•"/>
-            </a:pPr>
-            <a:endParaRPr lang="en-NZ" sz="2000" dirty="0" smtClean="0">
+            <a:endParaRPr lang="en-NZ" sz="2400" dirty="0" smtClean="0">
               <a:solidFill>
                 <a:srgbClr val="3A537B"/>
               </a:solidFill>
@@ -4576,91 +5291,21 @@
             </a:endParaRPr>
           </a:p>
           <a:p>
-            <a:pPr marL="285750" indent="-285750">
+            <a:pPr marL="742950" lvl="1" indent="-285750">
               <a:buFont typeface="Arial" panose="020B0604020202020204" pitchFamily="34" charset="0"/>
               <a:buChar char="•"/>
             </a:pPr>
             <a:r>
-              <a:rPr lang="en-NZ" sz="2000" dirty="0" smtClean="0">
+              <a:rPr lang="en-NZ" sz="2400" dirty="0" smtClean="0">
                 <a:solidFill>
                   <a:srgbClr val="3A537B"/>
                 </a:solidFill>
                 <a:latin typeface="Segoe UI Semilight" panose="020B0402040204020203" pitchFamily="34" charset="0"/>
                 <a:cs typeface="Segoe UI Semilight" panose="020B0402040204020203" pitchFamily="34" charset="0"/>
               </a:rPr>
-              <a:t>Updated Apps</a:t>
-            </a:r>
-          </a:p>
-          <a:p>
-            <a:pPr marL="742950" lvl="1" indent="-285750">
-              <a:buFont typeface="Arial" panose="020B0604020202020204" pitchFamily="34" charset="0"/>
-              <a:buChar char="•"/>
-            </a:pPr>
-            <a:r>
-              <a:rPr lang="en-NZ" sz="2000" dirty="0" smtClean="0">
-                <a:solidFill>
-                  <a:srgbClr val="3A537B"/>
-                </a:solidFill>
-                <a:latin typeface="Segoe UI Semilight" panose="020B0402040204020203" pitchFamily="34" charset="0"/>
-                <a:cs typeface="Segoe UI Semilight" panose="020B0402040204020203" pitchFamily="34" charset="0"/>
-              </a:rPr>
-              <a:t>Mail</a:t>
-            </a:r>
-          </a:p>
-          <a:p>
-            <a:pPr marL="742950" lvl="1" indent="-285750">
-              <a:buFont typeface="Arial" panose="020B0604020202020204" pitchFamily="34" charset="0"/>
-              <a:buChar char="•"/>
-            </a:pPr>
-            <a:r>
-              <a:rPr lang="en-NZ" sz="2000" dirty="0" smtClean="0">
-                <a:solidFill>
-                  <a:srgbClr val="3A537B"/>
-                </a:solidFill>
-                <a:latin typeface="Segoe UI Semilight" panose="020B0402040204020203" pitchFamily="34" charset="0"/>
-                <a:cs typeface="Segoe UI Semilight" panose="020B0402040204020203" pitchFamily="34" charset="0"/>
-              </a:rPr>
-              <a:t>Calendar</a:t>
-            </a:r>
-          </a:p>
-          <a:p>
-            <a:pPr marL="742950" lvl="1" indent="-285750">
-              <a:buFont typeface="Arial" panose="020B0604020202020204" pitchFamily="34" charset="0"/>
-              <a:buChar char="•"/>
-            </a:pPr>
-            <a:r>
-              <a:rPr lang="en-NZ" sz="2000" dirty="0" smtClean="0">
-                <a:solidFill>
-                  <a:srgbClr val="3A537B"/>
-                </a:solidFill>
-                <a:latin typeface="Segoe UI Semilight" panose="020B0402040204020203" pitchFamily="34" charset="0"/>
-                <a:cs typeface="Segoe UI Semilight" panose="020B0402040204020203" pitchFamily="34" charset="0"/>
-              </a:rPr>
-              <a:t>People </a:t>
-            </a:r>
-          </a:p>
-          <a:p>
-            <a:pPr marL="742950" lvl="1" indent="-285750">
-              <a:buFont typeface="Arial" panose="020B0604020202020204" pitchFamily="34" charset="0"/>
-              <a:buChar char="•"/>
-            </a:pPr>
-            <a:r>
-              <a:rPr lang="en-NZ" sz="2000" dirty="0" smtClean="0">
-                <a:solidFill>
-                  <a:srgbClr val="3A537B"/>
-                </a:solidFill>
-                <a:latin typeface="Segoe UI Semilight" panose="020B0402040204020203" pitchFamily="34" charset="0"/>
-                <a:cs typeface="Segoe UI Semilight" panose="020B0402040204020203" pitchFamily="34" charset="0"/>
-              </a:rPr>
-              <a:t>Movie Moments*</a:t>
-            </a:r>
-          </a:p>
-          <a:p>
-            <a:pPr marL="742950" lvl="1" indent="-285750">
-              <a:buFont typeface="Arial" panose="020B0604020202020204" pitchFamily="34" charset="0"/>
-              <a:buChar char="•"/>
-            </a:pPr>
-            <a:endParaRPr lang="en-NZ" sz="2000" dirty="0" smtClean="0">
+              <a:t>Background</a:t>
+            </a:r>
+            <a:endParaRPr lang="en-NZ" sz="2400" dirty="0" smtClean="0">
               <a:solidFill>
                 <a:srgbClr val="3A537B"/>
               </a:solidFill>
@@ -4669,27 +5314,31 @@
             </a:endParaRPr>
           </a:p>
           <a:p>
-            <a:pPr marL="285750" indent="-285750">
+            <a:pPr marL="742950" lvl="1" indent="-285750">
               <a:buFont typeface="Arial" panose="020B0604020202020204" pitchFamily="34" charset="0"/>
               <a:buChar char="•"/>
             </a:pPr>
             <a:r>
-              <a:rPr lang="en-NZ" sz="2000" dirty="0" smtClean="0">
+              <a:rPr lang="en-NZ" sz="2400" dirty="0" smtClean="0">
                 <a:solidFill>
                   <a:srgbClr val="3A537B"/>
                 </a:solidFill>
                 <a:latin typeface="Segoe UI Semilight" panose="020B0402040204020203" pitchFamily="34" charset="0"/>
                 <a:cs typeface="Segoe UI Semilight" panose="020B0402040204020203" pitchFamily="34" charset="0"/>
               </a:rPr>
-              <a:t>Auto-Update</a:t>
-            </a:r>
-          </a:p>
-          <a:p>
-            <a:pPr marL="285750" indent="-285750">
-              <a:buFont typeface="Arial" panose="020B0604020202020204" pitchFamily="34" charset="0"/>
-              <a:buChar char="•"/>
-            </a:pPr>
-            <a:endParaRPr lang="en-NZ" sz="2000" dirty="0" smtClean="0">
+              <a:t>Multi-size tile (Small, Medium, Wide, Large</a:t>
+            </a:r>
+            <a:r>
+              <a:rPr lang="en-NZ" sz="2400" dirty="0" smtClean="0">
+                <a:solidFill>
+                  <a:srgbClr val="3A537B"/>
+                </a:solidFill>
+                <a:latin typeface="Segoe UI Semilight" panose="020B0402040204020203" pitchFamily="34" charset="0"/>
+                <a:cs typeface="Segoe UI Semilight" panose="020B0402040204020203" pitchFamily="34" charset="0"/>
+              </a:rPr>
+              <a:t>)</a:t>
+            </a:r>
+            <a:endParaRPr lang="en-NZ" sz="2400" dirty="0" smtClean="0">
               <a:solidFill>
                 <a:srgbClr val="3A537B"/>
               </a:solidFill>
@@ -4698,27 +5347,31 @@
             </a:endParaRPr>
           </a:p>
           <a:p>
-            <a:pPr marL="285750" indent="-285750">
+            <a:pPr marL="742950" lvl="1" indent="-285750">
               <a:buFont typeface="Arial" panose="020B0604020202020204" pitchFamily="34" charset="0"/>
               <a:buChar char="•"/>
             </a:pPr>
             <a:r>
-              <a:rPr lang="en-NZ" sz="2000" dirty="0" smtClean="0">
+              <a:rPr lang="en-NZ" sz="2400" dirty="0" smtClean="0">
                 <a:solidFill>
                   <a:srgbClr val="3A537B"/>
                 </a:solidFill>
                 <a:latin typeface="Segoe UI Semilight" panose="020B0402040204020203" pitchFamily="34" charset="0"/>
                 <a:cs typeface="Segoe UI Semilight" panose="020B0402040204020203" pitchFamily="34" charset="0"/>
               </a:rPr>
-              <a:t>Snap</a:t>
-            </a:r>
-          </a:p>
-          <a:p>
-            <a:pPr marL="285750" indent="-285750">
-              <a:buFont typeface="Arial" panose="020B0604020202020204" pitchFamily="34" charset="0"/>
-              <a:buChar char="•"/>
-            </a:pPr>
-            <a:endParaRPr lang="en-NZ" sz="2000" dirty="0">
+              <a:t>Swipe up for all </a:t>
+            </a:r>
+            <a:r>
+              <a:rPr lang="en-NZ" sz="2400" dirty="0" smtClean="0">
+                <a:solidFill>
+                  <a:srgbClr val="3A537B"/>
+                </a:solidFill>
+                <a:latin typeface="Segoe UI Semilight" panose="020B0402040204020203" pitchFamily="34" charset="0"/>
+                <a:cs typeface="Segoe UI Semilight" panose="020B0402040204020203" pitchFamily="34" charset="0"/>
+              </a:rPr>
+              <a:t>Apps</a:t>
+            </a:r>
+            <a:endParaRPr lang="en-NZ" sz="2400" dirty="0" smtClean="0">
               <a:solidFill>
                 <a:srgbClr val="3A537B"/>
               </a:solidFill>
@@ -4727,20 +5380,166 @@
             </a:endParaRPr>
           </a:p>
           <a:p>
+            <a:pPr marL="742950" lvl="1" indent="-285750">
+              <a:buFont typeface="Arial" panose="020B0604020202020204" pitchFamily="34" charset="0"/>
+              <a:buChar char="•"/>
+            </a:pPr>
+            <a:r>
+              <a:rPr lang="en-NZ" sz="2400" dirty="0" smtClean="0">
+                <a:solidFill>
+                  <a:srgbClr val="3A537B"/>
+                </a:solidFill>
+                <a:latin typeface="Segoe UI Semilight" panose="020B0402040204020203" pitchFamily="34" charset="0"/>
+                <a:cs typeface="Segoe UI Semilight" panose="020B0402040204020203" pitchFamily="34" charset="0"/>
+              </a:rPr>
+              <a:t>Search </a:t>
+            </a:r>
+            <a:r>
+              <a:rPr lang="en-NZ" sz="2400" dirty="0" smtClean="0">
+                <a:solidFill>
+                  <a:srgbClr val="3A537B"/>
+                </a:solidFill>
+                <a:latin typeface="Segoe UI Semilight" panose="020B0402040204020203" pitchFamily="34" charset="0"/>
+                <a:cs typeface="Segoe UI Semilight" panose="020B0402040204020203" pitchFamily="34" charset="0"/>
+              </a:rPr>
+              <a:t>Changes</a:t>
+            </a:r>
+          </a:p>
+          <a:p>
             <a:pPr marL="285750" indent="-285750">
               <a:buFont typeface="Arial" panose="020B0604020202020204" pitchFamily="34" charset="0"/>
               <a:buChar char="•"/>
             </a:pPr>
-            <a:r>
-              <a:rPr lang="en-NZ" sz="2000" dirty="0" smtClean="0">
+            <a:endParaRPr lang="en-NZ" sz="2400" dirty="0">
+              <a:solidFill>
+                <a:srgbClr val="3A537B"/>
+              </a:solidFill>
+              <a:latin typeface="Segoe UI Semilight" panose="020B0402040204020203" pitchFamily="34" charset="0"/>
+              <a:cs typeface="Segoe UI Semilight" panose="020B0402040204020203" pitchFamily="34" charset="0"/>
+            </a:endParaRPr>
+          </a:p>
+          <a:p>
+            <a:pPr marL="285750" indent="-285750">
+              <a:buFont typeface="Arial" panose="020B0604020202020204" pitchFamily="34" charset="0"/>
+              <a:buChar char="•"/>
+            </a:pPr>
+            <a:r>
+              <a:rPr lang="en-NZ" sz="2400" dirty="0" smtClean="0">
                 <a:solidFill>
                   <a:srgbClr val="3A537B"/>
                 </a:solidFill>
                 <a:latin typeface="Segoe UI Semilight" panose="020B0402040204020203" pitchFamily="34" charset="0"/>
                 <a:cs typeface="Segoe UI Semilight" panose="020B0402040204020203" pitchFamily="34" charset="0"/>
               </a:rPr>
-              <a:t>Drag down to close gesture changes</a:t>
-            </a:r>
+              <a:t>Share</a:t>
+            </a:r>
+          </a:p>
+          <a:p>
+            <a:pPr marL="742950" lvl="1" indent="-285750">
+              <a:buFont typeface="Arial" panose="020B0604020202020204" pitchFamily="34" charset="0"/>
+              <a:buChar char="•"/>
+            </a:pPr>
+            <a:r>
+              <a:rPr lang="en-NZ" sz="2400" dirty="0" smtClean="0">
+                <a:solidFill>
+                  <a:srgbClr val="3A537B"/>
+                </a:solidFill>
+                <a:latin typeface="Segoe UI Semilight" panose="020B0402040204020203" pitchFamily="34" charset="0"/>
+                <a:cs typeface="Segoe UI Semilight" panose="020B0402040204020203" pitchFamily="34" charset="0"/>
+              </a:rPr>
+              <a:t>Description</a:t>
+            </a:r>
+          </a:p>
+          <a:p>
+            <a:pPr marL="742950" lvl="1" indent="-285750">
+              <a:buFont typeface="Arial" panose="020B0604020202020204" pitchFamily="34" charset="0"/>
+              <a:buChar char="•"/>
+            </a:pPr>
+            <a:r>
+              <a:rPr lang="en-NZ" sz="2400" dirty="0" smtClean="0">
+                <a:solidFill>
+                  <a:srgbClr val="3A537B"/>
+                </a:solidFill>
+                <a:latin typeface="Segoe UI Semilight" panose="020B0402040204020203" pitchFamily="34" charset="0"/>
+                <a:cs typeface="Segoe UI Semilight" panose="020B0402040204020203" pitchFamily="34" charset="0"/>
+              </a:rPr>
+              <a:t>Screenshot</a:t>
+            </a:r>
+          </a:p>
+          <a:p>
+            <a:pPr marL="742950" lvl="1" indent="-285750">
+              <a:buFont typeface="Arial" panose="020B0604020202020204" pitchFamily="34" charset="0"/>
+              <a:buChar char="•"/>
+            </a:pPr>
+            <a:r>
+              <a:rPr lang="en-NZ" sz="2400" dirty="0" smtClean="0">
+                <a:solidFill>
+                  <a:srgbClr val="3A537B"/>
+                </a:solidFill>
+                <a:latin typeface="Segoe UI Semilight" panose="020B0402040204020203" pitchFamily="34" charset="0"/>
+                <a:cs typeface="Segoe UI Semilight" panose="020B0402040204020203" pitchFamily="34" charset="0"/>
+              </a:rPr>
+              <a:t>Link to Store</a:t>
+            </a:r>
+          </a:p>
+          <a:p>
+            <a:pPr marL="742950" lvl="1" indent="-285750">
+              <a:buFont typeface="Arial" panose="020B0604020202020204" pitchFamily="34" charset="0"/>
+              <a:buChar char="•"/>
+            </a:pPr>
+            <a:r>
+              <a:rPr lang="en-NZ" sz="2400" dirty="0" smtClean="0">
+                <a:solidFill>
+                  <a:srgbClr val="3A537B"/>
+                </a:solidFill>
+                <a:latin typeface="Segoe UI Semilight" panose="020B0402040204020203" pitchFamily="34" charset="0"/>
+                <a:cs typeface="Segoe UI Semilight" panose="020B0402040204020203" pitchFamily="34" charset="0"/>
+              </a:rPr>
+              <a:t>Share </a:t>
+            </a:r>
+            <a:r>
+              <a:rPr lang="en-NZ" sz="2400" smtClean="0">
+                <a:solidFill>
+                  <a:srgbClr val="3A537B"/>
+                </a:solidFill>
+                <a:latin typeface="Segoe UI Semilight" panose="020B0402040204020203" pitchFamily="34" charset="0"/>
+                <a:cs typeface="Segoe UI Semilight" panose="020B0402040204020203" pitchFamily="34" charset="0"/>
+              </a:rPr>
+              <a:t>from Snapped</a:t>
+            </a:r>
+            <a:endParaRPr lang="en-NZ" sz="2400" dirty="0" smtClean="0">
+              <a:solidFill>
+                <a:srgbClr val="3A537B"/>
+              </a:solidFill>
+              <a:latin typeface="Segoe UI Semilight" panose="020B0402040204020203" pitchFamily="34" charset="0"/>
+              <a:cs typeface="Segoe UI Semilight" panose="020B0402040204020203" pitchFamily="34" charset="0"/>
+            </a:endParaRPr>
+          </a:p>
+          <a:p>
+            <a:pPr marL="742950" lvl="1" indent="-285750">
+              <a:buFont typeface="Arial" panose="020B0604020202020204" pitchFamily="34" charset="0"/>
+              <a:buChar char="•"/>
+            </a:pPr>
+            <a:endParaRPr lang="en-NZ" sz="2400" dirty="0" smtClean="0">
+              <a:solidFill>
+                <a:srgbClr val="3A537B"/>
+              </a:solidFill>
+              <a:latin typeface="Segoe UI Semilight" panose="020B0402040204020203" pitchFamily="34" charset="0"/>
+              <a:cs typeface="Segoe UI Semilight" panose="020B0402040204020203" pitchFamily="34" charset="0"/>
+            </a:endParaRPr>
+          </a:p>
+          <a:p>
+            <a:pPr marL="742950" lvl="1" indent="-285750">
+              <a:buFont typeface="Arial" panose="020B0604020202020204" pitchFamily="34" charset="0"/>
+              <a:buChar char="•"/>
+            </a:pPr>
+            <a:endParaRPr lang="en-NZ" sz="2400" dirty="0" smtClean="0">
+              <a:solidFill>
+                <a:srgbClr val="3A537B"/>
+              </a:solidFill>
+              <a:latin typeface="Segoe UI Semilight" panose="020B0402040204020203" pitchFamily="34" charset="0"/>
+              <a:cs typeface="Segoe UI Semilight" panose="020B0402040204020203" pitchFamily="34" charset="0"/>
+            </a:endParaRPr>
           </a:p>
           <a:p>
             <a:pPr marL="742950" lvl="1" indent="-285750">
@@ -4829,7 +5628,7 @@
           <p:nvPr/>
         </p:nvPicPr>
         <p:blipFill>
-          <a:blip r:embed="rId2">
+          <a:blip r:embed="rId3">
             <a:extLst>
               <a:ext uri="{28A0092B-C50C-407E-A947-70E740481C1C}">
                 <a14:useLocalDpi xmlns:a14="http://schemas.microsoft.com/office/drawing/2010/main" val="0"/>
@@ -4901,14 +5700,14 @@
       </p:sp>
       <p:sp>
         <p:nvSpPr>
-          <p:cNvPr id="4" name="TextBox 3"/>
+          <p:cNvPr id="2" name="TextBox 1"/>
           <p:cNvSpPr txBox="1"/>
           <p:nvPr/>
         </p:nvSpPr>
         <p:spPr>
           <a:xfrm>
-            <a:off x="533400" y="3048000"/>
-            <a:ext cx="6324600" cy="1323439"/>
+            <a:off x="609600" y="1524000"/>
+            <a:ext cx="5301388" cy="6247864"/>
           </a:xfrm>
           <a:prstGeom prst="rect">
             <a:avLst/>
@@ -4916,35 +5715,284 @@
           <a:noFill/>
         </p:spPr>
         <p:txBody>
-          <a:bodyPr wrap="square" rtlCol="0">
+          <a:bodyPr wrap="none" rtlCol="0">
             <a:spAutoFit/>
           </a:bodyPr>
           <a:lstStyle/>
           <a:p>
-            <a:r>
-              <a:rPr lang="en-NZ" sz="8000" dirty="0" smtClean="0">
-                <a:solidFill>
-                  <a:srgbClr val="EF4E03"/>
+            <a:pPr marL="285750" indent="-285750">
+              <a:buFont typeface="Arial" panose="020B0604020202020204" pitchFamily="34" charset="0"/>
+              <a:buChar char="•"/>
+            </a:pPr>
+            <a:r>
+              <a:rPr lang="en-NZ" sz="2400" dirty="0" smtClean="0">
+                <a:solidFill>
+                  <a:srgbClr val="3A537B"/>
                 </a:solidFill>
                 <a:latin typeface="Segoe UI Semilight" panose="020B0402040204020203" pitchFamily="34" charset="0"/>
                 <a:cs typeface="Segoe UI Semilight" panose="020B0402040204020203" pitchFamily="34" charset="0"/>
               </a:rPr>
-              <a:t>DEMO</a:t>
-            </a:r>
-            <a:endParaRPr lang="en-US" sz="8000" dirty="0">
+              <a:t>Updated Apps</a:t>
+            </a:r>
+          </a:p>
+          <a:p>
+            <a:pPr marL="742950" lvl="1" indent="-285750">
+              <a:buFont typeface="Arial" panose="020B0604020202020204" pitchFamily="34" charset="0"/>
+              <a:buChar char="•"/>
+            </a:pPr>
+            <a:r>
+              <a:rPr lang="en-NZ" sz="2400" dirty="0" smtClean="0">
+                <a:solidFill>
+                  <a:srgbClr val="3A537B"/>
+                </a:solidFill>
+                <a:latin typeface="Segoe UI Semilight" panose="020B0402040204020203" pitchFamily="34" charset="0"/>
+                <a:cs typeface="Segoe UI Semilight" panose="020B0402040204020203" pitchFamily="34" charset="0"/>
+              </a:rPr>
+              <a:t>Store!!!</a:t>
+            </a:r>
+          </a:p>
+          <a:p>
+            <a:pPr marL="742950" lvl="1" indent="-285750">
+              <a:buFont typeface="Arial" panose="020B0604020202020204" pitchFamily="34" charset="0"/>
+              <a:buChar char="•"/>
+            </a:pPr>
+            <a:r>
+              <a:rPr lang="en-NZ" sz="2400" dirty="0" smtClean="0">
+                <a:solidFill>
+                  <a:srgbClr val="3A537B"/>
+                </a:solidFill>
+                <a:latin typeface="Segoe UI Semilight" panose="020B0402040204020203" pitchFamily="34" charset="0"/>
+                <a:cs typeface="Segoe UI Semilight" panose="020B0402040204020203" pitchFamily="34" charset="0"/>
+              </a:rPr>
+              <a:t>Mail</a:t>
+            </a:r>
+          </a:p>
+          <a:p>
+            <a:pPr marL="742950" lvl="1" indent="-285750">
+              <a:buFont typeface="Arial" panose="020B0604020202020204" pitchFamily="34" charset="0"/>
+              <a:buChar char="•"/>
+            </a:pPr>
+            <a:r>
+              <a:rPr lang="en-NZ" sz="2400" dirty="0" smtClean="0">
+                <a:solidFill>
+                  <a:srgbClr val="3A537B"/>
+                </a:solidFill>
+                <a:latin typeface="Segoe UI Semilight" panose="020B0402040204020203" pitchFamily="34" charset="0"/>
+                <a:cs typeface="Segoe UI Semilight" panose="020B0402040204020203" pitchFamily="34" charset="0"/>
+              </a:rPr>
+              <a:t>Calendar</a:t>
+            </a:r>
+          </a:p>
+          <a:p>
+            <a:pPr marL="742950" lvl="1" indent="-285750">
+              <a:buFont typeface="Arial" panose="020B0604020202020204" pitchFamily="34" charset="0"/>
+              <a:buChar char="•"/>
+            </a:pPr>
+            <a:r>
+              <a:rPr lang="en-NZ" sz="2400" dirty="0" smtClean="0">
+                <a:solidFill>
+                  <a:srgbClr val="3A537B"/>
+                </a:solidFill>
+                <a:latin typeface="Segoe UI Semilight" panose="020B0402040204020203" pitchFamily="34" charset="0"/>
+                <a:cs typeface="Segoe UI Semilight" panose="020B0402040204020203" pitchFamily="34" charset="0"/>
+              </a:rPr>
+              <a:t>People </a:t>
+            </a:r>
+          </a:p>
+          <a:p>
+            <a:pPr marL="742950" lvl="1" indent="-285750">
+              <a:buFont typeface="Arial" panose="020B0604020202020204" pitchFamily="34" charset="0"/>
+              <a:buChar char="•"/>
+            </a:pPr>
+            <a:r>
+              <a:rPr lang="en-NZ" sz="2400" dirty="0" smtClean="0">
+                <a:solidFill>
+                  <a:srgbClr val="3A537B"/>
+                </a:solidFill>
+                <a:latin typeface="Segoe UI Semilight" panose="020B0402040204020203" pitchFamily="34" charset="0"/>
+                <a:cs typeface="Segoe UI Semilight" panose="020B0402040204020203" pitchFamily="34" charset="0"/>
+              </a:rPr>
+              <a:t>Movie Moments*</a:t>
+            </a:r>
+          </a:p>
+          <a:p>
+            <a:pPr marL="742950" lvl="1" indent="-285750">
+              <a:buFont typeface="Arial" panose="020B0604020202020204" pitchFamily="34" charset="0"/>
+              <a:buChar char="•"/>
+            </a:pPr>
+            <a:r>
+              <a:rPr lang="en-NZ" sz="2400" dirty="0" smtClean="0">
+                <a:solidFill>
+                  <a:srgbClr val="3A537B"/>
+                </a:solidFill>
+                <a:latin typeface="Segoe UI Semilight" panose="020B0402040204020203" pitchFamily="34" charset="0"/>
+                <a:cs typeface="Segoe UI Semilight" panose="020B0402040204020203" pitchFamily="34" charset="0"/>
+              </a:rPr>
+              <a:t>Reading List*</a:t>
+            </a:r>
+          </a:p>
+          <a:p>
+            <a:pPr marL="742950" lvl="1" indent="-285750">
+              <a:buFont typeface="Arial" panose="020B0604020202020204" pitchFamily="34" charset="0"/>
+              <a:buChar char="•"/>
+            </a:pPr>
+            <a:endParaRPr lang="en-NZ" sz="2000" dirty="0">
               <a:solidFill>
-                <a:srgbClr val="EF4E03"/>
+                <a:srgbClr val="3A537B"/>
               </a:solidFill>
               <a:latin typeface="Segoe UI Semilight" panose="020B0402040204020203" pitchFamily="34" charset="0"/>
               <a:cs typeface="Segoe UI Semilight" panose="020B0402040204020203" pitchFamily="34" charset="0"/>
             </a:endParaRPr>
           </a:p>
+          <a:p>
+            <a:pPr marL="285750" indent="-285750">
+              <a:buFont typeface="Arial" panose="020B0604020202020204" pitchFamily="34" charset="0"/>
+              <a:buChar char="•"/>
+            </a:pPr>
+            <a:r>
+              <a:rPr lang="en-NZ" sz="2400" dirty="0" smtClean="0">
+                <a:solidFill>
+                  <a:srgbClr val="3A537B"/>
+                </a:solidFill>
+                <a:latin typeface="Segoe UI Semilight" panose="020B0402040204020203" pitchFamily="34" charset="0"/>
+                <a:cs typeface="Segoe UI Semilight" panose="020B0402040204020203" pitchFamily="34" charset="0"/>
+              </a:rPr>
+              <a:t>Auto-Update….</a:t>
+            </a:r>
+            <a:r>
+              <a:rPr lang="en-NZ" sz="1600" dirty="0" smtClean="0">
+                <a:solidFill>
+                  <a:srgbClr val="3A537B"/>
+                </a:solidFill>
+                <a:latin typeface="Segoe UI Semilight" panose="020B0402040204020203" pitchFamily="34" charset="0"/>
+                <a:cs typeface="Segoe UI Semilight" panose="020B0402040204020203" pitchFamily="34" charset="0"/>
+              </a:rPr>
+              <a:t>apparently</a:t>
+            </a:r>
+            <a:endParaRPr lang="en-NZ" sz="2400" dirty="0">
+              <a:solidFill>
+                <a:srgbClr val="3A537B"/>
+              </a:solidFill>
+              <a:latin typeface="Segoe UI Semilight" panose="020B0402040204020203" pitchFamily="34" charset="0"/>
+              <a:cs typeface="Segoe UI Semilight" panose="020B0402040204020203" pitchFamily="34" charset="0"/>
+            </a:endParaRPr>
+          </a:p>
+          <a:p>
+            <a:pPr marL="285750" indent="-285750">
+              <a:buFont typeface="Arial" panose="020B0604020202020204" pitchFamily="34" charset="0"/>
+              <a:buChar char="•"/>
+            </a:pPr>
+            <a:endParaRPr lang="en-NZ" sz="2400" dirty="0">
+              <a:solidFill>
+                <a:srgbClr val="3A537B"/>
+              </a:solidFill>
+              <a:latin typeface="Segoe UI Semilight" panose="020B0402040204020203" pitchFamily="34" charset="0"/>
+              <a:cs typeface="Segoe UI Semilight" panose="020B0402040204020203" pitchFamily="34" charset="0"/>
+            </a:endParaRPr>
+          </a:p>
+          <a:p>
+            <a:pPr marL="285750" indent="-285750">
+              <a:buFont typeface="Arial" panose="020B0604020202020204" pitchFamily="34" charset="0"/>
+              <a:buChar char="•"/>
+            </a:pPr>
+            <a:r>
+              <a:rPr lang="en-NZ" sz="2400" dirty="0">
+                <a:solidFill>
+                  <a:srgbClr val="3A537B"/>
+                </a:solidFill>
+                <a:latin typeface="Segoe UI Semilight" panose="020B0402040204020203" pitchFamily="34" charset="0"/>
+                <a:cs typeface="Segoe UI Semilight" panose="020B0402040204020203" pitchFamily="34" charset="0"/>
+              </a:rPr>
+              <a:t>Snap</a:t>
+            </a:r>
+          </a:p>
+          <a:p>
+            <a:pPr marL="285750" indent="-285750">
+              <a:buFont typeface="Arial" panose="020B0604020202020204" pitchFamily="34" charset="0"/>
+              <a:buChar char="•"/>
+            </a:pPr>
+            <a:endParaRPr lang="en-NZ" sz="2400" dirty="0">
+              <a:solidFill>
+                <a:srgbClr val="3A537B"/>
+              </a:solidFill>
+              <a:latin typeface="Segoe UI Semilight" panose="020B0402040204020203" pitchFamily="34" charset="0"/>
+              <a:cs typeface="Segoe UI Semilight" panose="020B0402040204020203" pitchFamily="34" charset="0"/>
+            </a:endParaRPr>
+          </a:p>
+          <a:p>
+            <a:pPr marL="285750" indent="-285750">
+              <a:buFont typeface="Arial" panose="020B0604020202020204" pitchFamily="34" charset="0"/>
+              <a:buChar char="•"/>
+            </a:pPr>
+            <a:r>
+              <a:rPr lang="en-NZ" sz="2400" dirty="0">
+                <a:solidFill>
+                  <a:srgbClr val="3A537B"/>
+                </a:solidFill>
+                <a:latin typeface="Segoe UI Semilight" panose="020B0402040204020203" pitchFamily="34" charset="0"/>
+                <a:cs typeface="Segoe UI Semilight" panose="020B0402040204020203" pitchFamily="34" charset="0"/>
+              </a:rPr>
+              <a:t>Drag down to close gesture changes</a:t>
+            </a:r>
+          </a:p>
+          <a:p>
+            <a:pPr marL="742950" lvl="1" indent="-285750">
+              <a:buFont typeface="Arial" panose="020B0604020202020204" pitchFamily="34" charset="0"/>
+              <a:buChar char="•"/>
+            </a:pPr>
+            <a:endParaRPr lang="en-NZ" sz="2000" dirty="0" smtClean="0">
+              <a:solidFill>
+                <a:srgbClr val="3A537B"/>
+              </a:solidFill>
+              <a:latin typeface="Segoe UI Semilight" panose="020B0402040204020203" pitchFamily="34" charset="0"/>
+              <a:cs typeface="Segoe UI Semilight" panose="020B0402040204020203" pitchFamily="34" charset="0"/>
+            </a:endParaRPr>
+          </a:p>
+          <a:p>
+            <a:pPr marL="742950" lvl="1" indent="-285750">
+              <a:buFont typeface="Arial" panose="020B0604020202020204" pitchFamily="34" charset="0"/>
+              <a:buChar char="•"/>
+            </a:pPr>
+            <a:endParaRPr lang="en-NZ" sz="2400" dirty="0" smtClean="0">
+              <a:solidFill>
+                <a:srgbClr val="3A537B"/>
+              </a:solidFill>
+              <a:latin typeface="Segoe UI Semilight" panose="020B0402040204020203" pitchFamily="34" charset="0"/>
+              <a:cs typeface="Segoe UI Semilight" panose="020B0402040204020203" pitchFamily="34" charset="0"/>
+            </a:endParaRPr>
+          </a:p>
+          <a:p>
+            <a:pPr marL="285750" indent="-285750">
+              <a:buFont typeface="Arial" panose="020B0604020202020204" pitchFamily="34" charset="0"/>
+              <a:buChar char="•"/>
+            </a:pPr>
+            <a:endParaRPr lang="en-NZ" sz="2400" dirty="0">
+              <a:solidFill>
+                <a:srgbClr val="3A537B"/>
+              </a:solidFill>
+              <a:latin typeface="Segoe UI Semilight" panose="020B0402040204020203" pitchFamily="34" charset="0"/>
+              <a:cs typeface="Segoe UI Semilight" panose="020B0402040204020203" pitchFamily="34" charset="0"/>
+            </a:endParaRPr>
+          </a:p>
+          <a:p>
+            <a:pPr marL="285750" indent="-285750">
+              <a:buFont typeface="Arial" panose="020B0604020202020204" pitchFamily="34" charset="0"/>
+              <a:buChar char="•"/>
+            </a:pPr>
+            <a:endParaRPr lang="en-NZ" sz="2400" dirty="0" smtClean="0">
+              <a:solidFill>
+                <a:srgbClr val="3A537B"/>
+              </a:solidFill>
+              <a:latin typeface="Segoe UI Semilight" panose="020B0402040204020203" pitchFamily="34" charset="0"/>
+              <a:cs typeface="Segoe UI Semilight" panose="020B0402040204020203" pitchFamily="34" charset="0"/>
+            </a:endParaRPr>
+          </a:p>
         </p:txBody>
       </p:sp>
     </p:spTree>
     <p:extLst>
       <p:ext uri="{BB962C8B-B14F-4D97-AF65-F5344CB8AC3E}">
-        <p14:creationId xmlns:p14="http://schemas.microsoft.com/office/powerpoint/2010/main" val="3548336306"/>
+        <p14:creationId xmlns:p14="http://schemas.microsoft.com/office/powerpoint/2010/main" val="662424247"/>
       </p:ext>
     </p:extLst>
   </p:cSld>
@@ -4987,7 +6035,7 @@
           <p:nvPr/>
         </p:nvPicPr>
         <p:blipFill>
-          <a:blip r:embed="rId2">
+          <a:blip r:embed="rId3">
             <a:extLst>
               <a:ext uri="{28A0092B-C50C-407E-A947-70E740481C1C}">
                 <a14:useLocalDpi xmlns:a14="http://schemas.microsoft.com/office/drawing/2010/main" val="0"/>
@@ -5042,7 +6090,7 @@
                 <a:latin typeface="Segoe UI Semilight" panose="020B0402040204020203" pitchFamily="34" charset="0"/>
                 <a:cs typeface="Segoe UI Semilight" panose="020B0402040204020203" pitchFamily="34" charset="0"/>
               </a:rPr>
-              <a:t>WHAT’S NEW FOR APP DEVELOPERS</a:t>
+              <a:t>WHAT’S NEW FOR CONSUMERS</a:t>
             </a:r>
             <a:endParaRPr lang="en-NZ" sz="1600" dirty="0">
               <a:solidFill>
@@ -5059,14 +6107,14 @@
       </p:sp>
       <p:sp>
         <p:nvSpPr>
-          <p:cNvPr id="2" name="TextBox 1"/>
+          <p:cNvPr id="4" name="TextBox 3"/>
           <p:cNvSpPr txBox="1"/>
           <p:nvPr/>
         </p:nvSpPr>
         <p:spPr>
           <a:xfrm>
-            <a:off x="612512" y="1752600"/>
-            <a:ext cx="8478218" cy="4524315"/>
+            <a:off x="533400" y="3048000"/>
+            <a:ext cx="6324600" cy="1323439"/>
           </a:xfrm>
           <a:prstGeom prst="rect">
             <a:avLst/>
@@ -5074,250 +6122,35 @@
           <a:noFill/>
         </p:spPr>
         <p:txBody>
-          <a:bodyPr wrap="none" rtlCol="0">
+          <a:bodyPr wrap="square" rtlCol="0">
             <a:spAutoFit/>
           </a:bodyPr>
           <a:lstStyle/>
           <a:p>
-            <a:pPr marL="285750" indent="-285750">
-              <a:buFont typeface="Arial" panose="020B0604020202020204" pitchFamily="34" charset="0"/>
-              <a:buChar char="•"/>
-            </a:pPr>
-            <a:r>
-              <a:rPr lang="en-NZ" sz="2400" dirty="0" smtClean="0">
-                <a:solidFill>
-                  <a:srgbClr val="3A537B"/>
+            <a:r>
+              <a:rPr lang="en-NZ" sz="8000" dirty="0" smtClean="0">
+                <a:solidFill>
+                  <a:srgbClr val="EF4E03"/>
                 </a:solidFill>
                 <a:latin typeface="Segoe UI Semilight" panose="020B0402040204020203" pitchFamily="34" charset="0"/>
                 <a:cs typeface="Segoe UI Semilight" panose="020B0402040204020203" pitchFamily="34" charset="0"/>
               </a:rPr>
-              <a:t>Window Size Model</a:t>
-            </a:r>
-          </a:p>
-          <a:p>
-            <a:pPr marL="742950" lvl="1" indent="-285750">
-              <a:buFont typeface="Arial" panose="020B0604020202020204" pitchFamily="34" charset="0"/>
-              <a:buChar char="•"/>
-            </a:pPr>
-            <a:endParaRPr lang="en-NZ" sz="2400" dirty="0" smtClean="0">
+              <a:t>DEMO</a:t>
+            </a:r>
+            <a:endParaRPr lang="en-US" sz="8000" dirty="0">
               <a:solidFill>
-                <a:srgbClr val="3A537B"/>
+                <a:srgbClr val="EF4E03"/>
               </a:solidFill>
               <a:latin typeface="Segoe UI Semilight" panose="020B0402040204020203" pitchFamily="34" charset="0"/>
               <a:cs typeface="Segoe UI Semilight" panose="020B0402040204020203" pitchFamily="34" charset="0"/>
             </a:endParaRPr>
           </a:p>
-          <a:p>
-            <a:pPr marL="285750" indent="-285750">
-              <a:buFont typeface="Arial" panose="020B0604020202020204" pitchFamily="34" charset="0"/>
-              <a:buChar char="•"/>
-            </a:pPr>
-            <a:r>
-              <a:rPr lang="en-NZ" sz="2400" dirty="0">
-                <a:solidFill>
-                  <a:srgbClr val="3A537B"/>
-                </a:solidFill>
-                <a:latin typeface="Segoe UI Semilight" panose="020B0402040204020203" pitchFamily="34" charset="0"/>
-                <a:cs typeface="Segoe UI Semilight" panose="020B0402040204020203" pitchFamily="34" charset="0"/>
-              </a:rPr>
-              <a:t>Quick </a:t>
-            </a:r>
-            <a:r>
-              <a:rPr lang="en-NZ" sz="2400" dirty="0" smtClean="0">
-                <a:solidFill>
-                  <a:srgbClr val="3A537B"/>
-                </a:solidFill>
-                <a:latin typeface="Segoe UI Semilight" panose="020B0402040204020203" pitchFamily="34" charset="0"/>
-                <a:cs typeface="Segoe UI Semilight" panose="020B0402040204020203" pitchFamily="34" charset="0"/>
-              </a:rPr>
-              <a:t>Restart (Restarting </a:t>
-            </a:r>
-            <a:r>
-              <a:rPr lang="en-NZ" sz="2400" dirty="0">
-                <a:solidFill>
-                  <a:srgbClr val="3A537B"/>
-                </a:solidFill>
-                <a:latin typeface="Segoe UI Semilight" panose="020B0402040204020203" pitchFamily="34" charset="0"/>
-                <a:cs typeface="Segoe UI Semilight" panose="020B0402040204020203" pitchFamily="34" charset="0"/>
-              </a:rPr>
-              <a:t>an app immediately after closing </a:t>
-            </a:r>
-            <a:r>
-              <a:rPr lang="en-NZ" sz="2400" dirty="0" smtClean="0">
-                <a:solidFill>
-                  <a:srgbClr val="3A537B"/>
-                </a:solidFill>
-                <a:latin typeface="Segoe UI Semilight" panose="020B0402040204020203" pitchFamily="34" charset="0"/>
-                <a:cs typeface="Segoe UI Semilight" panose="020B0402040204020203" pitchFamily="34" charset="0"/>
-              </a:rPr>
-              <a:t>it)</a:t>
-            </a:r>
-          </a:p>
-          <a:p>
-            <a:pPr marL="285750" indent="-285750">
-              <a:buFont typeface="Arial" panose="020B0604020202020204" pitchFamily="34" charset="0"/>
-              <a:buChar char="•"/>
-            </a:pPr>
-            <a:endParaRPr lang="en-NZ" sz="2400" dirty="0" smtClean="0">
-              <a:solidFill>
-                <a:srgbClr val="3A537B"/>
-              </a:solidFill>
-              <a:latin typeface="Segoe UI Semilight" panose="020B0402040204020203" pitchFamily="34" charset="0"/>
-              <a:cs typeface="Segoe UI Semilight" panose="020B0402040204020203" pitchFamily="34" charset="0"/>
-            </a:endParaRPr>
-          </a:p>
-          <a:p>
-            <a:pPr marL="285750" indent="-285750">
-              <a:buFont typeface="Arial" panose="020B0604020202020204" pitchFamily="34" charset="0"/>
-              <a:buChar char="•"/>
-            </a:pPr>
-            <a:r>
-              <a:rPr lang="en-NZ" sz="2400" dirty="0">
-                <a:solidFill>
-                  <a:srgbClr val="3A537B"/>
-                </a:solidFill>
-                <a:latin typeface="Segoe UI Semilight" panose="020B0402040204020203" pitchFamily="34" charset="0"/>
-                <a:cs typeface="Segoe UI Semilight" panose="020B0402040204020203" pitchFamily="34" charset="0"/>
-              </a:rPr>
-              <a:t>Suspension timeout at low </a:t>
-            </a:r>
-            <a:r>
-              <a:rPr lang="en-NZ" sz="2400" dirty="0" smtClean="0">
-                <a:solidFill>
-                  <a:srgbClr val="3A537B"/>
-                </a:solidFill>
-                <a:latin typeface="Segoe UI Semilight" panose="020B0402040204020203" pitchFamily="34" charset="0"/>
-                <a:cs typeface="Segoe UI Semilight" panose="020B0402040204020203" pitchFamily="34" charset="0"/>
-              </a:rPr>
-              <a:t>priority</a:t>
-            </a:r>
-          </a:p>
-          <a:p>
-            <a:pPr marL="285750" indent="-285750">
-              <a:buFont typeface="Arial" panose="020B0604020202020204" pitchFamily="34" charset="0"/>
-              <a:buChar char="•"/>
-            </a:pPr>
-            <a:endParaRPr lang="en-NZ" sz="2400" dirty="0">
-              <a:solidFill>
-                <a:srgbClr val="3A537B"/>
-              </a:solidFill>
-              <a:latin typeface="Segoe UI Semilight" panose="020B0402040204020203" pitchFamily="34" charset="0"/>
-              <a:cs typeface="Segoe UI Semilight" panose="020B0402040204020203" pitchFamily="34" charset="0"/>
-            </a:endParaRPr>
-          </a:p>
-          <a:p>
-            <a:pPr marL="285750" indent="-285750">
-              <a:buFont typeface="Arial" panose="020B0604020202020204" pitchFamily="34" charset="0"/>
-              <a:buChar char="•"/>
-            </a:pPr>
-            <a:r>
-              <a:rPr lang="en-NZ" sz="2400" dirty="0" smtClean="0">
-                <a:solidFill>
-                  <a:srgbClr val="3A537B"/>
-                </a:solidFill>
-                <a:latin typeface="Segoe UI Semilight" panose="020B0402040204020203" pitchFamily="34" charset="0"/>
-                <a:cs typeface="Segoe UI Semilight" panose="020B0402040204020203" pitchFamily="34" charset="0"/>
-              </a:rPr>
-              <a:t>Templates</a:t>
-            </a:r>
-          </a:p>
-          <a:p>
-            <a:pPr marL="742950" lvl="1" indent="-285750">
-              <a:buFont typeface="Arial" panose="020B0604020202020204" pitchFamily="34" charset="0"/>
-              <a:buChar char="•"/>
-            </a:pPr>
-            <a:r>
-              <a:rPr lang="en-NZ" sz="2400" dirty="0">
-                <a:solidFill>
-                  <a:srgbClr val="3A537B"/>
-                </a:solidFill>
-                <a:latin typeface="Segoe UI Semilight" panose="020B0402040204020203" pitchFamily="34" charset="0"/>
-                <a:cs typeface="Segoe UI Semilight" panose="020B0402040204020203" pitchFamily="34" charset="0"/>
-              </a:rPr>
-              <a:t>Hub </a:t>
-            </a:r>
-            <a:r>
-              <a:rPr lang="en-NZ" sz="2400" dirty="0" smtClean="0">
-                <a:solidFill>
-                  <a:srgbClr val="3A537B"/>
-                </a:solidFill>
-                <a:latin typeface="Segoe UI Semilight" panose="020B0402040204020203" pitchFamily="34" charset="0"/>
-                <a:cs typeface="Segoe UI Semilight" panose="020B0402040204020203" pitchFamily="34" charset="0"/>
-              </a:rPr>
-              <a:t>Template</a:t>
-            </a:r>
-          </a:p>
-          <a:p>
-            <a:pPr marL="742950" lvl="1" indent="-285750">
-              <a:buFont typeface="Arial" panose="020B0604020202020204" pitchFamily="34" charset="0"/>
-              <a:buChar char="•"/>
-            </a:pPr>
-            <a:r>
-              <a:rPr lang="en-NZ" sz="2400" dirty="0">
-                <a:solidFill>
-                  <a:srgbClr val="3A537B"/>
-                </a:solidFill>
-                <a:latin typeface="Segoe UI Semilight" panose="020B0402040204020203" pitchFamily="34" charset="0"/>
-                <a:cs typeface="Segoe UI Semilight" panose="020B0402040204020203" pitchFamily="34" charset="0"/>
-              </a:rPr>
-              <a:t>Sample data now in JSON </a:t>
-            </a:r>
-            <a:r>
-              <a:rPr lang="en-NZ" sz="2400" dirty="0" smtClean="0">
-                <a:solidFill>
-                  <a:srgbClr val="3A537B"/>
-                </a:solidFill>
-                <a:latin typeface="Segoe UI Semilight" panose="020B0402040204020203" pitchFamily="34" charset="0"/>
-                <a:cs typeface="Segoe UI Semilight" panose="020B0402040204020203" pitchFamily="34" charset="0"/>
-              </a:rPr>
-              <a:t>:)</a:t>
-            </a:r>
-          </a:p>
-          <a:p>
-            <a:pPr marL="742950" lvl="1" indent="-285750">
-              <a:buFont typeface="Arial" panose="020B0604020202020204" pitchFamily="34" charset="0"/>
-              <a:buChar char="•"/>
-            </a:pPr>
-            <a:endParaRPr lang="en-NZ" sz="2400" dirty="0">
-              <a:solidFill>
-                <a:srgbClr val="3A537B"/>
-              </a:solidFill>
-              <a:latin typeface="Segoe UI Semilight" panose="020B0402040204020203" pitchFamily="34" charset="0"/>
-              <a:cs typeface="Segoe UI Semilight" panose="020B0402040204020203" pitchFamily="34" charset="0"/>
-            </a:endParaRPr>
-          </a:p>
-          <a:p>
-            <a:pPr marL="285750" indent="-285750">
-              <a:buFont typeface="Arial" panose="020B0604020202020204" pitchFamily="34" charset="0"/>
-              <a:buChar char="•"/>
-            </a:pPr>
-            <a:endParaRPr lang="en-NZ" sz="2400" dirty="0">
-              <a:solidFill>
-                <a:srgbClr val="3A537B"/>
-              </a:solidFill>
-              <a:latin typeface="Segoe UI Semilight" panose="020B0402040204020203" pitchFamily="34" charset="0"/>
-              <a:cs typeface="Segoe UI Semilight" panose="020B0402040204020203" pitchFamily="34" charset="0"/>
-            </a:endParaRPr>
-          </a:p>
-          <a:p>
-            <a:pPr marL="285750" indent="-285750">
-              <a:buFont typeface="Arial" panose="020B0604020202020204" pitchFamily="34" charset="0"/>
-              <a:buChar char="•"/>
-            </a:pPr>
-            <a:endParaRPr lang="en-NZ" sz="2400" dirty="0" smtClean="0">
-              <a:solidFill>
-                <a:srgbClr val="3A537B"/>
-              </a:solidFill>
-              <a:latin typeface="Segoe UI Semilight" panose="020B0402040204020203" pitchFamily="34" charset="0"/>
-              <a:cs typeface="Segoe UI Semilight" panose="020B0402040204020203" pitchFamily="34" charset="0"/>
-            </a:endParaRPr>
-          </a:p>
         </p:txBody>
       </p:sp>
     </p:spTree>
     <p:extLst>
       <p:ext uri="{BB962C8B-B14F-4D97-AF65-F5344CB8AC3E}">
-        <p14:creationId xmlns:p14="http://schemas.microsoft.com/office/powerpoint/2010/main" val="463861462"/>
+        <p14:creationId xmlns:p14="http://schemas.microsoft.com/office/powerpoint/2010/main" val="3548336306"/>
       </p:ext>
     </p:extLst>
   </p:cSld>
@@ -5439,7 +6272,7 @@
         <p:spPr>
           <a:xfrm>
             <a:off x="612512" y="1752600"/>
-            <a:ext cx="4982582" cy="3046988"/>
+            <a:ext cx="8478218" cy="4524315"/>
           </a:xfrm>
           <a:prstGeom prst="rect">
             <a:avLst/>
@@ -5457,14 +6290,14 @@
               <a:buChar char="•"/>
             </a:pPr>
             <a:r>
-              <a:rPr lang="en-NZ" sz="2400" dirty="0">
+              <a:rPr lang="en-NZ" sz="2400" dirty="0" smtClean="0">
                 <a:solidFill>
                   <a:srgbClr val="3A537B"/>
                 </a:solidFill>
                 <a:latin typeface="Segoe UI Semilight" panose="020B0402040204020203" pitchFamily="34" charset="0"/>
                 <a:cs typeface="Segoe UI Semilight" panose="020B0402040204020203" pitchFamily="34" charset="0"/>
               </a:rPr>
-              <a:t>Manifest Changes</a:t>
+              <a:t>Window Size Model</a:t>
             </a:r>
           </a:p>
           <a:p>
@@ -5472,6 +6305,19 @@
               <a:buFont typeface="Arial" panose="020B0604020202020204" pitchFamily="34" charset="0"/>
               <a:buChar char="•"/>
             </a:pPr>
+            <a:endParaRPr lang="en-NZ" sz="2400" dirty="0" smtClean="0">
+              <a:solidFill>
+                <a:srgbClr val="3A537B"/>
+              </a:solidFill>
+              <a:latin typeface="Segoe UI Semilight" panose="020B0402040204020203" pitchFamily="34" charset="0"/>
+              <a:cs typeface="Segoe UI Semilight" panose="020B0402040204020203" pitchFamily="34" charset="0"/>
+            </a:endParaRPr>
+          </a:p>
+          <a:p>
+            <a:pPr marL="285750" indent="-285750">
+              <a:buFont typeface="Arial" panose="020B0604020202020204" pitchFamily="34" charset="0"/>
+              <a:buChar char="•"/>
+            </a:pPr>
             <a:r>
               <a:rPr lang="en-NZ" sz="2400" dirty="0">
                 <a:solidFill>
@@ -5480,30 +6326,18 @@
                 <a:latin typeface="Segoe UI Semilight" panose="020B0402040204020203" pitchFamily="34" charset="0"/>
                 <a:cs typeface="Segoe UI Semilight" panose="020B0402040204020203" pitchFamily="34" charset="0"/>
               </a:rPr>
-              <a:t>Minimum Width</a:t>
-            </a:r>
-          </a:p>
-          <a:p>
-            <a:pPr marL="742950" lvl="1" indent="-285750">
-              <a:buFont typeface="Arial" panose="020B0604020202020204" pitchFamily="34" charset="0"/>
-              <a:buChar char="•"/>
-            </a:pPr>
-            <a:r>
-              <a:rPr lang="en-NZ" sz="2400" dirty="0">
+              <a:t>Quick </a:t>
+            </a:r>
+            <a:r>
+              <a:rPr lang="en-NZ" sz="2400" dirty="0" smtClean="0">
                 <a:solidFill>
                   <a:srgbClr val="3A537B"/>
                 </a:solidFill>
                 <a:latin typeface="Segoe UI Semilight" panose="020B0402040204020203" pitchFamily="34" charset="0"/>
                 <a:cs typeface="Segoe UI Semilight" panose="020B0402040204020203" pitchFamily="34" charset="0"/>
               </a:rPr>
-              <a:t>Tile Update</a:t>
-            </a:r>
-          </a:p>
-          <a:p>
-            <a:pPr marL="742950" lvl="1" indent="-285750">
-              <a:buFont typeface="Arial" panose="020B0604020202020204" pitchFamily="34" charset="0"/>
-              <a:buChar char="•"/>
-            </a:pPr>
+              <a:t>Restart (Restarting </a:t>
+            </a:r>
             <a:r>
               <a:rPr lang="en-NZ" sz="2400" dirty="0">
                 <a:solidFill>
@@ -5512,27 +6346,60 @@
                 <a:latin typeface="Segoe UI Semilight" panose="020B0402040204020203" pitchFamily="34" charset="0"/>
                 <a:cs typeface="Segoe UI Semilight" panose="020B0402040204020203" pitchFamily="34" charset="0"/>
               </a:rPr>
-              <a:t>Tile Images and Logos</a:t>
-            </a:r>
-          </a:p>
-          <a:p>
-            <a:pPr marL="742950" lvl="1" indent="-285750">
-              <a:buFont typeface="Arial" panose="020B0604020202020204" pitchFamily="34" charset="0"/>
-              <a:buChar char="•"/>
-            </a:pPr>
-            <a:r>
-              <a:rPr lang="en-NZ" sz="2400" dirty="0">
+              <a:t>an app immediately after closing </a:t>
+            </a:r>
+            <a:r>
+              <a:rPr lang="en-NZ" sz="2400" dirty="0" smtClean="0">
                 <a:solidFill>
                   <a:srgbClr val="3A537B"/>
                 </a:solidFill>
                 <a:latin typeface="Segoe UI Semilight" panose="020B0402040204020203" pitchFamily="34" charset="0"/>
                 <a:cs typeface="Segoe UI Semilight" panose="020B0402040204020203" pitchFamily="34" charset="0"/>
               </a:rPr>
-              <a:t>Share Target Share Description</a:t>
-            </a:r>
-          </a:p>
-          <a:p>
-            <a:pPr marL="742950" lvl="1" indent="-285750">
+              <a:t>it)</a:t>
+            </a:r>
+          </a:p>
+          <a:p>
+            <a:pPr marL="285750" indent="-285750">
+              <a:buFont typeface="Arial" panose="020B0604020202020204" pitchFamily="34" charset="0"/>
+              <a:buChar char="•"/>
+            </a:pPr>
+            <a:endParaRPr lang="en-NZ" sz="2400" dirty="0" smtClean="0">
+              <a:solidFill>
+                <a:srgbClr val="3A537B"/>
+              </a:solidFill>
+              <a:latin typeface="Segoe UI Semilight" panose="020B0402040204020203" pitchFamily="34" charset="0"/>
+              <a:cs typeface="Segoe UI Semilight" panose="020B0402040204020203" pitchFamily="34" charset="0"/>
+            </a:endParaRPr>
+          </a:p>
+          <a:p>
+            <a:pPr marL="285750" indent="-285750">
+              <a:buFont typeface="Arial" panose="020B0604020202020204" pitchFamily="34" charset="0"/>
+              <a:buChar char="•"/>
+            </a:pPr>
+            <a:r>
+              <a:rPr lang="en-NZ" sz="2400" dirty="0">
+                <a:solidFill>
+                  <a:srgbClr val="3A537B"/>
+                </a:solidFill>
+                <a:latin typeface="Segoe UI Semilight" panose="020B0402040204020203" pitchFamily="34" charset="0"/>
+                <a:cs typeface="Segoe UI Semilight" panose="020B0402040204020203" pitchFamily="34" charset="0"/>
+              </a:rPr>
+              <a:t>Suspension timeout at low </a:t>
+            </a:r>
+            <a:r>
+              <a:rPr lang="en-NZ" sz="2400" dirty="0" smtClean="0">
+                <a:solidFill>
+                  <a:srgbClr val="3A537B"/>
+                </a:solidFill>
+                <a:latin typeface="Segoe UI Semilight" panose="020B0402040204020203" pitchFamily="34" charset="0"/>
+                <a:cs typeface="Segoe UI Semilight" panose="020B0402040204020203" pitchFamily="34" charset="0"/>
+              </a:rPr>
+              <a:t>priority</a:t>
+            </a:r>
+          </a:p>
+          <a:p>
+            <a:pPr marL="285750" indent="-285750">
               <a:buFont typeface="Arial" panose="020B0604020202020204" pitchFamily="34" charset="0"/>
               <a:buChar char="•"/>
             </a:pPr>
@@ -5549,6 +6416,74 @@
               <a:buFont typeface="Arial" panose="020B0604020202020204" pitchFamily="34" charset="0"/>
               <a:buChar char="•"/>
             </a:pPr>
+            <a:r>
+              <a:rPr lang="en-NZ" sz="2400" dirty="0" smtClean="0">
+                <a:solidFill>
+                  <a:srgbClr val="3A537B"/>
+                </a:solidFill>
+                <a:latin typeface="Segoe UI Semilight" panose="020B0402040204020203" pitchFamily="34" charset="0"/>
+                <a:cs typeface="Segoe UI Semilight" panose="020B0402040204020203" pitchFamily="34" charset="0"/>
+              </a:rPr>
+              <a:t>Templates</a:t>
+            </a:r>
+          </a:p>
+          <a:p>
+            <a:pPr marL="742950" lvl="1" indent="-285750">
+              <a:buFont typeface="Arial" panose="020B0604020202020204" pitchFamily="34" charset="0"/>
+              <a:buChar char="•"/>
+            </a:pPr>
+            <a:r>
+              <a:rPr lang="en-NZ" sz="2400" dirty="0">
+                <a:solidFill>
+                  <a:srgbClr val="3A537B"/>
+                </a:solidFill>
+                <a:latin typeface="Segoe UI Semilight" panose="020B0402040204020203" pitchFamily="34" charset="0"/>
+                <a:cs typeface="Segoe UI Semilight" panose="020B0402040204020203" pitchFamily="34" charset="0"/>
+              </a:rPr>
+              <a:t>Hub </a:t>
+            </a:r>
+            <a:r>
+              <a:rPr lang="en-NZ" sz="2400" dirty="0" smtClean="0">
+                <a:solidFill>
+                  <a:srgbClr val="3A537B"/>
+                </a:solidFill>
+                <a:latin typeface="Segoe UI Semilight" panose="020B0402040204020203" pitchFamily="34" charset="0"/>
+                <a:cs typeface="Segoe UI Semilight" panose="020B0402040204020203" pitchFamily="34" charset="0"/>
+              </a:rPr>
+              <a:t>Template</a:t>
+            </a:r>
+          </a:p>
+          <a:p>
+            <a:pPr marL="742950" lvl="1" indent="-285750">
+              <a:buFont typeface="Arial" panose="020B0604020202020204" pitchFamily="34" charset="0"/>
+              <a:buChar char="•"/>
+            </a:pPr>
+            <a:r>
+              <a:rPr lang="en-NZ" sz="2400" dirty="0">
+                <a:solidFill>
+                  <a:srgbClr val="3A537B"/>
+                </a:solidFill>
+                <a:latin typeface="Segoe UI Semilight" panose="020B0402040204020203" pitchFamily="34" charset="0"/>
+                <a:cs typeface="Segoe UI Semilight" panose="020B0402040204020203" pitchFamily="34" charset="0"/>
+              </a:rPr>
+              <a:t>Sample data now in JSON </a:t>
+            </a:r>
+            <a:r>
+              <a:rPr lang="en-NZ" sz="2400" dirty="0" smtClean="0">
+                <a:solidFill>
+                  <a:srgbClr val="3A537B"/>
+                </a:solidFill>
+                <a:latin typeface="Segoe UI Semilight" panose="020B0402040204020203" pitchFamily="34" charset="0"/>
+                <a:cs typeface="Segoe UI Semilight" panose="020B0402040204020203" pitchFamily="34" charset="0"/>
+              </a:rPr>
+              <a:t>:)</a:t>
+            </a:r>
+          </a:p>
+          <a:p>
+            <a:pPr marL="742950" lvl="1" indent="-285750">
+              <a:buFont typeface="Arial" panose="020B0604020202020204" pitchFamily="34" charset="0"/>
+              <a:buChar char="•"/>
+            </a:pPr>
             <a:endParaRPr lang="en-NZ" sz="2400" dirty="0">
               <a:solidFill>
                 <a:srgbClr val="3A537B"/>
@@ -5562,6 +6497,19 @@
               <a:buFont typeface="Arial" panose="020B0604020202020204" pitchFamily="34" charset="0"/>
               <a:buChar char="•"/>
             </a:pPr>
+            <a:endParaRPr lang="en-NZ" sz="2400" dirty="0">
+              <a:solidFill>
+                <a:srgbClr val="3A537B"/>
+              </a:solidFill>
+              <a:latin typeface="Segoe UI Semilight" panose="020B0402040204020203" pitchFamily="34" charset="0"/>
+              <a:cs typeface="Segoe UI Semilight" panose="020B0402040204020203" pitchFamily="34" charset="0"/>
+            </a:endParaRPr>
+          </a:p>
+          <a:p>
+            <a:pPr marL="285750" indent="-285750">
+              <a:buFont typeface="Arial" panose="020B0604020202020204" pitchFamily="34" charset="0"/>
+              <a:buChar char="•"/>
+            </a:pPr>
             <a:endParaRPr lang="en-NZ" sz="2400" dirty="0" smtClean="0">
               <a:solidFill>
                 <a:srgbClr val="3A537B"/>
@@ -5575,7 +6523,7 @@
     </p:spTree>
     <p:extLst>
       <p:ext uri="{BB962C8B-B14F-4D97-AF65-F5344CB8AC3E}">
-        <p14:creationId xmlns:p14="http://schemas.microsoft.com/office/powerpoint/2010/main" val="24510875"/>
+        <p14:creationId xmlns:p14="http://schemas.microsoft.com/office/powerpoint/2010/main" val="463861462"/>
       </p:ext>
     </p:extLst>
   </p:cSld>
@@ -5673,7 +6621,7 @@
                 <a:latin typeface="Segoe UI Semilight" panose="020B0402040204020203" pitchFamily="34" charset="0"/>
                 <a:cs typeface="Segoe UI Semilight" panose="020B0402040204020203" pitchFamily="34" charset="0"/>
               </a:rPr>
-              <a:t>INTRODUCING MARKER METRO</a:t>
+              <a:t>WHAT’S NEW FOR APP DEVELOPERS</a:t>
             </a:r>
             <a:endParaRPr lang="en-NZ" sz="1600" dirty="0">
               <a:solidFill>
@@ -5690,14 +6638,14 @@
       </p:sp>
       <p:sp>
         <p:nvSpPr>
-          <p:cNvPr id="5" name="TextBox 4"/>
+          <p:cNvPr id="2" name="TextBox 1"/>
           <p:cNvSpPr txBox="1"/>
           <p:nvPr/>
         </p:nvSpPr>
         <p:spPr>
           <a:xfrm>
-            <a:off x="533400" y="1487269"/>
-            <a:ext cx="7467600" cy="646331"/>
+            <a:off x="612512" y="1752600"/>
+            <a:ext cx="4982582" cy="3046988"/>
           </a:xfrm>
           <a:prstGeom prst="rect">
             <a:avLst/>
@@ -5705,108 +6653,127 @@
           <a:noFill/>
         </p:spPr>
         <p:txBody>
-          <a:bodyPr wrap="square" rtlCol="0">
+          <a:bodyPr wrap="none" rtlCol="0">
             <a:spAutoFit/>
           </a:bodyPr>
           <a:lstStyle/>
           <a:p>
-            <a:r>
-              <a:rPr lang="en-NZ" sz="3600" dirty="0">
-                <a:solidFill>
-                  <a:schemeClr val="tx1">
-                    <a:lumMod val="75000"/>
-                    <a:lumOff val="25000"/>
-                  </a:schemeClr>
-                </a:solidFill>
-                <a:latin typeface="Proxima Nova Alt Lt" pitchFamily="50" charset="0"/>
+            <a:pPr marL="285750" indent="-285750">
+              <a:buFont typeface="Arial" panose="020B0604020202020204" pitchFamily="34" charset="0"/>
+              <a:buChar char="•"/>
+            </a:pPr>
+            <a:r>
+              <a:rPr lang="en-NZ" sz="2400" dirty="0">
+                <a:solidFill>
+                  <a:srgbClr val="3A537B"/>
+                </a:solidFill>
+                <a:latin typeface="Segoe UI Semilight" panose="020B0402040204020203" pitchFamily="34" charset="0"/>
+                <a:cs typeface="Segoe UI Semilight" panose="020B0402040204020203" pitchFamily="34" charset="0"/>
               </a:rPr>
-              <a:t>m</a:t>
-            </a:r>
-            <a:r>
-              <a:rPr lang="en-NZ" sz="3600" dirty="0" smtClean="0">
-                <a:solidFill>
-                  <a:schemeClr val="tx1">
-                    <a:lumMod val="75000"/>
-                    <a:lumOff val="25000"/>
-                  </a:schemeClr>
-                </a:solidFill>
-                <a:latin typeface="Proxima Nova Alt Lt" pitchFamily="50" charset="0"/>
+              <a:t>Manifest Changes</a:t>
+            </a:r>
+          </a:p>
+          <a:p>
+            <a:pPr marL="742950" lvl="1" indent="-285750">
+              <a:buFont typeface="Arial" panose="020B0604020202020204" pitchFamily="34" charset="0"/>
+              <a:buChar char="•"/>
+            </a:pPr>
+            <a:r>
+              <a:rPr lang="en-NZ" sz="2400" dirty="0">
+                <a:solidFill>
+                  <a:srgbClr val="3A537B"/>
+                </a:solidFill>
+                <a:latin typeface="Segoe UI Semilight" panose="020B0402040204020203" pitchFamily="34" charset="0"/>
+                <a:cs typeface="Segoe UI Semilight" panose="020B0402040204020203" pitchFamily="34" charset="0"/>
               </a:rPr>
-              <a:t>arker metro</a:t>
-            </a:r>
-            <a:endParaRPr lang="en-NZ" sz="3600" dirty="0">
+              <a:t>Minimum Width</a:t>
+            </a:r>
+          </a:p>
+          <a:p>
+            <a:pPr marL="742950" lvl="1" indent="-285750">
+              <a:buFont typeface="Arial" panose="020B0604020202020204" pitchFamily="34" charset="0"/>
+              <a:buChar char="•"/>
+            </a:pPr>
+            <a:r>
+              <a:rPr lang="en-NZ" sz="2400" dirty="0">
+                <a:solidFill>
+                  <a:srgbClr val="3A537B"/>
+                </a:solidFill>
+                <a:latin typeface="Segoe UI Semilight" panose="020B0402040204020203" pitchFamily="34" charset="0"/>
+                <a:cs typeface="Segoe UI Semilight" panose="020B0402040204020203" pitchFamily="34" charset="0"/>
+              </a:rPr>
+              <a:t>Tile Update</a:t>
+            </a:r>
+          </a:p>
+          <a:p>
+            <a:pPr marL="742950" lvl="1" indent="-285750">
+              <a:buFont typeface="Arial" panose="020B0604020202020204" pitchFamily="34" charset="0"/>
+              <a:buChar char="•"/>
+            </a:pPr>
+            <a:r>
+              <a:rPr lang="en-NZ" sz="2400" dirty="0">
+                <a:solidFill>
+                  <a:srgbClr val="3A537B"/>
+                </a:solidFill>
+                <a:latin typeface="Segoe UI Semilight" panose="020B0402040204020203" pitchFamily="34" charset="0"/>
+                <a:cs typeface="Segoe UI Semilight" panose="020B0402040204020203" pitchFamily="34" charset="0"/>
+              </a:rPr>
+              <a:t>Tile Images and Logos</a:t>
+            </a:r>
+          </a:p>
+          <a:p>
+            <a:pPr marL="742950" lvl="1" indent="-285750">
+              <a:buFont typeface="Arial" panose="020B0604020202020204" pitchFamily="34" charset="0"/>
+              <a:buChar char="•"/>
+            </a:pPr>
+            <a:r>
+              <a:rPr lang="en-NZ" sz="2400" dirty="0">
+                <a:solidFill>
+                  <a:srgbClr val="3A537B"/>
+                </a:solidFill>
+                <a:latin typeface="Segoe UI Semilight" panose="020B0402040204020203" pitchFamily="34" charset="0"/>
+                <a:cs typeface="Segoe UI Semilight" panose="020B0402040204020203" pitchFamily="34" charset="0"/>
+              </a:rPr>
+              <a:t>Share Target Share Description</a:t>
+            </a:r>
+          </a:p>
+          <a:p>
+            <a:pPr marL="742950" lvl="1" indent="-285750">
+              <a:buFont typeface="Arial" panose="020B0604020202020204" pitchFamily="34" charset="0"/>
+              <a:buChar char="•"/>
+            </a:pPr>
+            <a:endParaRPr lang="en-NZ" sz="2400" dirty="0">
               <a:solidFill>
-                <a:schemeClr val="tx1">
-                  <a:lumMod val="75000"/>
-                  <a:lumOff val="25000"/>
-                </a:schemeClr>
+                <a:srgbClr val="3A537B"/>
               </a:solidFill>
-              <a:latin typeface="Proxima Nova Alt Lt" pitchFamily="50" charset="0"/>
+              <a:latin typeface="Segoe UI Semilight" panose="020B0402040204020203" pitchFamily="34" charset="0"/>
+              <a:cs typeface="Segoe UI Semilight" panose="020B0402040204020203" pitchFamily="34" charset="0"/>
             </a:endParaRPr>
           </a:p>
-        </p:txBody>
-      </p:sp>
-      <p:sp>
-        <p:nvSpPr>
-          <p:cNvPr id="7" name="TextBox 6"/>
-          <p:cNvSpPr txBox="1"/>
-          <p:nvPr/>
-        </p:nvSpPr>
-        <p:spPr>
-          <a:xfrm>
-            <a:off x="533400" y="2296180"/>
-            <a:ext cx="7848600" cy="1692771"/>
-          </a:xfrm>
-          <a:prstGeom prst="rect">
-            <a:avLst/>
-          </a:prstGeom>
-          <a:noFill/>
-        </p:spPr>
-        <p:txBody>
-          <a:bodyPr wrap="square" rtlCol="0">
-            <a:spAutoFit/>
-          </a:bodyPr>
-          <a:lstStyle/>
-          <a:p>
-            <a:r>
-              <a:rPr lang="en-NZ" sz="2600" dirty="0">
-                <a:latin typeface="Proxima Nova Alt Lt" pitchFamily="50" charset="0"/>
-              </a:rPr>
-              <a:t>The first 100% Metro </a:t>
-            </a:r>
-            <a:r>
-              <a:rPr lang="en-NZ" sz="2600" dirty="0" smtClean="0">
-                <a:latin typeface="Proxima Nova Alt Lt" pitchFamily="50" charset="0"/>
-              </a:rPr>
-              <a:t>agency. </a:t>
-            </a:r>
-          </a:p>
-          <a:p>
-            <a:endParaRPr lang="en-NZ" sz="2600" dirty="0">
-              <a:latin typeface="Proxima Nova Alt Lt" pitchFamily="50" charset="0"/>
+          <a:p>
+            <a:pPr marL="285750" indent="-285750">
+              <a:buFont typeface="Arial" panose="020B0604020202020204" pitchFamily="34" charset="0"/>
+              <a:buChar char="•"/>
+            </a:pPr>
+            <a:endParaRPr lang="en-NZ" sz="2400" dirty="0">
+              <a:solidFill>
+                <a:srgbClr val="3A537B"/>
+              </a:solidFill>
+              <a:latin typeface="Segoe UI Semilight" panose="020B0402040204020203" pitchFamily="34" charset="0"/>
+              <a:cs typeface="Segoe UI Semilight" panose="020B0402040204020203" pitchFamily="34" charset="0"/>
             </a:endParaRPr>
           </a:p>
           <a:p>
-            <a:r>
-              <a:rPr lang="en-NZ" sz="2600" dirty="0" smtClean="0">
-                <a:latin typeface="Proxima Nova Alt Lt" pitchFamily="50" charset="0"/>
-              </a:rPr>
-              <a:t>We design and build world-class</a:t>
-            </a:r>
-            <a:r>
-              <a:rPr lang="en-NZ" sz="2600" dirty="0">
-                <a:latin typeface="Proxima Nova Alt Lt" pitchFamily="50" charset="0"/>
-              </a:rPr>
-              <a:t>, award-winning apps for </a:t>
-            </a:r>
-            <a:r>
-              <a:rPr lang="en-NZ" sz="2600" dirty="0" smtClean="0">
-                <a:latin typeface="Proxima Nova Alt Lt" pitchFamily="50" charset="0"/>
-              </a:rPr>
-              <a:t>Windows. </a:t>
-            </a:r>
-            <a:endParaRPr lang="en-NZ" sz="2600" dirty="0">
-              <a:latin typeface="Proxima Nova Alt Lt" pitchFamily="50" charset="0"/>
+            <a:pPr marL="285750" indent="-285750">
+              <a:buFont typeface="Arial" panose="020B0604020202020204" pitchFamily="34" charset="0"/>
+              <a:buChar char="•"/>
+            </a:pPr>
+            <a:endParaRPr lang="en-NZ" sz="2400" dirty="0" smtClean="0">
+              <a:solidFill>
+                <a:srgbClr val="3A537B"/>
+              </a:solidFill>
+              <a:latin typeface="Segoe UI Semilight" panose="020B0402040204020203" pitchFamily="34" charset="0"/>
+              <a:cs typeface="Segoe UI Semilight" panose="020B0402040204020203" pitchFamily="34" charset="0"/>
             </a:endParaRPr>
           </a:p>
         </p:txBody>
@@ -5814,7 +6781,7 @@
     </p:spTree>
     <p:extLst>
       <p:ext uri="{BB962C8B-B14F-4D97-AF65-F5344CB8AC3E}">
-        <p14:creationId xmlns:p14="http://schemas.microsoft.com/office/powerpoint/2010/main" val="1968027101"/>
+        <p14:creationId xmlns:p14="http://schemas.microsoft.com/office/powerpoint/2010/main" val="24510875"/>
       </p:ext>
     </p:extLst>
   </p:cSld>
@@ -6685,21 +7652,6 @@
 </file>
 
 <file path=customXml/item1.xml><?xml version="1.0" encoding="utf-8"?>
-<p:properties xmlns:p="http://schemas.microsoft.com/office/2006/metadata/properties" xmlns:xsi="http://www.w3.org/2001/XMLSchema-instance">
-  <documentManagement/>
-</p:properties>
-</file>
-
-<file path=customXml/item2.xml><?xml version="1.0" encoding="utf-8"?>
-<?mso-contentType ?>
-<FormTemplates xmlns="http://schemas.microsoft.com/sharepoint/v3/contenttype/forms">
-  <Display>DocumentLibraryForm</Display>
-  <Edit>DocumentLibraryForm</Edit>
-  <New>DocumentLibraryForm</New>
-</FormTemplates>
-</file>
-
-<file path=customXml/item3.xml><?xml version="1.0" encoding="utf-8"?>
 <ct:contentTypeSchema xmlns:ct="http://schemas.microsoft.com/office/2006/metadata/contentType" xmlns:ma="http://schemas.microsoft.com/office/2006/metadata/properties/metaAttributes" ct:_="" ma:_="" ma:contentTypeName="Document" ma:contentTypeID="0x0101004DF6D0871B95904AABD22536D8AC85C8" ma:contentTypeVersion="0" ma:contentTypeDescription="Create a new document." ma:contentTypeScope="" ma:versionID="49efcf3338630220492e4247eaca93e8">
   <xsd:schema xmlns:xsd="http://www.w3.org/2001/XMLSchema" xmlns:p="http://schemas.microsoft.com/office/2006/metadata/properties" targetNamespace="http://schemas.microsoft.com/office/2006/metadata/properties" ma:root="true" ma:fieldsID="4aeb20c0e3442673af7ee10786458764">
     <xsd:element name="properties">
@@ -6748,10 +7700,32 @@
 </ct:contentTypeSchema>
 </file>
 
+<file path=customXml/item2.xml><?xml version="1.0" encoding="utf-8"?>
+<?mso-contentType ?>
+<FormTemplates xmlns="http://schemas.microsoft.com/sharepoint/v3/contenttype/forms">
+  <Display>DocumentLibraryForm</Display>
+  <Edit>DocumentLibraryForm</Edit>
+  <New>DocumentLibraryForm</New>
+</FormTemplates>
+</file>
+
+<file path=customXml/item3.xml><?xml version="1.0" encoding="utf-8"?>
+<p:properties xmlns:p="http://schemas.microsoft.com/office/2006/metadata/properties" xmlns:xsi="http://www.w3.org/2001/XMLSchema-instance">
+  <documentManagement/>
+</p:properties>
+</file>
+
 <file path=customXml/itemProps1.xml><?xml version="1.0" encoding="utf-8"?>
-<ds:datastoreItem xmlns:ds="http://schemas.openxmlformats.org/officeDocument/2006/customXml" ds:itemID="{AEBD4C7A-EE81-430E-8E48-8F597B2AAF83}">
+<ds:datastoreItem xmlns:ds="http://schemas.openxmlformats.org/officeDocument/2006/customXml" ds:itemID="{7E1D9E91-416C-4888-A8AA-BE42FEF97FEF}">
   <ds:schemaRefs>
+    <ds:schemaRef ds:uri="http://schemas.microsoft.com/office/2006/metadata/contentType"/>
+    <ds:schemaRef ds:uri="http://schemas.microsoft.com/office/2006/metadata/properties/metaAttributes"/>
+    <ds:schemaRef ds:uri="http://www.w3.org/2001/XMLSchema"/>
     <ds:schemaRef ds:uri="http://schemas.microsoft.com/office/2006/metadata/properties"/>
+    <ds:schemaRef ds:uri="http://schemas.openxmlformats.org/package/2006/metadata/core-properties"/>
+    <ds:schemaRef ds:uri="http://purl.org/dc/elements/1.1/"/>
+    <ds:schemaRef ds:uri="http://purl.org/dc/terms/"/>
+    <ds:schemaRef ds:uri="http://schemas.microsoft.com/office/internal/2005/internalDocumentation"/>
   </ds:schemaRefs>
 </ds:datastoreItem>
 </file>
@@ -6765,16 +7739,9 @@
 </file>
 
 <file path=customXml/itemProps3.xml><?xml version="1.0" encoding="utf-8"?>
-<ds:datastoreItem xmlns:ds="http://schemas.openxmlformats.org/officeDocument/2006/customXml" ds:itemID="{7E1D9E91-416C-4888-A8AA-BE42FEF97FEF}">
+<ds:datastoreItem xmlns:ds="http://schemas.openxmlformats.org/officeDocument/2006/customXml" ds:itemID="{AEBD4C7A-EE81-430E-8E48-8F597B2AAF83}">
   <ds:schemaRefs>
-    <ds:schemaRef ds:uri="http://schemas.microsoft.com/office/2006/metadata/contentType"/>
-    <ds:schemaRef ds:uri="http://schemas.microsoft.com/office/2006/metadata/properties/metaAttributes"/>
-    <ds:schemaRef ds:uri="http://www.w3.org/2001/XMLSchema"/>
     <ds:schemaRef ds:uri="http://schemas.microsoft.com/office/2006/metadata/properties"/>
-    <ds:schemaRef ds:uri="http://schemas.openxmlformats.org/package/2006/metadata/core-properties"/>
-    <ds:schemaRef ds:uri="http://purl.org/dc/elements/1.1/"/>
-    <ds:schemaRef ds:uri="http://purl.org/dc/terms/"/>
-    <ds:schemaRef ds:uri="http://schemas.microsoft.com/office/internal/2005/internalDocumentation"/>
   </ds:schemaRefs>
 </ds:datastoreItem>
 </file>
--- a/WhatsNewInWindows81/WhatsNewInWindows81.pptx
+++ b/WhatsNewInWindows81/WhatsNewInWindows81.pptx
@@ -5,10 +5,10 @@
     <p:sldMasterId id="2147483648" r:id="rId4"/>
   </p:sldMasterIdLst>
   <p:notesMasterIdLst>
-    <p:notesMasterId r:id="rId16"/>
+    <p:notesMasterId r:id="rId19"/>
   </p:notesMasterIdLst>
   <p:handoutMasterIdLst>
-    <p:handoutMasterId r:id="rId17"/>
+    <p:handoutMasterId r:id="rId20"/>
   </p:handoutMasterIdLst>
   <p:sldIdLst>
     <p:sldId id="256" r:id="rId5"/>
@@ -17,11 +17,14 @@
     <p:sldId id="262" r:id="rId8"/>
     <p:sldId id="263" r:id="rId9"/>
     <p:sldId id="267" r:id="rId10"/>
-    <p:sldId id="265" r:id="rId11"/>
+    <p:sldId id="269" r:id="rId11"/>
     <p:sldId id="264" r:id="rId12"/>
-    <p:sldId id="266" r:id="rId13"/>
-    <p:sldId id="260" r:id="rId14"/>
-    <p:sldId id="257" r:id="rId15"/>
+    <p:sldId id="268" r:id="rId13"/>
+    <p:sldId id="265" r:id="rId14"/>
+    <p:sldId id="270" r:id="rId15"/>
+    <p:sldId id="271" r:id="rId16"/>
+    <p:sldId id="272" r:id="rId17"/>
+    <p:sldId id="257" r:id="rId18"/>
   </p:sldIdLst>
   <p:sldSz cx="9144000" cy="6858000" type="screen4x3"/>
   <p:notesSz cx="7099300" cy="10234613"/>
@@ -1169,7 +1172,190 @@
     </p:spTree>
     <p:extLst>
       <p:ext uri="{BB962C8B-B14F-4D97-AF65-F5344CB8AC3E}">
+        <p14:creationId xmlns:p14="http://schemas.microsoft.com/office/powerpoint/2010/main" val="3817223727"/>
+      </p:ext>
+    </p:extLst>
+  </p:cSld>
+  <p:clrMapOvr>
+    <a:masterClrMapping/>
+  </p:clrMapOvr>
+</p:notes>
+</file>
+
+<file path=ppt/notesSlides/notesSlide4.xml><?xml version="1.0" encoding="utf-8"?>
+<p:notes xmlns:a="http://schemas.openxmlformats.org/drawingml/2006/main" xmlns:r="http://schemas.openxmlformats.org/officeDocument/2006/relationships" xmlns:p="http://schemas.openxmlformats.org/presentationml/2006/main">
+  <p:cSld>
+    <p:spTree>
+      <p:nvGrpSpPr>
+        <p:cNvPr id="1" name=""/>
+        <p:cNvGrpSpPr/>
+        <p:nvPr/>
+      </p:nvGrpSpPr>
+      <p:grpSpPr>
+        <a:xfrm>
+          <a:off x="0" y="0"/>
+          <a:ext cx="0" cy="0"/>
+          <a:chOff x="0" y="0"/>
+          <a:chExt cx="0" cy="0"/>
+        </a:xfrm>
+      </p:grpSpPr>
+      <p:sp>
+        <p:nvSpPr>
+          <p:cNvPr id="2" name="Slide Image Placeholder 1"/>
+          <p:cNvSpPr>
+            <a:spLocks noGrp="1" noRot="1" noChangeAspect="1"/>
+          </p:cNvSpPr>
+          <p:nvPr>
+            <p:ph type="sldImg"/>
+          </p:nvPr>
+        </p:nvSpPr>
+        <p:spPr/>
+      </p:sp>
+      <p:sp>
+        <p:nvSpPr>
+          <p:cNvPr id="3" name="Notes Placeholder 2"/>
+          <p:cNvSpPr>
+            <a:spLocks noGrp="1"/>
+          </p:cNvSpPr>
+          <p:nvPr>
+            <p:ph type="body" idx="1"/>
+          </p:nvPr>
+        </p:nvSpPr>
+        <p:spPr/>
+        <p:txBody>
+          <a:bodyPr/>
+          <a:lstStyle/>
+          <a:p>
+            <a:endParaRPr lang="en-NZ" dirty="0"/>
+          </a:p>
+        </p:txBody>
+      </p:sp>
+    </p:spTree>
+    <p:extLst>
+      <p:ext uri="{BB962C8B-B14F-4D97-AF65-F5344CB8AC3E}">
         <p14:creationId xmlns:p14="http://schemas.microsoft.com/office/powerpoint/2010/main" val="3485577604"/>
+      </p:ext>
+    </p:extLst>
+  </p:cSld>
+  <p:clrMapOvr>
+    <a:masterClrMapping/>
+  </p:clrMapOvr>
+</p:notes>
+</file>
+
+<file path=ppt/notesSlides/notesSlide5.xml><?xml version="1.0" encoding="utf-8"?>
+<p:notes xmlns:a="http://schemas.openxmlformats.org/drawingml/2006/main" xmlns:r="http://schemas.openxmlformats.org/officeDocument/2006/relationships" xmlns:p="http://schemas.openxmlformats.org/presentationml/2006/main">
+  <p:cSld>
+    <p:spTree>
+      <p:nvGrpSpPr>
+        <p:cNvPr id="1" name=""/>
+        <p:cNvGrpSpPr/>
+        <p:nvPr/>
+      </p:nvGrpSpPr>
+      <p:grpSpPr>
+        <a:xfrm>
+          <a:off x="0" y="0"/>
+          <a:ext cx="0" cy="0"/>
+          <a:chOff x="0" y="0"/>
+          <a:chExt cx="0" cy="0"/>
+        </a:xfrm>
+      </p:grpSpPr>
+      <p:sp>
+        <p:nvSpPr>
+          <p:cNvPr id="2" name="Slide Image Placeholder 1"/>
+          <p:cNvSpPr>
+            <a:spLocks noGrp="1" noRot="1" noChangeAspect="1"/>
+          </p:cNvSpPr>
+          <p:nvPr>
+            <p:ph type="sldImg"/>
+          </p:nvPr>
+        </p:nvSpPr>
+        <p:spPr/>
+      </p:sp>
+      <p:sp>
+        <p:nvSpPr>
+          <p:cNvPr id="3" name="Notes Placeholder 2"/>
+          <p:cNvSpPr>
+            <a:spLocks noGrp="1"/>
+          </p:cNvSpPr>
+          <p:nvPr>
+            <p:ph type="body" idx="1"/>
+          </p:nvPr>
+        </p:nvSpPr>
+        <p:spPr/>
+        <p:txBody>
+          <a:bodyPr/>
+          <a:lstStyle/>
+          <a:p>
+            <a:endParaRPr lang="en-NZ" dirty="0"/>
+          </a:p>
+        </p:txBody>
+      </p:sp>
+    </p:spTree>
+    <p:extLst>
+      <p:ext uri="{BB962C8B-B14F-4D97-AF65-F5344CB8AC3E}">
+        <p14:creationId xmlns:p14="http://schemas.microsoft.com/office/powerpoint/2010/main" val="1579306754"/>
+      </p:ext>
+    </p:extLst>
+  </p:cSld>
+  <p:clrMapOvr>
+    <a:masterClrMapping/>
+  </p:clrMapOvr>
+</p:notes>
+</file>
+
+<file path=ppt/notesSlides/notesSlide6.xml><?xml version="1.0" encoding="utf-8"?>
+<p:notes xmlns:a="http://schemas.openxmlformats.org/drawingml/2006/main" xmlns:r="http://schemas.openxmlformats.org/officeDocument/2006/relationships" xmlns:p="http://schemas.openxmlformats.org/presentationml/2006/main">
+  <p:cSld>
+    <p:spTree>
+      <p:nvGrpSpPr>
+        <p:cNvPr id="1" name=""/>
+        <p:cNvGrpSpPr/>
+        <p:nvPr/>
+      </p:nvGrpSpPr>
+      <p:grpSpPr>
+        <a:xfrm>
+          <a:off x="0" y="0"/>
+          <a:ext cx="0" cy="0"/>
+          <a:chOff x="0" y="0"/>
+          <a:chExt cx="0" cy="0"/>
+        </a:xfrm>
+      </p:grpSpPr>
+      <p:sp>
+        <p:nvSpPr>
+          <p:cNvPr id="2" name="Slide Image Placeholder 1"/>
+          <p:cNvSpPr>
+            <a:spLocks noGrp="1" noRot="1" noChangeAspect="1"/>
+          </p:cNvSpPr>
+          <p:nvPr>
+            <p:ph type="sldImg"/>
+          </p:nvPr>
+        </p:nvSpPr>
+        <p:spPr/>
+      </p:sp>
+      <p:sp>
+        <p:nvSpPr>
+          <p:cNvPr id="3" name="Notes Placeholder 2"/>
+          <p:cNvSpPr>
+            <a:spLocks noGrp="1"/>
+          </p:cNvSpPr>
+          <p:nvPr>
+            <p:ph type="body" idx="1"/>
+          </p:nvPr>
+        </p:nvSpPr>
+        <p:spPr/>
+        <p:txBody>
+          <a:bodyPr/>
+          <a:lstStyle/>
+          <a:p>
+            <a:endParaRPr lang="en-NZ" dirty="0"/>
+          </a:p>
+        </p:txBody>
+      </p:sp>
+    </p:spTree>
+    <p:extLst>
+      <p:ext uri="{BB962C8B-B14F-4D97-AF65-F5344CB8AC3E}">
+        <p14:creationId xmlns:p14="http://schemas.microsoft.com/office/powerpoint/2010/main" val="1316598222"/>
       </p:ext>
     </p:extLst>
   </p:cSld>
@@ -4196,6 +4382,164 @@
           <p:nvPr/>
         </p:nvPicPr>
         <p:blipFill>
+          <a:blip r:embed="rId3">
+            <a:extLst>
+              <a:ext uri="{28A0092B-C50C-407E-A947-70E740481C1C}">
+                <a14:useLocalDpi xmlns:a14="http://schemas.microsoft.com/office/drawing/2010/main" val="0"/>
+              </a:ext>
+            </a:extLst>
+          </a:blip>
+          <a:stretch>
+            <a:fillRect/>
+          </a:stretch>
+        </p:blipFill>
+        <p:spPr>
+          <a:xfrm>
+            <a:off x="0" y="0"/>
+            <a:ext cx="9144000" cy="6858000"/>
+          </a:xfrm>
+          <a:prstGeom prst="rect">
+            <a:avLst/>
+          </a:prstGeom>
+        </p:spPr>
+      </p:pic>
+      <p:sp>
+        <p:nvSpPr>
+          <p:cNvPr id="3" name="TextBox 2"/>
+          <p:cNvSpPr txBox="1"/>
+          <p:nvPr/>
+        </p:nvSpPr>
+        <p:spPr>
+          <a:xfrm>
+            <a:off x="3200400" y="533400"/>
+            <a:ext cx="5410200" cy="338554"/>
+          </a:xfrm>
+          <a:prstGeom prst="rect">
+            <a:avLst/>
+          </a:prstGeom>
+          <a:noFill/>
+        </p:spPr>
+        <p:txBody>
+          <a:bodyPr wrap="square" rtlCol="0">
+            <a:spAutoFit/>
+          </a:bodyPr>
+          <a:lstStyle/>
+          <a:p>
+            <a:pPr algn="r"/>
+            <a:r>
+              <a:rPr lang="en-NZ" sz="1600" dirty="0" smtClean="0">
+                <a:solidFill>
+                  <a:schemeClr val="tx1">
+                    <a:lumMod val="50000"/>
+                    <a:lumOff val="50000"/>
+                  </a:schemeClr>
+                </a:solidFill>
+                <a:latin typeface="Segoe UI Semilight" panose="020B0402040204020203" pitchFamily="34" charset="0"/>
+                <a:cs typeface="Segoe UI Semilight" panose="020B0402040204020203" pitchFamily="34" charset="0"/>
+              </a:rPr>
+              <a:t>WHAT’S NEW FOR CONSUMERS</a:t>
+            </a:r>
+            <a:endParaRPr lang="en-NZ" sz="1600" dirty="0">
+              <a:solidFill>
+                <a:schemeClr val="tx1">
+                  <a:lumMod val="50000"/>
+                  <a:lumOff val="50000"/>
+                </a:schemeClr>
+              </a:solidFill>
+              <a:latin typeface="Segoe UI Semilight" panose="020B0402040204020203" pitchFamily="34" charset="0"/>
+              <a:cs typeface="Segoe UI Semilight" panose="020B0402040204020203" pitchFamily="34" charset="0"/>
+            </a:endParaRPr>
+          </a:p>
+        </p:txBody>
+      </p:sp>
+      <p:sp>
+        <p:nvSpPr>
+          <p:cNvPr id="4" name="TextBox 3"/>
+          <p:cNvSpPr txBox="1"/>
+          <p:nvPr/>
+        </p:nvSpPr>
+        <p:spPr>
+          <a:xfrm>
+            <a:off x="533400" y="3048000"/>
+            <a:ext cx="6324600" cy="1323439"/>
+          </a:xfrm>
+          <a:prstGeom prst="rect">
+            <a:avLst/>
+          </a:prstGeom>
+          <a:noFill/>
+        </p:spPr>
+        <p:txBody>
+          <a:bodyPr wrap="square" rtlCol="0">
+            <a:spAutoFit/>
+          </a:bodyPr>
+          <a:lstStyle/>
+          <a:p>
+            <a:r>
+              <a:rPr lang="en-NZ" sz="8000" dirty="0" smtClean="0">
+                <a:solidFill>
+                  <a:srgbClr val="EF4E03"/>
+                </a:solidFill>
+                <a:latin typeface="Segoe UI Semilight" panose="020B0402040204020203" pitchFamily="34" charset="0"/>
+                <a:cs typeface="Segoe UI Semilight" panose="020B0402040204020203" pitchFamily="34" charset="0"/>
+              </a:rPr>
+              <a:t>DEMO</a:t>
+            </a:r>
+            <a:endParaRPr lang="en-US" sz="8000" dirty="0">
+              <a:solidFill>
+                <a:srgbClr val="EF4E03"/>
+              </a:solidFill>
+              <a:latin typeface="Segoe UI Semilight" panose="020B0402040204020203" pitchFamily="34" charset="0"/>
+              <a:cs typeface="Segoe UI Semilight" panose="020B0402040204020203" pitchFamily="34" charset="0"/>
+            </a:endParaRPr>
+          </a:p>
+        </p:txBody>
+      </p:sp>
+    </p:spTree>
+    <p:extLst>
+      <p:ext uri="{BB962C8B-B14F-4D97-AF65-F5344CB8AC3E}">
+        <p14:creationId xmlns:p14="http://schemas.microsoft.com/office/powerpoint/2010/main" val="3548336306"/>
+      </p:ext>
+    </p:extLst>
+  </p:cSld>
+  <p:clrMapOvr>
+    <a:masterClrMapping/>
+  </p:clrMapOvr>
+  <p:timing>
+    <p:tnLst>
+      <p:par>
+        <p:cTn id="1" dur="indefinite" restart="never" nodeType="tmRoot"/>
+      </p:par>
+    </p:tnLst>
+  </p:timing>
+</p:sld>
+</file>
+
+<file path=ppt/slides/slide11.xml><?xml version="1.0" encoding="utf-8"?>
+<p:sld xmlns:a="http://schemas.openxmlformats.org/drawingml/2006/main" xmlns:r="http://schemas.openxmlformats.org/officeDocument/2006/relationships" xmlns:p="http://schemas.openxmlformats.org/presentationml/2006/main">
+  <p:cSld>
+    <p:spTree>
+      <p:nvGrpSpPr>
+        <p:cNvPr id="1" name=""/>
+        <p:cNvGrpSpPr/>
+        <p:nvPr/>
+      </p:nvGrpSpPr>
+      <p:grpSpPr>
+        <a:xfrm>
+          <a:off x="0" y="0"/>
+          <a:ext cx="0" cy="0"/>
+          <a:chOff x="0" y="0"/>
+          <a:chExt cx="0" cy="0"/>
+        </a:xfrm>
+      </p:grpSpPr>
+      <p:pic>
+        <p:nvPicPr>
+          <p:cNvPr id="6" name="Picture 5"/>
+          <p:cNvPicPr>
+            <a:picLocks noChangeAspect="1"/>
+          </p:cNvPicPr>
+          <p:nvPr/>
+        </p:nvPicPr>
+        <p:blipFill>
           <a:blip r:embed="rId2">
             <a:extLst>
               <a:ext uri="{28A0092B-C50C-407E-A947-70E740481C1C}">
@@ -4251,7 +4595,20 @@
                 <a:latin typeface="Segoe UI Semilight" panose="020B0402040204020203" pitchFamily="34" charset="0"/>
                 <a:cs typeface="Segoe UI Semilight" panose="020B0402040204020203" pitchFamily="34" charset="0"/>
               </a:rPr>
-              <a:t>INTRODUCING MARKER METRO</a:t>
+              <a:t>WHAT’S NEW FOR </a:t>
+            </a:r>
+            <a:r>
+              <a:rPr lang="en-NZ" sz="1600" dirty="0" smtClean="0">
+                <a:solidFill>
+                  <a:schemeClr val="tx1">
+                    <a:lumMod val="50000"/>
+                    <a:lumOff val="50000"/>
+                  </a:schemeClr>
+                </a:solidFill>
+                <a:latin typeface="Segoe UI Semilight" panose="020B0402040204020203" pitchFamily="34" charset="0"/>
+                <a:cs typeface="Segoe UI Semilight" panose="020B0402040204020203" pitchFamily="34" charset="0"/>
+              </a:rPr>
+              <a:t>WINJS DEVELOPERS</a:t>
             </a:r>
             <a:endParaRPr lang="en-NZ" sz="1600" dirty="0">
               <a:solidFill>
@@ -4268,14 +4625,14 @@
       </p:sp>
       <p:sp>
         <p:nvSpPr>
-          <p:cNvPr id="5" name="TextBox 4"/>
+          <p:cNvPr id="2" name="TextBox 1"/>
           <p:cNvSpPr txBox="1"/>
           <p:nvPr/>
         </p:nvSpPr>
         <p:spPr>
           <a:xfrm>
-            <a:off x="533400" y="1487269"/>
-            <a:ext cx="7467600" cy="646331"/>
+            <a:off x="612512" y="1752600"/>
+            <a:ext cx="1072409" cy="461665"/>
           </a:xfrm>
           <a:prstGeom prst="rect">
             <a:avLst/>
@@ -4283,108 +4640,31 @@
           <a:noFill/>
         </p:spPr>
         <p:txBody>
-          <a:bodyPr wrap="square" rtlCol="0">
+          <a:bodyPr wrap="none" rtlCol="0">
             <a:spAutoFit/>
           </a:bodyPr>
           <a:lstStyle/>
           <a:p>
-            <a:r>
-              <a:rPr lang="en-NZ" sz="3600" dirty="0">
-                <a:solidFill>
-                  <a:schemeClr val="tx1">
-                    <a:lumMod val="75000"/>
-                    <a:lumOff val="25000"/>
-                  </a:schemeClr>
-                </a:solidFill>
-                <a:latin typeface="Proxima Nova Alt Lt" pitchFamily="50" charset="0"/>
+            <a:pPr marL="285750" indent="-285750">
+              <a:buFont typeface="Arial" panose="020B0604020202020204" pitchFamily="34" charset="0"/>
+              <a:buChar char="•"/>
+            </a:pPr>
+            <a:r>
+              <a:rPr lang="en-NZ" sz="2400" dirty="0" smtClean="0">
+                <a:solidFill>
+                  <a:srgbClr val="3A537B"/>
+                </a:solidFill>
+                <a:latin typeface="Segoe UI Semilight" panose="020B0402040204020203" pitchFamily="34" charset="0"/>
+                <a:cs typeface="Segoe UI Semilight" panose="020B0402040204020203" pitchFamily="34" charset="0"/>
               </a:rPr>
-              <a:t>m</a:t>
-            </a:r>
-            <a:r>
-              <a:rPr lang="en-NZ" sz="3600" dirty="0" smtClean="0">
-                <a:solidFill>
-                  <a:schemeClr val="tx1">
-                    <a:lumMod val="75000"/>
-                    <a:lumOff val="25000"/>
-                  </a:schemeClr>
-                </a:solidFill>
-                <a:latin typeface="Proxima Nova Alt Lt" pitchFamily="50" charset="0"/>
-              </a:rPr>
-              <a:t>arker metro</a:t>
-            </a:r>
-            <a:endParaRPr lang="en-NZ" sz="3600" dirty="0">
+              <a:t>Stuff</a:t>
+            </a:r>
+            <a:endParaRPr lang="en-NZ" sz="2400" dirty="0" smtClean="0">
               <a:solidFill>
-                <a:schemeClr val="tx1">
-                  <a:lumMod val="75000"/>
-                  <a:lumOff val="25000"/>
-                </a:schemeClr>
+                <a:srgbClr val="3A537B"/>
               </a:solidFill>
-              <a:latin typeface="Proxima Nova Alt Lt" pitchFamily="50" charset="0"/>
-            </a:endParaRPr>
-          </a:p>
-        </p:txBody>
-      </p:sp>
-      <p:sp>
-        <p:nvSpPr>
-          <p:cNvPr id="7" name="TextBox 6"/>
-          <p:cNvSpPr txBox="1"/>
-          <p:nvPr/>
-        </p:nvSpPr>
-        <p:spPr>
-          <a:xfrm>
-            <a:off x="533400" y="2296180"/>
-            <a:ext cx="7848600" cy="1692771"/>
-          </a:xfrm>
-          <a:prstGeom prst="rect">
-            <a:avLst/>
-          </a:prstGeom>
-          <a:noFill/>
-        </p:spPr>
-        <p:txBody>
-          <a:bodyPr wrap="square" rtlCol="0">
-            <a:spAutoFit/>
-          </a:bodyPr>
-          <a:lstStyle/>
-          <a:p>
-            <a:r>
-              <a:rPr lang="en-NZ" sz="2600" dirty="0">
-                <a:latin typeface="Proxima Nova Alt Lt" pitchFamily="50" charset="0"/>
-              </a:rPr>
-              <a:t>The first 100% Metro </a:t>
-            </a:r>
-            <a:r>
-              <a:rPr lang="en-NZ" sz="2600" dirty="0" smtClean="0">
-                <a:latin typeface="Proxima Nova Alt Lt" pitchFamily="50" charset="0"/>
-              </a:rPr>
-              <a:t>agency. </a:t>
-            </a:r>
-          </a:p>
-          <a:p>
-            <a:endParaRPr lang="en-NZ" sz="2600" dirty="0">
-              <a:latin typeface="Proxima Nova Alt Lt" pitchFamily="50" charset="0"/>
-            </a:endParaRPr>
-          </a:p>
-          <a:p>
-            <a:r>
-              <a:rPr lang="en-NZ" sz="2600" dirty="0" smtClean="0">
-                <a:latin typeface="Proxima Nova Alt Lt" pitchFamily="50" charset="0"/>
-              </a:rPr>
-              <a:t>We design and build world-class</a:t>
-            </a:r>
-            <a:r>
-              <a:rPr lang="en-NZ" sz="2600" dirty="0">
-                <a:latin typeface="Proxima Nova Alt Lt" pitchFamily="50" charset="0"/>
-              </a:rPr>
-              <a:t>, award-winning apps for </a:t>
-            </a:r>
-            <a:r>
-              <a:rPr lang="en-NZ" sz="2600" dirty="0" smtClean="0">
-                <a:latin typeface="Proxima Nova Alt Lt" pitchFamily="50" charset="0"/>
-              </a:rPr>
-              <a:t>Windows. </a:t>
-            </a:r>
-            <a:endParaRPr lang="en-NZ" sz="2600" dirty="0">
-              <a:latin typeface="Proxima Nova Alt Lt" pitchFamily="50" charset="0"/>
+              <a:latin typeface="Segoe UI Semilight" panose="020B0402040204020203" pitchFamily="34" charset="0"/>
+              <a:cs typeface="Segoe UI Semilight" panose="020B0402040204020203" pitchFamily="34" charset="0"/>
             </a:endParaRPr>
           </a:p>
         </p:txBody>
@@ -4392,7 +4672,7 @@
     </p:spTree>
     <p:extLst>
       <p:ext uri="{BB962C8B-B14F-4D97-AF65-F5344CB8AC3E}">
-        <p14:creationId xmlns:p14="http://schemas.microsoft.com/office/powerpoint/2010/main" val="1968027101"/>
+        <p14:creationId xmlns:p14="http://schemas.microsoft.com/office/powerpoint/2010/main" val="1833097464"/>
       </p:ext>
     </p:extLst>
   </p:cSld>
@@ -4409,7 +4689,323 @@
 </p:sld>
 </file>
 
-<file path=ppt/slides/slide11.xml><?xml version="1.0" encoding="utf-8"?>
+<file path=ppt/slides/slide12.xml><?xml version="1.0" encoding="utf-8"?>
+<p:sld xmlns:a="http://schemas.openxmlformats.org/drawingml/2006/main" xmlns:r="http://schemas.openxmlformats.org/officeDocument/2006/relationships" xmlns:p="http://schemas.openxmlformats.org/presentationml/2006/main">
+  <p:cSld>
+    <p:spTree>
+      <p:nvGrpSpPr>
+        <p:cNvPr id="1" name=""/>
+        <p:cNvGrpSpPr/>
+        <p:nvPr/>
+      </p:nvGrpSpPr>
+      <p:grpSpPr>
+        <a:xfrm>
+          <a:off x="0" y="0"/>
+          <a:ext cx="0" cy="0"/>
+          <a:chOff x="0" y="0"/>
+          <a:chExt cx="0" cy="0"/>
+        </a:xfrm>
+      </p:grpSpPr>
+      <p:pic>
+        <p:nvPicPr>
+          <p:cNvPr id="6" name="Picture 5"/>
+          <p:cNvPicPr>
+            <a:picLocks noChangeAspect="1"/>
+          </p:cNvPicPr>
+          <p:nvPr/>
+        </p:nvPicPr>
+        <p:blipFill>
+          <a:blip r:embed="rId3">
+            <a:extLst>
+              <a:ext uri="{28A0092B-C50C-407E-A947-70E740481C1C}">
+                <a14:useLocalDpi xmlns:a14="http://schemas.microsoft.com/office/drawing/2010/main" val="0"/>
+              </a:ext>
+            </a:extLst>
+          </a:blip>
+          <a:stretch>
+            <a:fillRect/>
+          </a:stretch>
+        </p:blipFill>
+        <p:spPr>
+          <a:xfrm>
+            <a:off x="0" y="0"/>
+            <a:ext cx="9144000" cy="6858000"/>
+          </a:xfrm>
+          <a:prstGeom prst="rect">
+            <a:avLst/>
+          </a:prstGeom>
+        </p:spPr>
+      </p:pic>
+      <p:sp>
+        <p:nvSpPr>
+          <p:cNvPr id="3" name="TextBox 2"/>
+          <p:cNvSpPr txBox="1"/>
+          <p:nvPr/>
+        </p:nvSpPr>
+        <p:spPr>
+          <a:xfrm>
+            <a:off x="3200400" y="533400"/>
+            <a:ext cx="5410200" cy="338554"/>
+          </a:xfrm>
+          <a:prstGeom prst="rect">
+            <a:avLst/>
+          </a:prstGeom>
+          <a:noFill/>
+        </p:spPr>
+        <p:txBody>
+          <a:bodyPr wrap="square" rtlCol="0">
+            <a:spAutoFit/>
+          </a:bodyPr>
+          <a:lstStyle/>
+          <a:p>
+            <a:pPr algn="r"/>
+            <a:r>
+              <a:rPr lang="en-NZ" sz="1600" dirty="0" smtClean="0">
+                <a:solidFill>
+                  <a:schemeClr val="tx1">
+                    <a:lumMod val="50000"/>
+                    <a:lumOff val="50000"/>
+                  </a:schemeClr>
+                </a:solidFill>
+                <a:latin typeface="Segoe UI Semilight" panose="020B0402040204020203" pitchFamily="34" charset="0"/>
+                <a:cs typeface="Segoe UI Semilight" panose="020B0402040204020203" pitchFamily="34" charset="0"/>
+              </a:rPr>
+              <a:t>WHAT’S NEW FOR CONSUMERS</a:t>
+            </a:r>
+            <a:endParaRPr lang="en-NZ" sz="1600" dirty="0">
+              <a:solidFill>
+                <a:schemeClr val="tx1">
+                  <a:lumMod val="50000"/>
+                  <a:lumOff val="50000"/>
+                </a:schemeClr>
+              </a:solidFill>
+              <a:latin typeface="Segoe UI Semilight" panose="020B0402040204020203" pitchFamily="34" charset="0"/>
+              <a:cs typeface="Segoe UI Semilight" panose="020B0402040204020203" pitchFamily="34" charset="0"/>
+            </a:endParaRPr>
+          </a:p>
+        </p:txBody>
+      </p:sp>
+      <p:sp>
+        <p:nvSpPr>
+          <p:cNvPr id="4" name="TextBox 3"/>
+          <p:cNvSpPr txBox="1"/>
+          <p:nvPr/>
+        </p:nvSpPr>
+        <p:spPr>
+          <a:xfrm>
+            <a:off x="533400" y="3048000"/>
+            <a:ext cx="6324600" cy="1323439"/>
+          </a:xfrm>
+          <a:prstGeom prst="rect">
+            <a:avLst/>
+          </a:prstGeom>
+          <a:noFill/>
+        </p:spPr>
+        <p:txBody>
+          <a:bodyPr wrap="square" rtlCol="0">
+            <a:spAutoFit/>
+          </a:bodyPr>
+          <a:lstStyle/>
+          <a:p>
+            <a:r>
+              <a:rPr lang="en-NZ" sz="8000" dirty="0" smtClean="0">
+                <a:solidFill>
+                  <a:srgbClr val="EF4E03"/>
+                </a:solidFill>
+                <a:latin typeface="Segoe UI Semilight" panose="020B0402040204020203" pitchFamily="34" charset="0"/>
+                <a:cs typeface="Segoe UI Semilight" panose="020B0402040204020203" pitchFamily="34" charset="0"/>
+              </a:rPr>
+              <a:t>DEMO</a:t>
+            </a:r>
+            <a:endParaRPr lang="en-US" sz="8000" dirty="0">
+              <a:solidFill>
+                <a:srgbClr val="EF4E03"/>
+              </a:solidFill>
+              <a:latin typeface="Segoe UI Semilight" panose="020B0402040204020203" pitchFamily="34" charset="0"/>
+              <a:cs typeface="Segoe UI Semilight" panose="020B0402040204020203" pitchFamily="34" charset="0"/>
+            </a:endParaRPr>
+          </a:p>
+        </p:txBody>
+      </p:sp>
+    </p:spTree>
+    <p:extLst>
+      <p:ext uri="{BB962C8B-B14F-4D97-AF65-F5344CB8AC3E}">
+        <p14:creationId xmlns:p14="http://schemas.microsoft.com/office/powerpoint/2010/main" val="1629665390"/>
+      </p:ext>
+    </p:extLst>
+  </p:cSld>
+  <p:clrMapOvr>
+    <a:masterClrMapping/>
+  </p:clrMapOvr>
+  <p:timing>
+    <p:tnLst>
+      <p:par>
+        <p:cTn id="1" dur="indefinite" restart="never" nodeType="tmRoot"/>
+      </p:par>
+    </p:tnLst>
+  </p:timing>
+</p:sld>
+</file>
+
+<file path=ppt/slides/slide13.xml><?xml version="1.0" encoding="utf-8"?>
+<p:sld xmlns:a="http://schemas.openxmlformats.org/drawingml/2006/main" xmlns:r="http://schemas.openxmlformats.org/officeDocument/2006/relationships" xmlns:p="http://schemas.openxmlformats.org/presentationml/2006/main">
+  <p:cSld>
+    <p:spTree>
+      <p:nvGrpSpPr>
+        <p:cNvPr id="1" name=""/>
+        <p:cNvGrpSpPr/>
+        <p:nvPr/>
+      </p:nvGrpSpPr>
+      <p:grpSpPr>
+        <a:xfrm>
+          <a:off x="0" y="0"/>
+          <a:ext cx="0" cy="0"/>
+          <a:chOff x="0" y="0"/>
+          <a:chExt cx="0" cy="0"/>
+        </a:xfrm>
+      </p:grpSpPr>
+      <p:pic>
+        <p:nvPicPr>
+          <p:cNvPr id="6" name="Picture 5"/>
+          <p:cNvPicPr>
+            <a:picLocks noChangeAspect="1"/>
+          </p:cNvPicPr>
+          <p:nvPr/>
+        </p:nvPicPr>
+        <p:blipFill>
+          <a:blip r:embed="rId3">
+            <a:extLst>
+              <a:ext uri="{28A0092B-C50C-407E-A947-70E740481C1C}">
+                <a14:useLocalDpi xmlns:a14="http://schemas.microsoft.com/office/drawing/2010/main" val="0"/>
+              </a:ext>
+            </a:extLst>
+          </a:blip>
+          <a:stretch>
+            <a:fillRect/>
+          </a:stretch>
+        </p:blipFill>
+        <p:spPr>
+          <a:xfrm>
+            <a:off x="0" y="0"/>
+            <a:ext cx="9144000" cy="6858000"/>
+          </a:xfrm>
+          <a:prstGeom prst="rect">
+            <a:avLst/>
+          </a:prstGeom>
+        </p:spPr>
+      </p:pic>
+      <p:sp>
+        <p:nvSpPr>
+          <p:cNvPr id="3" name="TextBox 2"/>
+          <p:cNvSpPr txBox="1"/>
+          <p:nvPr/>
+        </p:nvSpPr>
+        <p:spPr>
+          <a:xfrm>
+            <a:off x="3200400" y="533400"/>
+            <a:ext cx="5410200" cy="338554"/>
+          </a:xfrm>
+          <a:prstGeom prst="rect">
+            <a:avLst/>
+          </a:prstGeom>
+          <a:noFill/>
+        </p:spPr>
+        <p:txBody>
+          <a:bodyPr wrap="square" rtlCol="0">
+            <a:spAutoFit/>
+          </a:bodyPr>
+          <a:lstStyle/>
+          <a:p>
+            <a:pPr algn="r"/>
+            <a:r>
+              <a:rPr lang="en-NZ" sz="1600" dirty="0" smtClean="0">
+                <a:solidFill>
+                  <a:schemeClr val="tx1">
+                    <a:lumMod val="50000"/>
+                    <a:lumOff val="50000"/>
+                  </a:schemeClr>
+                </a:solidFill>
+                <a:latin typeface="Segoe UI Semilight" panose="020B0402040204020203" pitchFamily="34" charset="0"/>
+                <a:cs typeface="Segoe UI Semilight" panose="020B0402040204020203" pitchFamily="34" charset="0"/>
+              </a:rPr>
+              <a:t>WHAT’S NEW FOR CONSUMERS</a:t>
+            </a:r>
+            <a:endParaRPr lang="en-NZ" sz="1600" dirty="0">
+              <a:solidFill>
+                <a:schemeClr val="tx1">
+                  <a:lumMod val="50000"/>
+                  <a:lumOff val="50000"/>
+                </a:schemeClr>
+              </a:solidFill>
+              <a:latin typeface="Segoe UI Semilight" panose="020B0402040204020203" pitchFamily="34" charset="0"/>
+              <a:cs typeface="Segoe UI Semilight" panose="020B0402040204020203" pitchFamily="34" charset="0"/>
+            </a:endParaRPr>
+          </a:p>
+        </p:txBody>
+      </p:sp>
+      <p:sp>
+        <p:nvSpPr>
+          <p:cNvPr id="4" name="TextBox 3"/>
+          <p:cNvSpPr txBox="1"/>
+          <p:nvPr/>
+        </p:nvSpPr>
+        <p:spPr>
+          <a:xfrm>
+            <a:off x="533400" y="3048000"/>
+            <a:ext cx="6324600" cy="1323439"/>
+          </a:xfrm>
+          <a:prstGeom prst="rect">
+            <a:avLst/>
+          </a:prstGeom>
+          <a:noFill/>
+        </p:spPr>
+        <p:txBody>
+          <a:bodyPr wrap="square" rtlCol="0">
+            <a:spAutoFit/>
+          </a:bodyPr>
+          <a:lstStyle/>
+          <a:p>
+            <a:r>
+              <a:rPr lang="en-NZ" sz="8000" dirty="0" smtClean="0">
+                <a:solidFill>
+                  <a:srgbClr val="EF4E03"/>
+                </a:solidFill>
+                <a:latin typeface="Segoe UI Semilight" panose="020B0402040204020203" pitchFamily="34" charset="0"/>
+                <a:cs typeface="Segoe UI Semilight" panose="020B0402040204020203" pitchFamily="34" charset="0"/>
+              </a:rPr>
+              <a:t>QUESTIONS?</a:t>
+            </a:r>
+            <a:endParaRPr lang="en-US" sz="8000" dirty="0">
+              <a:solidFill>
+                <a:srgbClr val="EF4E03"/>
+              </a:solidFill>
+              <a:latin typeface="Segoe UI Semilight" panose="020B0402040204020203" pitchFamily="34" charset="0"/>
+              <a:cs typeface="Segoe UI Semilight" panose="020B0402040204020203" pitchFamily="34" charset="0"/>
+            </a:endParaRPr>
+          </a:p>
+        </p:txBody>
+      </p:sp>
+    </p:spTree>
+    <p:extLst>
+      <p:ext uri="{BB962C8B-B14F-4D97-AF65-F5344CB8AC3E}">
+        <p14:creationId xmlns:p14="http://schemas.microsoft.com/office/powerpoint/2010/main" val="3201247044"/>
+      </p:ext>
+    </p:extLst>
+  </p:cSld>
+  <p:clrMapOvr>
+    <a:masterClrMapping/>
+  </p:clrMapOvr>
+  <p:timing>
+    <p:tnLst>
+      <p:par>
+        <p:cTn id="1" dur="indefinite" restart="never" nodeType="tmRoot"/>
+      </p:par>
+    </p:tnLst>
+  </p:timing>
+</p:sld>
+</file>
+
+<file path=ppt/slides/slide14.xml><?xml version="1.0" encoding="utf-8"?>
 <p:sld xmlns:a="http://schemas.openxmlformats.org/drawingml/2006/main" xmlns:r="http://schemas.openxmlformats.org/officeDocument/2006/relationships" xmlns:p="http://schemas.openxmlformats.org/presentationml/2006/main">
   <p:cSld>
     <p:spTree>
@@ -5495,25 +6091,8 @@
                 <a:latin typeface="Segoe UI Semilight" panose="020B0402040204020203" pitchFamily="34" charset="0"/>
                 <a:cs typeface="Segoe UI Semilight" panose="020B0402040204020203" pitchFamily="34" charset="0"/>
               </a:rPr>
-              <a:t>Share </a:t>
-            </a:r>
-            <a:r>
-              <a:rPr lang="en-NZ" sz="2400" smtClean="0">
-                <a:solidFill>
-                  <a:srgbClr val="3A537B"/>
-                </a:solidFill>
-                <a:latin typeface="Segoe UI Semilight" panose="020B0402040204020203" pitchFamily="34" charset="0"/>
-                <a:cs typeface="Segoe UI Semilight" panose="020B0402040204020203" pitchFamily="34" charset="0"/>
-              </a:rPr>
-              <a:t>from Snapped</a:t>
-            </a:r>
-            <a:endParaRPr lang="en-NZ" sz="2400" dirty="0" smtClean="0">
-              <a:solidFill>
-                <a:srgbClr val="3A537B"/>
-              </a:solidFill>
-              <a:latin typeface="Segoe UI Semilight" panose="020B0402040204020203" pitchFamily="34" charset="0"/>
-              <a:cs typeface="Segoe UI Semilight" panose="020B0402040204020203" pitchFamily="34" charset="0"/>
-            </a:endParaRPr>
+              <a:t>Share from Snapped</a:t>
+            </a:r>
           </a:p>
           <a:p>
             <a:pPr marL="742950" lvl="1" indent="-285750">
@@ -6150,7 +6729,7 @@
     </p:spTree>
     <p:extLst>
       <p:ext uri="{BB962C8B-B14F-4D97-AF65-F5344CB8AC3E}">
-        <p14:creationId xmlns:p14="http://schemas.microsoft.com/office/powerpoint/2010/main" val="3548336306"/>
+        <p14:creationId xmlns:p14="http://schemas.microsoft.com/office/powerpoint/2010/main" val="1802432082"/>
       </p:ext>
     </p:extLst>
   </p:cSld>
@@ -6271,8 +6850,8 @@
         </p:nvSpPr>
         <p:spPr>
           <a:xfrm>
-            <a:off x="612512" y="1752600"/>
-            <a:ext cx="8478218" cy="4524315"/>
+            <a:off x="609600" y="1828800"/>
+            <a:ext cx="5566204" cy="6370975"/>
           </a:xfrm>
           <a:prstGeom prst="rect">
             <a:avLst/>
@@ -6319,51 +6898,15 @@
               <a:buChar char="•"/>
             </a:pPr>
             <a:r>
-              <a:rPr lang="en-NZ" sz="2400" dirty="0">
+              <a:rPr lang="en-NZ" sz="2400" dirty="0" smtClean="0">
                 <a:solidFill>
                   <a:srgbClr val="3A537B"/>
                 </a:solidFill>
                 <a:latin typeface="Segoe UI Semilight" panose="020B0402040204020203" pitchFamily="34" charset="0"/>
                 <a:cs typeface="Segoe UI Semilight" panose="020B0402040204020203" pitchFamily="34" charset="0"/>
               </a:rPr>
-              <a:t>Quick </a:t>
-            </a:r>
-            <a:r>
-              <a:rPr lang="en-NZ" sz="2400" dirty="0" smtClean="0">
-                <a:solidFill>
-                  <a:srgbClr val="3A537B"/>
-                </a:solidFill>
-                <a:latin typeface="Segoe UI Semilight" panose="020B0402040204020203" pitchFamily="34" charset="0"/>
-                <a:cs typeface="Segoe UI Semilight" panose="020B0402040204020203" pitchFamily="34" charset="0"/>
-              </a:rPr>
-              <a:t>Restart (Restarting </a:t>
-            </a:r>
-            <a:r>
-              <a:rPr lang="en-NZ" sz="2400" dirty="0">
-                <a:solidFill>
-                  <a:srgbClr val="3A537B"/>
-                </a:solidFill>
-                <a:latin typeface="Segoe UI Semilight" panose="020B0402040204020203" pitchFamily="34" charset="0"/>
-                <a:cs typeface="Segoe UI Semilight" panose="020B0402040204020203" pitchFamily="34" charset="0"/>
-              </a:rPr>
-              <a:t>an app immediately after closing </a:t>
-            </a:r>
-            <a:r>
-              <a:rPr lang="en-NZ" sz="2400" dirty="0" smtClean="0">
-                <a:solidFill>
-                  <a:srgbClr val="3A537B"/>
-                </a:solidFill>
-                <a:latin typeface="Segoe UI Semilight" panose="020B0402040204020203" pitchFamily="34" charset="0"/>
-                <a:cs typeface="Segoe UI Semilight" panose="020B0402040204020203" pitchFamily="34" charset="0"/>
-              </a:rPr>
-              <a:t>it)</a:t>
-            </a:r>
-          </a:p>
-          <a:p>
-            <a:pPr marL="285750" indent="-285750">
-              <a:buFont typeface="Arial" panose="020B0604020202020204" pitchFamily="34" charset="0"/>
-              <a:buChar char="•"/>
-            </a:pPr>
+              <a:t>Templates</a:t>
+            </a:r>
             <a:endParaRPr lang="en-NZ" sz="2400" dirty="0" smtClean="0">
               <a:solidFill>
                 <a:srgbClr val="3A537B"/>
@@ -6373,7 +6916,7 @@
             </a:endParaRPr>
           </a:p>
           <a:p>
-            <a:pPr marL="285750" indent="-285750">
+            <a:pPr marL="742950" lvl="1" indent="-285750">
               <a:buFont typeface="Arial" panose="020B0604020202020204" pitchFamily="34" charset="0"/>
               <a:buChar char="•"/>
             </a:pPr>
@@ -6385,7 +6928,7 @@
                 <a:latin typeface="Segoe UI Semilight" panose="020B0402040204020203" pitchFamily="34" charset="0"/>
                 <a:cs typeface="Segoe UI Semilight" panose="020B0402040204020203" pitchFamily="34" charset="0"/>
               </a:rPr>
-              <a:t>Suspension timeout at low </a:t>
+              <a:t>Hub </a:t>
             </a:r>
             <a:r>
               <a:rPr lang="en-NZ" sz="2400" dirty="0" smtClean="0">
@@ -6395,11 +6938,11 @@
                 <a:latin typeface="Segoe UI Semilight" panose="020B0402040204020203" pitchFamily="34" charset="0"/>
                 <a:cs typeface="Segoe UI Semilight" panose="020B0402040204020203" pitchFamily="34" charset="0"/>
               </a:rPr>
-              <a:t>priority</a:t>
-            </a:r>
-          </a:p>
-          <a:p>
-            <a:pPr marL="285750" indent="-285750">
+              <a:t>Template</a:t>
+            </a:r>
+          </a:p>
+          <a:p>
+            <a:pPr marL="742950" lvl="1" indent="-285750">
               <a:buFont typeface="Arial" panose="020B0604020202020204" pitchFamily="34" charset="0"/>
               <a:buChar char="•"/>
             </a:pPr>
@@ -6417,14 +6960,14 @@
               <a:buChar char="•"/>
             </a:pPr>
             <a:r>
-              <a:rPr lang="en-NZ" sz="2400" dirty="0" smtClean="0">
+              <a:rPr lang="en-NZ" sz="2400" dirty="0">
                 <a:solidFill>
                   <a:srgbClr val="3A537B"/>
                 </a:solidFill>
                 <a:latin typeface="Segoe UI Semilight" panose="020B0402040204020203" pitchFamily="34" charset="0"/>
                 <a:cs typeface="Segoe UI Semilight" panose="020B0402040204020203" pitchFamily="34" charset="0"/>
               </a:rPr>
-              <a:t>Templates</a:t>
+              <a:t>Manifest Changes</a:t>
             </a:r>
           </a:p>
           <a:p>
@@ -6440,17 +6983,39 @@
                 <a:latin typeface="Segoe UI Semilight" panose="020B0402040204020203" pitchFamily="34" charset="0"/>
                 <a:cs typeface="Segoe UI Semilight" panose="020B0402040204020203" pitchFamily="34" charset="0"/>
               </a:rPr>
-              <a:t>Hub </a:t>
-            </a:r>
-            <a:r>
-              <a:rPr lang="en-NZ" sz="2400" dirty="0" smtClean="0">
+              <a:t>Minimum Width</a:t>
+            </a:r>
+          </a:p>
+          <a:p>
+            <a:pPr marL="742950" lvl="1" indent="-285750">
+              <a:buFont typeface="Arial" panose="020B0604020202020204" pitchFamily="34" charset="0"/>
+              <a:buChar char="•"/>
+            </a:pPr>
+            <a:r>
+              <a:rPr lang="en-NZ" sz="2400" dirty="0">
                 <a:solidFill>
                   <a:srgbClr val="3A537B"/>
                 </a:solidFill>
                 <a:latin typeface="Segoe UI Semilight" panose="020B0402040204020203" pitchFamily="34" charset="0"/>
                 <a:cs typeface="Segoe UI Semilight" panose="020B0402040204020203" pitchFamily="34" charset="0"/>
               </a:rPr>
-              <a:t>Template</a:t>
+              <a:t>Tile Update</a:t>
+            </a:r>
+          </a:p>
+          <a:p>
+            <a:pPr marL="1200150" lvl="2" indent="-285750">
+              <a:buFont typeface="Arial" panose="020B0604020202020204" pitchFamily="34" charset="0"/>
+              <a:buChar char="•"/>
+            </a:pPr>
+            <a:r>
+              <a:rPr lang="en-NZ" sz="2400" dirty="0">
+                <a:solidFill>
+                  <a:srgbClr val="3A537B"/>
+                </a:solidFill>
+                <a:latin typeface="Segoe UI Semilight" panose="020B0402040204020203" pitchFamily="34" charset="0"/>
+                <a:cs typeface="Segoe UI Semilight" panose="020B0402040204020203" pitchFamily="34" charset="0"/>
+              </a:rPr>
+              <a:t>Supports Language and Region</a:t>
             </a:r>
           </a:p>
           <a:p>
@@ -6466,18 +7031,63 @@
                 <a:latin typeface="Segoe UI Semilight" panose="020B0402040204020203" pitchFamily="34" charset="0"/>
                 <a:cs typeface="Segoe UI Semilight" panose="020B0402040204020203" pitchFamily="34" charset="0"/>
               </a:rPr>
-              <a:t>Sample data now in JSON </a:t>
-            </a:r>
-            <a:r>
-              <a:rPr lang="en-NZ" sz="2400" dirty="0" smtClean="0">
+              <a:t>Tile Images and Logos</a:t>
+            </a:r>
+          </a:p>
+          <a:p>
+            <a:pPr marL="742950" lvl="1" indent="-285750">
+              <a:buFont typeface="Arial" panose="020B0604020202020204" pitchFamily="34" charset="0"/>
+              <a:buChar char="•"/>
+            </a:pPr>
+            <a:r>
+              <a:rPr lang="en-NZ" sz="2400" dirty="0">
                 <a:solidFill>
                   <a:srgbClr val="3A537B"/>
                 </a:solidFill>
                 <a:latin typeface="Segoe UI Semilight" panose="020B0402040204020203" pitchFamily="34" charset="0"/>
                 <a:cs typeface="Segoe UI Semilight" panose="020B0402040204020203" pitchFamily="34" charset="0"/>
               </a:rPr>
-              <a:t>:)</a:t>
-            </a:r>
+              <a:t>Share Target Share Description</a:t>
+            </a:r>
+          </a:p>
+          <a:p>
+            <a:pPr marL="742950" lvl="1" indent="-285750">
+              <a:buFont typeface="Arial" panose="020B0604020202020204" pitchFamily="34" charset="0"/>
+              <a:buChar char="•"/>
+            </a:pPr>
+            <a:endParaRPr lang="en-NZ" sz="2400" dirty="0">
+              <a:solidFill>
+                <a:srgbClr val="3A537B"/>
+              </a:solidFill>
+              <a:latin typeface="Segoe UI Semilight" panose="020B0402040204020203" pitchFamily="34" charset="0"/>
+              <a:cs typeface="Segoe UI Semilight" panose="020B0402040204020203" pitchFamily="34" charset="0"/>
+            </a:endParaRPr>
+          </a:p>
+          <a:p>
+            <a:pPr marL="285750" indent="-285750">
+              <a:buFont typeface="Arial" panose="020B0604020202020204" pitchFamily="34" charset="0"/>
+              <a:buChar char="•"/>
+            </a:pPr>
+            <a:endParaRPr lang="en-NZ" sz="2400" dirty="0">
+              <a:solidFill>
+                <a:srgbClr val="3A537B"/>
+              </a:solidFill>
+              <a:latin typeface="Segoe UI Semilight" panose="020B0402040204020203" pitchFamily="34" charset="0"/>
+              <a:cs typeface="Segoe UI Semilight" panose="020B0402040204020203" pitchFamily="34" charset="0"/>
+            </a:endParaRPr>
+          </a:p>
+          <a:p>
+            <a:pPr marL="742950" lvl="1" indent="-285750">
+              <a:buFont typeface="Arial" panose="020B0604020202020204" pitchFamily="34" charset="0"/>
+              <a:buChar char="•"/>
+            </a:pPr>
+            <a:endParaRPr lang="en-NZ" sz="2400" dirty="0" smtClean="0">
+              <a:solidFill>
+                <a:srgbClr val="3A537B"/>
+              </a:solidFill>
+              <a:latin typeface="Segoe UI Semilight" panose="020B0402040204020203" pitchFamily="34" charset="0"/>
+              <a:cs typeface="Segoe UI Semilight" panose="020B0402040204020203" pitchFamily="34" charset="0"/>
+            </a:endParaRPr>
           </a:p>
           <a:p>
             <a:pPr marL="742950" lvl="1" indent="-285750">
@@ -6621,7 +7231,20 @@
                 <a:latin typeface="Segoe UI Semilight" panose="020B0402040204020203" pitchFamily="34" charset="0"/>
                 <a:cs typeface="Segoe UI Semilight" panose="020B0402040204020203" pitchFamily="34" charset="0"/>
               </a:rPr>
-              <a:t>WHAT’S NEW FOR APP DEVELOPERS</a:t>
+              <a:t>WHAT’S NEW FOR </a:t>
+            </a:r>
+            <a:r>
+              <a:rPr lang="en-NZ" sz="1600" dirty="0" smtClean="0">
+                <a:solidFill>
+                  <a:schemeClr val="tx1">
+                    <a:lumMod val="50000"/>
+                    <a:lumOff val="50000"/>
+                  </a:schemeClr>
+                </a:solidFill>
+                <a:latin typeface="Segoe UI Semilight" panose="020B0402040204020203" pitchFamily="34" charset="0"/>
+                <a:cs typeface="Segoe UI Semilight" panose="020B0402040204020203" pitchFamily="34" charset="0"/>
+              </a:rPr>
+              <a:t>XAML DEVELOPERS</a:t>
             </a:r>
             <a:endParaRPr lang="en-NZ" sz="1600" dirty="0">
               <a:solidFill>
@@ -6645,7 +7268,7 @@
         <p:spPr>
           <a:xfrm>
             <a:off x="612512" y="1752600"/>
-            <a:ext cx="4982582" cy="3046988"/>
+            <a:ext cx="4787657" cy="2308324"/>
           </a:xfrm>
           <a:prstGeom prst="rect">
             <a:avLst/>
@@ -6663,14 +7286,14 @@
               <a:buChar char="•"/>
             </a:pPr>
             <a:r>
-              <a:rPr lang="en-NZ" sz="2400" dirty="0">
+              <a:rPr lang="en-NZ" sz="2400" dirty="0" smtClean="0">
                 <a:solidFill>
                   <a:srgbClr val="3A537B"/>
                 </a:solidFill>
                 <a:latin typeface="Segoe UI Semilight" panose="020B0402040204020203" pitchFamily="34" charset="0"/>
                 <a:cs typeface="Segoe UI Semilight" panose="020B0402040204020203" pitchFamily="34" charset="0"/>
               </a:rPr>
-              <a:t>Manifest Changes</a:t>
+              <a:t>Templates</a:t>
             </a:r>
           </a:p>
           <a:p>
@@ -6679,14 +7302,34 @@
               <a:buChar char="•"/>
             </a:pPr>
             <a:r>
-              <a:rPr lang="en-NZ" sz="2400" dirty="0">
+              <a:rPr lang="en-NZ" sz="2400" dirty="0" smtClean="0">
                 <a:solidFill>
                   <a:srgbClr val="3A537B"/>
                 </a:solidFill>
                 <a:latin typeface="Segoe UI Semilight" panose="020B0402040204020203" pitchFamily="34" charset="0"/>
                 <a:cs typeface="Segoe UI Semilight" panose="020B0402040204020203" pitchFamily="34" charset="0"/>
               </a:rPr>
-              <a:t>Minimum Width</a:t>
+              <a:t>Sample </a:t>
+            </a:r>
+            <a:r>
+              <a:rPr lang="en-NZ" sz="2400" dirty="0">
+                <a:solidFill>
+                  <a:srgbClr val="3A537B"/>
+                </a:solidFill>
+                <a:latin typeface="Segoe UI Semilight" panose="020B0402040204020203" pitchFamily="34" charset="0"/>
+                <a:cs typeface="Segoe UI Semilight" panose="020B0402040204020203" pitchFamily="34" charset="0"/>
+              </a:rPr>
+              <a:t>data now in JSON </a:t>
+            </a:r>
+            <a:r>
+              <a:rPr lang="en-NZ" sz="2400" dirty="0" smtClean="0">
+                <a:solidFill>
+                  <a:srgbClr val="3A537B"/>
+                </a:solidFill>
+                <a:latin typeface="Segoe UI Semilight" panose="020B0402040204020203" pitchFamily="34" charset="0"/>
+                <a:cs typeface="Segoe UI Semilight" panose="020B0402040204020203" pitchFamily="34" charset="0"/>
+              </a:rPr>
+              <a:t>:)</a:t>
             </a:r>
           </a:p>
           <a:p>
@@ -6695,53 +7338,45 @@
               <a:buChar char="•"/>
             </a:pPr>
             <a:r>
-              <a:rPr lang="en-NZ" sz="2400" dirty="0">
+              <a:rPr lang="en-NZ" sz="2400" dirty="0" smtClean="0">
                 <a:solidFill>
                   <a:srgbClr val="3A537B"/>
                 </a:solidFill>
                 <a:latin typeface="Segoe UI Semilight" panose="020B0402040204020203" pitchFamily="34" charset="0"/>
                 <a:cs typeface="Segoe UI Semilight" panose="020B0402040204020203" pitchFamily="34" charset="0"/>
               </a:rPr>
-              <a:t>Tile Update</a:t>
-            </a:r>
-          </a:p>
-          <a:p>
-            <a:pPr marL="742950" lvl="1" indent="-285750">
-              <a:buFont typeface="Arial" panose="020B0604020202020204" pitchFamily="34" charset="0"/>
-              <a:buChar char="•"/>
-            </a:pPr>
-            <a:r>
-              <a:rPr lang="en-NZ" sz="2400" dirty="0">
+              <a:t>Still no </a:t>
+            </a:r>
+            <a:r>
+              <a:rPr lang="en-NZ" sz="2400" dirty="0" err="1" smtClean="0">
                 <a:solidFill>
                   <a:srgbClr val="3A537B"/>
                 </a:solidFill>
                 <a:latin typeface="Segoe UI Semilight" panose="020B0402040204020203" pitchFamily="34" charset="0"/>
                 <a:cs typeface="Segoe UI Semilight" panose="020B0402040204020203" pitchFamily="34" charset="0"/>
               </a:rPr>
-              <a:t>Tile Images and Logos</a:t>
-            </a:r>
-          </a:p>
-          <a:p>
-            <a:pPr marL="742950" lvl="1" indent="-285750">
-              <a:buFont typeface="Arial" panose="020B0604020202020204" pitchFamily="34" charset="0"/>
-              <a:buChar char="•"/>
-            </a:pPr>
-            <a:r>
-              <a:rPr lang="en-NZ" sz="2400" dirty="0">
+              <a:t>JSON.Net</a:t>
+            </a:r>
+            <a:r>
+              <a:rPr lang="en-NZ" sz="2400" dirty="0" smtClean="0">
                 <a:solidFill>
                   <a:srgbClr val="3A537B"/>
                 </a:solidFill>
                 <a:latin typeface="Segoe UI Semilight" panose="020B0402040204020203" pitchFamily="34" charset="0"/>
                 <a:cs typeface="Segoe UI Semilight" panose="020B0402040204020203" pitchFamily="34" charset="0"/>
               </a:rPr>
-              <a:t>Share Target Share Description</a:t>
-            </a:r>
-          </a:p>
-          <a:p>
-            <a:pPr marL="742950" lvl="1" indent="-285750">
-              <a:buFont typeface="Arial" panose="020B0604020202020204" pitchFamily="34" charset="0"/>
-              <a:buChar char="•"/>
-            </a:pPr>
+              <a:t>…….</a:t>
+            </a:r>
+            <a:r>
+              <a:rPr lang="en-NZ" sz="1400" dirty="0" smtClean="0">
+                <a:solidFill>
+                  <a:srgbClr val="3A537B"/>
+                </a:solidFill>
+                <a:latin typeface="Segoe UI Semilight" panose="020B0402040204020203" pitchFamily="34" charset="0"/>
+                <a:cs typeface="Segoe UI Semilight" panose="020B0402040204020203" pitchFamily="34" charset="0"/>
+              </a:rPr>
+              <a:t>Sinofsky!!!!!!!</a:t>
+            </a:r>
             <a:endParaRPr lang="en-NZ" sz="2400" dirty="0">
               <a:solidFill>
                 <a:srgbClr val="3A537B"/>
@@ -6751,6 +7386,19 @@
             </a:endParaRPr>
           </a:p>
           <a:p>
+            <a:pPr marL="742950" lvl="1" indent="-285750">
+              <a:buFont typeface="Arial" panose="020B0604020202020204" pitchFamily="34" charset="0"/>
+              <a:buChar char="•"/>
+            </a:pPr>
+            <a:endParaRPr lang="en-NZ" sz="2400" dirty="0" smtClean="0">
+              <a:solidFill>
+                <a:srgbClr val="3A537B"/>
+              </a:solidFill>
+              <a:latin typeface="Segoe UI Semilight" panose="020B0402040204020203" pitchFamily="34" charset="0"/>
+              <a:cs typeface="Segoe UI Semilight" panose="020B0402040204020203" pitchFamily="34" charset="0"/>
+            </a:endParaRPr>
+          </a:p>
+          <a:p>
             <a:pPr marL="285750" indent="-285750">
               <a:buFont typeface="Arial" panose="020B0604020202020204" pitchFamily="34" charset="0"/>
               <a:buChar char="•"/>
@@ -6781,7 +7429,7 @@
     </p:spTree>
     <p:extLst>
       <p:ext uri="{BB962C8B-B14F-4D97-AF65-F5344CB8AC3E}">
-        <p14:creationId xmlns:p14="http://schemas.microsoft.com/office/powerpoint/2010/main" val="24510875"/>
+        <p14:creationId xmlns:p14="http://schemas.microsoft.com/office/powerpoint/2010/main" val="3432940750"/>
       </p:ext>
     </p:extLst>
   </p:cSld>

--- a/WhatsNewInWindows81/WhatsNewInWindows81.pptx
+++ b/WhatsNewInWindows81/WhatsNewInWindows81.pptx
@@ -5,10 +5,10 @@
     <p:sldMasterId id="2147483648" r:id="rId4"/>
   </p:sldMasterIdLst>
   <p:notesMasterIdLst>
-    <p:notesMasterId r:id="rId19"/>
+    <p:notesMasterId r:id="rId20"/>
   </p:notesMasterIdLst>
   <p:handoutMasterIdLst>
-    <p:handoutMasterId r:id="rId20"/>
+    <p:handoutMasterId r:id="rId21"/>
   </p:handoutMasterIdLst>
   <p:sldIdLst>
     <p:sldId id="256" r:id="rId5"/>
@@ -20,11 +20,12 @@
     <p:sldId id="269" r:id="rId11"/>
     <p:sldId id="264" r:id="rId12"/>
     <p:sldId id="268" r:id="rId13"/>
-    <p:sldId id="265" r:id="rId14"/>
-    <p:sldId id="270" r:id="rId15"/>
-    <p:sldId id="271" r:id="rId16"/>
-    <p:sldId id="272" r:id="rId17"/>
-    <p:sldId id="257" r:id="rId18"/>
+    <p:sldId id="273" r:id="rId14"/>
+    <p:sldId id="265" r:id="rId15"/>
+    <p:sldId id="270" r:id="rId16"/>
+    <p:sldId id="271" r:id="rId17"/>
+    <p:sldId id="272" r:id="rId18"/>
+    <p:sldId id="257" r:id="rId19"/>
   </p:sldIdLst>
   <p:sldSz cx="9144000" cy="6858000" type="screen4x3"/>
   <p:notesSz cx="7099300" cy="10234613"/>
@@ -224,7 +225,7 @@
           <a:p>
             <a:fld id="{40B0E7F3-8182-422E-9E50-C39AF57C071F}" type="datetimeFigureOut">
               <a:rPr lang="en-NZ" smtClean="0"/>
-              <a:t>30/08/2013</a:t>
+              <a:t>31/08/2013</a:t>
             </a:fld>
             <a:endParaRPr lang="en-NZ"/>
           </a:p>
@@ -390,7 +391,7 @@
           <a:p>
             <a:fld id="{A2C04580-EA0A-4FF1-8861-A6210EFB727D}" type="datetimeFigureOut">
               <a:rPr lang="en-NZ" smtClean="0"/>
-              <a:t>30/08/2013</a:t>
+              <a:t>31/08/2013</a:t>
             </a:fld>
             <a:endParaRPr lang="en-NZ"/>
           </a:p>
@@ -1226,14 +1227,47 @@
           <a:bodyPr/>
           <a:lstStyle/>
           <a:p>
-            <a:endParaRPr lang="en-NZ" dirty="0"/>
+            <a:r>
+              <a:rPr lang="en-NZ" dirty="0" smtClean="0"/>
+              <a:t>Window</a:t>
+            </a:r>
+            <a:r>
+              <a:rPr lang="en-NZ" baseline="0" dirty="0" smtClean="0"/>
+              <a:t> Sizes no longer use Layout Aware Page but instead you must handled the </a:t>
+            </a:r>
+            <a:r>
+              <a:rPr lang="en-NZ" baseline="0" dirty="0" err="1" smtClean="0"/>
+              <a:t>SizeChanged</a:t>
+            </a:r>
+            <a:r>
+              <a:rPr lang="en-NZ" baseline="0" dirty="0" smtClean="0"/>
+              <a:t> on the current window/</a:t>
+            </a:r>
+            <a:endParaRPr lang="en-NZ" dirty="0" smtClean="0"/>
+          </a:p>
+          <a:p>
+            <a:r>
+              <a:rPr lang="en-NZ" dirty="0" smtClean="0"/>
+              <a:t>Tile Sizes</a:t>
+            </a:r>
+          </a:p>
+          <a:p>
+            <a:r>
+              <a:rPr lang="en-NZ" dirty="0" smtClean="0"/>
+              <a:t>- Windows</a:t>
+            </a:r>
+            <a:r>
+              <a:rPr lang="en-NZ" baseline="0" dirty="0" smtClean="0"/>
+              <a:t> will auto-generate small tile but you can add a 70x70 image if you want</a:t>
+            </a:r>
+            <a:endParaRPr lang="en-US" dirty="0"/>
           </a:p>
         </p:txBody>
       </p:sp>
     </p:spTree>
     <p:extLst>
       <p:ext uri="{BB962C8B-B14F-4D97-AF65-F5344CB8AC3E}">
-        <p14:creationId xmlns:p14="http://schemas.microsoft.com/office/powerpoint/2010/main" val="3485577604"/>
+        <p14:creationId xmlns:p14="http://schemas.microsoft.com/office/powerpoint/2010/main" val="3906287003"/>
       </p:ext>
     </p:extLst>
   </p:cSld>
@@ -1287,6 +1321,540 @@
           <a:bodyPr/>
           <a:lstStyle/>
           <a:p>
+            <a:endParaRPr lang="en-US" dirty="0"/>
+          </a:p>
+        </p:txBody>
+      </p:sp>
+    </p:spTree>
+    <p:extLst>
+      <p:ext uri="{BB962C8B-B14F-4D97-AF65-F5344CB8AC3E}">
+        <p14:creationId xmlns:p14="http://schemas.microsoft.com/office/powerpoint/2010/main" val="1331178536"/>
+      </p:ext>
+    </p:extLst>
+  </p:cSld>
+  <p:clrMapOvr>
+    <a:masterClrMapping/>
+  </p:clrMapOvr>
+</p:notes>
+</file>
+
+<file path=ppt/notesSlides/notesSlide6.xml><?xml version="1.0" encoding="utf-8"?>
+<p:notes xmlns:a="http://schemas.openxmlformats.org/drawingml/2006/main" xmlns:r="http://schemas.openxmlformats.org/officeDocument/2006/relationships" xmlns:p="http://schemas.openxmlformats.org/presentationml/2006/main">
+  <p:cSld>
+    <p:spTree>
+      <p:nvGrpSpPr>
+        <p:cNvPr id="1" name=""/>
+        <p:cNvGrpSpPr/>
+        <p:nvPr/>
+      </p:nvGrpSpPr>
+      <p:grpSpPr>
+        <a:xfrm>
+          <a:off x="0" y="0"/>
+          <a:ext cx="0" cy="0"/>
+          <a:chOff x="0" y="0"/>
+          <a:chExt cx="0" cy="0"/>
+        </a:xfrm>
+      </p:grpSpPr>
+      <p:sp>
+        <p:nvSpPr>
+          <p:cNvPr id="2" name="Slide Image Placeholder 1"/>
+          <p:cNvSpPr>
+            <a:spLocks noGrp="1" noRot="1" noChangeAspect="1"/>
+          </p:cNvSpPr>
+          <p:nvPr>
+            <p:ph type="sldImg"/>
+          </p:nvPr>
+        </p:nvSpPr>
+        <p:spPr/>
+      </p:sp>
+      <p:sp>
+        <p:nvSpPr>
+          <p:cNvPr id="3" name="Notes Placeholder 2"/>
+          <p:cNvSpPr>
+            <a:spLocks noGrp="1"/>
+          </p:cNvSpPr>
+          <p:nvPr>
+            <p:ph type="body" idx="1"/>
+          </p:nvPr>
+        </p:nvSpPr>
+        <p:spPr/>
+        <p:txBody>
+          <a:bodyPr/>
+          <a:lstStyle/>
+          <a:p>
+            <a:r>
+              <a:rPr lang="en-NZ" dirty="0" smtClean="0"/>
+              <a:t>Update source trigger</a:t>
+            </a:r>
+          </a:p>
+          <a:p>
+            <a:r>
+              <a:rPr lang="en-NZ" baseline="0" dirty="0" smtClean="0"/>
+              <a:t> -Default / Explicit / </a:t>
+            </a:r>
+            <a:r>
+              <a:rPr lang="en-NZ" baseline="0" dirty="0" err="1" smtClean="0"/>
+              <a:t>PropertyChanged</a:t>
+            </a:r>
+            <a:endParaRPr lang="en-NZ" baseline="0" dirty="0" smtClean="0"/>
+          </a:p>
+          <a:p>
+            <a:endParaRPr lang="en-NZ" baseline="0" dirty="0" smtClean="0"/>
+          </a:p>
+          <a:p>
+            <a:endParaRPr lang="en-NZ" baseline="0" dirty="0" smtClean="0"/>
+          </a:p>
+          <a:p>
+            <a:endParaRPr lang="en-US" dirty="0"/>
+          </a:p>
+        </p:txBody>
+      </p:sp>
+    </p:spTree>
+    <p:extLst>
+      <p:ext uri="{BB962C8B-B14F-4D97-AF65-F5344CB8AC3E}">
+        <p14:creationId xmlns:p14="http://schemas.microsoft.com/office/powerpoint/2010/main" val="199205558"/>
+      </p:ext>
+    </p:extLst>
+  </p:cSld>
+  <p:clrMapOvr>
+    <a:masterClrMapping/>
+  </p:clrMapOvr>
+</p:notes>
+</file>
+
+<file path=ppt/notesSlides/notesSlide7.xml><?xml version="1.0" encoding="utf-8"?>
+<p:notes xmlns:a="http://schemas.openxmlformats.org/drawingml/2006/main" xmlns:r="http://schemas.openxmlformats.org/officeDocument/2006/relationships" xmlns:p="http://schemas.openxmlformats.org/presentationml/2006/main">
+  <p:cSld>
+    <p:spTree>
+      <p:nvGrpSpPr>
+        <p:cNvPr id="1" name=""/>
+        <p:cNvGrpSpPr/>
+        <p:nvPr/>
+      </p:nvGrpSpPr>
+      <p:grpSpPr>
+        <a:xfrm>
+          <a:off x="0" y="0"/>
+          <a:ext cx="0" cy="0"/>
+          <a:chOff x="0" y="0"/>
+          <a:chExt cx="0" cy="0"/>
+        </a:xfrm>
+      </p:grpSpPr>
+      <p:sp>
+        <p:nvSpPr>
+          <p:cNvPr id="2" name="Slide Image Placeholder 1"/>
+          <p:cNvSpPr>
+            <a:spLocks noGrp="1" noRot="1" noChangeAspect="1"/>
+          </p:cNvSpPr>
+          <p:nvPr>
+            <p:ph type="sldImg"/>
+          </p:nvPr>
+        </p:nvSpPr>
+        <p:spPr/>
+      </p:sp>
+      <p:sp>
+        <p:nvSpPr>
+          <p:cNvPr id="3" name="Notes Placeholder 2"/>
+          <p:cNvSpPr>
+            <a:spLocks noGrp="1"/>
+          </p:cNvSpPr>
+          <p:nvPr>
+            <p:ph type="body" idx="1"/>
+          </p:nvPr>
+        </p:nvSpPr>
+        <p:spPr/>
+        <p:txBody>
+          <a:bodyPr/>
+          <a:lstStyle/>
+          <a:p>
+            <a:r>
+              <a:rPr lang="en-NZ" dirty="0" smtClean="0"/>
+              <a:t>New</a:t>
+            </a:r>
+            <a:r>
+              <a:rPr lang="en-NZ" baseline="0" dirty="0" smtClean="0"/>
+              <a:t> Project – Hub Template</a:t>
+            </a:r>
+          </a:p>
+          <a:p>
+            <a:endParaRPr lang="en-NZ" baseline="0" dirty="0" smtClean="0"/>
+          </a:p>
+          <a:p>
+            <a:r>
+              <a:rPr lang="en-NZ" baseline="0" dirty="0" smtClean="0"/>
+              <a:t>Project Manifest</a:t>
+            </a:r>
+          </a:p>
+          <a:p>
+            <a:pPr marL="171450" indent="-171450">
+              <a:buFontTx/>
+              <a:buChar char="-"/>
+            </a:pPr>
+            <a:r>
+              <a:rPr lang="en-NZ" baseline="0" dirty="0" smtClean="0"/>
+              <a:t>Minimum Width</a:t>
+            </a:r>
+          </a:p>
+          <a:p>
+            <a:pPr marL="171450" indent="-171450">
+              <a:buFontTx/>
+              <a:buChar char="-"/>
+            </a:pPr>
+            <a:r>
+              <a:rPr lang="en-NZ" baseline="0" dirty="0" smtClean="0"/>
+              <a:t>Tile Sizes</a:t>
+            </a:r>
+          </a:p>
+          <a:p>
+            <a:pPr marL="171450" indent="-171450">
+              <a:buFontTx/>
+              <a:buChar char="-"/>
+            </a:pPr>
+            <a:r>
+              <a:rPr lang="en-NZ" baseline="0" dirty="0" smtClean="0"/>
+              <a:t>Tile Update</a:t>
+            </a:r>
+          </a:p>
+          <a:p>
+            <a:pPr marL="171450" indent="-171450">
+              <a:buFontTx/>
+              <a:buChar char="-"/>
+            </a:pPr>
+            <a:r>
+              <a:rPr lang="en-NZ" baseline="0" dirty="0" smtClean="0"/>
+              <a:t>Share Target Description</a:t>
+            </a:r>
+          </a:p>
+          <a:p>
+            <a:pPr marL="0" indent="0">
+              <a:buFontTx/>
+              <a:buNone/>
+            </a:pPr>
+            <a:endParaRPr lang="en-NZ" baseline="0" dirty="0" smtClean="0"/>
+          </a:p>
+          <a:p>
+            <a:pPr marL="0" indent="0">
+              <a:buFontTx/>
+              <a:buNone/>
+            </a:pPr>
+            <a:r>
+              <a:rPr lang="en-NZ" dirty="0" smtClean="0"/>
+              <a:t>Hub</a:t>
+            </a:r>
+            <a:r>
+              <a:rPr lang="en-NZ" baseline="0" dirty="0" smtClean="0"/>
+              <a:t> Template</a:t>
+            </a:r>
+          </a:p>
+          <a:p>
+            <a:pPr marL="171450" indent="-171450">
+              <a:buFontTx/>
+              <a:buChar char="-"/>
+            </a:pPr>
+            <a:r>
+              <a:rPr lang="en-NZ" baseline="0" dirty="0" smtClean="0"/>
+              <a:t>Demo project Pete’s Eats</a:t>
+            </a:r>
+          </a:p>
+          <a:p>
+            <a:pPr marL="171450" indent="-171450">
+              <a:buFontTx/>
+              <a:buChar char="-"/>
+            </a:pPr>
+            <a:r>
+              <a:rPr lang="en-NZ" baseline="0" dirty="0" smtClean="0"/>
+              <a:t>Show </a:t>
+            </a:r>
+            <a:r>
+              <a:rPr lang="en-NZ" baseline="0" dirty="0" err="1" smtClean="0"/>
+              <a:t>HubSection</a:t>
+            </a:r>
+            <a:r>
+              <a:rPr lang="en-NZ" baseline="0" dirty="0" smtClean="0"/>
+              <a:t> structure with </a:t>
+            </a:r>
+            <a:r>
+              <a:rPr lang="en-NZ" baseline="0" dirty="0" err="1" smtClean="0"/>
+              <a:t>DataTemplates</a:t>
+            </a:r>
+            <a:endParaRPr lang="en-NZ" baseline="0" dirty="0" smtClean="0"/>
+          </a:p>
+          <a:p>
+            <a:pPr marL="171450" indent="-171450">
+              <a:buFontTx/>
+              <a:buChar char="-"/>
+            </a:pPr>
+            <a:r>
+              <a:rPr lang="en-NZ" baseline="0" dirty="0" smtClean="0"/>
+              <a:t>Show </a:t>
+            </a:r>
+            <a:r>
+              <a:rPr lang="en-NZ" baseline="0" dirty="0" err="1" smtClean="0"/>
+              <a:t>RequestedTheme</a:t>
+            </a:r>
+            <a:r>
+              <a:rPr lang="en-NZ" baseline="0" dirty="0" smtClean="0"/>
+              <a:t> in action on designer</a:t>
+            </a:r>
+          </a:p>
+          <a:p>
+            <a:pPr marL="171450" indent="-171450">
+              <a:buFontTx/>
+              <a:buChar char="-"/>
+            </a:pPr>
+            <a:endParaRPr lang="en-NZ" baseline="0" dirty="0" smtClean="0"/>
+          </a:p>
+          <a:p>
+            <a:pPr marL="0" indent="0">
+              <a:buFontTx/>
+              <a:buNone/>
+            </a:pPr>
+            <a:r>
+              <a:rPr lang="en-NZ" baseline="0" dirty="0" smtClean="0"/>
+              <a:t>Create a </a:t>
+            </a:r>
+            <a:r>
+              <a:rPr lang="en-NZ" baseline="0" dirty="0" err="1" smtClean="0"/>
+              <a:t>Page.BottomAppBar</a:t>
+            </a:r>
+            <a:r>
+              <a:rPr lang="en-NZ" baseline="0" dirty="0" smtClean="0"/>
+              <a:t> with a </a:t>
+            </a:r>
+            <a:r>
+              <a:rPr lang="en-NZ" baseline="0" dirty="0" err="1" smtClean="0"/>
+              <a:t>CommandBar</a:t>
+            </a:r>
+            <a:r>
+              <a:rPr lang="en-NZ" baseline="0" dirty="0" smtClean="0"/>
+              <a:t> and an App Bar button for Upload</a:t>
+            </a:r>
+          </a:p>
+          <a:p>
+            <a:pPr marL="171450" indent="-171450">
+              <a:buFontTx/>
+              <a:buChar char="-"/>
+            </a:pPr>
+            <a:r>
+              <a:rPr lang="en-NZ" baseline="0" dirty="0" smtClean="0"/>
+              <a:t>Add a </a:t>
+            </a:r>
+            <a:r>
+              <a:rPr lang="en-NZ" baseline="0" dirty="0" err="1" smtClean="0"/>
+              <a:t>AppBarButton.Flyout</a:t>
+            </a:r>
+            <a:r>
+              <a:rPr lang="en-NZ" baseline="0" dirty="0" smtClean="0"/>
+              <a:t> with a </a:t>
+            </a:r>
+            <a:r>
+              <a:rPr lang="en-NZ" baseline="0" dirty="0" err="1" smtClean="0"/>
+              <a:t>MenuFlyout</a:t>
+            </a:r>
+            <a:r>
+              <a:rPr lang="en-NZ" baseline="0" dirty="0" smtClean="0"/>
+              <a:t> and </a:t>
+            </a:r>
+            <a:r>
+              <a:rPr lang="en-NZ" baseline="0" dirty="0" err="1" smtClean="0"/>
+              <a:t>MenuFlyoutItems</a:t>
+            </a:r>
+            <a:r>
+              <a:rPr lang="en-NZ" baseline="0" dirty="0" smtClean="0"/>
+              <a:t> for the location</a:t>
+            </a:r>
+          </a:p>
+          <a:p>
+            <a:pPr marL="0" indent="0">
+              <a:buFontTx/>
+              <a:buNone/>
+            </a:pPr>
+            <a:endParaRPr lang="en-NZ" baseline="0" dirty="0" smtClean="0"/>
+          </a:p>
+          <a:p>
+            <a:pPr marL="0" indent="0">
+              <a:buFontTx/>
+              <a:buNone/>
+            </a:pPr>
+            <a:r>
+              <a:rPr lang="en-NZ" baseline="0" dirty="0" smtClean="0"/>
+              <a:t>Show window model using Size Changed and visual states</a:t>
+            </a:r>
+          </a:p>
+          <a:p>
+            <a:pPr marL="171450" indent="-171450">
+              <a:buFontTx/>
+              <a:buChar char="-"/>
+            </a:pPr>
+            <a:r>
+              <a:rPr lang="en-NZ" baseline="0" dirty="0" smtClean="0"/>
+              <a:t>Also mention </a:t>
+            </a:r>
+            <a:r>
+              <a:rPr lang="en-NZ" baseline="0" dirty="0" err="1" smtClean="0"/>
+              <a:t>IsFullScreen</a:t>
+            </a:r>
+            <a:r>
+              <a:rPr lang="en-NZ" baseline="0" dirty="0" smtClean="0"/>
+              <a:t>, </a:t>
+            </a:r>
+            <a:r>
+              <a:rPr lang="en-NZ" baseline="0" dirty="0" err="1" smtClean="0"/>
+              <a:t>AdjacentToLeftDisplayEdge</a:t>
+            </a:r>
+            <a:r>
+              <a:rPr lang="en-NZ" baseline="0" dirty="0" smtClean="0"/>
+              <a:t> and </a:t>
+            </a:r>
+            <a:r>
+              <a:rPr lang="en-NZ" baseline="0" dirty="0" err="1" smtClean="0"/>
+              <a:t>AdjacentToRightDisplayEdge</a:t>
+            </a:r>
+            <a:endParaRPr lang="en-NZ" baseline="0" dirty="0" smtClean="0"/>
+          </a:p>
+          <a:p>
+            <a:pPr marL="171450" indent="-171450">
+              <a:buFontTx/>
+              <a:buChar char="-"/>
+            </a:pPr>
+            <a:endParaRPr lang="en-NZ" baseline="0" dirty="0" smtClean="0"/>
+          </a:p>
+          <a:p>
+            <a:pPr marL="0" indent="0">
+              <a:buFontTx/>
+              <a:buNone/>
+            </a:pPr>
+            <a:r>
+              <a:rPr lang="en-NZ" baseline="0" dirty="0" smtClean="0"/>
+              <a:t>Visual Studio features</a:t>
+            </a:r>
+          </a:p>
+          <a:p>
+            <a:pPr marL="171450" indent="-171450">
+              <a:buFontTx/>
+              <a:buChar char="-"/>
+            </a:pPr>
+            <a:r>
+              <a:rPr lang="en-NZ" baseline="0" dirty="0" smtClean="0"/>
+              <a:t>F12 on resources to project resources and </a:t>
+            </a:r>
+            <a:r>
+              <a:rPr lang="en-NZ" baseline="0" dirty="0" err="1" smtClean="0"/>
+              <a:t>Generic.xaml</a:t>
+            </a:r>
+            <a:endParaRPr lang="en-NZ" baseline="0" dirty="0" smtClean="0"/>
+          </a:p>
+          <a:p>
+            <a:pPr marL="171450" indent="-171450">
+              <a:buFontTx/>
+              <a:buChar char="-"/>
+            </a:pPr>
+            <a:r>
+              <a:rPr lang="en-NZ" baseline="0" dirty="0" err="1" smtClean="0"/>
+              <a:t>Intellisense</a:t>
+            </a:r>
+            <a:r>
+              <a:rPr lang="en-NZ" baseline="0" dirty="0" smtClean="0"/>
+              <a:t> on bindings</a:t>
+            </a:r>
+          </a:p>
+          <a:p>
+            <a:pPr marL="171450" indent="-171450">
+              <a:buFontTx/>
+              <a:buChar char="-"/>
+            </a:pPr>
+            <a:r>
+              <a:rPr lang="en-NZ" baseline="0" dirty="0" smtClean="0"/>
+              <a:t>Commenting </a:t>
+            </a:r>
+            <a:r>
+              <a:rPr lang="en-NZ" baseline="0" dirty="0" err="1" smtClean="0"/>
+              <a:t>markup</a:t>
+            </a:r>
+            <a:endParaRPr lang="en-NZ" baseline="0" dirty="0" smtClean="0"/>
+          </a:p>
+          <a:p>
+            <a:pPr marL="171450" indent="-171450">
+              <a:buFontTx/>
+              <a:buChar char="-"/>
+            </a:pPr>
+            <a:r>
+              <a:rPr lang="en-NZ" baseline="0" dirty="0" smtClean="0"/>
+              <a:t>XAML snippets</a:t>
+            </a:r>
+          </a:p>
+          <a:p>
+            <a:pPr marL="171450" indent="-171450">
+              <a:buFontTx/>
+              <a:buChar char="-"/>
+            </a:pPr>
+            <a:endParaRPr lang="en-NZ" baseline="0" dirty="0" smtClean="0"/>
+          </a:p>
+          <a:p>
+            <a:pPr marL="0" indent="0">
+              <a:buFontTx/>
+              <a:buNone/>
+            </a:pPr>
+            <a:endParaRPr lang="en-NZ" dirty="0" smtClean="0"/>
+          </a:p>
+        </p:txBody>
+      </p:sp>
+    </p:spTree>
+    <p:extLst>
+      <p:ext uri="{BB962C8B-B14F-4D97-AF65-F5344CB8AC3E}">
+        <p14:creationId xmlns:p14="http://schemas.microsoft.com/office/powerpoint/2010/main" val="3485577604"/>
+      </p:ext>
+    </p:extLst>
+  </p:cSld>
+  <p:clrMapOvr>
+    <a:masterClrMapping/>
+  </p:clrMapOvr>
+</p:notes>
+</file>
+
+<file path=ppt/notesSlides/notesSlide8.xml><?xml version="1.0" encoding="utf-8"?>
+<p:notes xmlns:a="http://schemas.openxmlformats.org/drawingml/2006/main" xmlns:r="http://schemas.openxmlformats.org/officeDocument/2006/relationships" xmlns:p="http://schemas.openxmlformats.org/presentationml/2006/main">
+  <p:cSld>
+    <p:spTree>
+      <p:nvGrpSpPr>
+        <p:cNvPr id="1" name=""/>
+        <p:cNvGrpSpPr/>
+        <p:nvPr/>
+      </p:nvGrpSpPr>
+      <p:grpSpPr>
+        <a:xfrm>
+          <a:off x="0" y="0"/>
+          <a:ext cx="0" cy="0"/>
+          <a:chOff x="0" y="0"/>
+          <a:chExt cx="0" cy="0"/>
+        </a:xfrm>
+      </p:grpSpPr>
+      <p:sp>
+        <p:nvSpPr>
+          <p:cNvPr id="2" name="Slide Image Placeholder 1"/>
+          <p:cNvSpPr>
+            <a:spLocks noGrp="1" noRot="1" noChangeAspect="1"/>
+          </p:cNvSpPr>
+          <p:nvPr>
+            <p:ph type="sldImg"/>
+          </p:nvPr>
+        </p:nvSpPr>
+        <p:spPr/>
+      </p:sp>
+      <p:sp>
+        <p:nvSpPr>
+          <p:cNvPr id="3" name="Notes Placeholder 2"/>
+          <p:cNvSpPr>
+            <a:spLocks noGrp="1"/>
+          </p:cNvSpPr>
+          <p:nvPr>
+            <p:ph type="body" idx="1"/>
+          </p:nvPr>
+        </p:nvSpPr>
+        <p:spPr/>
+        <p:txBody>
+          <a:bodyPr/>
+          <a:lstStyle/>
+          <a:p>
             <a:endParaRPr lang="en-NZ" dirty="0"/>
           </a:p>
         </p:txBody>
@@ -1304,7 +1872,7 @@
 </p:notes>
 </file>
 
-<file path=ppt/notesSlides/notesSlide6.xml><?xml version="1.0" encoding="utf-8"?>
+<file path=ppt/notesSlides/notesSlide9.xml><?xml version="1.0" encoding="utf-8"?>
 <p:notes xmlns:a="http://schemas.openxmlformats.org/drawingml/2006/main" xmlns:r="http://schemas.openxmlformats.org/officeDocument/2006/relationships" xmlns:p="http://schemas.openxmlformats.org/presentationml/2006/main">
   <p:cSld>
     <p:spTree>
@@ -1546,7 +2114,7 @@
           <a:p>
             <a:fld id="{27B2882D-2C5B-415E-9E91-4F10E2FB91E8}" type="datetime1">
               <a:rPr lang="en-US" smtClean="0"/>
-              <a:t>8/30/2013</a:t>
+              <a:t>8/31/2013</a:t>
             </a:fld>
             <a:endParaRPr lang="en-US"/>
           </a:p>
@@ -1712,7 +2280,7 @@
           <a:p>
             <a:fld id="{3FE0B654-7835-4B8C-B84F-A49FB20243E7}" type="datetime1">
               <a:rPr lang="en-US" smtClean="0"/>
-              <a:t>8/30/2013</a:t>
+              <a:t>8/31/2013</a:t>
             </a:fld>
             <a:endParaRPr lang="en-US"/>
           </a:p>
@@ -1888,7 +2456,7 @@
           <a:p>
             <a:fld id="{DFAA97B9-09AC-437D-ADB2-D66347E88734}" type="datetime1">
               <a:rPr lang="en-US" smtClean="0"/>
-              <a:t>8/30/2013</a:t>
+              <a:t>8/31/2013</a:t>
             </a:fld>
             <a:endParaRPr lang="en-US"/>
           </a:p>
@@ -2054,7 +2622,7 @@
           <a:p>
             <a:fld id="{4693C857-92DD-410A-8C0B-3007C496C0FC}" type="datetime1">
               <a:rPr lang="en-US" smtClean="0"/>
-              <a:t>8/30/2013</a:t>
+              <a:t>8/31/2013</a:t>
             </a:fld>
             <a:endParaRPr lang="en-US"/>
           </a:p>
@@ -2296,7 +2864,7 @@
           <a:p>
             <a:fld id="{3ED1EC2D-51E9-45C0-BBFF-7C45DCB9D6E2}" type="datetime1">
               <a:rPr lang="en-US" smtClean="0"/>
-              <a:t>8/30/2013</a:t>
+              <a:t>8/31/2013</a:t>
             </a:fld>
             <a:endParaRPr lang="en-US"/>
           </a:p>
@@ -2580,7 +3148,7 @@
           <a:p>
             <a:fld id="{72080DC6-5E97-4188-9057-288F7ECA5876}" type="datetime1">
               <a:rPr lang="en-US" smtClean="0"/>
-              <a:t>8/30/2013</a:t>
+              <a:t>8/31/2013</a:t>
             </a:fld>
             <a:endParaRPr lang="en-US"/>
           </a:p>
@@ -2998,7 +3566,7 @@
           <a:p>
             <a:fld id="{F1BE4DCF-1F7E-4739-8487-7FF753A2C6FB}" type="datetime1">
               <a:rPr lang="en-US" smtClean="0"/>
-              <a:t>8/30/2013</a:t>
+              <a:t>8/31/2013</a:t>
             </a:fld>
             <a:endParaRPr lang="en-US"/>
           </a:p>
@@ -3112,7 +3680,7 @@
           <a:p>
             <a:fld id="{DF87845E-2D21-4665-BD6E-FD42BAE64A4E}" type="datetime1">
               <a:rPr lang="en-US" smtClean="0"/>
-              <a:t>8/30/2013</a:t>
+              <a:t>8/31/2013</a:t>
             </a:fld>
             <a:endParaRPr lang="en-US"/>
           </a:p>
@@ -3203,7 +3771,7 @@
           <a:p>
             <a:fld id="{CAC2D25A-8247-4FE1-AD59-2F9BBEB7005C}" type="datetime1">
               <a:rPr lang="en-US" smtClean="0"/>
-              <a:t>8/30/2013</a:t>
+              <a:t>8/31/2013</a:t>
             </a:fld>
             <a:endParaRPr lang="en-US"/>
           </a:p>
@@ -3476,7 +4044,7 @@
           <a:p>
             <a:fld id="{8E239F14-F4AB-46AA-9314-BE83D40BE308}" type="datetime1">
               <a:rPr lang="en-US" smtClean="0"/>
-              <a:t>8/30/2013</a:t>
+              <a:t>8/31/2013</a:t>
             </a:fld>
             <a:endParaRPr lang="en-US"/>
           </a:p>
@@ -3725,7 +4293,7 @@
           <a:p>
             <a:fld id="{35B379C5-8BBA-4AE4-86E1-BE81FA04CC86}" type="datetime1">
               <a:rPr lang="en-US" smtClean="0"/>
-              <a:t>8/30/2013</a:t>
+              <a:t>8/31/2013</a:t>
             </a:fld>
             <a:endParaRPr lang="en-US"/>
           </a:p>
@@ -3934,7 +4502,7 @@
           <a:p>
             <a:fld id="{D0CCED58-6F3F-4589-BCCA-6C233D41C43B}" type="datetime1">
               <a:rPr lang="en-US" smtClean="0"/>
-              <a:t>8/30/2013</a:t>
+              <a:t>8/31/2013</a:t>
             </a:fld>
             <a:endParaRPr lang="en-US"/>
           </a:p>
@@ -4437,7 +5005,347 @@
                 <a:latin typeface="Segoe UI Semilight" panose="020B0402040204020203" pitchFamily="34" charset="0"/>
                 <a:cs typeface="Segoe UI Semilight" panose="020B0402040204020203" pitchFamily="34" charset="0"/>
               </a:rPr>
-              <a:t>WHAT’S NEW FOR CONSUMERS</a:t>
+              <a:t>WHAT’S NEW FOR XAML DEVELOPERS</a:t>
+            </a:r>
+            <a:endParaRPr lang="en-NZ" sz="1600" dirty="0">
+              <a:solidFill>
+                <a:schemeClr val="tx1">
+                  <a:lumMod val="50000"/>
+                  <a:lumOff val="50000"/>
+                </a:schemeClr>
+              </a:solidFill>
+              <a:latin typeface="Segoe UI Semilight" panose="020B0402040204020203" pitchFamily="34" charset="0"/>
+              <a:cs typeface="Segoe UI Semilight" panose="020B0402040204020203" pitchFamily="34" charset="0"/>
+            </a:endParaRPr>
+          </a:p>
+        </p:txBody>
+      </p:sp>
+      <p:sp>
+        <p:nvSpPr>
+          <p:cNvPr id="2" name="TextBox 1"/>
+          <p:cNvSpPr txBox="1"/>
+          <p:nvPr/>
+        </p:nvSpPr>
+        <p:spPr>
+          <a:xfrm>
+            <a:off x="612512" y="1752600"/>
+            <a:ext cx="5905527" cy="4524315"/>
+          </a:xfrm>
+          <a:prstGeom prst="rect">
+            <a:avLst/>
+          </a:prstGeom>
+          <a:noFill/>
+        </p:spPr>
+        <p:txBody>
+          <a:bodyPr wrap="none" rtlCol="0">
+            <a:spAutoFit/>
+          </a:bodyPr>
+          <a:lstStyle/>
+          <a:p>
+            <a:pPr marL="285750" indent="-285750">
+              <a:buFont typeface="Arial" panose="020B0604020202020204" pitchFamily="34" charset="0"/>
+              <a:buChar char="•"/>
+            </a:pPr>
+            <a:r>
+              <a:rPr lang="en-NZ" sz="2400" dirty="0" err="1" smtClean="0">
+                <a:solidFill>
+                  <a:srgbClr val="3A537B"/>
+                </a:solidFill>
+                <a:latin typeface="Segoe UI Semilight" panose="020B0402040204020203" pitchFamily="34" charset="0"/>
+                <a:cs typeface="Segoe UI Semilight" panose="020B0402040204020203" pitchFamily="34" charset="0"/>
+              </a:rPr>
+              <a:t>RenderTargetBitmap</a:t>
+            </a:r>
+            <a:endParaRPr lang="en-NZ" sz="2400" dirty="0" smtClean="0">
+              <a:solidFill>
+                <a:srgbClr val="3A537B"/>
+              </a:solidFill>
+              <a:latin typeface="Segoe UI Semilight" panose="020B0402040204020203" pitchFamily="34" charset="0"/>
+              <a:cs typeface="Segoe UI Semilight" panose="020B0402040204020203" pitchFamily="34" charset="0"/>
+            </a:endParaRPr>
+          </a:p>
+          <a:p>
+            <a:pPr marL="285750" indent="-285750">
+              <a:buFont typeface="Arial" panose="020B0604020202020204" pitchFamily="34" charset="0"/>
+              <a:buChar char="•"/>
+            </a:pPr>
+            <a:endParaRPr lang="en-NZ" sz="2400" dirty="0">
+              <a:solidFill>
+                <a:srgbClr val="3A537B"/>
+              </a:solidFill>
+              <a:latin typeface="Segoe UI Semilight" panose="020B0402040204020203" pitchFamily="34" charset="0"/>
+              <a:cs typeface="Segoe UI Semilight" panose="020B0402040204020203" pitchFamily="34" charset="0"/>
+            </a:endParaRPr>
+          </a:p>
+          <a:p>
+            <a:pPr marL="285750" indent="-285750">
+              <a:buFont typeface="Arial" panose="020B0604020202020204" pitchFamily="34" charset="0"/>
+              <a:buChar char="•"/>
+            </a:pPr>
+            <a:r>
+              <a:rPr lang="en-NZ" sz="2400" dirty="0" smtClean="0">
+                <a:solidFill>
+                  <a:srgbClr val="3A537B"/>
+                </a:solidFill>
+                <a:latin typeface="Segoe UI Semilight" panose="020B0402040204020203" pitchFamily="34" charset="0"/>
+                <a:cs typeface="Segoe UI Semilight" panose="020B0402040204020203" pitchFamily="34" charset="0"/>
+              </a:rPr>
+              <a:t>Update Source Trigger</a:t>
+            </a:r>
+          </a:p>
+          <a:p>
+            <a:pPr marL="285750" indent="-285750">
+              <a:buFont typeface="Arial" panose="020B0604020202020204" pitchFamily="34" charset="0"/>
+              <a:buChar char="•"/>
+            </a:pPr>
+            <a:endParaRPr lang="en-NZ" sz="2400" dirty="0">
+              <a:solidFill>
+                <a:srgbClr val="3A537B"/>
+              </a:solidFill>
+              <a:latin typeface="Segoe UI Semilight" panose="020B0402040204020203" pitchFamily="34" charset="0"/>
+              <a:cs typeface="Segoe UI Semilight" panose="020B0402040204020203" pitchFamily="34" charset="0"/>
+            </a:endParaRPr>
+          </a:p>
+          <a:p>
+            <a:pPr marL="285750" indent="-285750">
+              <a:buFont typeface="Arial" panose="020B0604020202020204" pitchFamily="34" charset="0"/>
+              <a:buChar char="•"/>
+            </a:pPr>
+            <a:r>
+              <a:rPr lang="en-NZ" sz="2400" dirty="0" err="1" smtClean="0">
+                <a:solidFill>
+                  <a:srgbClr val="3A537B"/>
+                </a:solidFill>
+                <a:latin typeface="Segoe UI Semilight" panose="020B0402040204020203" pitchFamily="34" charset="0"/>
+                <a:cs typeface="Segoe UI Semilight" panose="020B0402040204020203" pitchFamily="34" charset="0"/>
+              </a:rPr>
+              <a:t>NavStack</a:t>
+            </a:r>
+            <a:r>
+              <a:rPr lang="en-NZ" sz="2400" dirty="0" smtClean="0">
+                <a:solidFill>
+                  <a:srgbClr val="3A537B"/>
+                </a:solidFill>
+                <a:latin typeface="Segoe UI Semilight" panose="020B0402040204020203" pitchFamily="34" charset="0"/>
+                <a:cs typeface="Segoe UI Semilight" panose="020B0402040204020203" pitchFamily="34" charset="0"/>
+              </a:rPr>
+              <a:t> can now be manipulated</a:t>
+            </a:r>
+          </a:p>
+          <a:p>
+            <a:pPr marL="285750" indent="-285750">
+              <a:buFont typeface="Arial" panose="020B0604020202020204" pitchFamily="34" charset="0"/>
+              <a:buChar char="•"/>
+            </a:pPr>
+            <a:endParaRPr lang="en-NZ" sz="2400" dirty="0">
+              <a:solidFill>
+                <a:srgbClr val="3A537B"/>
+              </a:solidFill>
+              <a:latin typeface="Segoe UI Semilight" panose="020B0402040204020203" pitchFamily="34" charset="0"/>
+              <a:cs typeface="Segoe UI Semilight" panose="020B0402040204020203" pitchFamily="34" charset="0"/>
+            </a:endParaRPr>
+          </a:p>
+          <a:p>
+            <a:pPr marL="285750" indent="-285750">
+              <a:buFont typeface="Arial" panose="020B0604020202020204" pitchFamily="34" charset="0"/>
+              <a:buChar char="•"/>
+            </a:pPr>
+            <a:r>
+              <a:rPr lang="en-NZ" sz="2400" dirty="0" smtClean="0">
+                <a:solidFill>
+                  <a:srgbClr val="3A537B"/>
+                </a:solidFill>
+                <a:latin typeface="Segoe UI Semilight" panose="020B0402040204020203" pitchFamily="34" charset="0"/>
+                <a:cs typeface="Segoe UI Semilight" panose="020B0402040204020203" pitchFamily="34" charset="0"/>
+              </a:rPr>
+              <a:t>Deferred Resource Loading</a:t>
+            </a:r>
+          </a:p>
+          <a:p>
+            <a:pPr marL="285750" indent="-285750">
+              <a:buFont typeface="Arial" panose="020B0604020202020204" pitchFamily="34" charset="0"/>
+              <a:buChar char="•"/>
+            </a:pPr>
+            <a:endParaRPr lang="en-NZ" sz="2400" dirty="0">
+              <a:solidFill>
+                <a:srgbClr val="3A537B"/>
+              </a:solidFill>
+              <a:latin typeface="Segoe UI Semilight" panose="020B0402040204020203" pitchFamily="34" charset="0"/>
+              <a:cs typeface="Segoe UI Semilight" panose="020B0402040204020203" pitchFamily="34" charset="0"/>
+            </a:endParaRPr>
+          </a:p>
+          <a:p>
+            <a:pPr marL="285750" indent="-285750">
+              <a:buFont typeface="Arial" panose="020B0604020202020204" pitchFamily="34" charset="0"/>
+              <a:buChar char="•"/>
+            </a:pPr>
+            <a:r>
+              <a:rPr lang="en-NZ" sz="2400" dirty="0" smtClean="0">
+                <a:solidFill>
+                  <a:srgbClr val="3A537B"/>
+                </a:solidFill>
+                <a:latin typeface="Segoe UI Semilight" panose="020B0402040204020203" pitchFamily="34" charset="0"/>
+                <a:cs typeface="Segoe UI Semilight" panose="020B0402040204020203" pitchFamily="34" charset="0"/>
+              </a:rPr>
+              <a:t>XAML designer and editor improvements</a:t>
+            </a:r>
+          </a:p>
+          <a:p>
+            <a:pPr marL="285750" indent="-285750">
+              <a:buFont typeface="Arial" panose="020B0604020202020204" pitchFamily="34" charset="0"/>
+              <a:buChar char="•"/>
+            </a:pPr>
+            <a:endParaRPr lang="en-NZ" sz="2400" dirty="0">
+              <a:solidFill>
+                <a:srgbClr val="3A537B"/>
+              </a:solidFill>
+              <a:latin typeface="Segoe UI Semilight" panose="020B0402040204020203" pitchFamily="34" charset="0"/>
+              <a:cs typeface="Segoe UI Semilight" panose="020B0402040204020203" pitchFamily="34" charset="0"/>
+            </a:endParaRPr>
+          </a:p>
+          <a:p>
+            <a:pPr marL="285750" indent="-285750">
+              <a:buFont typeface="Arial" panose="020B0604020202020204" pitchFamily="34" charset="0"/>
+              <a:buChar char="•"/>
+            </a:pPr>
+            <a:endParaRPr lang="en-NZ" sz="2400" dirty="0">
+              <a:solidFill>
+                <a:srgbClr val="3A537B"/>
+              </a:solidFill>
+              <a:latin typeface="Segoe UI Semilight" panose="020B0402040204020203" pitchFamily="34" charset="0"/>
+              <a:cs typeface="Segoe UI Semilight" panose="020B0402040204020203" pitchFamily="34" charset="0"/>
+            </a:endParaRPr>
+          </a:p>
+          <a:p>
+            <a:pPr marL="285750" indent="-285750">
+              <a:buFont typeface="Arial" panose="020B0604020202020204" pitchFamily="34" charset="0"/>
+              <a:buChar char="•"/>
+            </a:pPr>
+            <a:endParaRPr lang="en-NZ" sz="2400" dirty="0" smtClean="0">
+              <a:solidFill>
+                <a:srgbClr val="3A537B"/>
+              </a:solidFill>
+              <a:latin typeface="Segoe UI Semilight" panose="020B0402040204020203" pitchFamily="34" charset="0"/>
+              <a:cs typeface="Segoe UI Semilight" panose="020B0402040204020203" pitchFamily="34" charset="0"/>
+            </a:endParaRPr>
+          </a:p>
+        </p:txBody>
+      </p:sp>
+    </p:spTree>
+    <p:extLst>
+      <p:ext uri="{BB962C8B-B14F-4D97-AF65-F5344CB8AC3E}">
+        <p14:creationId xmlns:p14="http://schemas.microsoft.com/office/powerpoint/2010/main" val="2051653333"/>
+      </p:ext>
+    </p:extLst>
+  </p:cSld>
+  <p:clrMapOvr>
+    <a:masterClrMapping/>
+  </p:clrMapOvr>
+  <p:timing>
+    <p:tnLst>
+      <p:par>
+        <p:cTn id="1" dur="indefinite" restart="never" nodeType="tmRoot"/>
+      </p:par>
+    </p:tnLst>
+  </p:timing>
+</p:sld>
+</file>
+
+<file path=ppt/slides/slide11.xml><?xml version="1.0" encoding="utf-8"?>
+<p:sld xmlns:a="http://schemas.openxmlformats.org/drawingml/2006/main" xmlns:r="http://schemas.openxmlformats.org/officeDocument/2006/relationships" xmlns:p="http://schemas.openxmlformats.org/presentationml/2006/main">
+  <p:cSld>
+    <p:spTree>
+      <p:nvGrpSpPr>
+        <p:cNvPr id="1" name=""/>
+        <p:cNvGrpSpPr/>
+        <p:nvPr/>
+      </p:nvGrpSpPr>
+      <p:grpSpPr>
+        <a:xfrm>
+          <a:off x="0" y="0"/>
+          <a:ext cx="0" cy="0"/>
+          <a:chOff x="0" y="0"/>
+          <a:chExt cx="0" cy="0"/>
+        </a:xfrm>
+      </p:grpSpPr>
+      <p:pic>
+        <p:nvPicPr>
+          <p:cNvPr id="6" name="Picture 5"/>
+          <p:cNvPicPr>
+            <a:picLocks noChangeAspect="1"/>
+          </p:cNvPicPr>
+          <p:nvPr/>
+        </p:nvPicPr>
+        <p:blipFill>
+          <a:blip r:embed="rId3">
+            <a:extLst>
+              <a:ext uri="{28A0092B-C50C-407E-A947-70E740481C1C}">
+                <a14:useLocalDpi xmlns:a14="http://schemas.microsoft.com/office/drawing/2010/main" val="0"/>
+              </a:ext>
+            </a:extLst>
+          </a:blip>
+          <a:stretch>
+            <a:fillRect/>
+          </a:stretch>
+        </p:blipFill>
+        <p:spPr>
+          <a:xfrm>
+            <a:off x="0" y="0"/>
+            <a:ext cx="9144000" cy="6858000"/>
+          </a:xfrm>
+          <a:prstGeom prst="rect">
+            <a:avLst/>
+          </a:prstGeom>
+        </p:spPr>
+      </p:pic>
+      <p:sp>
+        <p:nvSpPr>
+          <p:cNvPr id="3" name="TextBox 2"/>
+          <p:cNvSpPr txBox="1"/>
+          <p:nvPr/>
+        </p:nvSpPr>
+        <p:spPr>
+          <a:xfrm>
+            <a:off x="3200400" y="533400"/>
+            <a:ext cx="5410200" cy="338554"/>
+          </a:xfrm>
+          <a:prstGeom prst="rect">
+            <a:avLst/>
+          </a:prstGeom>
+          <a:noFill/>
+        </p:spPr>
+        <p:txBody>
+          <a:bodyPr wrap="square" rtlCol="0">
+            <a:spAutoFit/>
+          </a:bodyPr>
+          <a:lstStyle/>
+          <a:p>
+            <a:pPr algn="r"/>
+            <a:r>
+              <a:rPr lang="en-NZ" sz="1600" dirty="0" smtClean="0">
+                <a:solidFill>
+                  <a:schemeClr val="tx1">
+                    <a:lumMod val="50000"/>
+                    <a:lumOff val="50000"/>
+                  </a:schemeClr>
+                </a:solidFill>
+                <a:latin typeface="Segoe UI Semilight" panose="020B0402040204020203" pitchFamily="34" charset="0"/>
+                <a:cs typeface="Segoe UI Semilight" panose="020B0402040204020203" pitchFamily="34" charset="0"/>
+              </a:rPr>
+              <a:t>WHAT’S NEW FOR </a:t>
+            </a:r>
+            <a:r>
+              <a:rPr lang="en-NZ" sz="1600" dirty="0" smtClean="0">
+                <a:solidFill>
+                  <a:schemeClr val="tx1">
+                    <a:lumMod val="50000"/>
+                    <a:lumOff val="50000"/>
+                  </a:schemeClr>
+                </a:solidFill>
+                <a:latin typeface="Segoe UI Semilight" panose="020B0402040204020203" pitchFamily="34" charset="0"/>
+                <a:cs typeface="Segoe UI Semilight" panose="020B0402040204020203" pitchFamily="34" charset="0"/>
+              </a:rPr>
+              <a:t>XAML DEVELOPERS</a:t>
             </a:r>
             <a:endParaRPr lang="en-NZ" sz="1600" dirty="0">
               <a:solidFill>
@@ -4514,7 +5422,7 @@
 </p:sld>
 </file>
 
-<file path=ppt/slides/slide11.xml><?xml version="1.0" encoding="utf-8"?>
+<file path=ppt/slides/slide12.xml><?xml version="1.0" encoding="utf-8"?>
 <p:sld xmlns:a="http://schemas.openxmlformats.org/drawingml/2006/main" xmlns:r="http://schemas.openxmlformats.org/officeDocument/2006/relationships" xmlns:p="http://schemas.openxmlformats.org/presentationml/2006/main">
   <p:cSld>
     <p:spTree>
@@ -4595,20 +5503,7 @@
                 <a:latin typeface="Segoe UI Semilight" panose="020B0402040204020203" pitchFamily="34" charset="0"/>
                 <a:cs typeface="Segoe UI Semilight" panose="020B0402040204020203" pitchFamily="34" charset="0"/>
               </a:rPr>
-              <a:t>WHAT’S NEW FOR </a:t>
-            </a:r>
-            <a:r>
-              <a:rPr lang="en-NZ" sz="1600" dirty="0" smtClean="0">
-                <a:solidFill>
-                  <a:schemeClr val="tx1">
-                    <a:lumMod val="50000"/>
-                    <a:lumOff val="50000"/>
-                  </a:schemeClr>
-                </a:solidFill>
-                <a:latin typeface="Segoe UI Semilight" panose="020B0402040204020203" pitchFamily="34" charset="0"/>
-                <a:cs typeface="Segoe UI Semilight" panose="020B0402040204020203" pitchFamily="34" charset="0"/>
-              </a:rPr>
-              <a:t>WINJS DEVELOPERS</a:t>
+              <a:t>WHAT’S NEW FOR WINJS DEVELOPERS</a:t>
             </a:r>
             <a:endParaRPr lang="en-NZ" sz="1600" dirty="0">
               <a:solidFill>
@@ -4659,13 +5554,6 @@
               </a:rPr>
               <a:t>Stuff</a:t>
             </a:r>
-            <a:endParaRPr lang="en-NZ" sz="2400" dirty="0" smtClean="0">
-              <a:solidFill>
-                <a:srgbClr val="3A537B"/>
-              </a:solidFill>
-              <a:latin typeface="Segoe UI Semilight" panose="020B0402040204020203" pitchFamily="34" charset="0"/>
-              <a:cs typeface="Segoe UI Semilight" panose="020B0402040204020203" pitchFamily="34" charset="0"/>
-            </a:endParaRPr>
           </a:p>
         </p:txBody>
       </p:sp>
@@ -4673,164 +5561,6 @@
     <p:extLst>
       <p:ext uri="{BB962C8B-B14F-4D97-AF65-F5344CB8AC3E}">
         <p14:creationId xmlns:p14="http://schemas.microsoft.com/office/powerpoint/2010/main" val="1833097464"/>
-      </p:ext>
-    </p:extLst>
-  </p:cSld>
-  <p:clrMapOvr>
-    <a:masterClrMapping/>
-  </p:clrMapOvr>
-  <p:timing>
-    <p:tnLst>
-      <p:par>
-        <p:cTn id="1" dur="indefinite" restart="never" nodeType="tmRoot"/>
-      </p:par>
-    </p:tnLst>
-  </p:timing>
-</p:sld>
-</file>
-
-<file path=ppt/slides/slide12.xml><?xml version="1.0" encoding="utf-8"?>
-<p:sld xmlns:a="http://schemas.openxmlformats.org/drawingml/2006/main" xmlns:r="http://schemas.openxmlformats.org/officeDocument/2006/relationships" xmlns:p="http://schemas.openxmlformats.org/presentationml/2006/main">
-  <p:cSld>
-    <p:spTree>
-      <p:nvGrpSpPr>
-        <p:cNvPr id="1" name=""/>
-        <p:cNvGrpSpPr/>
-        <p:nvPr/>
-      </p:nvGrpSpPr>
-      <p:grpSpPr>
-        <a:xfrm>
-          <a:off x="0" y="0"/>
-          <a:ext cx="0" cy="0"/>
-          <a:chOff x="0" y="0"/>
-          <a:chExt cx="0" cy="0"/>
-        </a:xfrm>
-      </p:grpSpPr>
-      <p:pic>
-        <p:nvPicPr>
-          <p:cNvPr id="6" name="Picture 5"/>
-          <p:cNvPicPr>
-            <a:picLocks noChangeAspect="1"/>
-          </p:cNvPicPr>
-          <p:nvPr/>
-        </p:nvPicPr>
-        <p:blipFill>
-          <a:blip r:embed="rId3">
-            <a:extLst>
-              <a:ext uri="{28A0092B-C50C-407E-A947-70E740481C1C}">
-                <a14:useLocalDpi xmlns:a14="http://schemas.microsoft.com/office/drawing/2010/main" val="0"/>
-              </a:ext>
-            </a:extLst>
-          </a:blip>
-          <a:stretch>
-            <a:fillRect/>
-          </a:stretch>
-        </p:blipFill>
-        <p:spPr>
-          <a:xfrm>
-            <a:off x="0" y="0"/>
-            <a:ext cx="9144000" cy="6858000"/>
-          </a:xfrm>
-          <a:prstGeom prst="rect">
-            <a:avLst/>
-          </a:prstGeom>
-        </p:spPr>
-      </p:pic>
-      <p:sp>
-        <p:nvSpPr>
-          <p:cNvPr id="3" name="TextBox 2"/>
-          <p:cNvSpPr txBox="1"/>
-          <p:nvPr/>
-        </p:nvSpPr>
-        <p:spPr>
-          <a:xfrm>
-            <a:off x="3200400" y="533400"/>
-            <a:ext cx="5410200" cy="338554"/>
-          </a:xfrm>
-          <a:prstGeom prst="rect">
-            <a:avLst/>
-          </a:prstGeom>
-          <a:noFill/>
-        </p:spPr>
-        <p:txBody>
-          <a:bodyPr wrap="square" rtlCol="0">
-            <a:spAutoFit/>
-          </a:bodyPr>
-          <a:lstStyle/>
-          <a:p>
-            <a:pPr algn="r"/>
-            <a:r>
-              <a:rPr lang="en-NZ" sz="1600" dirty="0" smtClean="0">
-                <a:solidFill>
-                  <a:schemeClr val="tx1">
-                    <a:lumMod val="50000"/>
-                    <a:lumOff val="50000"/>
-                  </a:schemeClr>
-                </a:solidFill>
-                <a:latin typeface="Segoe UI Semilight" panose="020B0402040204020203" pitchFamily="34" charset="0"/>
-                <a:cs typeface="Segoe UI Semilight" panose="020B0402040204020203" pitchFamily="34" charset="0"/>
-              </a:rPr>
-              <a:t>WHAT’S NEW FOR CONSUMERS</a:t>
-            </a:r>
-            <a:endParaRPr lang="en-NZ" sz="1600" dirty="0">
-              <a:solidFill>
-                <a:schemeClr val="tx1">
-                  <a:lumMod val="50000"/>
-                  <a:lumOff val="50000"/>
-                </a:schemeClr>
-              </a:solidFill>
-              <a:latin typeface="Segoe UI Semilight" panose="020B0402040204020203" pitchFamily="34" charset="0"/>
-              <a:cs typeface="Segoe UI Semilight" panose="020B0402040204020203" pitchFamily="34" charset="0"/>
-            </a:endParaRPr>
-          </a:p>
-        </p:txBody>
-      </p:sp>
-      <p:sp>
-        <p:nvSpPr>
-          <p:cNvPr id="4" name="TextBox 3"/>
-          <p:cNvSpPr txBox="1"/>
-          <p:nvPr/>
-        </p:nvSpPr>
-        <p:spPr>
-          <a:xfrm>
-            <a:off x="533400" y="3048000"/>
-            <a:ext cx="6324600" cy="1323439"/>
-          </a:xfrm>
-          <a:prstGeom prst="rect">
-            <a:avLst/>
-          </a:prstGeom>
-          <a:noFill/>
-        </p:spPr>
-        <p:txBody>
-          <a:bodyPr wrap="square" rtlCol="0">
-            <a:spAutoFit/>
-          </a:bodyPr>
-          <a:lstStyle/>
-          <a:p>
-            <a:r>
-              <a:rPr lang="en-NZ" sz="8000" dirty="0" smtClean="0">
-                <a:solidFill>
-                  <a:srgbClr val="EF4E03"/>
-                </a:solidFill>
-                <a:latin typeface="Segoe UI Semilight" panose="020B0402040204020203" pitchFamily="34" charset="0"/>
-                <a:cs typeface="Segoe UI Semilight" panose="020B0402040204020203" pitchFamily="34" charset="0"/>
-              </a:rPr>
-              <a:t>DEMO</a:t>
-            </a:r>
-            <a:endParaRPr lang="en-US" sz="8000" dirty="0">
-              <a:solidFill>
-                <a:srgbClr val="EF4E03"/>
-              </a:solidFill>
-              <a:latin typeface="Segoe UI Semilight" panose="020B0402040204020203" pitchFamily="34" charset="0"/>
-              <a:cs typeface="Segoe UI Semilight" panose="020B0402040204020203" pitchFamily="34" charset="0"/>
-            </a:endParaRPr>
-          </a:p>
-        </p:txBody>
-      </p:sp>
-    </p:spTree>
-    <p:extLst>
-      <p:ext uri="{BB962C8B-B14F-4D97-AF65-F5344CB8AC3E}">
-        <p14:creationId xmlns:p14="http://schemas.microsoft.com/office/powerpoint/2010/main" val="1629665390"/>
       </p:ext>
     </p:extLst>
   </p:cSld>
@@ -4928,6 +5658,177 @@
                 <a:latin typeface="Segoe UI Semilight" panose="020B0402040204020203" pitchFamily="34" charset="0"/>
                 <a:cs typeface="Segoe UI Semilight" panose="020B0402040204020203" pitchFamily="34" charset="0"/>
               </a:rPr>
+              <a:t>WHAT’S NEW FOR </a:t>
+            </a:r>
+            <a:r>
+              <a:rPr lang="en-NZ" sz="1600" dirty="0" smtClean="0">
+                <a:solidFill>
+                  <a:schemeClr val="tx1">
+                    <a:lumMod val="50000"/>
+                    <a:lumOff val="50000"/>
+                  </a:schemeClr>
+                </a:solidFill>
+                <a:latin typeface="Segoe UI Semilight" panose="020B0402040204020203" pitchFamily="34" charset="0"/>
+                <a:cs typeface="Segoe UI Semilight" panose="020B0402040204020203" pitchFamily="34" charset="0"/>
+              </a:rPr>
+              <a:t>WINJS DEVELOPERS</a:t>
+            </a:r>
+            <a:endParaRPr lang="en-NZ" sz="1600" dirty="0">
+              <a:solidFill>
+                <a:schemeClr val="tx1">
+                  <a:lumMod val="50000"/>
+                  <a:lumOff val="50000"/>
+                </a:schemeClr>
+              </a:solidFill>
+              <a:latin typeface="Segoe UI Semilight" panose="020B0402040204020203" pitchFamily="34" charset="0"/>
+              <a:cs typeface="Segoe UI Semilight" panose="020B0402040204020203" pitchFamily="34" charset="0"/>
+            </a:endParaRPr>
+          </a:p>
+        </p:txBody>
+      </p:sp>
+      <p:sp>
+        <p:nvSpPr>
+          <p:cNvPr id="4" name="TextBox 3"/>
+          <p:cNvSpPr txBox="1"/>
+          <p:nvPr/>
+        </p:nvSpPr>
+        <p:spPr>
+          <a:xfrm>
+            <a:off x="533400" y="3048000"/>
+            <a:ext cx="6324600" cy="1323439"/>
+          </a:xfrm>
+          <a:prstGeom prst="rect">
+            <a:avLst/>
+          </a:prstGeom>
+          <a:noFill/>
+        </p:spPr>
+        <p:txBody>
+          <a:bodyPr wrap="square" rtlCol="0">
+            <a:spAutoFit/>
+          </a:bodyPr>
+          <a:lstStyle/>
+          <a:p>
+            <a:r>
+              <a:rPr lang="en-NZ" sz="8000" dirty="0" smtClean="0">
+                <a:solidFill>
+                  <a:srgbClr val="EF4E03"/>
+                </a:solidFill>
+                <a:latin typeface="Segoe UI Semilight" panose="020B0402040204020203" pitchFamily="34" charset="0"/>
+                <a:cs typeface="Segoe UI Semilight" panose="020B0402040204020203" pitchFamily="34" charset="0"/>
+              </a:rPr>
+              <a:t>DEMO</a:t>
+            </a:r>
+            <a:endParaRPr lang="en-US" sz="8000" dirty="0">
+              <a:solidFill>
+                <a:srgbClr val="EF4E03"/>
+              </a:solidFill>
+              <a:latin typeface="Segoe UI Semilight" panose="020B0402040204020203" pitchFamily="34" charset="0"/>
+              <a:cs typeface="Segoe UI Semilight" panose="020B0402040204020203" pitchFamily="34" charset="0"/>
+            </a:endParaRPr>
+          </a:p>
+        </p:txBody>
+      </p:sp>
+    </p:spTree>
+    <p:extLst>
+      <p:ext uri="{BB962C8B-B14F-4D97-AF65-F5344CB8AC3E}">
+        <p14:creationId xmlns:p14="http://schemas.microsoft.com/office/powerpoint/2010/main" val="1629665390"/>
+      </p:ext>
+    </p:extLst>
+  </p:cSld>
+  <p:clrMapOvr>
+    <a:masterClrMapping/>
+  </p:clrMapOvr>
+  <p:timing>
+    <p:tnLst>
+      <p:par>
+        <p:cTn id="1" dur="indefinite" restart="never" nodeType="tmRoot"/>
+      </p:par>
+    </p:tnLst>
+  </p:timing>
+</p:sld>
+</file>
+
+<file path=ppt/slides/slide14.xml><?xml version="1.0" encoding="utf-8"?>
+<p:sld xmlns:a="http://schemas.openxmlformats.org/drawingml/2006/main" xmlns:r="http://schemas.openxmlformats.org/officeDocument/2006/relationships" xmlns:p="http://schemas.openxmlformats.org/presentationml/2006/main">
+  <p:cSld>
+    <p:spTree>
+      <p:nvGrpSpPr>
+        <p:cNvPr id="1" name=""/>
+        <p:cNvGrpSpPr/>
+        <p:nvPr/>
+      </p:nvGrpSpPr>
+      <p:grpSpPr>
+        <a:xfrm>
+          <a:off x="0" y="0"/>
+          <a:ext cx="0" cy="0"/>
+          <a:chOff x="0" y="0"/>
+          <a:chExt cx="0" cy="0"/>
+        </a:xfrm>
+      </p:grpSpPr>
+      <p:pic>
+        <p:nvPicPr>
+          <p:cNvPr id="6" name="Picture 5"/>
+          <p:cNvPicPr>
+            <a:picLocks noChangeAspect="1"/>
+          </p:cNvPicPr>
+          <p:nvPr/>
+        </p:nvPicPr>
+        <p:blipFill>
+          <a:blip r:embed="rId3">
+            <a:extLst>
+              <a:ext uri="{28A0092B-C50C-407E-A947-70E740481C1C}">
+                <a14:useLocalDpi xmlns:a14="http://schemas.microsoft.com/office/drawing/2010/main" val="0"/>
+              </a:ext>
+            </a:extLst>
+          </a:blip>
+          <a:stretch>
+            <a:fillRect/>
+          </a:stretch>
+        </p:blipFill>
+        <p:spPr>
+          <a:xfrm>
+            <a:off x="0" y="0"/>
+            <a:ext cx="9144000" cy="6858000"/>
+          </a:xfrm>
+          <a:prstGeom prst="rect">
+            <a:avLst/>
+          </a:prstGeom>
+        </p:spPr>
+      </p:pic>
+      <p:sp>
+        <p:nvSpPr>
+          <p:cNvPr id="3" name="TextBox 2"/>
+          <p:cNvSpPr txBox="1"/>
+          <p:nvPr/>
+        </p:nvSpPr>
+        <p:spPr>
+          <a:xfrm>
+            <a:off x="3200400" y="533400"/>
+            <a:ext cx="5410200" cy="338554"/>
+          </a:xfrm>
+          <a:prstGeom prst="rect">
+            <a:avLst/>
+          </a:prstGeom>
+          <a:noFill/>
+        </p:spPr>
+        <p:txBody>
+          <a:bodyPr wrap="square" rtlCol="0">
+            <a:spAutoFit/>
+          </a:bodyPr>
+          <a:lstStyle/>
+          <a:p>
+            <a:pPr algn="r"/>
+            <a:r>
+              <a:rPr lang="en-NZ" sz="1600" dirty="0" smtClean="0">
+                <a:solidFill>
+                  <a:schemeClr val="tx1">
+                    <a:lumMod val="50000"/>
+                    <a:lumOff val="50000"/>
+                  </a:schemeClr>
+                </a:solidFill>
+                <a:latin typeface="Segoe UI Semilight" panose="020B0402040204020203" pitchFamily="34" charset="0"/>
+                <a:cs typeface="Segoe UI Semilight" panose="020B0402040204020203" pitchFamily="34" charset="0"/>
+              </a:rPr>
               <a:t>WHAT’S NEW FOR CONSUMERS</a:t>
             </a:r>
             <a:endParaRPr lang="en-NZ" sz="1600" dirty="0">
@@ -5005,7 +5906,7 @@
 </p:sld>
 </file>
 
-<file path=ppt/slides/slide14.xml><?xml version="1.0" encoding="utf-8"?>
+<file path=ppt/slides/slide15.xml><?xml version="1.0" encoding="utf-8"?>
 <p:sld xmlns:a="http://schemas.openxmlformats.org/drawingml/2006/main" xmlns:r="http://schemas.openxmlformats.org/officeDocument/2006/relationships" xmlns:p="http://schemas.openxmlformats.org/presentationml/2006/main">
   <p:cSld>
     <p:spTree>
@@ -5845,7 +6746,7 @@
         <p:spPr>
           <a:xfrm>
             <a:off x="609600" y="1524000"/>
-            <a:ext cx="6651949" cy="6370975"/>
+            <a:ext cx="6651949" cy="6740307"/>
           </a:xfrm>
           <a:prstGeom prst="rect">
             <a:avLst/>
@@ -5901,6 +6802,80 @@
               </a:rPr>
               <a:t>Background</a:t>
             </a:r>
+          </a:p>
+          <a:p>
+            <a:pPr marL="742950" lvl="1" indent="-285750">
+              <a:buFont typeface="Arial" panose="020B0604020202020204" pitchFamily="34" charset="0"/>
+              <a:buChar char="•"/>
+            </a:pPr>
+            <a:r>
+              <a:rPr lang="en-NZ" sz="2400" dirty="0" smtClean="0">
+                <a:solidFill>
+                  <a:srgbClr val="3A537B"/>
+                </a:solidFill>
+                <a:latin typeface="Segoe UI Semilight" panose="020B0402040204020203" pitchFamily="34" charset="0"/>
+                <a:cs typeface="Segoe UI Semilight" panose="020B0402040204020203" pitchFamily="34" charset="0"/>
+              </a:rPr>
+              <a:t>Multi-size tile (Small, Medium, Wide, Large)</a:t>
+            </a:r>
+          </a:p>
+          <a:p>
+            <a:pPr marL="742950" lvl="1" indent="-285750">
+              <a:buFont typeface="Arial" panose="020B0604020202020204" pitchFamily="34" charset="0"/>
+              <a:buChar char="•"/>
+            </a:pPr>
+            <a:r>
+              <a:rPr lang="en-NZ" sz="2400" dirty="0" smtClean="0">
+                <a:solidFill>
+                  <a:srgbClr val="3A537B"/>
+                </a:solidFill>
+                <a:latin typeface="Segoe UI Semilight" panose="020B0402040204020203" pitchFamily="34" charset="0"/>
+                <a:cs typeface="Segoe UI Semilight" panose="020B0402040204020203" pitchFamily="34" charset="0"/>
+              </a:rPr>
+              <a:t>Swipe up for all Apps</a:t>
+            </a:r>
+          </a:p>
+          <a:p>
+            <a:pPr marL="742950" lvl="1" indent="-285750">
+              <a:buFont typeface="Arial" panose="020B0604020202020204" pitchFamily="34" charset="0"/>
+              <a:buChar char="•"/>
+            </a:pPr>
+            <a:r>
+              <a:rPr lang="en-NZ" sz="2400" dirty="0" smtClean="0">
+                <a:solidFill>
+                  <a:srgbClr val="3A537B"/>
+                </a:solidFill>
+                <a:latin typeface="Segoe UI Semilight" panose="020B0402040204020203" pitchFamily="34" charset="0"/>
+                <a:cs typeface="Segoe UI Semilight" panose="020B0402040204020203" pitchFamily="34" charset="0"/>
+              </a:rPr>
+              <a:t>Search </a:t>
+            </a:r>
+            <a:r>
+              <a:rPr lang="en-NZ" sz="2400" dirty="0" smtClean="0">
+                <a:solidFill>
+                  <a:srgbClr val="3A537B"/>
+                </a:solidFill>
+                <a:latin typeface="Segoe UI Semilight" panose="020B0402040204020203" pitchFamily="34" charset="0"/>
+                <a:cs typeface="Segoe UI Semilight" panose="020B0402040204020203" pitchFamily="34" charset="0"/>
+              </a:rPr>
+              <a:t>Changes</a:t>
+            </a:r>
+          </a:p>
+          <a:p>
+            <a:pPr marL="742950" lvl="1" indent="-285750">
+              <a:buFont typeface="Arial" panose="020B0604020202020204" pitchFamily="34" charset="0"/>
+              <a:buChar char="•"/>
+            </a:pPr>
+            <a:r>
+              <a:rPr lang="en-NZ" sz="2400" dirty="0" smtClean="0">
+                <a:solidFill>
+                  <a:srgbClr val="3A537B"/>
+                </a:solidFill>
+                <a:latin typeface="Segoe UI Semilight" panose="020B0402040204020203" pitchFamily="34" charset="0"/>
+                <a:cs typeface="Segoe UI Semilight" panose="020B0402040204020203" pitchFamily="34" charset="0"/>
+              </a:rPr>
+              <a:t>Sync</a:t>
+            </a:r>
             <a:endParaRPr lang="en-NZ" sz="2400" dirty="0" smtClean="0">
               <a:solidFill>
                 <a:srgbClr val="3A537B"/>
@@ -5908,98 +6883,6 @@
               <a:latin typeface="Segoe UI Semilight" panose="020B0402040204020203" pitchFamily="34" charset="0"/>
               <a:cs typeface="Segoe UI Semilight" panose="020B0402040204020203" pitchFamily="34" charset="0"/>
             </a:endParaRPr>
-          </a:p>
-          <a:p>
-            <a:pPr marL="742950" lvl="1" indent="-285750">
-              <a:buFont typeface="Arial" panose="020B0604020202020204" pitchFamily="34" charset="0"/>
-              <a:buChar char="•"/>
-            </a:pPr>
-            <a:r>
-              <a:rPr lang="en-NZ" sz="2400" dirty="0" smtClean="0">
-                <a:solidFill>
-                  <a:srgbClr val="3A537B"/>
-                </a:solidFill>
-                <a:latin typeface="Segoe UI Semilight" panose="020B0402040204020203" pitchFamily="34" charset="0"/>
-                <a:cs typeface="Segoe UI Semilight" panose="020B0402040204020203" pitchFamily="34" charset="0"/>
-              </a:rPr>
-              <a:t>Multi-size tile (Small, Medium, Wide, Large</a:t>
-            </a:r>
-            <a:r>
-              <a:rPr lang="en-NZ" sz="2400" dirty="0" smtClean="0">
-                <a:solidFill>
-                  <a:srgbClr val="3A537B"/>
-                </a:solidFill>
-                <a:latin typeface="Segoe UI Semilight" panose="020B0402040204020203" pitchFamily="34" charset="0"/>
-                <a:cs typeface="Segoe UI Semilight" panose="020B0402040204020203" pitchFamily="34" charset="0"/>
-              </a:rPr>
-              <a:t>)</a:t>
-            </a:r>
-            <a:endParaRPr lang="en-NZ" sz="2400" dirty="0" smtClean="0">
-              <a:solidFill>
-                <a:srgbClr val="3A537B"/>
-              </a:solidFill>
-              <a:latin typeface="Segoe UI Semilight" panose="020B0402040204020203" pitchFamily="34" charset="0"/>
-              <a:cs typeface="Segoe UI Semilight" panose="020B0402040204020203" pitchFamily="34" charset="0"/>
-            </a:endParaRPr>
-          </a:p>
-          <a:p>
-            <a:pPr marL="742950" lvl="1" indent="-285750">
-              <a:buFont typeface="Arial" panose="020B0604020202020204" pitchFamily="34" charset="0"/>
-              <a:buChar char="•"/>
-            </a:pPr>
-            <a:r>
-              <a:rPr lang="en-NZ" sz="2400" dirty="0" smtClean="0">
-                <a:solidFill>
-                  <a:srgbClr val="3A537B"/>
-                </a:solidFill>
-                <a:latin typeface="Segoe UI Semilight" panose="020B0402040204020203" pitchFamily="34" charset="0"/>
-                <a:cs typeface="Segoe UI Semilight" panose="020B0402040204020203" pitchFamily="34" charset="0"/>
-              </a:rPr>
-              <a:t>Swipe up for all </a:t>
-            </a:r>
-            <a:r>
-              <a:rPr lang="en-NZ" sz="2400" dirty="0" smtClean="0">
-                <a:solidFill>
-                  <a:srgbClr val="3A537B"/>
-                </a:solidFill>
-                <a:latin typeface="Segoe UI Semilight" panose="020B0402040204020203" pitchFamily="34" charset="0"/>
-                <a:cs typeface="Segoe UI Semilight" panose="020B0402040204020203" pitchFamily="34" charset="0"/>
-              </a:rPr>
-              <a:t>Apps</a:t>
-            </a:r>
-            <a:endParaRPr lang="en-NZ" sz="2400" dirty="0" smtClean="0">
-              <a:solidFill>
-                <a:srgbClr val="3A537B"/>
-              </a:solidFill>
-              <a:latin typeface="Segoe UI Semilight" panose="020B0402040204020203" pitchFamily="34" charset="0"/>
-              <a:cs typeface="Segoe UI Semilight" panose="020B0402040204020203" pitchFamily="34" charset="0"/>
-            </a:endParaRPr>
-          </a:p>
-          <a:p>
-            <a:pPr marL="742950" lvl="1" indent="-285750">
-              <a:buFont typeface="Arial" panose="020B0604020202020204" pitchFamily="34" charset="0"/>
-              <a:buChar char="•"/>
-            </a:pPr>
-            <a:r>
-              <a:rPr lang="en-NZ" sz="2400" dirty="0" smtClean="0">
-                <a:solidFill>
-                  <a:srgbClr val="3A537B"/>
-                </a:solidFill>
-                <a:latin typeface="Segoe UI Semilight" panose="020B0402040204020203" pitchFamily="34" charset="0"/>
-                <a:cs typeface="Segoe UI Semilight" panose="020B0402040204020203" pitchFamily="34" charset="0"/>
-              </a:rPr>
-              <a:t>Search </a:t>
-            </a:r>
-            <a:r>
-              <a:rPr lang="en-NZ" sz="2400" dirty="0" smtClean="0">
-                <a:solidFill>
-                  <a:srgbClr val="3A537B"/>
-                </a:solidFill>
-                <a:latin typeface="Segoe UI Semilight" panose="020B0402040204020203" pitchFamily="34" charset="0"/>
-                <a:cs typeface="Segoe UI Semilight" panose="020B0402040204020203" pitchFamily="34" charset="0"/>
-              </a:rPr>
-              <a:t>Changes</a:t>
-            </a:r>
           </a:p>
           <a:p>
             <a:pPr marL="285750" indent="-285750">
@@ -6511,7 +7394,17 @@
                 <a:latin typeface="Segoe UI Semilight" panose="020B0402040204020203" pitchFamily="34" charset="0"/>
                 <a:cs typeface="Segoe UI Semilight" panose="020B0402040204020203" pitchFamily="34" charset="0"/>
               </a:rPr>
-              <a:t>Drag down to close gesture changes</a:t>
+              <a:t>Drag down to close gesture </a:t>
+            </a:r>
+            <a:r>
+              <a:rPr lang="en-NZ" sz="2400" dirty="0" smtClean="0">
+                <a:solidFill>
+                  <a:srgbClr val="3A537B"/>
+                </a:solidFill>
+                <a:latin typeface="Segoe UI Semilight" panose="020B0402040204020203" pitchFamily="34" charset="0"/>
+                <a:cs typeface="Segoe UI Semilight" panose="020B0402040204020203" pitchFamily="34" charset="0"/>
+              </a:rPr>
+              <a:t>changes</a:t>
             </a:r>
           </a:p>
           <a:p>
@@ -6772,7 +7665,7 @@
           <p:nvPr/>
         </p:nvPicPr>
         <p:blipFill>
-          <a:blip r:embed="rId2">
+          <a:blip r:embed="rId3">
             <a:extLst>
               <a:ext uri="{28A0092B-C50C-407E-A947-70E740481C1C}">
                 <a14:useLocalDpi xmlns:a14="http://schemas.microsoft.com/office/drawing/2010/main" val="0"/>
@@ -6907,13 +7800,6 @@
               </a:rPr>
               <a:t>Templates</a:t>
             </a:r>
-            <a:endParaRPr lang="en-NZ" sz="2400" dirty="0" smtClean="0">
-              <a:solidFill>
-                <a:srgbClr val="3A537B"/>
-              </a:solidFill>
-              <a:latin typeface="Segoe UI Semilight" panose="020B0402040204020203" pitchFamily="34" charset="0"/>
-              <a:cs typeface="Segoe UI Semilight" panose="020B0402040204020203" pitchFamily="34" charset="0"/>
-            </a:endParaRPr>
           </a:p>
           <a:p>
             <a:pPr marL="742950" lvl="1" indent="-285750">
@@ -7176,7 +8062,7 @@
           <p:nvPr/>
         </p:nvPicPr>
         <p:blipFill>
-          <a:blip r:embed="rId2">
+          <a:blip r:embed="rId3">
             <a:extLst>
               <a:ext uri="{28A0092B-C50C-407E-A947-70E740481C1C}">
                 <a14:useLocalDpi xmlns:a14="http://schemas.microsoft.com/office/drawing/2010/main" val="0"/>
@@ -7231,20 +8117,7 @@
                 <a:latin typeface="Segoe UI Semilight" panose="020B0402040204020203" pitchFamily="34" charset="0"/>
                 <a:cs typeface="Segoe UI Semilight" panose="020B0402040204020203" pitchFamily="34" charset="0"/>
               </a:rPr>
-              <a:t>WHAT’S NEW FOR </a:t>
-            </a:r>
-            <a:r>
-              <a:rPr lang="en-NZ" sz="1600" dirty="0" smtClean="0">
-                <a:solidFill>
-                  <a:schemeClr val="tx1">
-                    <a:lumMod val="50000"/>
-                    <a:lumOff val="50000"/>
-                  </a:schemeClr>
-                </a:solidFill>
-                <a:latin typeface="Segoe UI Semilight" panose="020B0402040204020203" pitchFamily="34" charset="0"/>
-                <a:cs typeface="Segoe UI Semilight" panose="020B0402040204020203" pitchFamily="34" charset="0"/>
-              </a:rPr>
-              <a:t>XAML DEVELOPERS</a:t>
+              <a:t>WHAT’S NEW FOR XAML DEVELOPERS</a:t>
             </a:r>
             <a:endParaRPr lang="en-NZ" sz="1600" dirty="0">
               <a:solidFill>
@@ -7268,7 +8141,7 @@
         <p:spPr>
           <a:xfrm>
             <a:off x="612512" y="1752600"/>
-            <a:ext cx="4787657" cy="2308324"/>
+            <a:ext cx="4594528" cy="5632311"/>
           </a:xfrm>
           <a:prstGeom prst="rect">
             <a:avLst/>
@@ -7356,26 +8229,6 @@
                 <a:cs typeface="Segoe UI Semilight" panose="020B0402040204020203" pitchFamily="34" charset="0"/>
               </a:rPr>
               <a:t>JSON.Net</a:t>
-            </a:r>
-            <a:r>
-              <a:rPr lang="en-NZ" sz="2400" dirty="0" smtClean="0">
-                <a:solidFill>
-                  <a:srgbClr val="3A537B"/>
-                </a:solidFill>
-                <a:latin typeface="Segoe UI Semilight" panose="020B0402040204020203" pitchFamily="34" charset="0"/>
-                <a:cs typeface="Segoe UI Semilight" panose="020B0402040204020203" pitchFamily="34" charset="0"/>
-              </a:rPr>
-              <a:t>…….</a:t>
-            </a:r>
-            <a:r>
-              <a:rPr lang="en-NZ" sz="1400" dirty="0" smtClean="0">
-                <a:solidFill>
-                  <a:srgbClr val="3A537B"/>
-                </a:solidFill>
-                <a:latin typeface="Segoe UI Semilight" panose="020B0402040204020203" pitchFamily="34" charset="0"/>
-                <a:cs typeface="Segoe UI Semilight" panose="020B0402040204020203" pitchFamily="34" charset="0"/>
-              </a:rPr>
-              <a:t>Sinofsky!!!!!!!</a:t>
             </a:r>
             <a:endParaRPr lang="en-NZ" sz="2400" dirty="0">
               <a:solidFill>
@@ -7390,6 +8243,214 @@
               <a:buFont typeface="Arial" panose="020B0604020202020204" pitchFamily="34" charset="0"/>
               <a:buChar char="•"/>
             </a:pPr>
+            <a:r>
+              <a:rPr lang="en-NZ" sz="2400" dirty="0" smtClean="0">
+                <a:solidFill>
+                  <a:srgbClr val="3A537B"/>
+                </a:solidFill>
+                <a:latin typeface="Segoe UI Semilight" panose="020B0402040204020203" pitchFamily="34" charset="0"/>
+                <a:cs typeface="Segoe UI Semilight" panose="020B0402040204020203" pitchFamily="34" charset="0"/>
+              </a:rPr>
+              <a:t>No </a:t>
+            </a:r>
+            <a:r>
+              <a:rPr lang="en-NZ" sz="2400" dirty="0" err="1" smtClean="0">
+                <a:solidFill>
+                  <a:srgbClr val="3A537B"/>
+                </a:solidFill>
+                <a:latin typeface="Segoe UI Semilight" panose="020B0402040204020203" pitchFamily="34" charset="0"/>
+                <a:cs typeface="Segoe UI Semilight" panose="020B0402040204020203" pitchFamily="34" charset="0"/>
+              </a:rPr>
+              <a:t>StandardStyles.xaml</a:t>
+            </a:r>
+            <a:endParaRPr lang="en-NZ" sz="2400" dirty="0" smtClean="0">
+              <a:solidFill>
+                <a:srgbClr val="3A537B"/>
+              </a:solidFill>
+              <a:latin typeface="Segoe UI Semilight" panose="020B0402040204020203" pitchFamily="34" charset="0"/>
+              <a:cs typeface="Segoe UI Semilight" panose="020B0402040204020203" pitchFamily="34" charset="0"/>
+            </a:endParaRPr>
+          </a:p>
+          <a:p>
+            <a:pPr marL="742950" lvl="1" indent="-285750">
+              <a:buFont typeface="Arial" panose="020B0604020202020204" pitchFamily="34" charset="0"/>
+              <a:buChar char="•"/>
+            </a:pPr>
+            <a:endParaRPr lang="en-NZ" sz="2400" dirty="0">
+              <a:solidFill>
+                <a:srgbClr val="3A537B"/>
+              </a:solidFill>
+              <a:latin typeface="Segoe UI Semilight" panose="020B0402040204020203" pitchFamily="34" charset="0"/>
+              <a:cs typeface="Segoe UI Semilight" panose="020B0402040204020203" pitchFamily="34" charset="0"/>
+            </a:endParaRPr>
+          </a:p>
+          <a:p>
+            <a:pPr marL="285750" indent="-285750">
+              <a:buFont typeface="Arial" panose="020B0604020202020204" pitchFamily="34" charset="0"/>
+              <a:buChar char="•"/>
+            </a:pPr>
+            <a:r>
+              <a:rPr lang="en-NZ" sz="2400" dirty="0" smtClean="0">
+                <a:solidFill>
+                  <a:srgbClr val="3A537B"/>
+                </a:solidFill>
+                <a:latin typeface="Segoe UI Semilight" panose="020B0402040204020203" pitchFamily="34" charset="0"/>
+                <a:cs typeface="Segoe UI Semilight" panose="020B0402040204020203" pitchFamily="34" charset="0"/>
+              </a:rPr>
+              <a:t>Controls</a:t>
+            </a:r>
+          </a:p>
+          <a:p>
+            <a:pPr marL="742950" lvl="1" indent="-285750">
+              <a:buFont typeface="Arial" panose="020B0604020202020204" pitchFamily="34" charset="0"/>
+              <a:buChar char="•"/>
+            </a:pPr>
+            <a:r>
+              <a:rPr lang="en-NZ" sz="2400" dirty="0" smtClean="0">
+                <a:solidFill>
+                  <a:srgbClr val="3A537B"/>
+                </a:solidFill>
+                <a:latin typeface="Segoe UI Semilight" panose="020B0402040204020203" pitchFamily="34" charset="0"/>
+                <a:cs typeface="Segoe UI Semilight" panose="020B0402040204020203" pitchFamily="34" charset="0"/>
+              </a:rPr>
+              <a:t>Hub*</a:t>
+            </a:r>
+          </a:p>
+          <a:p>
+            <a:pPr marL="742950" lvl="1" indent="-285750">
+              <a:buFont typeface="Arial" panose="020B0604020202020204" pitchFamily="34" charset="0"/>
+              <a:buChar char="•"/>
+            </a:pPr>
+            <a:r>
+              <a:rPr lang="en-NZ" sz="2400" dirty="0" err="1" smtClean="0">
+                <a:solidFill>
+                  <a:srgbClr val="3A537B"/>
+                </a:solidFill>
+                <a:latin typeface="Segoe UI Semilight" panose="020B0402040204020203" pitchFamily="34" charset="0"/>
+                <a:cs typeface="Segoe UI Semilight" panose="020B0402040204020203" pitchFamily="34" charset="0"/>
+              </a:rPr>
+              <a:t>SearchBox</a:t>
+            </a:r>
+            <a:r>
+              <a:rPr lang="en-NZ" sz="2400" dirty="0" smtClean="0">
+                <a:solidFill>
+                  <a:srgbClr val="3A537B"/>
+                </a:solidFill>
+                <a:latin typeface="Segoe UI Semilight" panose="020B0402040204020203" pitchFamily="34" charset="0"/>
+                <a:cs typeface="Segoe UI Semilight" panose="020B0402040204020203" pitchFamily="34" charset="0"/>
+              </a:rPr>
+              <a:t>*</a:t>
+            </a:r>
+          </a:p>
+          <a:p>
+            <a:pPr marL="742950" lvl="1" indent="-285750">
+              <a:buFont typeface="Arial" panose="020B0604020202020204" pitchFamily="34" charset="0"/>
+              <a:buChar char="•"/>
+            </a:pPr>
+            <a:r>
+              <a:rPr lang="en-NZ" sz="2400" dirty="0" err="1" smtClean="0">
+                <a:solidFill>
+                  <a:srgbClr val="3A537B"/>
+                </a:solidFill>
+                <a:latin typeface="Segoe UI Semilight" panose="020B0402040204020203" pitchFamily="34" charset="0"/>
+                <a:cs typeface="Segoe UI Semilight" panose="020B0402040204020203" pitchFamily="34" charset="0"/>
+              </a:rPr>
+              <a:t>Flyout</a:t>
+            </a:r>
+            <a:r>
+              <a:rPr lang="en-NZ" sz="2400" dirty="0" smtClean="0">
+                <a:solidFill>
+                  <a:srgbClr val="3A537B"/>
+                </a:solidFill>
+                <a:latin typeface="Segoe UI Semilight" panose="020B0402040204020203" pitchFamily="34" charset="0"/>
+                <a:cs typeface="Segoe UI Semilight" panose="020B0402040204020203" pitchFamily="34" charset="0"/>
+              </a:rPr>
+              <a:t>*</a:t>
+            </a:r>
+          </a:p>
+          <a:p>
+            <a:pPr marL="742950" lvl="1" indent="-285750">
+              <a:buFont typeface="Arial" panose="020B0604020202020204" pitchFamily="34" charset="0"/>
+              <a:buChar char="•"/>
+            </a:pPr>
+            <a:r>
+              <a:rPr lang="en-NZ" sz="2400" dirty="0" err="1" smtClean="0">
+                <a:solidFill>
+                  <a:srgbClr val="3A537B"/>
+                </a:solidFill>
+                <a:latin typeface="Segoe UI Semilight" panose="020B0402040204020203" pitchFamily="34" charset="0"/>
+                <a:cs typeface="Segoe UI Semilight" panose="020B0402040204020203" pitchFamily="34" charset="0"/>
+              </a:rPr>
+              <a:t>SettingsFlyout</a:t>
+            </a:r>
+            <a:r>
+              <a:rPr lang="en-NZ" sz="2400" dirty="0" smtClean="0">
+                <a:solidFill>
+                  <a:srgbClr val="3A537B"/>
+                </a:solidFill>
+                <a:latin typeface="Segoe UI Semilight" panose="020B0402040204020203" pitchFamily="34" charset="0"/>
+                <a:cs typeface="Segoe UI Semilight" panose="020B0402040204020203" pitchFamily="34" charset="0"/>
+              </a:rPr>
+              <a:t>*</a:t>
+            </a:r>
+          </a:p>
+          <a:p>
+            <a:pPr marL="742950" lvl="1" indent="-285750">
+              <a:buFont typeface="Arial" panose="020B0604020202020204" pitchFamily="34" charset="0"/>
+              <a:buChar char="•"/>
+            </a:pPr>
+            <a:r>
+              <a:rPr lang="en-NZ" sz="2400" dirty="0" err="1" smtClean="0">
+                <a:solidFill>
+                  <a:srgbClr val="3A537B"/>
+                </a:solidFill>
+                <a:latin typeface="Segoe UI Semilight" panose="020B0402040204020203" pitchFamily="34" charset="0"/>
+                <a:cs typeface="Segoe UI Semilight" panose="020B0402040204020203" pitchFamily="34" charset="0"/>
+              </a:rPr>
+              <a:t>DateTimePicker</a:t>
+            </a:r>
+            <a:r>
+              <a:rPr lang="en-NZ" sz="2400" dirty="0" smtClean="0">
+                <a:solidFill>
+                  <a:srgbClr val="3A537B"/>
+                </a:solidFill>
+                <a:latin typeface="Segoe UI Semilight" panose="020B0402040204020203" pitchFamily="34" charset="0"/>
+                <a:cs typeface="Segoe UI Semilight" panose="020B0402040204020203" pitchFamily="34" charset="0"/>
+              </a:rPr>
+              <a:t>*</a:t>
+            </a:r>
+          </a:p>
+          <a:p>
+            <a:pPr marL="742950" lvl="1" indent="-285750">
+              <a:buFont typeface="Arial" panose="020B0604020202020204" pitchFamily="34" charset="0"/>
+              <a:buChar char="•"/>
+            </a:pPr>
+            <a:r>
+              <a:rPr lang="en-NZ" sz="2400" dirty="0">
+                <a:solidFill>
+                  <a:srgbClr val="3A537B"/>
+                </a:solidFill>
+                <a:latin typeface="Segoe UI Semilight" panose="020B0402040204020203" pitchFamily="34" charset="0"/>
+                <a:cs typeface="Segoe UI Semilight" panose="020B0402040204020203" pitchFamily="34" charset="0"/>
+              </a:rPr>
+              <a:t>Media Controls*</a:t>
+            </a:r>
+          </a:p>
+          <a:p>
+            <a:pPr marL="742950" lvl="1" indent="-285750">
+              <a:buFont typeface="Arial" panose="020B0604020202020204" pitchFamily="34" charset="0"/>
+              <a:buChar char="•"/>
+            </a:pPr>
+            <a:r>
+              <a:rPr lang="en-NZ" sz="2400" dirty="0" err="1" smtClean="0">
+                <a:solidFill>
+                  <a:srgbClr val="3A537B"/>
+                </a:solidFill>
+                <a:latin typeface="Segoe UI Semilight" panose="020B0402040204020203" pitchFamily="34" charset="0"/>
+                <a:cs typeface="Segoe UI Semilight" panose="020B0402040204020203" pitchFamily="34" charset="0"/>
+              </a:rPr>
+              <a:t>WebView</a:t>
+            </a:r>
             <a:endParaRPr lang="en-NZ" sz="2400" dirty="0" smtClean="0">
               <a:solidFill>
                 <a:srgbClr val="3A537B"/>
@@ -8300,6 +9361,21 @@
 </file>
 
 <file path=customXml/item1.xml><?xml version="1.0" encoding="utf-8"?>
+<p:properties xmlns:p="http://schemas.microsoft.com/office/2006/metadata/properties" xmlns:xsi="http://www.w3.org/2001/XMLSchema-instance">
+  <documentManagement/>
+</p:properties>
+</file>
+
+<file path=customXml/item2.xml><?xml version="1.0" encoding="utf-8"?>
+<?mso-contentType ?>
+<FormTemplates xmlns="http://schemas.microsoft.com/sharepoint/v3/contenttype/forms">
+  <Display>DocumentLibraryForm</Display>
+  <Edit>DocumentLibraryForm</Edit>
+  <New>DocumentLibraryForm</New>
+</FormTemplates>
+</file>
+
+<file path=customXml/item3.xml><?xml version="1.0" encoding="utf-8"?>
 <ct:contentTypeSchema xmlns:ct="http://schemas.microsoft.com/office/2006/metadata/contentType" xmlns:ma="http://schemas.microsoft.com/office/2006/metadata/properties/metaAttributes" ct:_="" ma:_="" ma:contentTypeName="Document" ma:contentTypeID="0x0101004DF6D0871B95904AABD22536D8AC85C8" ma:contentTypeVersion="0" ma:contentTypeDescription="Create a new document." ma:contentTypeScope="" ma:versionID="49efcf3338630220492e4247eaca93e8">
   <xsd:schema xmlns:xsd="http://www.w3.org/2001/XMLSchema" xmlns:p="http://schemas.microsoft.com/office/2006/metadata/properties" targetNamespace="http://schemas.microsoft.com/office/2006/metadata/properties" ma:root="true" ma:fieldsID="4aeb20c0e3442673af7ee10786458764">
     <xsd:element name="properties">
@@ -8348,32 +9424,10 @@
 </ct:contentTypeSchema>
 </file>
 
-<file path=customXml/item2.xml><?xml version="1.0" encoding="utf-8"?>
-<?mso-contentType ?>
-<FormTemplates xmlns="http://schemas.microsoft.com/sharepoint/v3/contenttype/forms">
-  <Display>DocumentLibraryForm</Display>
-  <Edit>DocumentLibraryForm</Edit>
-  <New>DocumentLibraryForm</New>
-</FormTemplates>
-</file>
-
-<file path=customXml/item3.xml><?xml version="1.0" encoding="utf-8"?>
-<p:properties xmlns:p="http://schemas.microsoft.com/office/2006/metadata/properties" xmlns:xsi="http://www.w3.org/2001/XMLSchema-instance">
-  <documentManagement/>
-</p:properties>
-</file>
-
 <file path=customXml/itemProps1.xml><?xml version="1.0" encoding="utf-8"?>
-<ds:datastoreItem xmlns:ds="http://schemas.openxmlformats.org/officeDocument/2006/customXml" ds:itemID="{7E1D9E91-416C-4888-A8AA-BE42FEF97FEF}">
+<ds:datastoreItem xmlns:ds="http://schemas.openxmlformats.org/officeDocument/2006/customXml" ds:itemID="{AEBD4C7A-EE81-430E-8E48-8F597B2AAF83}">
   <ds:schemaRefs>
-    <ds:schemaRef ds:uri="http://schemas.microsoft.com/office/2006/metadata/contentType"/>
-    <ds:schemaRef ds:uri="http://schemas.microsoft.com/office/2006/metadata/properties/metaAttributes"/>
-    <ds:schemaRef ds:uri="http://www.w3.org/2001/XMLSchema"/>
     <ds:schemaRef ds:uri="http://schemas.microsoft.com/office/2006/metadata/properties"/>
-    <ds:schemaRef ds:uri="http://schemas.openxmlformats.org/package/2006/metadata/core-properties"/>
-    <ds:schemaRef ds:uri="http://purl.org/dc/elements/1.1/"/>
-    <ds:schemaRef ds:uri="http://purl.org/dc/terms/"/>
-    <ds:schemaRef ds:uri="http://schemas.microsoft.com/office/internal/2005/internalDocumentation"/>
   </ds:schemaRefs>
 </ds:datastoreItem>
 </file>
@@ -8387,9 +9441,16 @@
 </file>
 
 <file path=customXml/itemProps3.xml><?xml version="1.0" encoding="utf-8"?>
-<ds:datastoreItem xmlns:ds="http://schemas.openxmlformats.org/officeDocument/2006/customXml" ds:itemID="{AEBD4C7A-EE81-430E-8E48-8F597B2AAF83}">
+<ds:datastoreItem xmlns:ds="http://schemas.openxmlformats.org/officeDocument/2006/customXml" ds:itemID="{7E1D9E91-416C-4888-A8AA-BE42FEF97FEF}">
   <ds:schemaRefs>
+    <ds:schemaRef ds:uri="http://schemas.microsoft.com/office/2006/metadata/contentType"/>
+    <ds:schemaRef ds:uri="http://schemas.microsoft.com/office/2006/metadata/properties/metaAttributes"/>
+    <ds:schemaRef ds:uri="http://www.w3.org/2001/XMLSchema"/>
     <ds:schemaRef ds:uri="http://schemas.microsoft.com/office/2006/metadata/properties"/>
+    <ds:schemaRef ds:uri="http://schemas.openxmlformats.org/package/2006/metadata/core-properties"/>
+    <ds:schemaRef ds:uri="http://purl.org/dc/elements/1.1/"/>
+    <ds:schemaRef ds:uri="http://purl.org/dc/terms/"/>
+    <ds:schemaRef ds:uri="http://schemas.microsoft.com/office/internal/2005/internalDocumentation"/>
   </ds:schemaRefs>
 </ds:datastoreItem>
 </file>
--- a/WhatsNewInWindows81/WhatsNewInWindows81.pptx
+++ b/WhatsNewInWindows81/WhatsNewInWindows81.pptx
@@ -5029,7 +5029,7 @@
         <p:spPr>
           <a:xfrm>
             <a:off x="612512" y="1752600"/>
-            <a:ext cx="5905527" cy="4524315"/>
+            <a:ext cx="5905527" cy="5262979"/>
           </a:xfrm>
           <a:prstGeom prst="rect">
             <a:avLst/>
@@ -5159,6 +5159,55 @@
                 <a:cs typeface="Segoe UI Semilight" panose="020B0402040204020203" pitchFamily="34" charset="0"/>
               </a:rPr>
               <a:t>Deferred Resource Loading</a:t>
+            </a:r>
+          </a:p>
+          <a:p>
+            <a:pPr marL="285750" indent="-285750">
+              <a:buFont typeface="Arial" panose="020B0604020202020204" pitchFamily="34" charset="0"/>
+              <a:buChar char="•"/>
+            </a:pPr>
+            <a:endParaRPr lang="en-NZ" sz="2400" dirty="0" smtClean="0">
+              <a:solidFill>
+                <a:srgbClr val="3A537B"/>
+              </a:solidFill>
+              <a:latin typeface="Segoe UI Semilight" panose="020B0402040204020203" pitchFamily="34" charset="0"/>
+              <a:cs typeface="Segoe UI Semilight" panose="020B0402040204020203" pitchFamily="34" charset="0"/>
+            </a:endParaRPr>
+          </a:p>
+          <a:p>
+            <a:pPr marL="285750" indent="-285750">
+              <a:buFont typeface="Arial" panose="020B0604020202020204" pitchFamily="34" charset="0"/>
+              <a:buChar char="•"/>
+            </a:pPr>
+            <a:r>
+              <a:rPr lang="en-NZ" sz="2400" dirty="0" smtClean="0">
+                <a:solidFill>
+                  <a:srgbClr val="3A537B"/>
+                </a:solidFill>
+                <a:latin typeface="Segoe UI Semilight" panose="020B0402040204020203" pitchFamily="34" charset="0"/>
+                <a:cs typeface="Segoe UI Semilight" panose="020B0402040204020203" pitchFamily="34" charset="0"/>
+              </a:rPr>
+              <a:t>Unified </a:t>
+            </a:r>
+            <a:r>
+              <a:rPr lang="en-NZ" sz="2400" dirty="0" err="1" smtClean="0">
+                <a:solidFill>
+                  <a:srgbClr val="3A537B"/>
+                </a:solidFill>
+                <a:latin typeface="Segoe UI Semilight" panose="020B0402040204020203" pitchFamily="34" charset="0"/>
+                <a:cs typeface="Segoe UI Semilight" panose="020B0402040204020203" pitchFamily="34" charset="0"/>
+              </a:rPr>
+              <a:t>HttpClient</a:t>
+            </a:r>
+            <a:r>
+              <a:rPr lang="en-NZ" sz="2400" dirty="0" smtClean="0">
+                <a:solidFill>
+                  <a:srgbClr val="3A537B"/>
+                </a:solidFill>
+                <a:latin typeface="Segoe UI Semilight" panose="020B0402040204020203" pitchFamily="34" charset="0"/>
+                <a:cs typeface="Segoe UI Semilight" panose="020B0402040204020203" pitchFamily="34" charset="0"/>
+              </a:rPr>
+              <a:t> implementation</a:t>
             </a:r>
           </a:p>
           <a:p>

--- a/WhatsNewInWindows81/WhatsNewInWindows81.pptx
+++ b/WhatsNewInWindows81/WhatsNewInWindows81.pptx
@@ -225,7 +225,7 @@
           <a:p>
             <a:fld id="{40B0E7F3-8182-422E-9E50-C39AF57C071F}" type="datetimeFigureOut">
               <a:rPr lang="en-NZ" smtClean="0"/>
-              <a:t>31/08/2013</a:t>
+              <a:t>2/09/2013</a:t>
             </a:fld>
             <a:endParaRPr lang="en-NZ"/>
           </a:p>
@@ -391,7 +391,7 @@
           <a:p>
             <a:fld id="{A2C04580-EA0A-4FF1-8861-A6210EFB727D}" type="datetimeFigureOut">
               <a:rPr lang="en-NZ" smtClean="0"/>
-              <a:t>31/08/2013</a:t>
+              <a:t>2/09/2013</a:t>
             </a:fld>
             <a:endParaRPr lang="en-NZ"/>
           </a:p>
@@ -799,6 +799,128 @@
 </p:notes>
 </file>
 
+<file path=ppt/notesSlides/notesSlide10.xml><?xml version="1.0" encoding="utf-8"?>
+<p:notes xmlns:a="http://schemas.openxmlformats.org/drawingml/2006/main" xmlns:r="http://schemas.openxmlformats.org/officeDocument/2006/relationships" xmlns:p="http://schemas.openxmlformats.org/presentationml/2006/main">
+  <p:cSld>
+    <p:spTree>
+      <p:nvGrpSpPr>
+        <p:cNvPr id="1" name=""/>
+        <p:cNvGrpSpPr/>
+        <p:nvPr/>
+      </p:nvGrpSpPr>
+      <p:grpSpPr>
+        <a:xfrm>
+          <a:off x="0" y="0"/>
+          <a:ext cx="0" cy="0"/>
+          <a:chOff x="0" y="0"/>
+          <a:chExt cx="0" cy="0"/>
+        </a:xfrm>
+      </p:grpSpPr>
+      <p:sp>
+        <p:nvSpPr>
+          <p:cNvPr id="2" name="Slide Image Placeholder 1"/>
+          <p:cNvSpPr>
+            <a:spLocks noGrp="1" noRot="1" noChangeAspect="1"/>
+          </p:cNvSpPr>
+          <p:nvPr>
+            <p:ph type="sldImg"/>
+          </p:nvPr>
+        </p:nvSpPr>
+        <p:spPr/>
+      </p:sp>
+      <p:sp>
+        <p:nvSpPr>
+          <p:cNvPr id="3" name="Notes Placeholder 2"/>
+          <p:cNvSpPr>
+            <a:spLocks noGrp="1"/>
+          </p:cNvSpPr>
+          <p:nvPr>
+            <p:ph type="body" idx="1"/>
+          </p:nvPr>
+        </p:nvSpPr>
+        <p:spPr/>
+        <p:txBody>
+          <a:bodyPr/>
+          <a:lstStyle/>
+          <a:p>
+            <a:endParaRPr lang="en-NZ" dirty="0"/>
+          </a:p>
+        </p:txBody>
+      </p:sp>
+    </p:spTree>
+    <p:extLst>
+      <p:ext uri="{BB962C8B-B14F-4D97-AF65-F5344CB8AC3E}">
+        <p14:creationId xmlns:p14="http://schemas.microsoft.com/office/powerpoint/2010/main" val="1316598222"/>
+      </p:ext>
+    </p:extLst>
+  </p:cSld>
+  <p:clrMapOvr>
+    <a:masterClrMapping/>
+  </p:clrMapOvr>
+</p:notes>
+</file>
+
+<file path=ppt/notesSlides/notesSlide11.xml><?xml version="1.0" encoding="utf-8"?>
+<p:notes xmlns:a="http://schemas.openxmlformats.org/drawingml/2006/main" xmlns:r="http://schemas.openxmlformats.org/officeDocument/2006/relationships" xmlns:p="http://schemas.openxmlformats.org/presentationml/2006/main">
+  <p:cSld>
+    <p:spTree>
+      <p:nvGrpSpPr>
+        <p:cNvPr id="1" name=""/>
+        <p:cNvGrpSpPr/>
+        <p:nvPr/>
+      </p:nvGrpSpPr>
+      <p:grpSpPr>
+        <a:xfrm>
+          <a:off x="0" y="0"/>
+          <a:ext cx="0" cy="0"/>
+          <a:chOff x="0" y="0"/>
+          <a:chExt cx="0" cy="0"/>
+        </a:xfrm>
+      </p:grpSpPr>
+      <p:sp>
+        <p:nvSpPr>
+          <p:cNvPr id="2" name="Slide Image Placeholder 1"/>
+          <p:cNvSpPr>
+            <a:spLocks noGrp="1" noRot="1" noChangeAspect="1"/>
+          </p:cNvSpPr>
+          <p:nvPr>
+            <p:ph type="sldImg"/>
+          </p:nvPr>
+        </p:nvSpPr>
+        <p:spPr/>
+      </p:sp>
+      <p:sp>
+        <p:nvSpPr>
+          <p:cNvPr id="3" name="Notes Placeholder 2"/>
+          <p:cNvSpPr>
+            <a:spLocks noGrp="1"/>
+          </p:cNvSpPr>
+          <p:nvPr>
+            <p:ph type="body" idx="1"/>
+          </p:nvPr>
+        </p:nvSpPr>
+        <p:spPr/>
+        <p:txBody>
+          <a:bodyPr/>
+          <a:lstStyle/>
+          <a:p>
+            <a:endParaRPr lang="en-NZ"/>
+          </a:p>
+        </p:txBody>
+      </p:sp>
+    </p:spTree>
+    <p:extLst>
+      <p:ext uri="{BB962C8B-B14F-4D97-AF65-F5344CB8AC3E}">
+        <p14:creationId xmlns:p14="http://schemas.microsoft.com/office/powerpoint/2010/main" val="3621935492"/>
+      </p:ext>
+    </p:extLst>
+  </p:cSld>
+  <p:clrMapOvr>
+    <a:masterClrMapping/>
+  </p:clrMapOvr>
+</p:notes>
+</file>
+
 <file path=ppt/notesSlides/notesSlide2.xml><?xml version="1.0" encoding="utf-8"?>
 <p:notes xmlns:a="http://schemas.openxmlformats.org/drawingml/2006/main" xmlns:r="http://schemas.openxmlformats.org/officeDocument/2006/relationships" xmlns:p="http://schemas.openxmlformats.org/presentationml/2006/main">
   <p:cSld>
@@ -1855,6 +1977,84 @@
           <a:bodyPr/>
           <a:lstStyle/>
           <a:p>
+            <a:r>
+              <a:rPr lang="en-AU" dirty="0" smtClean="0"/>
+              <a:t>Hub – has sections, helps do things.</a:t>
+            </a:r>
+          </a:p>
+          <a:p>
+            <a:endParaRPr lang="en-AU" dirty="0" smtClean="0"/>
+          </a:p>
+          <a:p>
+            <a:r>
+              <a:rPr lang="en-AU" dirty="0" err="1" smtClean="0"/>
+              <a:t>Searchbox</a:t>
+            </a:r>
+            <a:endParaRPr lang="en-AU" dirty="0" smtClean="0"/>
+          </a:p>
+          <a:p>
+            <a:r>
+              <a:rPr lang="en-AU" baseline="0" dirty="0" smtClean="0"/>
+              <a:t>-   Because the search charm is dead!</a:t>
+            </a:r>
+            <a:endParaRPr lang="en-AU" dirty="0" smtClean="0"/>
+          </a:p>
+          <a:p>
+            <a:pPr marL="171450" indent="-171450">
+              <a:buFontTx/>
+              <a:buChar char="-"/>
+            </a:pPr>
+            <a:r>
+              <a:rPr lang="en-AU" dirty="0" err="1" smtClean="0"/>
+              <a:t>onquerychanged</a:t>
+            </a:r>
+            <a:endParaRPr lang="en-AU" dirty="0" smtClean="0"/>
+          </a:p>
+          <a:p>
+            <a:pPr marL="171450" indent="-171450">
+              <a:buFontTx/>
+              <a:buChar char="-"/>
+            </a:pPr>
+            <a:r>
+              <a:rPr lang="en-AU" dirty="0" err="1" smtClean="0"/>
+              <a:t>onquerysubmitted</a:t>
+            </a:r>
+            <a:endParaRPr lang="en-AU" dirty="0" smtClean="0"/>
+          </a:p>
+          <a:p>
+            <a:pPr marL="171450" indent="-171450">
+              <a:buFontTx/>
+              <a:buChar char="-"/>
+            </a:pPr>
+            <a:r>
+              <a:rPr lang="en-AU" dirty="0" err="1" smtClean="0"/>
+              <a:t>onreceivingfocusonkeyboardinput</a:t>
+            </a:r>
+            <a:endParaRPr lang="en-AU" dirty="0" smtClean="0"/>
+          </a:p>
+          <a:p>
+            <a:pPr marL="171450" indent="-171450">
+              <a:buFontTx/>
+              <a:buChar char="-"/>
+            </a:pPr>
+            <a:r>
+              <a:rPr lang="en-AU" dirty="0" err="1" smtClean="0"/>
+              <a:t>onresultsuggestionschosen</a:t>
+            </a:r>
+            <a:endParaRPr lang="en-AU" dirty="0" smtClean="0"/>
+          </a:p>
+          <a:p>
+            <a:pPr marL="171450" indent="-171450">
+              <a:buFontTx/>
+              <a:buChar char="-"/>
+            </a:pPr>
+            <a:r>
+              <a:rPr lang="en-AU" dirty="0" err="1" smtClean="0"/>
+              <a:t>onsuggestionsrequested</a:t>
+            </a:r>
+            <a:endParaRPr lang="en-AU" dirty="0" smtClean="0"/>
+          </a:p>
+          <a:p>
             <a:endParaRPr lang="en-NZ" dirty="0"/>
           </a:p>
         </p:txBody>
@@ -1862,7 +2062,7 @@
     </p:spTree>
     <p:extLst>
       <p:ext uri="{BB962C8B-B14F-4D97-AF65-F5344CB8AC3E}">
-        <p14:creationId xmlns:p14="http://schemas.microsoft.com/office/powerpoint/2010/main" val="1579306754"/>
+        <p14:creationId xmlns:p14="http://schemas.microsoft.com/office/powerpoint/2010/main" val="4166213933"/>
       </p:ext>
     </p:extLst>
   </p:cSld>
@@ -1923,7 +2123,7 @@
     </p:spTree>
     <p:extLst>
       <p:ext uri="{BB962C8B-B14F-4D97-AF65-F5344CB8AC3E}">
-        <p14:creationId xmlns:p14="http://schemas.microsoft.com/office/powerpoint/2010/main" val="1316598222"/>
+        <p14:creationId xmlns:p14="http://schemas.microsoft.com/office/powerpoint/2010/main" val="1579306754"/>
       </p:ext>
     </p:extLst>
   </p:cSld>
@@ -2114,7 +2314,7 @@
           <a:p>
             <a:fld id="{27B2882D-2C5B-415E-9E91-4F10E2FB91E8}" type="datetime1">
               <a:rPr lang="en-US" smtClean="0"/>
-              <a:t>8/31/2013</a:t>
+              <a:t>9/2/2013</a:t>
             </a:fld>
             <a:endParaRPr lang="en-US"/>
           </a:p>
@@ -2280,7 +2480,7 @@
           <a:p>
             <a:fld id="{3FE0B654-7835-4B8C-B84F-A49FB20243E7}" type="datetime1">
               <a:rPr lang="en-US" smtClean="0"/>
-              <a:t>8/31/2013</a:t>
+              <a:t>9/2/2013</a:t>
             </a:fld>
             <a:endParaRPr lang="en-US"/>
           </a:p>
@@ -2456,7 +2656,7 @@
           <a:p>
             <a:fld id="{DFAA97B9-09AC-437D-ADB2-D66347E88734}" type="datetime1">
               <a:rPr lang="en-US" smtClean="0"/>
-              <a:t>8/31/2013</a:t>
+              <a:t>9/2/2013</a:t>
             </a:fld>
             <a:endParaRPr lang="en-US"/>
           </a:p>
@@ -2622,7 +2822,7 @@
           <a:p>
             <a:fld id="{4693C857-92DD-410A-8C0B-3007C496C0FC}" type="datetime1">
               <a:rPr lang="en-US" smtClean="0"/>
-              <a:t>8/31/2013</a:t>
+              <a:t>9/2/2013</a:t>
             </a:fld>
             <a:endParaRPr lang="en-US"/>
           </a:p>
@@ -2864,7 +3064,7 @@
           <a:p>
             <a:fld id="{3ED1EC2D-51E9-45C0-BBFF-7C45DCB9D6E2}" type="datetime1">
               <a:rPr lang="en-US" smtClean="0"/>
-              <a:t>8/31/2013</a:t>
+              <a:t>9/2/2013</a:t>
             </a:fld>
             <a:endParaRPr lang="en-US"/>
           </a:p>
@@ -3148,7 +3348,7 @@
           <a:p>
             <a:fld id="{72080DC6-5E97-4188-9057-288F7ECA5876}" type="datetime1">
               <a:rPr lang="en-US" smtClean="0"/>
-              <a:t>8/31/2013</a:t>
+              <a:t>9/2/2013</a:t>
             </a:fld>
             <a:endParaRPr lang="en-US"/>
           </a:p>
@@ -3566,7 +3766,7 @@
           <a:p>
             <a:fld id="{F1BE4DCF-1F7E-4739-8487-7FF753A2C6FB}" type="datetime1">
               <a:rPr lang="en-US" smtClean="0"/>
-              <a:t>8/31/2013</a:t>
+              <a:t>9/2/2013</a:t>
             </a:fld>
             <a:endParaRPr lang="en-US"/>
           </a:p>
@@ -3680,7 +3880,7 @@
           <a:p>
             <a:fld id="{DF87845E-2D21-4665-BD6E-FD42BAE64A4E}" type="datetime1">
               <a:rPr lang="en-US" smtClean="0"/>
-              <a:t>8/31/2013</a:t>
+              <a:t>9/2/2013</a:t>
             </a:fld>
             <a:endParaRPr lang="en-US"/>
           </a:p>
@@ -3771,7 +3971,7 @@
           <a:p>
             <a:fld id="{CAC2D25A-8247-4FE1-AD59-2F9BBEB7005C}" type="datetime1">
               <a:rPr lang="en-US" smtClean="0"/>
-              <a:t>8/31/2013</a:t>
+              <a:t>9/2/2013</a:t>
             </a:fld>
             <a:endParaRPr lang="en-US"/>
           </a:p>
@@ -4044,7 +4244,7 @@
           <a:p>
             <a:fld id="{8E239F14-F4AB-46AA-9314-BE83D40BE308}" type="datetime1">
               <a:rPr lang="en-US" smtClean="0"/>
-              <a:t>8/31/2013</a:t>
+              <a:t>9/2/2013</a:t>
             </a:fld>
             <a:endParaRPr lang="en-US"/>
           </a:p>
@@ -4293,7 +4493,7 @@
           <a:p>
             <a:fld id="{35B379C5-8BBA-4AE4-86E1-BE81FA04CC86}" type="datetime1">
               <a:rPr lang="en-US" smtClean="0"/>
-              <a:t>8/31/2013</a:t>
+              <a:t>9/2/2013</a:t>
             </a:fld>
             <a:endParaRPr lang="en-US"/>
           </a:p>
@@ -4502,7 +4702,7 @@
           <a:p>
             <a:fld id="{D0CCED58-6F3F-4589-BCCA-6C233D41C43B}" type="datetime1">
               <a:rPr lang="en-US" smtClean="0"/>
-              <a:t>8/31/2013</a:t>
+              <a:t>9/2/2013</a:t>
             </a:fld>
             <a:endParaRPr lang="en-US"/>
           </a:p>
@@ -5381,20 +5581,7 @@
                 <a:latin typeface="Segoe UI Semilight" panose="020B0402040204020203" pitchFamily="34" charset="0"/>
                 <a:cs typeface="Segoe UI Semilight" panose="020B0402040204020203" pitchFamily="34" charset="0"/>
               </a:rPr>
-              <a:t>WHAT’S NEW FOR </a:t>
-            </a:r>
-            <a:r>
-              <a:rPr lang="en-NZ" sz="1600" dirty="0" smtClean="0">
-                <a:solidFill>
-                  <a:schemeClr val="tx1">
-                    <a:lumMod val="50000"/>
-                    <a:lumOff val="50000"/>
-                  </a:schemeClr>
-                </a:solidFill>
-                <a:latin typeface="Segoe UI Semilight" panose="020B0402040204020203" pitchFamily="34" charset="0"/>
-                <a:cs typeface="Segoe UI Semilight" panose="020B0402040204020203" pitchFamily="34" charset="0"/>
-              </a:rPr>
-              <a:t>XAML DEVELOPERS</a:t>
+              <a:t>WHAT’S NEW FOR XAML DEVELOPERS</a:t>
             </a:r>
             <a:endParaRPr lang="en-NZ" sz="1600" dirty="0">
               <a:solidFill>
@@ -5497,7 +5684,7 @@
           <p:nvPr/>
         </p:nvPicPr>
         <p:blipFill>
-          <a:blip r:embed="rId2">
+          <a:blip r:embed="rId3">
             <a:extLst>
               <a:ext uri="{28A0092B-C50C-407E-A947-70E740481C1C}">
                 <a14:useLocalDpi xmlns:a14="http://schemas.microsoft.com/office/drawing/2010/main" val="0"/>
@@ -5569,14 +5756,14 @@
       </p:sp>
       <p:sp>
         <p:nvSpPr>
-          <p:cNvPr id="2" name="TextBox 1"/>
+          <p:cNvPr id="5" name="TextBox 4"/>
           <p:cNvSpPr txBox="1"/>
           <p:nvPr/>
         </p:nvSpPr>
         <p:spPr>
           <a:xfrm>
-            <a:off x="612512" y="1752600"/>
-            <a:ext cx="1072409" cy="461665"/>
+            <a:off x="612512" y="1771471"/>
+            <a:ext cx="2736262" cy="3416320"/>
           </a:xfrm>
           <a:prstGeom prst="rect">
             <a:avLst/>
@@ -5594,15 +5781,148 @@
               <a:buChar char="•"/>
             </a:pPr>
             <a:r>
-              <a:rPr lang="en-NZ" sz="2400" dirty="0" smtClean="0">
+              <a:rPr lang="en-NZ" sz="2400" smtClean="0">
                 <a:solidFill>
                   <a:srgbClr val="3A537B"/>
                 </a:solidFill>
                 <a:latin typeface="Segoe UI Semilight" panose="020B0402040204020203" pitchFamily="34" charset="0"/>
                 <a:cs typeface="Segoe UI Semilight" panose="020B0402040204020203" pitchFamily="34" charset="0"/>
               </a:rPr>
-              <a:t>Stuff</a:t>
-            </a:r>
+              <a:t>Hub Control</a:t>
+            </a:r>
+          </a:p>
+          <a:p>
+            <a:pPr marL="742950" lvl="1" indent="-285750">
+              <a:buFont typeface="Arial" panose="020B0604020202020204" pitchFamily="34" charset="0"/>
+              <a:buChar char="•"/>
+            </a:pPr>
+            <a:endParaRPr lang="en-NZ" sz="2400" smtClean="0">
+              <a:solidFill>
+                <a:srgbClr val="3A537B"/>
+              </a:solidFill>
+              <a:latin typeface="Segoe UI Semilight" panose="020B0402040204020203" pitchFamily="34" charset="0"/>
+              <a:cs typeface="Segoe UI Semilight" panose="020B0402040204020203" pitchFamily="34" charset="0"/>
+            </a:endParaRPr>
+          </a:p>
+          <a:p>
+            <a:pPr marL="285750" indent="-285750">
+              <a:buFont typeface="Arial" panose="020B0604020202020204" pitchFamily="34" charset="0"/>
+              <a:buChar char="•"/>
+            </a:pPr>
+            <a:r>
+              <a:rPr lang="en-NZ" sz="2400" smtClean="0">
+                <a:solidFill>
+                  <a:srgbClr val="3A537B"/>
+                </a:solidFill>
+                <a:latin typeface="Segoe UI Semilight" panose="020B0402040204020203" pitchFamily="34" charset="0"/>
+                <a:cs typeface="Segoe UI Semilight" panose="020B0402040204020203" pitchFamily="34" charset="0"/>
+              </a:rPr>
+              <a:t>Search box – </a:t>
+            </a:r>
+            <a:r>
+              <a:rPr lang="en-NZ" smtClean="0">
+                <a:solidFill>
+                  <a:srgbClr val="3A537B"/>
+                </a:solidFill>
+                <a:latin typeface="Segoe UI Semilight" panose="020B0402040204020203" pitchFamily="34" charset="0"/>
+                <a:cs typeface="Segoe UI Semilight" panose="020B0402040204020203" pitchFamily="34" charset="0"/>
+              </a:rPr>
+              <a:t>why?</a:t>
+            </a:r>
+          </a:p>
+          <a:p>
+            <a:pPr marL="285750" indent="-285750">
+              <a:buFont typeface="Arial" panose="020B0604020202020204" pitchFamily="34" charset="0"/>
+              <a:buChar char="•"/>
+            </a:pPr>
+            <a:endParaRPr lang="en-NZ" sz="2400" smtClean="0">
+              <a:solidFill>
+                <a:srgbClr val="3A537B"/>
+              </a:solidFill>
+              <a:latin typeface="Segoe UI Semilight" panose="020B0402040204020203" pitchFamily="34" charset="0"/>
+              <a:cs typeface="Segoe UI Semilight" panose="020B0402040204020203" pitchFamily="34" charset="0"/>
+            </a:endParaRPr>
+          </a:p>
+          <a:p>
+            <a:pPr marL="285750" indent="-285750">
+              <a:buFont typeface="Arial" panose="020B0604020202020204" pitchFamily="34" charset="0"/>
+              <a:buChar char="•"/>
+            </a:pPr>
+            <a:r>
+              <a:rPr lang="en-NZ" sz="2400" smtClean="0">
+                <a:solidFill>
+                  <a:srgbClr val="3A537B"/>
+                </a:solidFill>
+                <a:latin typeface="Segoe UI Semilight" panose="020B0402040204020203" pitchFamily="34" charset="0"/>
+                <a:cs typeface="Segoe UI Semilight" panose="020B0402040204020203" pitchFamily="34" charset="0"/>
+              </a:rPr>
+              <a:t>BackButton</a:t>
+            </a:r>
+          </a:p>
+          <a:p>
+            <a:pPr marL="285750" indent="-285750">
+              <a:buFont typeface="Arial" panose="020B0604020202020204" pitchFamily="34" charset="0"/>
+              <a:buChar char="•"/>
+            </a:pPr>
+            <a:endParaRPr lang="en-NZ" sz="2400" smtClean="0">
+              <a:solidFill>
+                <a:srgbClr val="3A537B"/>
+              </a:solidFill>
+              <a:latin typeface="Segoe UI Semilight" panose="020B0402040204020203" pitchFamily="34" charset="0"/>
+              <a:cs typeface="Segoe UI Semilight" panose="020B0402040204020203" pitchFamily="34" charset="0"/>
+            </a:endParaRPr>
+          </a:p>
+          <a:p>
+            <a:pPr marL="285750" indent="-285750">
+              <a:buFont typeface="Arial" panose="020B0604020202020204" pitchFamily="34" charset="0"/>
+              <a:buChar char="•"/>
+            </a:pPr>
+            <a:r>
+              <a:rPr lang="en-NZ" sz="2400" smtClean="0">
+                <a:solidFill>
+                  <a:srgbClr val="3A537B"/>
+                </a:solidFill>
+                <a:latin typeface="Segoe UI Semilight" panose="020B0402040204020203" pitchFamily="34" charset="0"/>
+                <a:cs typeface="Segoe UI Semilight" panose="020B0402040204020203" pitchFamily="34" charset="0"/>
+              </a:rPr>
+              <a:t>Repeater</a:t>
+            </a:r>
+          </a:p>
+          <a:p>
+            <a:pPr marL="285750" indent="-285750">
+              <a:buFont typeface="Arial" panose="020B0604020202020204" pitchFamily="34" charset="0"/>
+              <a:buChar char="•"/>
+            </a:pPr>
+            <a:endParaRPr lang="en-NZ" sz="2400" smtClean="0">
+              <a:solidFill>
+                <a:srgbClr val="3A537B"/>
+              </a:solidFill>
+              <a:latin typeface="Segoe UI Semilight" panose="020B0402040204020203" pitchFamily="34" charset="0"/>
+              <a:cs typeface="Segoe UI Semilight" panose="020B0402040204020203" pitchFamily="34" charset="0"/>
+            </a:endParaRPr>
+          </a:p>
+          <a:p>
+            <a:pPr marL="285750" indent="-285750">
+              <a:buFont typeface="Arial" panose="020B0604020202020204" pitchFamily="34" charset="0"/>
+              <a:buChar char="•"/>
+            </a:pPr>
+            <a:r>
+              <a:rPr lang="en-NZ" sz="2400" smtClean="0">
+                <a:solidFill>
+                  <a:srgbClr val="3A537B"/>
+                </a:solidFill>
+                <a:latin typeface="Segoe UI Semilight" panose="020B0402040204020203" pitchFamily="34" charset="0"/>
+                <a:cs typeface="Segoe UI Semilight" panose="020B0402040204020203" pitchFamily="34" charset="0"/>
+              </a:rPr>
+              <a:t>Navbar</a:t>
+            </a:r>
+            <a:endParaRPr lang="en-NZ" sz="2400" dirty="0" smtClean="0">
+              <a:solidFill>
+                <a:srgbClr val="3A537B"/>
+              </a:solidFill>
+              <a:latin typeface="Segoe UI Semilight" panose="020B0402040204020203" pitchFamily="34" charset="0"/>
+              <a:cs typeface="Segoe UI Semilight" panose="020B0402040204020203" pitchFamily="34" charset="0"/>
+            </a:endParaRPr>
           </a:p>
         </p:txBody>
       </p:sp>
@@ -5707,20 +6027,7 @@
                 <a:latin typeface="Segoe UI Semilight" panose="020B0402040204020203" pitchFamily="34" charset="0"/>
                 <a:cs typeface="Segoe UI Semilight" panose="020B0402040204020203" pitchFamily="34" charset="0"/>
               </a:rPr>
-              <a:t>WHAT’S NEW FOR </a:t>
-            </a:r>
-            <a:r>
-              <a:rPr lang="en-NZ" sz="1600" dirty="0" smtClean="0">
-                <a:solidFill>
-                  <a:schemeClr val="tx1">
-                    <a:lumMod val="50000"/>
-                    <a:lumOff val="50000"/>
-                  </a:schemeClr>
-                </a:solidFill>
-                <a:latin typeface="Segoe UI Semilight" panose="020B0402040204020203" pitchFamily="34" charset="0"/>
-                <a:cs typeface="Segoe UI Semilight" panose="020B0402040204020203" pitchFamily="34" charset="0"/>
-              </a:rPr>
-              <a:t>WINJS DEVELOPERS</a:t>
+              <a:t>WHAT’S NEW FOR WINJS DEVELOPERS</a:t>
             </a:r>
             <a:endParaRPr lang="en-NZ" sz="1600" dirty="0">
               <a:solidFill>
@@ -5981,7 +6288,7 @@
           <p:nvPr/>
         </p:nvPicPr>
         <p:blipFill>
-          <a:blip r:embed="rId2">
+          <a:blip r:embed="rId3">
             <a:extLst>
               <a:ext uri="{28A0092B-C50C-407E-A947-70E740481C1C}">
                 <a14:useLocalDpi xmlns:a14="http://schemas.microsoft.com/office/drawing/2010/main" val="0"/>
@@ -6372,6 +6679,141 @@
           </a:p>
         </p:txBody>
       </p:sp>
+      <p:pic>
+        <p:nvPicPr>
+          <p:cNvPr id="7" name="Picture 6"/>
+          <p:cNvPicPr>
+            <a:picLocks noChangeAspect="1"/>
+          </p:cNvPicPr>
+          <p:nvPr/>
+        </p:nvPicPr>
+        <p:blipFill>
+          <a:blip r:embed="rId4">
+            <a:extLst>
+              <a:ext uri="{28A0092B-C50C-407E-A947-70E740481C1C}">
+                <a14:useLocalDpi xmlns:a14="http://schemas.microsoft.com/office/drawing/2010/main" val="0"/>
+              </a:ext>
+            </a:extLst>
+          </a:blip>
+          <a:stretch>
+            <a:fillRect/>
+          </a:stretch>
+        </p:blipFill>
+        <p:spPr>
+          <a:xfrm>
+            <a:off x="838200" y="3961312"/>
+            <a:ext cx="1904999" cy="1904999"/>
+          </a:xfrm>
+          <a:prstGeom prst="ellipse">
+            <a:avLst/>
+          </a:prstGeom>
+          <a:ln w="63500" cap="rnd">
+            <a:noFill/>
+          </a:ln>
+          <a:effectLst/>
+          <a:scene3d>
+            <a:camera prst="orthographicFront"/>
+            <a:lightRig rig="contrasting" dir="t">
+              <a:rot lat="0" lon="0" rev="0"/>
+            </a:lightRig>
+          </a:scene3d>
+          <a:sp3d>
+            <a:contourClr>
+              <a:srgbClr val="333333"/>
+            </a:contourClr>
+          </a:sp3d>
+        </p:spPr>
+      </p:pic>
+      <p:sp>
+        <p:nvSpPr>
+          <p:cNvPr id="8" name="TextBox 7"/>
+          <p:cNvSpPr txBox="1"/>
+          <p:nvPr/>
+        </p:nvSpPr>
+        <p:spPr>
+          <a:xfrm>
+            <a:off x="3200400" y="4313646"/>
+            <a:ext cx="2737224" cy="1200329"/>
+          </a:xfrm>
+          <a:prstGeom prst="rect">
+            <a:avLst/>
+          </a:prstGeom>
+          <a:noFill/>
+        </p:spPr>
+        <p:txBody>
+          <a:bodyPr wrap="none" rtlCol="0">
+            <a:spAutoFit/>
+          </a:bodyPr>
+          <a:lstStyle/>
+          <a:p>
+            <a:r>
+              <a:rPr lang="en-NZ" sz="2400" dirty="0" smtClean="0">
+                <a:solidFill>
+                  <a:srgbClr val="3A537B"/>
+                </a:solidFill>
+                <a:latin typeface="Segoe UI Semilight" panose="020B0402040204020203" pitchFamily="34" charset="0"/>
+                <a:cs typeface="Segoe UI Semilight" panose="020B0402040204020203" pitchFamily="34" charset="0"/>
+              </a:rPr>
+              <a:t>@</a:t>
+            </a:r>
+            <a:r>
+              <a:rPr lang="en-NZ" sz="2400" dirty="0" err="1" smtClean="0">
+                <a:solidFill>
+                  <a:srgbClr val="3A537B"/>
+                </a:solidFill>
+                <a:latin typeface="Segoe UI Semilight" panose="020B0402040204020203" pitchFamily="34" charset="0"/>
+                <a:cs typeface="Segoe UI Semilight" panose="020B0402040204020203" pitchFamily="34" charset="0"/>
+              </a:rPr>
+              <a:t>dkarzon</a:t>
+            </a:r>
+            <a:r>
+              <a:rPr lang="en-NZ" sz="2400" dirty="0" smtClean="0">
+                <a:solidFill>
+                  <a:srgbClr val="3A537B"/>
+                </a:solidFill>
+                <a:latin typeface="Segoe UI Semilight" panose="020B0402040204020203" pitchFamily="34" charset="0"/>
+                <a:cs typeface="Segoe UI Semilight" panose="020B0402040204020203" pitchFamily="34" charset="0"/>
+              </a:rPr>
+              <a:t/>
+            </a:r>
+            <a:br>
+              <a:rPr lang="en-NZ" sz="2400" dirty="0" smtClean="0">
+                <a:solidFill>
+                  <a:srgbClr val="3A537B"/>
+                </a:solidFill>
+                <a:latin typeface="Segoe UI Semilight" panose="020B0402040204020203" pitchFamily="34" charset="0"/>
+                <a:cs typeface="Segoe UI Semilight" panose="020B0402040204020203" pitchFamily="34" charset="0"/>
+              </a:rPr>
+            </a:br>
+            <a:endParaRPr lang="en-NZ" sz="2400" dirty="0" smtClean="0">
+              <a:solidFill>
+                <a:srgbClr val="3A537B"/>
+              </a:solidFill>
+              <a:latin typeface="Segoe UI Semilight" panose="020B0402040204020203" pitchFamily="34" charset="0"/>
+              <a:cs typeface="Segoe UI Semilight" panose="020B0402040204020203" pitchFamily="34" charset="0"/>
+            </a:endParaRPr>
+          </a:p>
+          <a:p>
+            <a:r>
+              <a:rPr lang="en-NZ" sz="2400" dirty="0" smtClean="0">
+                <a:solidFill>
+                  <a:srgbClr val="3A537B"/>
+                </a:solidFill>
+                <a:latin typeface="Segoe UI Semilight" panose="020B0402040204020203" pitchFamily="34" charset="0"/>
+                <a:cs typeface="Segoe UI Semilight" panose="020B0402040204020203" pitchFamily="34" charset="0"/>
+              </a:rPr>
+              <a:t>dkdevelopment.net</a:t>
+            </a:r>
+            <a:endParaRPr lang="en-US" sz="2400" dirty="0">
+              <a:solidFill>
+                <a:srgbClr val="3A537B"/>
+              </a:solidFill>
+              <a:latin typeface="Segoe UI Semilight" panose="020B0402040204020203" pitchFamily="34" charset="0"/>
+              <a:cs typeface="Segoe UI Semilight" panose="020B0402040204020203" pitchFamily="34" charset="0"/>
+            </a:endParaRPr>
+          </a:p>
+        </p:txBody>
+      </p:sp>
     </p:spTree>
     <p:extLst>
       <p:ext uri="{BB962C8B-B14F-4D97-AF65-F5344CB8AC3E}">
@@ -6897,17 +7339,7 @@
                 <a:latin typeface="Segoe UI Semilight" panose="020B0402040204020203" pitchFamily="34" charset="0"/>
                 <a:cs typeface="Segoe UI Semilight" panose="020B0402040204020203" pitchFamily="34" charset="0"/>
               </a:rPr>
-              <a:t>Search </a:t>
-            </a:r>
-            <a:r>
-              <a:rPr lang="en-NZ" sz="2400" dirty="0" smtClean="0">
-                <a:solidFill>
-                  <a:srgbClr val="3A537B"/>
-                </a:solidFill>
-                <a:latin typeface="Segoe UI Semilight" panose="020B0402040204020203" pitchFamily="34" charset="0"/>
-                <a:cs typeface="Segoe UI Semilight" panose="020B0402040204020203" pitchFamily="34" charset="0"/>
-              </a:rPr>
-              <a:t>Changes</a:t>
+              <a:t>Search Changes</a:t>
             </a:r>
           </a:p>
           <a:p>
@@ -6925,13 +7357,6 @@
               </a:rPr>
               <a:t>Sync</a:t>
             </a:r>
-            <a:endParaRPr lang="en-NZ" sz="2400" dirty="0" smtClean="0">
-              <a:solidFill>
-                <a:srgbClr val="3A537B"/>
-              </a:solidFill>
-              <a:latin typeface="Segoe UI Semilight" panose="020B0402040204020203" pitchFamily="34" charset="0"/>
-              <a:cs typeface="Segoe UI Semilight" panose="020B0402040204020203" pitchFamily="34" charset="0"/>
-            </a:endParaRPr>
           </a:p>
           <a:p>
             <a:pPr marL="285750" indent="-285750">
@@ -9410,21 +9835,6 @@
 </file>
 
 <file path=customXml/item1.xml><?xml version="1.0" encoding="utf-8"?>
-<p:properties xmlns:p="http://schemas.microsoft.com/office/2006/metadata/properties" xmlns:xsi="http://www.w3.org/2001/XMLSchema-instance">
-  <documentManagement/>
-</p:properties>
-</file>
-
-<file path=customXml/item2.xml><?xml version="1.0" encoding="utf-8"?>
-<?mso-contentType ?>
-<FormTemplates xmlns="http://schemas.microsoft.com/sharepoint/v3/contenttype/forms">
-  <Display>DocumentLibraryForm</Display>
-  <Edit>DocumentLibraryForm</Edit>
-  <New>DocumentLibraryForm</New>
-</FormTemplates>
-</file>
-
-<file path=customXml/item3.xml><?xml version="1.0" encoding="utf-8"?>
 <ct:contentTypeSchema xmlns:ct="http://schemas.microsoft.com/office/2006/metadata/contentType" xmlns:ma="http://schemas.microsoft.com/office/2006/metadata/properties/metaAttributes" ct:_="" ma:_="" ma:contentTypeName="Document" ma:contentTypeID="0x0101004DF6D0871B95904AABD22536D8AC85C8" ma:contentTypeVersion="0" ma:contentTypeDescription="Create a new document." ma:contentTypeScope="" ma:versionID="49efcf3338630220492e4247eaca93e8">
   <xsd:schema xmlns:xsd="http://www.w3.org/2001/XMLSchema" xmlns:p="http://schemas.microsoft.com/office/2006/metadata/properties" targetNamespace="http://schemas.microsoft.com/office/2006/metadata/properties" ma:root="true" ma:fieldsID="4aeb20c0e3442673af7ee10786458764">
     <xsd:element name="properties">
@@ -9473,10 +9883,32 @@
 </ct:contentTypeSchema>
 </file>
 
+<file path=customXml/item2.xml><?xml version="1.0" encoding="utf-8"?>
+<?mso-contentType ?>
+<FormTemplates xmlns="http://schemas.microsoft.com/sharepoint/v3/contenttype/forms">
+  <Display>DocumentLibraryForm</Display>
+  <Edit>DocumentLibraryForm</Edit>
+  <New>DocumentLibraryForm</New>
+</FormTemplates>
+</file>
+
+<file path=customXml/item3.xml><?xml version="1.0" encoding="utf-8"?>
+<p:properties xmlns:p="http://schemas.microsoft.com/office/2006/metadata/properties" xmlns:xsi="http://www.w3.org/2001/XMLSchema-instance">
+  <documentManagement/>
+</p:properties>
+</file>
+
 <file path=customXml/itemProps1.xml><?xml version="1.0" encoding="utf-8"?>
-<ds:datastoreItem xmlns:ds="http://schemas.openxmlformats.org/officeDocument/2006/customXml" ds:itemID="{AEBD4C7A-EE81-430E-8E48-8F597B2AAF83}">
+<ds:datastoreItem xmlns:ds="http://schemas.openxmlformats.org/officeDocument/2006/customXml" ds:itemID="{7E1D9E91-416C-4888-A8AA-BE42FEF97FEF}">
   <ds:schemaRefs>
+    <ds:schemaRef ds:uri="http://schemas.microsoft.com/office/2006/metadata/contentType"/>
+    <ds:schemaRef ds:uri="http://schemas.microsoft.com/office/2006/metadata/properties/metaAttributes"/>
+    <ds:schemaRef ds:uri="http://www.w3.org/2001/XMLSchema"/>
     <ds:schemaRef ds:uri="http://schemas.microsoft.com/office/2006/metadata/properties"/>
+    <ds:schemaRef ds:uri="http://schemas.openxmlformats.org/package/2006/metadata/core-properties"/>
+    <ds:schemaRef ds:uri="http://purl.org/dc/elements/1.1/"/>
+    <ds:schemaRef ds:uri="http://purl.org/dc/terms/"/>
+    <ds:schemaRef ds:uri="http://schemas.microsoft.com/office/internal/2005/internalDocumentation"/>
   </ds:schemaRefs>
 </ds:datastoreItem>
 </file>
@@ -9490,16 +9922,9 @@
 </file>
 
 <file path=customXml/itemProps3.xml><?xml version="1.0" encoding="utf-8"?>
-<ds:datastoreItem xmlns:ds="http://schemas.openxmlformats.org/officeDocument/2006/customXml" ds:itemID="{7E1D9E91-416C-4888-A8AA-BE42FEF97FEF}">
+<ds:datastoreItem xmlns:ds="http://schemas.openxmlformats.org/officeDocument/2006/customXml" ds:itemID="{AEBD4C7A-EE81-430E-8E48-8F597B2AAF83}">
   <ds:schemaRefs>
-    <ds:schemaRef ds:uri="http://schemas.microsoft.com/office/2006/metadata/contentType"/>
-    <ds:schemaRef ds:uri="http://schemas.microsoft.com/office/2006/metadata/properties/metaAttributes"/>
-    <ds:schemaRef ds:uri="http://www.w3.org/2001/XMLSchema"/>
     <ds:schemaRef ds:uri="http://schemas.microsoft.com/office/2006/metadata/properties"/>
-    <ds:schemaRef ds:uri="http://schemas.openxmlformats.org/package/2006/metadata/core-properties"/>
-    <ds:schemaRef ds:uri="http://purl.org/dc/elements/1.1/"/>
-    <ds:schemaRef ds:uri="http://purl.org/dc/terms/"/>
-    <ds:schemaRef ds:uri="http://schemas.microsoft.com/office/internal/2005/internalDocumentation"/>
   </ds:schemaRefs>
 </ds:datastoreItem>
 </file>
--- a/WhatsNewInWindows81/WhatsNewInWindows81.pptx
+++ b/WhatsNewInWindows81/WhatsNewInWindows81.pptx
@@ -1909,6 +1909,37 @@
               <a:buFontTx/>
               <a:buChar char="-"/>
             </a:pPr>
+            <a:endParaRPr lang="en-NZ" baseline="0" dirty="0" smtClean="0"/>
+          </a:p>
+          <a:p>
+            <a:pPr marL="0" indent="0">
+              <a:buFontTx/>
+              <a:buNone/>
+            </a:pPr>
+            <a:r>
+              <a:rPr lang="en-NZ" baseline="0" dirty="0" smtClean="0"/>
+              <a:t>Blend for Visual Studio</a:t>
+            </a:r>
+          </a:p>
+          <a:p>
+            <a:pPr marL="171450" indent="-171450">
+              <a:buFontTx/>
+              <a:buChar char="-"/>
+            </a:pPr>
+            <a:r>
+              <a:rPr lang="en-NZ" baseline="0" dirty="0" smtClean="0"/>
+              <a:t>Rulers and Guides</a:t>
+            </a:r>
+          </a:p>
+          <a:p>
+            <a:pPr marL="171450" indent="-171450">
+              <a:buFontTx/>
+              <a:buChar char="-"/>
+            </a:pPr>
+            <a:r>
+              <a:rPr lang="en-NZ" baseline="0" smtClean="0"/>
+              <a:t>Design Data</a:t>
+            </a:r>
             <a:endParaRPr lang="en-NZ" baseline="0" dirty="0" smtClean="0"/>
           </a:p>
           <a:p>
@@ -9835,6 +9866,21 @@
 </file>
 
 <file path=customXml/item1.xml><?xml version="1.0" encoding="utf-8"?>
+<p:properties xmlns:p="http://schemas.microsoft.com/office/2006/metadata/properties" xmlns:xsi="http://www.w3.org/2001/XMLSchema-instance">
+  <documentManagement/>
+</p:properties>
+</file>
+
+<file path=customXml/item2.xml><?xml version="1.0" encoding="utf-8"?>
+<?mso-contentType ?>
+<FormTemplates xmlns="http://schemas.microsoft.com/sharepoint/v3/contenttype/forms">
+  <Display>DocumentLibraryForm</Display>
+  <Edit>DocumentLibraryForm</Edit>
+  <New>DocumentLibraryForm</New>
+</FormTemplates>
+</file>
+
+<file path=customXml/item3.xml><?xml version="1.0" encoding="utf-8"?>
 <ct:contentTypeSchema xmlns:ct="http://schemas.microsoft.com/office/2006/metadata/contentType" xmlns:ma="http://schemas.microsoft.com/office/2006/metadata/properties/metaAttributes" ct:_="" ma:_="" ma:contentTypeName="Document" ma:contentTypeID="0x0101004DF6D0871B95904AABD22536D8AC85C8" ma:contentTypeVersion="0" ma:contentTypeDescription="Create a new document." ma:contentTypeScope="" ma:versionID="49efcf3338630220492e4247eaca93e8">
   <xsd:schema xmlns:xsd="http://www.w3.org/2001/XMLSchema" xmlns:p="http://schemas.microsoft.com/office/2006/metadata/properties" targetNamespace="http://schemas.microsoft.com/office/2006/metadata/properties" ma:root="true" ma:fieldsID="4aeb20c0e3442673af7ee10786458764">
     <xsd:element name="properties">
@@ -9883,32 +9929,10 @@
 </ct:contentTypeSchema>
 </file>
 
-<file path=customXml/item2.xml><?xml version="1.0" encoding="utf-8"?>
-<?mso-contentType ?>
-<FormTemplates xmlns="http://schemas.microsoft.com/sharepoint/v3/contenttype/forms">
-  <Display>DocumentLibraryForm</Display>
-  <Edit>DocumentLibraryForm</Edit>
-  <New>DocumentLibraryForm</New>
-</FormTemplates>
-</file>
-
-<file path=customXml/item3.xml><?xml version="1.0" encoding="utf-8"?>
-<p:properties xmlns:p="http://schemas.microsoft.com/office/2006/metadata/properties" xmlns:xsi="http://www.w3.org/2001/XMLSchema-instance">
-  <documentManagement/>
-</p:properties>
-</file>
-
 <file path=customXml/itemProps1.xml><?xml version="1.0" encoding="utf-8"?>
-<ds:datastoreItem xmlns:ds="http://schemas.openxmlformats.org/officeDocument/2006/customXml" ds:itemID="{7E1D9E91-416C-4888-A8AA-BE42FEF97FEF}">
+<ds:datastoreItem xmlns:ds="http://schemas.openxmlformats.org/officeDocument/2006/customXml" ds:itemID="{AEBD4C7A-EE81-430E-8E48-8F597B2AAF83}">
   <ds:schemaRefs>
-    <ds:schemaRef ds:uri="http://schemas.microsoft.com/office/2006/metadata/contentType"/>
-    <ds:schemaRef ds:uri="http://schemas.microsoft.com/office/2006/metadata/properties/metaAttributes"/>
-    <ds:schemaRef ds:uri="http://www.w3.org/2001/XMLSchema"/>
     <ds:schemaRef ds:uri="http://schemas.microsoft.com/office/2006/metadata/properties"/>
-    <ds:schemaRef ds:uri="http://schemas.openxmlformats.org/package/2006/metadata/core-properties"/>
-    <ds:schemaRef ds:uri="http://purl.org/dc/elements/1.1/"/>
-    <ds:schemaRef ds:uri="http://purl.org/dc/terms/"/>
-    <ds:schemaRef ds:uri="http://schemas.microsoft.com/office/internal/2005/internalDocumentation"/>
   </ds:schemaRefs>
 </ds:datastoreItem>
 </file>
@@ -9922,9 +9946,16 @@
 </file>
 
 <file path=customXml/itemProps3.xml><?xml version="1.0" encoding="utf-8"?>
-<ds:datastoreItem xmlns:ds="http://schemas.openxmlformats.org/officeDocument/2006/customXml" ds:itemID="{AEBD4C7A-EE81-430E-8E48-8F597B2AAF83}">
+<ds:datastoreItem xmlns:ds="http://schemas.openxmlformats.org/officeDocument/2006/customXml" ds:itemID="{7E1D9E91-416C-4888-A8AA-BE42FEF97FEF}">
   <ds:schemaRefs>
+    <ds:schemaRef ds:uri="http://schemas.microsoft.com/office/2006/metadata/contentType"/>
+    <ds:schemaRef ds:uri="http://schemas.microsoft.com/office/2006/metadata/properties/metaAttributes"/>
+    <ds:schemaRef ds:uri="http://www.w3.org/2001/XMLSchema"/>
     <ds:schemaRef ds:uri="http://schemas.microsoft.com/office/2006/metadata/properties"/>
+    <ds:schemaRef ds:uri="http://schemas.openxmlformats.org/package/2006/metadata/core-properties"/>
+    <ds:schemaRef ds:uri="http://purl.org/dc/elements/1.1/"/>
+    <ds:schemaRef ds:uri="http://purl.org/dc/terms/"/>
+    <ds:schemaRef ds:uri="http://schemas.microsoft.com/office/internal/2005/internalDocumentation"/>
   </ds:schemaRefs>
 </ds:datastoreItem>
 </file>
--- a/WhatsNewInWindows81/WhatsNewInWindows81.pptx
+++ b/WhatsNewInWindows81/WhatsNewInWindows81.pptx
@@ -5,10 +5,10 @@
     <p:sldMasterId id="2147483648" r:id="rId4"/>
   </p:sldMasterIdLst>
   <p:notesMasterIdLst>
-    <p:notesMasterId r:id="rId20"/>
+    <p:notesMasterId r:id="rId21"/>
   </p:notesMasterIdLst>
   <p:handoutMasterIdLst>
-    <p:handoutMasterId r:id="rId21"/>
+    <p:handoutMasterId r:id="rId22"/>
   </p:handoutMasterIdLst>
   <p:sldIdLst>
     <p:sldId id="256" r:id="rId5"/>
@@ -24,8 +24,9 @@
     <p:sldId id="265" r:id="rId15"/>
     <p:sldId id="270" r:id="rId16"/>
     <p:sldId id="271" r:id="rId17"/>
-    <p:sldId id="272" r:id="rId18"/>
-    <p:sldId id="257" r:id="rId19"/>
+    <p:sldId id="274" r:id="rId18"/>
+    <p:sldId id="272" r:id="rId19"/>
+    <p:sldId id="257" r:id="rId20"/>
   </p:sldIdLst>
   <p:sldSz cx="9144000" cy="6858000" type="screen4x3"/>
   <p:notesSz cx="7099300" cy="10234613"/>
@@ -746,6 +747,15 @@
           <a:p>
             <a:r>
               <a:rPr lang="en-NZ" dirty="0" smtClean="0"/>
+              <a:t>Demo Search</a:t>
+            </a:r>
+          </a:p>
+          <a:p>
+            <a:endParaRPr lang="en-NZ" dirty="0" smtClean="0"/>
+          </a:p>
+          <a:p>
+            <a:r>
+              <a:rPr lang="en-NZ" dirty="0" smtClean="0"/>
               <a:t>Search</a:t>
             </a:r>
             <a:r>
@@ -850,6 +860,67 @@
     </p:spTree>
     <p:extLst>
       <p:ext uri="{BB962C8B-B14F-4D97-AF65-F5344CB8AC3E}">
+        <p14:creationId xmlns:p14="http://schemas.microsoft.com/office/powerpoint/2010/main" val="4019793681"/>
+      </p:ext>
+    </p:extLst>
+  </p:cSld>
+  <p:clrMapOvr>
+    <a:masterClrMapping/>
+  </p:clrMapOvr>
+</p:notes>
+</file>
+
+<file path=ppt/notesSlides/notesSlide11.xml><?xml version="1.0" encoding="utf-8"?>
+<p:notes xmlns:a="http://schemas.openxmlformats.org/drawingml/2006/main" xmlns:r="http://schemas.openxmlformats.org/officeDocument/2006/relationships" xmlns:p="http://schemas.openxmlformats.org/presentationml/2006/main">
+  <p:cSld>
+    <p:spTree>
+      <p:nvGrpSpPr>
+        <p:cNvPr id="1" name=""/>
+        <p:cNvGrpSpPr/>
+        <p:nvPr/>
+      </p:nvGrpSpPr>
+      <p:grpSpPr>
+        <a:xfrm>
+          <a:off x="0" y="0"/>
+          <a:ext cx="0" cy="0"/>
+          <a:chOff x="0" y="0"/>
+          <a:chExt cx="0" cy="0"/>
+        </a:xfrm>
+      </p:grpSpPr>
+      <p:sp>
+        <p:nvSpPr>
+          <p:cNvPr id="2" name="Slide Image Placeholder 1"/>
+          <p:cNvSpPr>
+            <a:spLocks noGrp="1" noRot="1" noChangeAspect="1"/>
+          </p:cNvSpPr>
+          <p:nvPr>
+            <p:ph type="sldImg"/>
+          </p:nvPr>
+        </p:nvSpPr>
+        <p:spPr/>
+      </p:sp>
+      <p:sp>
+        <p:nvSpPr>
+          <p:cNvPr id="3" name="Notes Placeholder 2"/>
+          <p:cNvSpPr>
+            <a:spLocks noGrp="1"/>
+          </p:cNvSpPr>
+          <p:nvPr>
+            <p:ph type="body" idx="1"/>
+          </p:nvPr>
+        </p:nvSpPr>
+        <p:spPr/>
+        <p:txBody>
+          <a:bodyPr/>
+          <a:lstStyle/>
+          <a:p>
+            <a:endParaRPr lang="en-NZ" dirty="0"/>
+          </a:p>
+        </p:txBody>
+      </p:sp>
+    </p:spTree>
+    <p:extLst>
+      <p:ext uri="{BB962C8B-B14F-4D97-AF65-F5344CB8AC3E}">
         <p14:creationId xmlns:p14="http://schemas.microsoft.com/office/powerpoint/2010/main" val="1316598222"/>
       </p:ext>
     </p:extLst>
@@ -860,7 +931,7 @@
 </p:notes>
 </file>
 
-<file path=ppt/notesSlides/notesSlide11.xml><?xml version="1.0" encoding="utf-8"?>
+<file path=ppt/notesSlides/notesSlide12.xml><?xml version="1.0" encoding="utf-8"?>
 <p:notes xmlns:a="http://schemas.openxmlformats.org/drawingml/2006/main" xmlns:r="http://schemas.openxmlformats.org/officeDocument/2006/relationships" xmlns:p="http://schemas.openxmlformats.org/presentationml/2006/main">
   <p:cSld>
     <p:spTree>
@@ -6216,6 +6287,511 @@
                 <a:latin typeface="Segoe UI Semilight" panose="020B0402040204020203" pitchFamily="34" charset="0"/>
                 <a:cs typeface="Segoe UI Semilight" panose="020B0402040204020203" pitchFamily="34" charset="0"/>
               </a:rPr>
+              <a:t>RESOURCES</a:t>
+            </a:r>
+            <a:endParaRPr lang="en-NZ" sz="1600" dirty="0">
+              <a:solidFill>
+                <a:schemeClr val="tx1">
+                  <a:lumMod val="50000"/>
+                  <a:lumOff val="50000"/>
+                </a:schemeClr>
+              </a:solidFill>
+              <a:latin typeface="Segoe UI Semilight" panose="020B0402040204020203" pitchFamily="34" charset="0"/>
+              <a:cs typeface="Segoe UI Semilight" panose="020B0402040204020203" pitchFamily="34" charset="0"/>
+            </a:endParaRPr>
+          </a:p>
+        </p:txBody>
+      </p:sp>
+      <p:sp>
+        <p:nvSpPr>
+          <p:cNvPr id="5" name="TextBox 4"/>
+          <p:cNvSpPr txBox="1"/>
+          <p:nvPr/>
+        </p:nvSpPr>
+        <p:spPr>
+          <a:xfrm>
+            <a:off x="612512" y="1771471"/>
+            <a:ext cx="6399252" cy="4031873"/>
+          </a:xfrm>
+          <a:prstGeom prst="rect">
+            <a:avLst/>
+          </a:prstGeom>
+          <a:noFill/>
+        </p:spPr>
+        <p:txBody>
+          <a:bodyPr wrap="none" rtlCol="0">
+            <a:spAutoFit/>
+          </a:bodyPr>
+          <a:lstStyle/>
+          <a:p>
+            <a:pPr marL="285750" indent="-285750">
+              <a:buFont typeface="Arial" panose="020B0604020202020204" pitchFamily="34" charset="0"/>
+              <a:buChar char="•"/>
+            </a:pPr>
+            <a:r>
+              <a:rPr lang="en-NZ" sz="2400" dirty="0" smtClean="0">
+                <a:solidFill>
+                  <a:srgbClr val="3A537B"/>
+                </a:solidFill>
+                <a:latin typeface="Segoe UI Semilight" panose="020B0402040204020203" pitchFamily="34" charset="0"/>
+                <a:cs typeface="Segoe UI Semilight" panose="020B0402040204020203" pitchFamily="34" charset="0"/>
+              </a:rPr>
+              <a:t>MSDN </a:t>
+            </a:r>
+          </a:p>
+          <a:p>
+            <a:pPr marL="742950" lvl="1" indent="-285750">
+              <a:buFont typeface="Arial" panose="020B0604020202020204" pitchFamily="34" charset="0"/>
+              <a:buChar char="•"/>
+            </a:pPr>
+            <a:r>
+              <a:rPr lang="en-NZ" sz="2000" dirty="0" smtClean="0">
+                <a:solidFill>
+                  <a:srgbClr val="3A537B"/>
+                </a:solidFill>
+                <a:latin typeface="Segoe UI Semilight" panose="020B0402040204020203" pitchFamily="34" charset="0"/>
+                <a:cs typeface="Segoe UI Semilight" panose="020B0402040204020203" pitchFamily="34" charset="0"/>
+              </a:rPr>
+              <a:t>code.msdn.microsoft.com (Filter to VS 2013)</a:t>
+            </a:r>
+          </a:p>
+          <a:p>
+            <a:pPr marL="742950" lvl="1" indent="-285750">
+              <a:buFont typeface="Arial" panose="020B0604020202020204" pitchFamily="34" charset="0"/>
+              <a:buChar char="•"/>
+            </a:pPr>
+            <a:r>
+              <a:rPr lang="en-NZ" sz="2000" dirty="0" smtClean="0">
+                <a:solidFill>
+                  <a:srgbClr val="3A537B"/>
+                </a:solidFill>
+                <a:latin typeface="Segoe UI Semilight" panose="020B0402040204020203" pitchFamily="34" charset="0"/>
+                <a:cs typeface="Segoe UI Semilight" panose="020B0402040204020203" pitchFamily="34" charset="0"/>
+                <a:hlinkClick r:id="rId4"/>
+              </a:rPr>
+              <a:t>HTML and </a:t>
+            </a:r>
+            <a:r>
+              <a:rPr lang="en-NZ" sz="2000" dirty="0" err="1" smtClean="0">
+                <a:solidFill>
+                  <a:srgbClr val="3A537B"/>
+                </a:solidFill>
+                <a:latin typeface="Segoe UI Semilight" panose="020B0402040204020203" pitchFamily="34" charset="0"/>
+                <a:cs typeface="Segoe UI Semilight" panose="020B0402040204020203" pitchFamily="34" charset="0"/>
+                <a:hlinkClick r:id="rId4"/>
+              </a:rPr>
+              <a:t>Javascript</a:t>
+            </a:r>
+            <a:r>
+              <a:rPr lang="en-NZ" sz="2000" dirty="0" smtClean="0">
+                <a:solidFill>
+                  <a:srgbClr val="3A537B"/>
+                </a:solidFill>
+                <a:latin typeface="Segoe UI Semilight" panose="020B0402040204020203" pitchFamily="34" charset="0"/>
+                <a:cs typeface="Segoe UI Semilight" panose="020B0402040204020203" pitchFamily="34" charset="0"/>
+                <a:hlinkClick r:id="rId4"/>
+              </a:rPr>
+              <a:t> Controls</a:t>
+            </a:r>
+            <a:endParaRPr lang="en-NZ" sz="2000" dirty="0" smtClean="0">
+              <a:solidFill>
+                <a:srgbClr val="3A537B"/>
+              </a:solidFill>
+              <a:latin typeface="Segoe UI Semilight" panose="020B0402040204020203" pitchFamily="34" charset="0"/>
+              <a:cs typeface="Segoe UI Semilight" panose="020B0402040204020203" pitchFamily="34" charset="0"/>
+            </a:endParaRPr>
+          </a:p>
+          <a:p>
+            <a:pPr marL="742950" lvl="1" indent="-285750">
+              <a:buFont typeface="Arial" panose="020B0604020202020204" pitchFamily="34" charset="0"/>
+              <a:buChar char="•"/>
+            </a:pPr>
+            <a:r>
+              <a:rPr lang="en-NZ" sz="2000" dirty="0" smtClean="0">
+                <a:solidFill>
+                  <a:srgbClr val="3A537B"/>
+                </a:solidFill>
+                <a:latin typeface="Segoe UI Semilight" panose="020B0402040204020203" pitchFamily="34" charset="0"/>
+                <a:cs typeface="Segoe UI Semilight" panose="020B0402040204020203" pitchFamily="34" charset="0"/>
+                <a:hlinkClick r:id="rId5"/>
+              </a:rPr>
+              <a:t>Product Guide for Developers</a:t>
+            </a:r>
+            <a:endParaRPr lang="en-NZ" sz="2000" dirty="0" smtClean="0">
+              <a:solidFill>
+                <a:srgbClr val="3A537B"/>
+              </a:solidFill>
+              <a:latin typeface="Segoe UI Semilight" panose="020B0402040204020203" pitchFamily="34" charset="0"/>
+              <a:cs typeface="Segoe UI Semilight" panose="020B0402040204020203" pitchFamily="34" charset="0"/>
+            </a:endParaRPr>
+          </a:p>
+          <a:p>
+            <a:pPr marL="742950" lvl="1" indent="-285750">
+              <a:buFont typeface="Arial" panose="020B0604020202020204" pitchFamily="34" charset="0"/>
+              <a:buChar char="•"/>
+            </a:pPr>
+            <a:r>
+              <a:rPr lang="en-NZ" sz="2000" dirty="0" smtClean="0">
+                <a:solidFill>
+                  <a:srgbClr val="3A537B"/>
+                </a:solidFill>
+                <a:latin typeface="Segoe UI Semilight" panose="020B0402040204020203" pitchFamily="34" charset="0"/>
+                <a:cs typeface="Segoe UI Semilight" panose="020B0402040204020203" pitchFamily="34" charset="0"/>
+                <a:hlinkClick r:id="rId6"/>
+              </a:rPr>
+              <a:t>Windows 8.1 New APIs and features for </a:t>
+            </a:r>
+            <a:r>
+              <a:rPr lang="en-NZ" sz="2000" dirty="0" err="1" smtClean="0">
+                <a:solidFill>
+                  <a:srgbClr val="3A537B"/>
+                </a:solidFill>
+                <a:latin typeface="Segoe UI Semilight" panose="020B0402040204020203" pitchFamily="34" charset="0"/>
+                <a:cs typeface="Segoe UI Semilight" panose="020B0402040204020203" pitchFamily="34" charset="0"/>
+                <a:hlinkClick r:id="rId6"/>
+              </a:rPr>
+              <a:t>devs</a:t>
+            </a:r>
+            <a:endParaRPr lang="en-NZ" sz="2000" dirty="0" smtClean="0">
+              <a:solidFill>
+                <a:srgbClr val="3A537B"/>
+              </a:solidFill>
+              <a:latin typeface="Segoe UI Semilight" panose="020B0402040204020203" pitchFamily="34" charset="0"/>
+              <a:cs typeface="Segoe UI Semilight" panose="020B0402040204020203" pitchFamily="34" charset="0"/>
+            </a:endParaRPr>
+          </a:p>
+          <a:p>
+            <a:pPr marL="285750" indent="-285750">
+              <a:buFont typeface="Arial" panose="020B0604020202020204" pitchFamily="34" charset="0"/>
+              <a:buChar char="•"/>
+            </a:pPr>
+            <a:endParaRPr lang="en-NZ" sz="2000" dirty="0">
+              <a:solidFill>
+                <a:srgbClr val="3A537B"/>
+              </a:solidFill>
+              <a:latin typeface="Segoe UI Semilight" panose="020B0402040204020203" pitchFamily="34" charset="0"/>
+              <a:cs typeface="Segoe UI Semilight" panose="020B0402040204020203" pitchFamily="34" charset="0"/>
+            </a:endParaRPr>
+          </a:p>
+          <a:p>
+            <a:pPr marL="285750" indent="-285750">
+              <a:buFont typeface="Arial" panose="020B0604020202020204" pitchFamily="34" charset="0"/>
+              <a:buChar char="•"/>
+            </a:pPr>
+            <a:r>
+              <a:rPr lang="en-NZ" sz="2400" dirty="0" err="1" smtClean="0">
+                <a:solidFill>
+                  <a:srgbClr val="3A537B"/>
+                </a:solidFill>
+                <a:latin typeface="Segoe UI Semilight" panose="020B0402040204020203" pitchFamily="34" charset="0"/>
+                <a:cs typeface="Segoe UI Semilight" panose="020B0402040204020203" pitchFamily="34" charset="0"/>
+              </a:rPr>
+              <a:t>Wintellect</a:t>
+            </a:r>
+            <a:r>
+              <a:rPr lang="en-NZ" sz="2400" dirty="0" err="1" smtClean="0">
+                <a:solidFill>
+                  <a:srgbClr val="3A537B"/>
+                </a:solidFill>
+                <a:latin typeface="Segoe UI Semilight" panose="020B0402040204020203" pitchFamily="34" charset="0"/>
+                <a:cs typeface="Segoe UI Semilight" panose="020B0402040204020203" pitchFamily="34" charset="0"/>
+              </a:rPr>
+              <a:t>’s</a:t>
+            </a:r>
+            <a:r>
+              <a:rPr lang="en-NZ" sz="2400" dirty="0" smtClean="0">
+                <a:solidFill>
+                  <a:srgbClr val="3A537B"/>
+                </a:solidFill>
+                <a:latin typeface="Segoe UI Semilight" panose="020B0402040204020203" pitchFamily="34" charset="0"/>
+                <a:cs typeface="Segoe UI Semilight" panose="020B0402040204020203" pitchFamily="34" charset="0"/>
+              </a:rPr>
+              <a:t> Jeff </a:t>
+            </a:r>
+            <a:r>
+              <a:rPr lang="en-NZ" sz="2400" dirty="0" err="1" smtClean="0">
+                <a:solidFill>
+                  <a:srgbClr val="3A537B"/>
+                </a:solidFill>
+                <a:latin typeface="Segoe UI Semilight" panose="020B0402040204020203" pitchFamily="34" charset="0"/>
+                <a:cs typeface="Segoe UI Semilight" panose="020B0402040204020203" pitchFamily="34" charset="0"/>
+              </a:rPr>
+              <a:t>Prosise</a:t>
+            </a:r>
+            <a:r>
+              <a:rPr lang="en-NZ" sz="2400" dirty="0" smtClean="0">
+                <a:solidFill>
+                  <a:srgbClr val="3A537B"/>
+                </a:solidFill>
+                <a:latin typeface="Segoe UI Semilight" panose="020B0402040204020203" pitchFamily="34" charset="0"/>
+                <a:cs typeface="Segoe UI Semilight" panose="020B0402040204020203" pitchFamily="34" charset="0"/>
+              </a:rPr>
+              <a:t> </a:t>
+            </a:r>
+            <a:r>
+              <a:rPr lang="en-NZ" sz="2400" dirty="0" smtClean="0">
+                <a:solidFill>
+                  <a:srgbClr val="3A537B"/>
+                </a:solidFill>
+                <a:latin typeface="Segoe UI Semilight" panose="020B0402040204020203" pitchFamily="34" charset="0"/>
+                <a:cs typeface="Segoe UI Semilight" panose="020B0402040204020203" pitchFamily="34" charset="0"/>
+                <a:hlinkClick r:id="rId7"/>
+              </a:rPr>
+              <a:t>blog post</a:t>
+            </a:r>
+            <a:endParaRPr lang="en-NZ" sz="2400" dirty="0" smtClean="0">
+              <a:solidFill>
+                <a:srgbClr val="3A537B"/>
+              </a:solidFill>
+              <a:latin typeface="Segoe UI Semilight" panose="020B0402040204020203" pitchFamily="34" charset="0"/>
+              <a:cs typeface="Segoe UI Semilight" panose="020B0402040204020203" pitchFamily="34" charset="0"/>
+            </a:endParaRPr>
+          </a:p>
+          <a:p>
+            <a:pPr marL="742950" lvl="1" indent="-285750">
+              <a:buFont typeface="Arial" panose="020B0604020202020204" pitchFamily="34" charset="0"/>
+              <a:buChar char="•"/>
+            </a:pPr>
+            <a:endParaRPr lang="en-NZ" sz="2400" dirty="0" smtClean="0">
+              <a:solidFill>
+                <a:srgbClr val="3A537B"/>
+              </a:solidFill>
+              <a:latin typeface="Segoe UI Semilight" panose="020B0402040204020203" pitchFamily="34" charset="0"/>
+              <a:cs typeface="Segoe UI Semilight" panose="020B0402040204020203" pitchFamily="34" charset="0"/>
+            </a:endParaRPr>
+          </a:p>
+          <a:p>
+            <a:pPr marL="285750" indent="-285750">
+              <a:buFont typeface="Arial" panose="020B0604020202020204" pitchFamily="34" charset="0"/>
+              <a:buChar char="•"/>
+            </a:pPr>
+            <a:r>
+              <a:rPr lang="en-NZ" sz="2400" dirty="0" smtClean="0">
+                <a:solidFill>
+                  <a:srgbClr val="3A537B"/>
+                </a:solidFill>
+                <a:latin typeface="Segoe UI Semilight" panose="020B0402040204020203" pitchFamily="34" charset="0"/>
+                <a:cs typeface="Segoe UI Semilight" panose="020B0402040204020203" pitchFamily="34" charset="0"/>
+              </a:rPr>
+              <a:t>Build</a:t>
+            </a:r>
+          </a:p>
+          <a:p>
+            <a:pPr marL="742950" lvl="1" indent="-285750">
+              <a:buFont typeface="Arial" panose="020B0604020202020204" pitchFamily="34" charset="0"/>
+              <a:buChar char="•"/>
+            </a:pPr>
+            <a:r>
+              <a:rPr lang="en-NZ" sz="2000" dirty="0" smtClean="0">
+                <a:solidFill>
+                  <a:srgbClr val="3A537B"/>
+                </a:solidFill>
+                <a:latin typeface="Segoe UI Semilight" panose="020B0402040204020203" pitchFamily="34" charset="0"/>
+                <a:cs typeface="Segoe UI Semilight" panose="020B0402040204020203" pitchFamily="34" charset="0"/>
+              </a:rPr>
+              <a:t>Tim </a:t>
+            </a:r>
+            <a:r>
+              <a:rPr lang="en-NZ" sz="2000" dirty="0" err="1" smtClean="0">
+                <a:solidFill>
+                  <a:srgbClr val="3A537B"/>
+                </a:solidFill>
+                <a:latin typeface="Segoe UI Semilight" panose="020B0402040204020203" pitchFamily="34" charset="0"/>
+                <a:cs typeface="Segoe UI Semilight" panose="020B0402040204020203" pitchFamily="34" charset="0"/>
+              </a:rPr>
+              <a:t>Heuer’s</a:t>
+            </a:r>
+            <a:r>
+              <a:rPr lang="en-NZ" sz="2000" dirty="0" smtClean="0">
+                <a:solidFill>
+                  <a:srgbClr val="3A537B"/>
+                </a:solidFill>
+                <a:latin typeface="Segoe UI Semilight" panose="020B0402040204020203" pitchFamily="34" charset="0"/>
+                <a:cs typeface="Segoe UI Semilight" panose="020B0402040204020203" pitchFamily="34" charset="0"/>
+              </a:rPr>
+              <a:t> </a:t>
+            </a:r>
+            <a:r>
+              <a:rPr lang="en-NZ" sz="2000" dirty="0" smtClean="0">
+                <a:solidFill>
+                  <a:srgbClr val="3A537B"/>
+                </a:solidFill>
+                <a:latin typeface="Segoe UI Semilight" panose="020B0402040204020203" pitchFamily="34" charset="0"/>
+                <a:cs typeface="Segoe UI Semilight" panose="020B0402040204020203" pitchFamily="34" charset="0"/>
+                <a:hlinkClick r:id="rId8"/>
+              </a:rPr>
+              <a:t>Build Talk</a:t>
+            </a:r>
+            <a:endParaRPr lang="en-NZ" sz="2000" dirty="0" smtClean="0">
+              <a:solidFill>
+                <a:srgbClr val="3A537B"/>
+              </a:solidFill>
+              <a:latin typeface="Segoe UI Semilight" panose="020B0402040204020203" pitchFamily="34" charset="0"/>
+              <a:cs typeface="Segoe UI Semilight" panose="020B0402040204020203" pitchFamily="34" charset="0"/>
+            </a:endParaRPr>
+          </a:p>
+          <a:p>
+            <a:pPr marL="742950" lvl="1" indent="-285750">
+              <a:buFont typeface="Arial" panose="020B0604020202020204" pitchFamily="34" charset="0"/>
+              <a:buChar char="•"/>
+            </a:pPr>
+            <a:r>
+              <a:rPr lang="en-NZ" sz="2000" dirty="0" smtClean="0">
+                <a:solidFill>
+                  <a:srgbClr val="3A537B"/>
+                </a:solidFill>
+                <a:latin typeface="Segoe UI Semilight" panose="020B0402040204020203" pitchFamily="34" charset="0"/>
+                <a:cs typeface="Segoe UI Semilight" panose="020B0402040204020203" pitchFamily="34" charset="0"/>
+                <a:hlinkClick r:id="rId9"/>
+              </a:rPr>
+              <a:t>What’s New in VS &amp; Blend for XAML </a:t>
+            </a:r>
+            <a:r>
+              <a:rPr lang="en-NZ" sz="2000" dirty="0" err="1" smtClean="0">
+                <a:solidFill>
+                  <a:srgbClr val="3A537B"/>
+                </a:solidFill>
+                <a:latin typeface="Segoe UI Semilight" panose="020B0402040204020203" pitchFamily="34" charset="0"/>
+                <a:cs typeface="Segoe UI Semilight" panose="020B0402040204020203" pitchFamily="34" charset="0"/>
+                <a:hlinkClick r:id="rId9"/>
+              </a:rPr>
+              <a:t>devs</a:t>
+            </a:r>
+            <a:endParaRPr lang="en-NZ" sz="2000" dirty="0" smtClean="0">
+              <a:solidFill>
+                <a:srgbClr val="3A537B"/>
+              </a:solidFill>
+              <a:latin typeface="Segoe UI Semilight" panose="020B0402040204020203" pitchFamily="34" charset="0"/>
+              <a:cs typeface="Segoe UI Semilight" panose="020B0402040204020203" pitchFamily="34" charset="0"/>
+            </a:endParaRPr>
+          </a:p>
+          <a:p>
+            <a:pPr marL="742950" lvl="1" indent="-285750">
+              <a:buFont typeface="Arial" panose="020B0604020202020204" pitchFamily="34" charset="0"/>
+              <a:buChar char="•"/>
+            </a:pPr>
+            <a:r>
+              <a:rPr lang="en-NZ" sz="2000" dirty="0">
+                <a:solidFill>
+                  <a:srgbClr val="3A537B"/>
+                </a:solidFill>
+                <a:latin typeface="Segoe UI Semilight" panose="020B0402040204020203" pitchFamily="34" charset="0"/>
+                <a:cs typeface="Segoe UI Semilight" panose="020B0402040204020203" pitchFamily="34" charset="0"/>
+                <a:hlinkClick r:id="rId10"/>
+              </a:rPr>
+              <a:t>What's New in Windows Runtime for Windows 8.1</a:t>
+            </a:r>
+            <a:endParaRPr lang="en-NZ" sz="2000" dirty="0" smtClean="0">
+              <a:solidFill>
+                <a:srgbClr val="3A537B"/>
+              </a:solidFill>
+              <a:latin typeface="Segoe UI Semilight" panose="020B0402040204020203" pitchFamily="34" charset="0"/>
+              <a:cs typeface="Segoe UI Semilight" panose="020B0402040204020203" pitchFamily="34" charset="0"/>
+            </a:endParaRPr>
+          </a:p>
+        </p:txBody>
+      </p:sp>
+    </p:spTree>
+    <p:extLst>
+      <p:ext uri="{BB962C8B-B14F-4D97-AF65-F5344CB8AC3E}">
+        <p14:creationId xmlns:p14="http://schemas.microsoft.com/office/powerpoint/2010/main" val="180638312"/>
+      </p:ext>
+    </p:extLst>
+  </p:cSld>
+  <p:clrMapOvr>
+    <a:masterClrMapping/>
+  </p:clrMapOvr>
+  <p:timing>
+    <p:tnLst>
+      <p:par>
+        <p:cTn id="1" dur="indefinite" restart="never" nodeType="tmRoot"/>
+      </p:par>
+    </p:tnLst>
+  </p:timing>
+</p:sld>
+</file>
+
+<file path=ppt/slides/slide15.xml><?xml version="1.0" encoding="utf-8"?>
+<p:sld xmlns:a="http://schemas.openxmlformats.org/drawingml/2006/main" xmlns:r="http://schemas.openxmlformats.org/officeDocument/2006/relationships" xmlns:p="http://schemas.openxmlformats.org/presentationml/2006/main">
+  <p:cSld>
+    <p:spTree>
+      <p:nvGrpSpPr>
+        <p:cNvPr id="1" name=""/>
+        <p:cNvGrpSpPr/>
+        <p:nvPr/>
+      </p:nvGrpSpPr>
+      <p:grpSpPr>
+        <a:xfrm>
+          <a:off x="0" y="0"/>
+          <a:ext cx="0" cy="0"/>
+          <a:chOff x="0" y="0"/>
+          <a:chExt cx="0" cy="0"/>
+        </a:xfrm>
+      </p:grpSpPr>
+      <p:pic>
+        <p:nvPicPr>
+          <p:cNvPr id="6" name="Picture 5"/>
+          <p:cNvPicPr>
+            <a:picLocks noChangeAspect="1"/>
+          </p:cNvPicPr>
+          <p:nvPr/>
+        </p:nvPicPr>
+        <p:blipFill>
+          <a:blip r:embed="rId3">
+            <a:extLst>
+              <a:ext uri="{28A0092B-C50C-407E-A947-70E740481C1C}">
+                <a14:useLocalDpi xmlns:a14="http://schemas.microsoft.com/office/drawing/2010/main" val="0"/>
+              </a:ext>
+            </a:extLst>
+          </a:blip>
+          <a:stretch>
+            <a:fillRect/>
+          </a:stretch>
+        </p:blipFill>
+        <p:spPr>
+          <a:xfrm>
+            <a:off x="0" y="0"/>
+            <a:ext cx="9144000" cy="6858000"/>
+          </a:xfrm>
+          <a:prstGeom prst="rect">
+            <a:avLst/>
+          </a:prstGeom>
+        </p:spPr>
+      </p:pic>
+      <p:sp>
+        <p:nvSpPr>
+          <p:cNvPr id="3" name="TextBox 2"/>
+          <p:cNvSpPr txBox="1"/>
+          <p:nvPr/>
+        </p:nvSpPr>
+        <p:spPr>
+          <a:xfrm>
+            <a:off x="3200400" y="533400"/>
+            <a:ext cx="5410200" cy="338554"/>
+          </a:xfrm>
+          <a:prstGeom prst="rect">
+            <a:avLst/>
+          </a:prstGeom>
+          <a:noFill/>
+        </p:spPr>
+        <p:txBody>
+          <a:bodyPr wrap="square" rtlCol="0">
+            <a:spAutoFit/>
+          </a:bodyPr>
+          <a:lstStyle/>
+          <a:p>
+            <a:pPr algn="r"/>
+            <a:r>
+              <a:rPr lang="en-NZ" sz="1600" dirty="0" smtClean="0">
+                <a:solidFill>
+                  <a:schemeClr val="tx1">
+                    <a:lumMod val="50000"/>
+                    <a:lumOff val="50000"/>
+                  </a:schemeClr>
+                </a:solidFill>
+                <a:latin typeface="Segoe UI Semilight" panose="020B0402040204020203" pitchFamily="34" charset="0"/>
+                <a:cs typeface="Segoe UI Semilight" panose="020B0402040204020203" pitchFamily="34" charset="0"/>
+              </a:rPr>
               <a:t>WHAT’S NEW FOR CONSUMERS</a:t>
             </a:r>
             <a:endParaRPr lang="en-NZ" sz="1600" dirty="0">
@@ -6293,7 +6869,7 @@
 </p:sld>
 </file>
 
-<file path=ppt/slides/slide15.xml><?xml version="1.0" encoding="utf-8"?>
+<file path=ppt/slides/slide16.xml><?xml version="1.0" encoding="utf-8"?>
 <p:sld xmlns:a="http://schemas.openxmlformats.org/drawingml/2006/main" xmlns:r="http://schemas.openxmlformats.org/officeDocument/2006/relationships" xmlns:p="http://schemas.openxmlformats.org/presentationml/2006/main">
   <p:cSld>
     <p:spTree>
@@ -6628,8 +7204,8 @@
         </p:nvSpPr>
         <p:spPr>
           <a:xfrm>
-            <a:off x="3333108" y="1995241"/>
-            <a:ext cx="2034083" cy="923330"/>
+            <a:off x="3200400" y="1856741"/>
+            <a:ext cx="2641942" cy="1200329"/>
           </a:xfrm>
           <a:prstGeom prst="rect">
             <a:avLst/>
@@ -6643,7 +7219,7 @@
           <a:lstStyle/>
           <a:p>
             <a:r>
-              <a:rPr lang="en-NZ" dirty="0" smtClean="0">
+              <a:rPr lang="en-NZ" sz="2400" dirty="0" smtClean="0">
                 <a:solidFill>
                   <a:srgbClr val="3A537B"/>
                 </a:solidFill>
@@ -6653,7 +7229,7 @@
               <a:t>@</a:t>
             </a:r>
             <a:r>
-              <a:rPr lang="en-NZ" dirty="0" err="1" smtClean="0">
+              <a:rPr lang="en-NZ" sz="2400" dirty="0" err="1" smtClean="0">
                 <a:solidFill>
                   <a:srgbClr val="3A537B"/>
                 </a:solidFill>
@@ -6663,7 +7239,7 @@
               <a:t>petegoo</a:t>
             </a:r>
             <a:r>
-              <a:rPr lang="en-NZ" dirty="0" smtClean="0">
+              <a:rPr lang="en-NZ" sz="2400" dirty="0" smtClean="0">
                 <a:solidFill>
                   <a:srgbClr val="3A537B"/>
                 </a:solidFill>
@@ -6673,7 +7249,7 @@
               <a:t/>
             </a:r>
             <a:br>
-              <a:rPr lang="en-NZ" dirty="0" smtClean="0">
+              <a:rPr lang="en-NZ" sz="2400" dirty="0" smtClean="0">
                 <a:solidFill>
                   <a:srgbClr val="3A537B"/>
                 </a:solidFill>
@@ -6681,7 +7257,7 @@
                 <a:cs typeface="Segoe UI Semilight" panose="020B0402040204020203" pitchFamily="34" charset="0"/>
               </a:rPr>
             </a:br>
-            <a:endParaRPr lang="en-NZ" dirty="0" smtClean="0">
+            <a:endParaRPr lang="en-NZ" sz="2400" dirty="0" smtClean="0">
               <a:solidFill>
                 <a:srgbClr val="3A537B"/>
               </a:solidFill>
@@ -6691,7 +7267,7 @@
           </a:p>
           <a:p>
             <a:r>
-              <a:rPr lang="en-NZ" dirty="0" smtClean="0">
+              <a:rPr lang="en-NZ" sz="2400" dirty="0" smtClean="0">
                 <a:solidFill>
                   <a:srgbClr val="3A537B"/>
                 </a:solidFill>
@@ -6700,7 +7276,7 @@
               </a:rPr>
               <a:t>www.petegoo.com</a:t>
             </a:r>
-            <a:endParaRPr lang="en-US" dirty="0">
+            <a:endParaRPr lang="en-US" sz="2400" dirty="0">
               <a:solidFill>
                 <a:srgbClr val="3A537B"/>
               </a:solidFill>
@@ -6763,7 +7339,7 @@
         </p:nvSpPr>
         <p:spPr>
           <a:xfrm>
-            <a:off x="3200400" y="4313646"/>
+            <a:off x="3203388" y="4313646"/>
             <a:ext cx="2737224" cy="1200329"/>
           </a:xfrm>
           <a:prstGeom prst="rect">
@@ -7268,7 +7844,7 @@
         <p:spPr>
           <a:xfrm>
             <a:off x="609600" y="1524000"/>
-            <a:ext cx="6651949" cy="6740307"/>
+            <a:ext cx="5693995" cy="6124754"/>
           </a:xfrm>
           <a:prstGeom prst="rect">
             <a:avLst/>
@@ -7293,14 +7869,173 @@
                 <a:latin typeface="Segoe UI Semilight" panose="020B0402040204020203" pitchFamily="34" charset="0"/>
                 <a:cs typeface="Segoe UI Semilight" panose="020B0402040204020203" pitchFamily="34" charset="0"/>
               </a:rPr>
-              <a:t>Start Screen</a:t>
-            </a:r>
+              <a:t>Start </a:t>
+            </a:r>
+            <a:r>
+              <a:rPr lang="en-NZ" sz="2400" dirty="0" smtClean="0">
+                <a:solidFill>
+                  <a:srgbClr val="3A537B"/>
+                </a:solidFill>
+                <a:latin typeface="Segoe UI Semilight" panose="020B0402040204020203" pitchFamily="34" charset="0"/>
+                <a:cs typeface="Segoe UI Semilight" panose="020B0402040204020203" pitchFamily="34" charset="0"/>
+              </a:rPr>
+              <a:t>Screen</a:t>
+            </a:r>
+            <a:endParaRPr lang="en-NZ" sz="2000" dirty="0" smtClean="0">
+              <a:solidFill>
+                <a:srgbClr val="3A537B"/>
+              </a:solidFill>
+              <a:latin typeface="Segoe UI Semilight" panose="020B0402040204020203" pitchFamily="34" charset="0"/>
+              <a:cs typeface="Segoe UI Semilight" panose="020B0402040204020203" pitchFamily="34" charset="0"/>
+            </a:endParaRPr>
+          </a:p>
+          <a:p>
+            <a:pPr marL="742950" lvl="1" indent="-285750">
+              <a:buFont typeface="Arial" panose="020B0604020202020204" pitchFamily="34" charset="0"/>
+              <a:buChar char="•"/>
+            </a:pPr>
+            <a:r>
+              <a:rPr lang="en-NZ" sz="2000" dirty="0" smtClean="0">
+                <a:solidFill>
+                  <a:srgbClr val="3A537B"/>
+                </a:solidFill>
+                <a:latin typeface="Segoe UI Semilight" panose="020B0402040204020203" pitchFamily="34" charset="0"/>
+                <a:cs typeface="Segoe UI Semilight" panose="020B0402040204020203" pitchFamily="34" charset="0"/>
+              </a:rPr>
+              <a:t>Background</a:t>
+            </a:r>
+          </a:p>
+          <a:p>
+            <a:pPr marL="742950" lvl="1" indent="-285750">
+              <a:buFont typeface="Arial" panose="020B0604020202020204" pitchFamily="34" charset="0"/>
+              <a:buChar char="•"/>
+            </a:pPr>
+            <a:r>
+              <a:rPr lang="en-NZ" sz="2000" dirty="0" smtClean="0">
+                <a:solidFill>
+                  <a:srgbClr val="3A537B"/>
+                </a:solidFill>
+                <a:latin typeface="Segoe UI Semilight" panose="020B0402040204020203" pitchFamily="34" charset="0"/>
+                <a:cs typeface="Segoe UI Semilight" panose="020B0402040204020203" pitchFamily="34" charset="0"/>
+              </a:rPr>
+              <a:t>Multi-size tile (Small, Medium, Wide, Large)</a:t>
+            </a:r>
+          </a:p>
+          <a:p>
+            <a:pPr marL="742950" lvl="1" indent="-285750">
+              <a:buFont typeface="Arial" panose="020B0604020202020204" pitchFamily="34" charset="0"/>
+              <a:buChar char="•"/>
+            </a:pPr>
+            <a:r>
+              <a:rPr lang="en-NZ" sz="2000" dirty="0" smtClean="0">
+                <a:solidFill>
+                  <a:srgbClr val="3A537B"/>
+                </a:solidFill>
+                <a:latin typeface="Segoe UI Semilight" panose="020B0402040204020203" pitchFamily="34" charset="0"/>
+                <a:cs typeface="Segoe UI Semilight" panose="020B0402040204020203" pitchFamily="34" charset="0"/>
+              </a:rPr>
+              <a:t>Swipe up for all Apps</a:t>
+            </a:r>
+          </a:p>
+          <a:p>
+            <a:pPr marL="742950" lvl="1" indent="-285750">
+              <a:buFont typeface="Arial" panose="020B0604020202020204" pitchFamily="34" charset="0"/>
+              <a:buChar char="•"/>
+            </a:pPr>
+            <a:r>
+              <a:rPr lang="en-NZ" sz="2000" dirty="0" smtClean="0">
+                <a:solidFill>
+                  <a:srgbClr val="3A537B"/>
+                </a:solidFill>
+                <a:latin typeface="Segoe UI Semilight" panose="020B0402040204020203" pitchFamily="34" charset="0"/>
+                <a:cs typeface="Segoe UI Semilight" panose="020B0402040204020203" pitchFamily="34" charset="0"/>
+              </a:rPr>
+              <a:t>Search Changes</a:t>
+            </a:r>
+          </a:p>
+          <a:p>
+            <a:pPr marL="742950" lvl="1" indent="-285750">
+              <a:buFont typeface="Arial" panose="020B0604020202020204" pitchFamily="34" charset="0"/>
+              <a:buChar char="•"/>
+            </a:pPr>
+            <a:r>
+              <a:rPr lang="en-NZ" sz="2000" dirty="0" smtClean="0">
+                <a:solidFill>
+                  <a:srgbClr val="3A537B"/>
+                </a:solidFill>
+                <a:latin typeface="Segoe UI Semilight" panose="020B0402040204020203" pitchFamily="34" charset="0"/>
+                <a:cs typeface="Segoe UI Semilight" panose="020B0402040204020203" pitchFamily="34" charset="0"/>
+              </a:rPr>
+              <a:t>Sync</a:t>
+            </a:r>
+            <a:br>
+              <a:rPr lang="en-NZ" sz="2000" dirty="0" smtClean="0">
+                <a:solidFill>
+                  <a:srgbClr val="3A537B"/>
+                </a:solidFill>
+                <a:latin typeface="Segoe UI Semilight" panose="020B0402040204020203" pitchFamily="34" charset="0"/>
+                <a:cs typeface="Segoe UI Semilight" panose="020B0402040204020203" pitchFamily="34" charset="0"/>
+              </a:rPr>
+            </a:br>
+            <a:endParaRPr lang="en-NZ" sz="2000" dirty="0" smtClean="0">
+              <a:solidFill>
+                <a:srgbClr val="3A537B"/>
+              </a:solidFill>
+              <a:latin typeface="Segoe UI Semilight" panose="020B0402040204020203" pitchFamily="34" charset="0"/>
+              <a:cs typeface="Segoe UI Semilight" panose="020B0402040204020203" pitchFamily="34" charset="0"/>
+            </a:endParaRPr>
           </a:p>
           <a:p>
             <a:pPr marL="285750" indent="-285750">
               <a:buFont typeface="Arial" panose="020B0604020202020204" pitchFamily="34" charset="0"/>
               <a:buChar char="•"/>
             </a:pPr>
+            <a:r>
+              <a:rPr lang="en-NZ" sz="2400" dirty="0" smtClean="0">
+                <a:solidFill>
+                  <a:srgbClr val="3A537B"/>
+                </a:solidFill>
+                <a:latin typeface="Segoe UI Semilight" panose="020B0402040204020203" pitchFamily="34" charset="0"/>
+                <a:cs typeface="Segoe UI Semilight" panose="020B0402040204020203" pitchFamily="34" charset="0"/>
+              </a:rPr>
+              <a:t>Search</a:t>
+            </a:r>
+            <a:endParaRPr lang="en-NZ" sz="2000" dirty="0" smtClean="0">
+              <a:solidFill>
+                <a:srgbClr val="3A537B"/>
+              </a:solidFill>
+              <a:latin typeface="Segoe UI Semilight" panose="020B0402040204020203" pitchFamily="34" charset="0"/>
+              <a:cs typeface="Segoe UI Semilight" panose="020B0402040204020203" pitchFamily="34" charset="0"/>
+            </a:endParaRPr>
+          </a:p>
+          <a:p>
+            <a:pPr marL="285750" indent="-285750">
+              <a:buFont typeface="Arial" panose="020B0604020202020204" pitchFamily="34" charset="0"/>
+              <a:buChar char="•"/>
+            </a:pPr>
+            <a:endParaRPr lang="en-NZ" sz="2000" dirty="0">
+              <a:solidFill>
+                <a:srgbClr val="3A537B"/>
+              </a:solidFill>
+              <a:latin typeface="Segoe UI Semilight" panose="020B0402040204020203" pitchFamily="34" charset="0"/>
+              <a:cs typeface="Segoe UI Semilight" panose="020B0402040204020203" pitchFamily="34" charset="0"/>
+            </a:endParaRPr>
+          </a:p>
+          <a:p>
+            <a:pPr marL="285750" indent="-285750">
+              <a:buFont typeface="Arial" panose="020B0604020202020204" pitchFamily="34" charset="0"/>
+              <a:buChar char="•"/>
+            </a:pPr>
+            <a:r>
+              <a:rPr lang="en-NZ" sz="2400" dirty="0" smtClean="0">
+                <a:solidFill>
+                  <a:srgbClr val="3A537B"/>
+                </a:solidFill>
+                <a:latin typeface="Segoe UI Semilight" panose="020B0402040204020203" pitchFamily="34" charset="0"/>
+                <a:cs typeface="Segoe UI Semilight" panose="020B0402040204020203" pitchFamily="34" charset="0"/>
+              </a:rPr>
+              <a:t>Share</a:t>
+            </a:r>
             <a:endParaRPr lang="en-NZ" sz="2400" dirty="0" smtClean="0">
               <a:solidFill>
                 <a:srgbClr val="3A537B"/>
@@ -7315,14 +8050,14 @@
               <a:buChar char="•"/>
             </a:pPr>
             <a:r>
-              <a:rPr lang="en-NZ" sz="2400" dirty="0" smtClean="0">
-                <a:solidFill>
-                  <a:srgbClr val="3A537B"/>
-                </a:solidFill>
-                <a:latin typeface="Segoe UI Semilight" panose="020B0402040204020203" pitchFamily="34" charset="0"/>
-                <a:cs typeface="Segoe UI Semilight" panose="020B0402040204020203" pitchFamily="34" charset="0"/>
-              </a:rPr>
-              <a:t>Background</a:t>
+              <a:rPr lang="en-NZ" sz="2000" dirty="0" smtClean="0">
+                <a:solidFill>
+                  <a:srgbClr val="3A537B"/>
+                </a:solidFill>
+                <a:latin typeface="Segoe UI Semilight" panose="020B0402040204020203" pitchFamily="34" charset="0"/>
+                <a:cs typeface="Segoe UI Semilight" panose="020B0402040204020203" pitchFamily="34" charset="0"/>
+              </a:rPr>
+              <a:t>Description</a:t>
             </a:r>
           </a:p>
           <a:p>
@@ -7331,14 +8066,14 @@
               <a:buChar char="•"/>
             </a:pPr>
             <a:r>
-              <a:rPr lang="en-NZ" sz="2400" dirty="0" smtClean="0">
-                <a:solidFill>
-                  <a:srgbClr val="3A537B"/>
-                </a:solidFill>
-                <a:latin typeface="Segoe UI Semilight" panose="020B0402040204020203" pitchFamily="34" charset="0"/>
-                <a:cs typeface="Segoe UI Semilight" panose="020B0402040204020203" pitchFamily="34" charset="0"/>
-              </a:rPr>
-              <a:t>Multi-size tile (Small, Medium, Wide, Large)</a:t>
+              <a:rPr lang="en-NZ" sz="2000" dirty="0" smtClean="0">
+                <a:solidFill>
+                  <a:srgbClr val="3A537B"/>
+                </a:solidFill>
+                <a:latin typeface="Segoe UI Semilight" panose="020B0402040204020203" pitchFamily="34" charset="0"/>
+                <a:cs typeface="Segoe UI Semilight" panose="020B0402040204020203" pitchFamily="34" charset="0"/>
+              </a:rPr>
+              <a:t>Screenshot</a:t>
             </a:r>
           </a:p>
           <a:p>
@@ -7347,14 +8082,14 @@
               <a:buChar char="•"/>
             </a:pPr>
             <a:r>
-              <a:rPr lang="en-NZ" sz="2400" dirty="0" smtClean="0">
-                <a:solidFill>
-                  <a:srgbClr val="3A537B"/>
-                </a:solidFill>
-                <a:latin typeface="Segoe UI Semilight" panose="020B0402040204020203" pitchFamily="34" charset="0"/>
-                <a:cs typeface="Segoe UI Semilight" panose="020B0402040204020203" pitchFamily="34" charset="0"/>
-              </a:rPr>
-              <a:t>Swipe up for all Apps</a:t>
+              <a:rPr lang="en-NZ" sz="2000" dirty="0" smtClean="0">
+                <a:solidFill>
+                  <a:srgbClr val="3A537B"/>
+                </a:solidFill>
+                <a:latin typeface="Segoe UI Semilight" panose="020B0402040204020203" pitchFamily="34" charset="0"/>
+                <a:cs typeface="Segoe UI Semilight" panose="020B0402040204020203" pitchFamily="34" charset="0"/>
+              </a:rPr>
+              <a:t>Link to Store</a:t>
             </a:r>
           </a:p>
           <a:p>
@@ -7363,14 +8098,14 @@
               <a:buChar char="•"/>
             </a:pPr>
             <a:r>
-              <a:rPr lang="en-NZ" sz="2400" dirty="0" smtClean="0">
-                <a:solidFill>
-                  <a:srgbClr val="3A537B"/>
-                </a:solidFill>
-                <a:latin typeface="Segoe UI Semilight" panose="020B0402040204020203" pitchFamily="34" charset="0"/>
-                <a:cs typeface="Segoe UI Semilight" panose="020B0402040204020203" pitchFamily="34" charset="0"/>
-              </a:rPr>
-              <a:t>Search Changes</a:t>
+              <a:rPr lang="en-NZ" sz="2000" dirty="0" smtClean="0">
+                <a:solidFill>
+                  <a:srgbClr val="3A537B"/>
+                </a:solidFill>
+                <a:latin typeface="Segoe UI Semilight" panose="020B0402040204020203" pitchFamily="34" charset="0"/>
+                <a:cs typeface="Segoe UI Semilight" panose="020B0402040204020203" pitchFamily="34" charset="0"/>
+              </a:rPr>
+              <a:t>Share from Snapped</a:t>
             </a:r>
           </a:p>
           <a:p>
@@ -7378,23 +8113,7 @@
               <a:buFont typeface="Arial" panose="020B0604020202020204" pitchFamily="34" charset="0"/>
               <a:buChar char="•"/>
             </a:pPr>
-            <a:r>
-              <a:rPr lang="en-NZ" sz="2400" dirty="0" smtClean="0">
-                <a:solidFill>
-                  <a:srgbClr val="3A537B"/>
-                </a:solidFill>
-                <a:latin typeface="Segoe UI Semilight" panose="020B0402040204020203" pitchFamily="34" charset="0"/>
-                <a:cs typeface="Segoe UI Semilight" panose="020B0402040204020203" pitchFamily="34" charset="0"/>
-              </a:rPr>
-              <a:t>Sync</a:t>
-            </a:r>
-          </a:p>
-          <a:p>
-            <a:pPr marL="285750" indent="-285750">
-              <a:buFont typeface="Arial" panose="020B0604020202020204" pitchFamily="34" charset="0"/>
-              <a:buChar char="•"/>
-            </a:pPr>
-            <a:endParaRPr lang="en-NZ" sz="2400" dirty="0">
+            <a:endParaRPr lang="en-NZ" sz="2000" dirty="0" smtClean="0">
               <a:solidFill>
                 <a:srgbClr val="3A537B"/>
               </a:solidFill>
@@ -7403,91 +8122,11 @@
             </a:endParaRPr>
           </a:p>
           <a:p>
-            <a:pPr marL="285750" indent="-285750">
-              <a:buFont typeface="Arial" panose="020B0604020202020204" pitchFamily="34" charset="0"/>
-              <a:buChar char="•"/>
-            </a:pPr>
-            <a:r>
-              <a:rPr lang="en-NZ" sz="2400" dirty="0" smtClean="0">
-                <a:solidFill>
-                  <a:srgbClr val="3A537B"/>
-                </a:solidFill>
-                <a:latin typeface="Segoe UI Semilight" panose="020B0402040204020203" pitchFamily="34" charset="0"/>
-                <a:cs typeface="Segoe UI Semilight" panose="020B0402040204020203" pitchFamily="34" charset="0"/>
-              </a:rPr>
-              <a:t>Share</a:t>
-            </a:r>
-          </a:p>
-          <a:p>
             <a:pPr marL="742950" lvl="1" indent="-285750">
               <a:buFont typeface="Arial" panose="020B0604020202020204" pitchFamily="34" charset="0"/>
               <a:buChar char="•"/>
             </a:pPr>
-            <a:r>
-              <a:rPr lang="en-NZ" sz="2400" dirty="0" smtClean="0">
-                <a:solidFill>
-                  <a:srgbClr val="3A537B"/>
-                </a:solidFill>
-                <a:latin typeface="Segoe UI Semilight" panose="020B0402040204020203" pitchFamily="34" charset="0"/>
-                <a:cs typeface="Segoe UI Semilight" panose="020B0402040204020203" pitchFamily="34" charset="0"/>
-              </a:rPr>
-              <a:t>Description</a:t>
-            </a:r>
-          </a:p>
-          <a:p>
-            <a:pPr marL="742950" lvl="1" indent="-285750">
-              <a:buFont typeface="Arial" panose="020B0604020202020204" pitchFamily="34" charset="0"/>
-              <a:buChar char="•"/>
-            </a:pPr>
-            <a:r>
-              <a:rPr lang="en-NZ" sz="2400" dirty="0" smtClean="0">
-                <a:solidFill>
-                  <a:srgbClr val="3A537B"/>
-                </a:solidFill>
-                <a:latin typeface="Segoe UI Semilight" panose="020B0402040204020203" pitchFamily="34" charset="0"/>
-                <a:cs typeface="Segoe UI Semilight" panose="020B0402040204020203" pitchFamily="34" charset="0"/>
-              </a:rPr>
-              <a:t>Screenshot</a:t>
-            </a:r>
-          </a:p>
-          <a:p>
-            <a:pPr marL="742950" lvl="1" indent="-285750">
-              <a:buFont typeface="Arial" panose="020B0604020202020204" pitchFamily="34" charset="0"/>
-              <a:buChar char="•"/>
-            </a:pPr>
-            <a:r>
-              <a:rPr lang="en-NZ" sz="2400" dirty="0" smtClean="0">
-                <a:solidFill>
-                  <a:srgbClr val="3A537B"/>
-                </a:solidFill>
-                <a:latin typeface="Segoe UI Semilight" panose="020B0402040204020203" pitchFamily="34" charset="0"/>
-                <a:cs typeface="Segoe UI Semilight" panose="020B0402040204020203" pitchFamily="34" charset="0"/>
-              </a:rPr>
-              <a:t>Link to Store</a:t>
-            </a:r>
-          </a:p>
-          <a:p>
-            <a:pPr marL="742950" lvl="1" indent="-285750">
-              <a:buFont typeface="Arial" panose="020B0604020202020204" pitchFamily="34" charset="0"/>
-              <a:buChar char="•"/>
-            </a:pPr>
-            <a:r>
-              <a:rPr lang="en-NZ" sz="2400" dirty="0" smtClean="0">
-                <a:solidFill>
-                  <a:srgbClr val="3A537B"/>
-                </a:solidFill>
-                <a:latin typeface="Segoe UI Semilight" panose="020B0402040204020203" pitchFamily="34" charset="0"/>
-                <a:cs typeface="Segoe UI Semilight" panose="020B0402040204020203" pitchFamily="34" charset="0"/>
-              </a:rPr>
-              <a:t>Share from Snapped</a:t>
-            </a:r>
-          </a:p>
-          <a:p>
-            <a:pPr marL="742950" lvl="1" indent="-285750">
-              <a:buFont typeface="Arial" panose="020B0604020202020204" pitchFamily="34" charset="0"/>
-              <a:buChar char="•"/>
-            </a:pPr>
-            <a:endParaRPr lang="en-NZ" sz="2400" dirty="0" smtClean="0">
+            <a:endParaRPr lang="en-NZ" sz="2000" dirty="0" smtClean="0">
               <a:solidFill>
                 <a:srgbClr val="3A537B"/>
               </a:solidFill>
@@ -7500,7 +8139,7 @@
               <a:buFont typeface="Arial" panose="020B0604020202020204" pitchFamily="34" charset="0"/>
               <a:buChar char="•"/>
             </a:pPr>
-            <a:endParaRPr lang="en-NZ" sz="2400" dirty="0" smtClean="0">
+            <a:endParaRPr lang="en-NZ" sz="2000" dirty="0" smtClean="0">
               <a:solidFill>
                 <a:srgbClr val="3A537B"/>
               </a:solidFill>
@@ -7509,11 +8148,11 @@
             </a:endParaRPr>
           </a:p>
           <a:p>
-            <a:pPr marL="742950" lvl="1" indent="-285750">
-              <a:buFont typeface="Arial" panose="020B0604020202020204" pitchFamily="34" charset="0"/>
-              <a:buChar char="•"/>
-            </a:pPr>
-            <a:endParaRPr lang="en-NZ" sz="2400" dirty="0" smtClean="0">
+            <a:pPr marL="285750" indent="-285750">
+              <a:buFont typeface="Arial" panose="020B0604020202020204" pitchFamily="34" charset="0"/>
+              <a:buChar char="•"/>
+            </a:pPr>
+            <a:endParaRPr lang="en-NZ" sz="2000" dirty="0">
               <a:solidFill>
                 <a:srgbClr val="3A537B"/>
               </a:solidFill>
@@ -7526,20 +8165,7 @@
               <a:buFont typeface="Arial" panose="020B0604020202020204" pitchFamily="34" charset="0"/>
               <a:buChar char="•"/>
             </a:pPr>
-            <a:endParaRPr lang="en-NZ" sz="2400" dirty="0">
-              <a:solidFill>
-                <a:srgbClr val="3A537B"/>
-              </a:solidFill>
-              <a:latin typeface="Segoe UI Semilight" panose="020B0402040204020203" pitchFamily="34" charset="0"/>
-              <a:cs typeface="Segoe UI Semilight" panose="020B0402040204020203" pitchFamily="34" charset="0"/>
-            </a:endParaRPr>
-          </a:p>
-          <a:p>
-            <a:pPr marL="285750" indent="-285750">
-              <a:buFont typeface="Arial" panose="020B0604020202020204" pitchFamily="34" charset="0"/>
-              <a:buChar char="•"/>
-            </a:pPr>
-            <a:endParaRPr lang="en-NZ" sz="2400" dirty="0" smtClean="0">
+            <a:endParaRPr lang="en-NZ" sz="2000" dirty="0" smtClean="0">
               <a:solidFill>
                 <a:srgbClr val="3A537B"/>
               </a:solidFill>
@@ -8249,7 +8875,7 @@
         <p:spPr>
           <a:xfrm>
             <a:off x="609600" y="1828800"/>
-            <a:ext cx="5566204" cy="6370975"/>
+            <a:ext cx="4868897" cy="6001643"/>
           </a:xfrm>
           <a:prstGeom prst="rect">
             <a:avLst/>
@@ -8312,7 +8938,7 @@
               <a:buChar char="•"/>
             </a:pPr>
             <a:r>
-              <a:rPr lang="en-NZ" sz="2400" dirty="0">
+              <a:rPr lang="en-NZ" sz="2000" dirty="0">
                 <a:solidFill>
                   <a:srgbClr val="3A537B"/>
                 </a:solidFill>
@@ -8322,7 +8948,7 @@
               <a:t>Hub </a:t>
             </a:r>
             <a:r>
-              <a:rPr lang="en-NZ" sz="2400" dirty="0" smtClean="0">
+              <a:rPr lang="en-NZ" sz="2000" dirty="0" smtClean="0">
                 <a:solidFill>
                   <a:srgbClr val="3A537B"/>
                 </a:solidFill>
@@ -8367,7 +8993,7 @@
               <a:buChar char="•"/>
             </a:pPr>
             <a:r>
-              <a:rPr lang="en-NZ" sz="2400" dirty="0">
+              <a:rPr lang="en-NZ" sz="2000" dirty="0">
                 <a:solidFill>
                   <a:srgbClr val="3A537B"/>
                 </a:solidFill>
@@ -8383,7 +9009,7 @@
               <a:buChar char="•"/>
             </a:pPr>
             <a:r>
-              <a:rPr lang="en-NZ" sz="2400" dirty="0">
+              <a:rPr lang="en-NZ" sz="2000" dirty="0">
                 <a:solidFill>
                   <a:srgbClr val="3A537B"/>
                 </a:solidFill>
@@ -8399,7 +9025,7 @@
               <a:buChar char="•"/>
             </a:pPr>
             <a:r>
-              <a:rPr lang="en-NZ" sz="2400" dirty="0">
+              <a:rPr lang="en-NZ" sz="2000" dirty="0">
                 <a:solidFill>
                   <a:srgbClr val="3A537B"/>
                 </a:solidFill>
@@ -8415,7 +9041,7 @@
               <a:buChar char="•"/>
             </a:pPr>
             <a:r>
-              <a:rPr lang="en-NZ" sz="2400" dirty="0">
+              <a:rPr lang="en-NZ" sz="2000" dirty="0">
                 <a:solidFill>
                   <a:srgbClr val="3A537B"/>
                 </a:solidFill>
@@ -8431,7 +9057,7 @@
               <a:buChar char="•"/>
             </a:pPr>
             <a:r>
-              <a:rPr lang="en-NZ" sz="2400" dirty="0">
+              <a:rPr lang="en-NZ" sz="2000" dirty="0">
                 <a:solidFill>
                   <a:srgbClr val="3A537B"/>
                 </a:solidFill>
@@ -8646,7 +9272,7 @@
         <p:spPr>
           <a:xfrm>
             <a:off x="612512" y="1752600"/>
-            <a:ext cx="4594528" cy="5632311"/>
+            <a:ext cx="3983783" cy="4955203"/>
           </a:xfrm>
           <a:prstGeom prst="rect">
             <a:avLst/>
@@ -8680,7 +9306,7 @@
               <a:buChar char="•"/>
             </a:pPr>
             <a:r>
-              <a:rPr lang="en-NZ" sz="2400" dirty="0" smtClean="0">
+              <a:rPr lang="en-NZ" sz="2000" dirty="0" smtClean="0">
                 <a:solidFill>
                   <a:srgbClr val="3A537B"/>
                 </a:solidFill>
@@ -8690,7 +9316,7 @@
               <a:t>Sample </a:t>
             </a:r>
             <a:r>
-              <a:rPr lang="en-NZ" sz="2400" dirty="0">
+              <a:rPr lang="en-NZ" sz="2000" dirty="0">
                 <a:solidFill>
                   <a:srgbClr val="3A537B"/>
                 </a:solidFill>
@@ -8700,7 +9326,7 @@
               <a:t>data now in JSON </a:t>
             </a:r>
             <a:r>
-              <a:rPr lang="en-NZ" sz="2400" dirty="0" smtClean="0">
+              <a:rPr lang="en-NZ" sz="2000" dirty="0" smtClean="0">
                 <a:solidFill>
                   <a:srgbClr val="3A537B"/>
                 </a:solidFill>
@@ -8716,7 +9342,7 @@
               <a:buChar char="•"/>
             </a:pPr>
             <a:r>
-              <a:rPr lang="en-NZ" sz="2400" dirty="0" smtClean="0">
+              <a:rPr lang="en-NZ" sz="2000" dirty="0" smtClean="0">
                 <a:solidFill>
                   <a:srgbClr val="3A537B"/>
                 </a:solidFill>
@@ -8726,7 +9352,7 @@
               <a:t>Still no </a:t>
             </a:r>
             <a:r>
-              <a:rPr lang="en-NZ" sz="2400" dirty="0" err="1" smtClean="0">
+              <a:rPr lang="en-NZ" sz="2000" dirty="0" err="1" smtClean="0">
                 <a:solidFill>
                   <a:srgbClr val="3A537B"/>
                 </a:solidFill>
@@ -8735,7 +9361,7 @@
               </a:rPr>
               <a:t>JSON.Net</a:t>
             </a:r>
-            <a:endParaRPr lang="en-NZ" sz="2400" dirty="0">
+            <a:endParaRPr lang="en-NZ" sz="2000" dirty="0">
               <a:solidFill>
                 <a:srgbClr val="3A537B"/>
               </a:solidFill>
@@ -8749,7 +9375,7 @@
               <a:buChar char="•"/>
             </a:pPr>
             <a:r>
-              <a:rPr lang="en-NZ" sz="2400" dirty="0" smtClean="0">
+              <a:rPr lang="en-NZ" sz="2000" dirty="0" smtClean="0">
                 <a:solidFill>
                   <a:srgbClr val="3A537B"/>
                 </a:solidFill>
@@ -8759,7 +9385,7 @@
               <a:t>No </a:t>
             </a:r>
             <a:r>
-              <a:rPr lang="en-NZ" sz="2400" dirty="0" err="1" smtClean="0">
+              <a:rPr lang="en-NZ" sz="2000" dirty="0" err="1" smtClean="0">
                 <a:solidFill>
                   <a:srgbClr val="3A537B"/>
                 </a:solidFill>
@@ -8768,7 +9394,7 @@
               </a:rPr>
               <a:t>StandardStyles.xaml</a:t>
             </a:r>
-            <a:endParaRPr lang="en-NZ" sz="2400" dirty="0" smtClean="0">
+            <a:endParaRPr lang="en-NZ" sz="2000" dirty="0" smtClean="0">
               <a:solidFill>
                 <a:srgbClr val="3A537B"/>
               </a:solidFill>
@@ -8781,7 +9407,7 @@
               <a:buFont typeface="Arial" panose="020B0604020202020204" pitchFamily="34" charset="0"/>
               <a:buChar char="•"/>
             </a:pPr>
-            <a:endParaRPr lang="en-NZ" sz="2400" dirty="0">
+            <a:endParaRPr lang="en-NZ" sz="2000" dirty="0">
               <a:solidFill>
                 <a:srgbClr val="3A537B"/>
               </a:solidFill>
@@ -8804,6 +9430,13 @@
               </a:rPr>
               <a:t>Controls</a:t>
             </a:r>
+            <a:endParaRPr lang="en-NZ" sz="2000" dirty="0" smtClean="0">
+              <a:solidFill>
+                <a:srgbClr val="3A537B"/>
+              </a:solidFill>
+              <a:latin typeface="Segoe UI Semilight" panose="020B0402040204020203" pitchFamily="34" charset="0"/>
+              <a:cs typeface="Segoe UI Semilight" panose="020B0402040204020203" pitchFamily="34" charset="0"/>
+            </a:endParaRPr>
           </a:p>
           <a:p>
             <a:pPr marL="742950" lvl="1" indent="-285750">
@@ -8811,7 +9444,7 @@
               <a:buChar char="•"/>
             </a:pPr>
             <a:r>
-              <a:rPr lang="en-NZ" sz="2400" dirty="0" smtClean="0">
+              <a:rPr lang="en-NZ" sz="2000" dirty="0" smtClean="0">
                 <a:solidFill>
                   <a:srgbClr val="3A537B"/>
                 </a:solidFill>
@@ -8827,7 +9460,7 @@
               <a:buChar char="•"/>
             </a:pPr>
             <a:r>
-              <a:rPr lang="en-NZ" sz="2400" dirty="0" err="1" smtClean="0">
+              <a:rPr lang="en-NZ" sz="2000" dirty="0" err="1" smtClean="0">
                 <a:solidFill>
                   <a:srgbClr val="3A537B"/>
                 </a:solidFill>
@@ -8837,7 +9470,7 @@
               <a:t>SearchBox</a:t>
             </a:r>
             <a:r>
-              <a:rPr lang="en-NZ" sz="2400" dirty="0" smtClean="0">
+              <a:rPr lang="en-NZ" sz="2000" dirty="0" smtClean="0">
                 <a:solidFill>
                   <a:srgbClr val="3A537B"/>
                 </a:solidFill>
@@ -8853,7 +9486,7 @@
               <a:buChar char="•"/>
             </a:pPr>
             <a:r>
-              <a:rPr lang="en-NZ" sz="2400" dirty="0" err="1" smtClean="0">
+              <a:rPr lang="en-NZ" sz="2000" dirty="0" err="1" smtClean="0">
                 <a:solidFill>
                   <a:srgbClr val="3A537B"/>
                 </a:solidFill>
@@ -8863,7 +9496,7 @@
               <a:t>Flyout</a:t>
             </a:r>
             <a:r>
-              <a:rPr lang="en-NZ" sz="2400" dirty="0" smtClean="0">
+              <a:rPr lang="en-NZ" sz="2000" dirty="0" smtClean="0">
                 <a:solidFill>
                   <a:srgbClr val="3A537B"/>
                 </a:solidFill>
@@ -8879,7 +9512,7 @@
               <a:buChar char="•"/>
             </a:pPr>
             <a:r>
-              <a:rPr lang="en-NZ" sz="2400" dirty="0" err="1" smtClean="0">
+              <a:rPr lang="en-NZ" sz="2000" dirty="0" err="1" smtClean="0">
                 <a:solidFill>
                   <a:srgbClr val="3A537B"/>
                 </a:solidFill>
@@ -8889,7 +9522,7 @@
               <a:t>SettingsFlyout</a:t>
             </a:r>
             <a:r>
-              <a:rPr lang="en-NZ" sz="2400" dirty="0" smtClean="0">
+              <a:rPr lang="en-NZ" sz="2000" dirty="0" smtClean="0">
                 <a:solidFill>
                   <a:srgbClr val="3A537B"/>
                 </a:solidFill>
@@ -8905,7 +9538,7 @@
               <a:buChar char="•"/>
             </a:pPr>
             <a:r>
-              <a:rPr lang="en-NZ" sz="2400" dirty="0" err="1" smtClean="0">
+              <a:rPr lang="en-NZ" sz="2000" dirty="0" err="1" smtClean="0">
                 <a:solidFill>
                   <a:srgbClr val="3A537B"/>
                 </a:solidFill>
@@ -8915,7 +9548,7 @@
               <a:t>DateTimePicker</a:t>
             </a:r>
             <a:r>
-              <a:rPr lang="en-NZ" sz="2400" dirty="0" smtClean="0">
+              <a:rPr lang="en-NZ" sz="2000" dirty="0" smtClean="0">
                 <a:solidFill>
                   <a:srgbClr val="3A537B"/>
                 </a:solidFill>
@@ -8931,7 +9564,7 @@
               <a:buChar char="•"/>
             </a:pPr>
             <a:r>
-              <a:rPr lang="en-NZ" sz="2400" dirty="0">
+              <a:rPr lang="en-NZ" sz="2000" dirty="0">
                 <a:solidFill>
                   <a:srgbClr val="3A537B"/>
                 </a:solidFill>
@@ -8947,7 +9580,7 @@
               <a:buChar char="•"/>
             </a:pPr>
             <a:r>
-              <a:rPr lang="en-NZ" sz="2400" dirty="0" err="1" smtClean="0">
+              <a:rPr lang="en-NZ" sz="2000" dirty="0" err="1" smtClean="0">
                 <a:solidFill>
                   <a:srgbClr val="3A537B"/>
                 </a:solidFill>
@@ -8956,7 +9589,7 @@
               </a:rPr>
               <a:t>WebView</a:t>
             </a:r>
-            <a:endParaRPr lang="en-NZ" sz="2400" dirty="0" smtClean="0">
+            <a:endParaRPr lang="en-NZ" sz="2000" dirty="0" smtClean="0">
               <a:solidFill>
                 <a:srgbClr val="3A537B"/>
               </a:solidFill>
@@ -9866,21 +10499,6 @@
 </file>
 
 <file path=customXml/item1.xml><?xml version="1.0" encoding="utf-8"?>
-<p:properties xmlns:p="http://schemas.microsoft.com/office/2006/metadata/properties" xmlns:xsi="http://www.w3.org/2001/XMLSchema-instance">
-  <documentManagement/>
-</p:properties>
-</file>
-
-<file path=customXml/item2.xml><?xml version="1.0" encoding="utf-8"?>
-<?mso-contentType ?>
-<FormTemplates xmlns="http://schemas.microsoft.com/sharepoint/v3/contenttype/forms">
-  <Display>DocumentLibraryForm</Display>
-  <Edit>DocumentLibraryForm</Edit>
-  <New>DocumentLibraryForm</New>
-</FormTemplates>
-</file>
-
-<file path=customXml/item3.xml><?xml version="1.0" encoding="utf-8"?>
 <ct:contentTypeSchema xmlns:ct="http://schemas.microsoft.com/office/2006/metadata/contentType" xmlns:ma="http://schemas.microsoft.com/office/2006/metadata/properties/metaAttributes" ct:_="" ma:_="" ma:contentTypeName="Document" ma:contentTypeID="0x0101004DF6D0871B95904AABD22536D8AC85C8" ma:contentTypeVersion="0" ma:contentTypeDescription="Create a new document." ma:contentTypeScope="" ma:versionID="49efcf3338630220492e4247eaca93e8">
   <xsd:schema xmlns:xsd="http://www.w3.org/2001/XMLSchema" xmlns:p="http://schemas.microsoft.com/office/2006/metadata/properties" targetNamespace="http://schemas.microsoft.com/office/2006/metadata/properties" ma:root="true" ma:fieldsID="4aeb20c0e3442673af7ee10786458764">
     <xsd:element name="properties">
@@ -9929,10 +10547,32 @@
 </ct:contentTypeSchema>
 </file>
 
+<file path=customXml/item2.xml><?xml version="1.0" encoding="utf-8"?>
+<?mso-contentType ?>
+<FormTemplates xmlns="http://schemas.microsoft.com/sharepoint/v3/contenttype/forms">
+  <Display>DocumentLibraryForm</Display>
+  <Edit>DocumentLibraryForm</Edit>
+  <New>DocumentLibraryForm</New>
+</FormTemplates>
+</file>
+
+<file path=customXml/item3.xml><?xml version="1.0" encoding="utf-8"?>
+<p:properties xmlns:p="http://schemas.microsoft.com/office/2006/metadata/properties" xmlns:xsi="http://www.w3.org/2001/XMLSchema-instance">
+  <documentManagement/>
+</p:properties>
+</file>
+
 <file path=customXml/itemProps1.xml><?xml version="1.0" encoding="utf-8"?>
-<ds:datastoreItem xmlns:ds="http://schemas.openxmlformats.org/officeDocument/2006/customXml" ds:itemID="{AEBD4C7A-EE81-430E-8E48-8F597B2AAF83}">
+<ds:datastoreItem xmlns:ds="http://schemas.openxmlformats.org/officeDocument/2006/customXml" ds:itemID="{7E1D9E91-416C-4888-A8AA-BE42FEF97FEF}">
   <ds:schemaRefs>
+    <ds:schemaRef ds:uri="http://schemas.microsoft.com/office/2006/metadata/contentType"/>
+    <ds:schemaRef ds:uri="http://schemas.microsoft.com/office/2006/metadata/properties/metaAttributes"/>
+    <ds:schemaRef ds:uri="http://www.w3.org/2001/XMLSchema"/>
     <ds:schemaRef ds:uri="http://schemas.microsoft.com/office/2006/metadata/properties"/>
+    <ds:schemaRef ds:uri="http://schemas.openxmlformats.org/package/2006/metadata/core-properties"/>
+    <ds:schemaRef ds:uri="http://purl.org/dc/elements/1.1/"/>
+    <ds:schemaRef ds:uri="http://purl.org/dc/terms/"/>
+    <ds:schemaRef ds:uri="http://schemas.microsoft.com/office/internal/2005/internalDocumentation"/>
   </ds:schemaRefs>
 </ds:datastoreItem>
 </file>
@@ -9946,16 +10586,9 @@
 </file>
 
 <file path=customXml/itemProps3.xml><?xml version="1.0" encoding="utf-8"?>
-<ds:datastoreItem xmlns:ds="http://schemas.openxmlformats.org/officeDocument/2006/customXml" ds:itemID="{7E1D9E91-416C-4888-A8AA-BE42FEF97FEF}">
+<ds:datastoreItem xmlns:ds="http://schemas.openxmlformats.org/officeDocument/2006/customXml" ds:itemID="{AEBD4C7A-EE81-430E-8E48-8F597B2AAF83}">
   <ds:schemaRefs>
-    <ds:schemaRef ds:uri="http://schemas.microsoft.com/office/2006/metadata/contentType"/>
-    <ds:schemaRef ds:uri="http://schemas.microsoft.com/office/2006/metadata/properties/metaAttributes"/>
-    <ds:schemaRef ds:uri="http://www.w3.org/2001/XMLSchema"/>
     <ds:schemaRef ds:uri="http://schemas.microsoft.com/office/2006/metadata/properties"/>
-    <ds:schemaRef ds:uri="http://schemas.openxmlformats.org/package/2006/metadata/core-properties"/>
-    <ds:schemaRef ds:uri="http://purl.org/dc/elements/1.1/"/>
-    <ds:schemaRef ds:uri="http://purl.org/dc/terms/"/>
-    <ds:schemaRef ds:uri="http://schemas.microsoft.com/office/internal/2005/internalDocumentation"/>
   </ds:schemaRefs>
 </ds:datastoreItem>
 </file>
--- a/WhatsNewInWindows81/WhatsNewInWindows81.pptx
+++ b/WhatsNewInWindows81/WhatsNewInWindows81.pptx
@@ -2008,10 +2008,9 @@
               <a:buChar char="-"/>
             </a:pPr>
             <a:r>
-              <a:rPr lang="en-NZ" baseline="0" smtClean="0"/>
+              <a:rPr lang="en-NZ" baseline="0" dirty="0" smtClean="0"/>
               <a:t>Design Data</a:t>
             </a:r>
-            <a:endParaRPr lang="en-NZ" baseline="0" dirty="0" smtClean="0"/>
           </a:p>
           <a:p>
             <a:pPr marL="0" indent="0">
@@ -2079,84 +2078,6 @@
           <a:bodyPr/>
           <a:lstStyle/>
           <a:p>
-            <a:r>
-              <a:rPr lang="en-AU" dirty="0" smtClean="0"/>
-              <a:t>Hub – has sections, helps do things.</a:t>
-            </a:r>
-          </a:p>
-          <a:p>
-            <a:endParaRPr lang="en-AU" dirty="0" smtClean="0"/>
-          </a:p>
-          <a:p>
-            <a:r>
-              <a:rPr lang="en-AU" dirty="0" err="1" smtClean="0"/>
-              <a:t>Searchbox</a:t>
-            </a:r>
-            <a:endParaRPr lang="en-AU" dirty="0" smtClean="0"/>
-          </a:p>
-          <a:p>
-            <a:r>
-              <a:rPr lang="en-AU" baseline="0" dirty="0" smtClean="0"/>
-              <a:t>-   Because the search charm is dead!</a:t>
-            </a:r>
-            <a:endParaRPr lang="en-AU" dirty="0" smtClean="0"/>
-          </a:p>
-          <a:p>
-            <a:pPr marL="171450" indent="-171450">
-              <a:buFontTx/>
-              <a:buChar char="-"/>
-            </a:pPr>
-            <a:r>
-              <a:rPr lang="en-AU" dirty="0" err="1" smtClean="0"/>
-              <a:t>onquerychanged</a:t>
-            </a:r>
-            <a:endParaRPr lang="en-AU" dirty="0" smtClean="0"/>
-          </a:p>
-          <a:p>
-            <a:pPr marL="171450" indent="-171450">
-              <a:buFontTx/>
-              <a:buChar char="-"/>
-            </a:pPr>
-            <a:r>
-              <a:rPr lang="en-AU" dirty="0" err="1" smtClean="0"/>
-              <a:t>onquerysubmitted</a:t>
-            </a:r>
-            <a:endParaRPr lang="en-AU" dirty="0" smtClean="0"/>
-          </a:p>
-          <a:p>
-            <a:pPr marL="171450" indent="-171450">
-              <a:buFontTx/>
-              <a:buChar char="-"/>
-            </a:pPr>
-            <a:r>
-              <a:rPr lang="en-AU" dirty="0" err="1" smtClean="0"/>
-              <a:t>onreceivingfocusonkeyboardinput</a:t>
-            </a:r>
-            <a:endParaRPr lang="en-AU" dirty="0" smtClean="0"/>
-          </a:p>
-          <a:p>
-            <a:pPr marL="171450" indent="-171450">
-              <a:buFontTx/>
-              <a:buChar char="-"/>
-            </a:pPr>
-            <a:r>
-              <a:rPr lang="en-AU" dirty="0" err="1" smtClean="0"/>
-              <a:t>onresultsuggestionschosen</a:t>
-            </a:r>
-            <a:endParaRPr lang="en-AU" dirty="0" smtClean="0"/>
-          </a:p>
-          <a:p>
-            <a:pPr marL="171450" indent="-171450">
-              <a:buFontTx/>
-              <a:buChar char="-"/>
-            </a:pPr>
-            <a:r>
-              <a:rPr lang="en-AU" dirty="0" err="1" smtClean="0"/>
-              <a:t>onsuggestionsrequested</a:t>
-            </a:r>
-            <a:endParaRPr lang="en-AU" dirty="0" smtClean="0"/>
-          </a:p>
-          <a:p>
             <a:endParaRPr lang="en-NZ" dirty="0"/>
           </a:p>
         </p:txBody>
@@ -2218,6 +2139,280 @@
           <a:bodyPr/>
           <a:lstStyle/>
           <a:p>
+            <a:r>
+              <a:rPr lang="en-AU" dirty="0" smtClean="0"/>
+              <a:t>Hub – has sections, helps do things.</a:t>
+            </a:r>
+          </a:p>
+          <a:p>
+            <a:r>
+              <a:rPr lang="en-AU" dirty="0" smtClean="0"/>
+              <a:t> - Similar to XAML version</a:t>
+            </a:r>
+          </a:p>
+          <a:p>
+            <a:r>
+              <a:rPr lang="en-AU" dirty="0" smtClean="0"/>
+              <a:t> - add a new section and throw in some HTML</a:t>
+            </a:r>
+          </a:p>
+          <a:p>
+            <a:endParaRPr lang="en-AU" dirty="0" smtClean="0"/>
+          </a:p>
+          <a:p>
+            <a:r>
+              <a:rPr lang="en-AU" dirty="0" smtClean="0"/>
+              <a:t>Media Queries</a:t>
+            </a:r>
+          </a:p>
+          <a:p>
+            <a:pPr marL="171450" indent="-171450">
+              <a:buFontTx/>
+              <a:buChar char="-"/>
+            </a:pPr>
+            <a:r>
+              <a:rPr lang="en-AU" dirty="0" smtClean="0"/>
+              <a:t>Don’t use </a:t>
+            </a:r>
+            <a:r>
+              <a:rPr lang="en-NZ" sz="1200" kern="1200" dirty="0" smtClean="0">
+                <a:solidFill>
+                  <a:schemeClr val="tx1"/>
+                </a:solidFill>
+                <a:latin typeface="+mn-lt"/>
+                <a:ea typeface="+mn-ea"/>
+                <a:cs typeface="+mn-cs"/>
+              </a:rPr>
+              <a:t>-</a:t>
+            </a:r>
+            <a:r>
+              <a:rPr lang="en-NZ" sz="1200" kern="1200" dirty="0" err="1" smtClean="0">
+                <a:solidFill>
+                  <a:schemeClr val="tx1"/>
+                </a:solidFill>
+                <a:latin typeface="+mn-lt"/>
+                <a:ea typeface="+mn-ea"/>
+                <a:cs typeface="+mn-cs"/>
+              </a:rPr>
+              <a:t>ms</a:t>
+            </a:r>
+            <a:r>
+              <a:rPr lang="en-NZ" sz="1200" kern="1200" dirty="0" smtClean="0">
+                <a:solidFill>
+                  <a:schemeClr val="tx1"/>
+                </a:solidFill>
+                <a:latin typeface="+mn-lt"/>
+                <a:ea typeface="+mn-ea"/>
+                <a:cs typeface="+mn-cs"/>
+              </a:rPr>
+              <a:t>-view-state</a:t>
+            </a:r>
+          </a:p>
+          <a:p>
+            <a:pPr marL="171450" indent="-171450">
+              <a:buFontTx/>
+              <a:buChar char="-"/>
+            </a:pPr>
+            <a:r>
+              <a:rPr lang="en-AU" sz="1200" kern="1200" dirty="0" smtClean="0">
+                <a:solidFill>
+                  <a:schemeClr val="tx1"/>
+                </a:solidFill>
+                <a:latin typeface="+mn-lt"/>
+                <a:ea typeface="+mn-ea"/>
+                <a:cs typeface="+mn-cs"/>
+              </a:rPr>
+              <a:t>Do</a:t>
+            </a:r>
+            <a:r>
+              <a:rPr lang="en-AU" sz="1200" kern="1200" baseline="0" dirty="0" smtClean="0">
+                <a:solidFill>
+                  <a:schemeClr val="tx1"/>
+                </a:solidFill>
+                <a:latin typeface="+mn-lt"/>
+                <a:ea typeface="+mn-ea"/>
+                <a:cs typeface="+mn-cs"/>
+              </a:rPr>
+              <a:t> </a:t>
+            </a:r>
+            <a:r>
+              <a:rPr lang="en-AU" sz="1200" kern="1200" baseline="0" smtClean="0">
+                <a:solidFill>
+                  <a:schemeClr val="tx1"/>
+                </a:solidFill>
+                <a:latin typeface="+mn-lt"/>
+                <a:ea typeface="+mn-ea"/>
+                <a:cs typeface="+mn-cs"/>
+              </a:rPr>
+              <a:t>use Width</a:t>
+            </a:r>
+            <a:endParaRPr lang="en-NZ" sz="1200" kern="1200" dirty="0" smtClean="0">
+              <a:solidFill>
+                <a:schemeClr val="tx1"/>
+              </a:solidFill>
+              <a:latin typeface="+mn-lt"/>
+              <a:ea typeface="+mn-ea"/>
+              <a:cs typeface="+mn-cs"/>
+            </a:endParaRPr>
+          </a:p>
+          <a:p>
+            <a:r>
+              <a:rPr lang="en-NZ" sz="1200" kern="1200" dirty="0" smtClean="0">
+                <a:solidFill>
+                  <a:schemeClr val="tx1"/>
+                </a:solidFill>
+                <a:latin typeface="+mn-lt"/>
+                <a:ea typeface="+mn-ea"/>
+                <a:cs typeface="+mn-cs"/>
+              </a:rPr>
+              <a:t>- @media screen and (max-width: 760) { }</a:t>
+            </a:r>
+            <a:endParaRPr lang="en-AU" dirty="0" smtClean="0"/>
+          </a:p>
+          <a:p>
+            <a:endParaRPr lang="en-AU" dirty="0" smtClean="0"/>
+          </a:p>
+          <a:p>
+            <a:endParaRPr lang="en-AU" dirty="0" smtClean="0"/>
+          </a:p>
+          <a:p>
+            <a:r>
+              <a:rPr lang="en-AU" dirty="0" err="1" smtClean="0"/>
+              <a:t>Searchbox</a:t>
+            </a:r>
+            <a:endParaRPr lang="en-AU" dirty="0" smtClean="0"/>
+          </a:p>
+          <a:p>
+            <a:r>
+              <a:rPr lang="en-AU" baseline="0" dirty="0" smtClean="0"/>
+              <a:t>-   </a:t>
+            </a:r>
+            <a:r>
+              <a:rPr lang="en-AU" dirty="0" err="1" smtClean="0"/>
+              <a:t>onquerychanged</a:t>
+            </a:r>
+            <a:endParaRPr lang="en-AU" dirty="0" smtClean="0"/>
+          </a:p>
+          <a:p>
+            <a:pPr marL="171450" indent="-171450">
+              <a:buFontTx/>
+              <a:buChar char="-"/>
+            </a:pPr>
+            <a:r>
+              <a:rPr lang="en-AU" dirty="0" err="1" smtClean="0"/>
+              <a:t>onquerysubmitted</a:t>
+            </a:r>
+            <a:endParaRPr lang="en-AU" dirty="0" smtClean="0"/>
+          </a:p>
+          <a:p>
+            <a:pPr marL="171450" indent="-171450">
+              <a:buFontTx/>
+              <a:buChar char="-"/>
+            </a:pPr>
+            <a:r>
+              <a:rPr lang="en-AU" dirty="0" err="1" smtClean="0"/>
+              <a:t>onreceivingfocusonkeyboardinput</a:t>
+            </a:r>
+            <a:endParaRPr lang="en-AU" dirty="0" smtClean="0"/>
+          </a:p>
+          <a:p>
+            <a:pPr marL="171450" indent="-171450">
+              <a:buFontTx/>
+              <a:buChar char="-"/>
+            </a:pPr>
+            <a:r>
+              <a:rPr lang="en-AU" dirty="0" err="1" smtClean="0"/>
+              <a:t>onresultsuggestionschosen</a:t>
+            </a:r>
+            <a:endParaRPr lang="en-AU" dirty="0" smtClean="0"/>
+          </a:p>
+          <a:p>
+            <a:pPr marL="171450" indent="-171450">
+              <a:buFontTx/>
+              <a:buChar char="-"/>
+            </a:pPr>
+            <a:r>
+              <a:rPr lang="en-AU" dirty="0" err="1" smtClean="0"/>
+              <a:t>onsuggestionsrequested</a:t>
+            </a:r>
+            <a:endParaRPr lang="en-AU" dirty="0" smtClean="0"/>
+          </a:p>
+          <a:p>
+            <a:endParaRPr lang="en-AU" dirty="0" smtClean="0"/>
+          </a:p>
+          <a:p>
+            <a:endParaRPr lang="en-AU" dirty="0" smtClean="0"/>
+          </a:p>
+          <a:p>
+            <a:r>
+              <a:rPr lang="en-AU" dirty="0" smtClean="0"/>
+              <a:t>Repeater/</a:t>
+            </a:r>
+            <a:r>
+              <a:rPr lang="en-AU" dirty="0" err="1" smtClean="0"/>
+              <a:t>ItemContainer</a:t>
+            </a:r>
+            <a:r>
+              <a:rPr lang="en-AU" baseline="0" dirty="0" smtClean="0"/>
+              <a:t> Combo for light weight </a:t>
+            </a:r>
+            <a:r>
+              <a:rPr lang="en-AU" baseline="0" dirty="0" err="1" smtClean="0"/>
+              <a:t>listview</a:t>
+            </a:r>
+            <a:r>
+              <a:rPr lang="en-AU" baseline="0" dirty="0" smtClean="0"/>
+              <a:t> type control</a:t>
+            </a:r>
+          </a:p>
+          <a:p>
+            <a:endParaRPr lang="en-AU" baseline="0" dirty="0" smtClean="0"/>
+          </a:p>
+          <a:p>
+            <a:endParaRPr lang="en-AU" baseline="0" dirty="0" smtClean="0"/>
+          </a:p>
+          <a:p>
+            <a:r>
+              <a:rPr lang="en-AU" baseline="0" dirty="0" smtClean="0"/>
+              <a:t>Create </a:t>
+            </a:r>
+            <a:r>
+              <a:rPr lang="en-AU" baseline="0" dirty="0" err="1" smtClean="0"/>
+              <a:t>theNavBar</a:t>
+            </a:r>
+            <a:endParaRPr lang="en-AU" baseline="0" dirty="0" smtClean="0"/>
+          </a:p>
+          <a:p>
+            <a:r>
+              <a:rPr lang="en-AU" baseline="0" dirty="0" smtClean="0"/>
+              <a:t> - </a:t>
+            </a:r>
+            <a:r>
+              <a:rPr lang="en-AU" baseline="0" dirty="0" err="1" smtClean="0"/>
+              <a:t>WinJS.UI.NavBar</a:t>
+            </a:r>
+            <a:endParaRPr lang="en-AU" baseline="0" dirty="0" smtClean="0"/>
+          </a:p>
+          <a:p>
+            <a:r>
+              <a:rPr lang="en-AU" baseline="0" dirty="0" smtClean="0"/>
+              <a:t> - </a:t>
+            </a:r>
+            <a:r>
+              <a:rPr lang="en-AU" baseline="0" dirty="0" err="1" smtClean="0"/>
+              <a:t>WinJS.UI.NavBarContainer</a:t>
+            </a:r>
+            <a:endParaRPr lang="en-AU" baseline="0" dirty="0" smtClean="0"/>
+          </a:p>
+          <a:p>
+            <a:r>
+              <a:rPr lang="en-AU" baseline="0" dirty="0" smtClean="0"/>
+              <a:t> - </a:t>
+            </a:r>
+            <a:r>
+              <a:rPr lang="en-AU" baseline="0" dirty="0" err="1" smtClean="0"/>
+              <a:t>WinJS.UI.NavBarCommand</a:t>
+            </a:r>
             <a:endParaRPr lang="en-NZ" dirty="0"/>
           </a:p>
         </p:txBody>
@@ -5858,14 +6053,14 @@
       </p:sp>
       <p:sp>
         <p:nvSpPr>
-          <p:cNvPr id="5" name="TextBox 4"/>
+          <p:cNvPr id="7" name="TextBox 6"/>
           <p:cNvSpPr txBox="1"/>
           <p:nvPr/>
         </p:nvSpPr>
         <p:spPr>
           <a:xfrm>
-            <a:off x="612512" y="1771471"/>
-            <a:ext cx="2736262" cy="3416320"/>
+            <a:off x="609599" y="3485346"/>
+            <a:ext cx="4812343" cy="2554545"/>
           </a:xfrm>
           <a:prstGeom prst="rect">
             <a:avLst/>
@@ -5883,22 +6078,52 @@
               <a:buChar char="•"/>
             </a:pPr>
             <a:r>
-              <a:rPr lang="en-NZ" sz="2400" smtClean="0">
-                <a:solidFill>
-                  <a:srgbClr val="3A537B"/>
-                </a:solidFill>
-                <a:latin typeface="Segoe UI Semilight" panose="020B0402040204020203" pitchFamily="34" charset="0"/>
-                <a:cs typeface="Segoe UI Semilight" panose="020B0402040204020203" pitchFamily="34" charset="0"/>
-              </a:rPr>
-              <a:t>Hub Control</a:t>
-            </a:r>
-          </a:p>
-          <a:p>
-            <a:pPr marL="742950" lvl="1" indent="-285750">
-              <a:buFont typeface="Arial" panose="020B0604020202020204" pitchFamily="34" charset="0"/>
-              <a:buChar char="•"/>
-            </a:pPr>
-            <a:endParaRPr lang="en-NZ" sz="2400" smtClean="0">
+              <a:rPr lang="en-NZ" sz="3200" dirty="0" smtClean="0">
+                <a:solidFill>
+                  <a:srgbClr val="3A537B"/>
+                </a:solidFill>
+                <a:latin typeface="Segoe UI Semilight" panose="020B0402040204020203" pitchFamily="34" charset="0"/>
+                <a:cs typeface="Segoe UI Semilight" panose="020B0402040204020203" pitchFamily="34" charset="0"/>
+              </a:rPr>
+              <a:t>Hub </a:t>
+            </a:r>
+            <a:r>
+              <a:rPr lang="en-NZ" sz="3200" dirty="0" smtClean="0">
+                <a:solidFill>
+                  <a:srgbClr val="3A537B"/>
+                </a:solidFill>
+                <a:latin typeface="Segoe UI Semilight" panose="020B0402040204020203" pitchFamily="34" charset="0"/>
+                <a:cs typeface="Segoe UI Semilight" panose="020B0402040204020203" pitchFamily="34" charset="0"/>
+              </a:rPr>
+              <a:t>Control</a:t>
+            </a:r>
+          </a:p>
+          <a:p>
+            <a:pPr marL="285750" indent="-285750">
+              <a:buFont typeface="Arial" panose="020B0604020202020204" pitchFamily="34" charset="0"/>
+              <a:buChar char="•"/>
+            </a:pPr>
+            <a:r>
+              <a:rPr lang="en-NZ" sz="3200" dirty="0" smtClean="0">
+                <a:solidFill>
+                  <a:srgbClr val="3A537B"/>
+                </a:solidFill>
+                <a:latin typeface="Segoe UI Semilight" panose="020B0402040204020203" pitchFamily="34" charset="0"/>
+                <a:cs typeface="Segoe UI Semilight" panose="020B0402040204020203" pitchFamily="34" charset="0"/>
+              </a:rPr>
+              <a:t>Search </a:t>
+            </a:r>
+            <a:r>
+              <a:rPr lang="en-NZ" sz="3200" dirty="0" smtClean="0">
+                <a:solidFill>
+                  <a:srgbClr val="3A537B"/>
+                </a:solidFill>
+                <a:latin typeface="Segoe UI Semilight" panose="020B0402040204020203" pitchFamily="34" charset="0"/>
+                <a:cs typeface="Segoe UI Semilight" panose="020B0402040204020203" pitchFamily="34" charset="0"/>
+              </a:rPr>
+              <a:t>box</a:t>
+            </a:r>
+            <a:endParaRPr lang="en-NZ" sz="3200" dirty="0" smtClean="0">
               <a:solidFill>
                 <a:srgbClr val="3A537B"/>
               </a:solidFill>
@@ -5912,32 +6137,16 @@
               <a:buChar char="•"/>
             </a:pPr>
             <a:r>
-              <a:rPr lang="en-NZ" sz="2400" smtClean="0">
-                <a:solidFill>
-                  <a:srgbClr val="3A537B"/>
-                </a:solidFill>
-                <a:latin typeface="Segoe UI Semilight" panose="020B0402040204020203" pitchFamily="34" charset="0"/>
-                <a:cs typeface="Segoe UI Semilight" panose="020B0402040204020203" pitchFamily="34" charset="0"/>
-              </a:rPr>
-              <a:t>Search box – </a:t>
-            </a:r>
-            <a:r>
-              <a:rPr lang="en-NZ" smtClean="0">
-                <a:solidFill>
-                  <a:srgbClr val="3A537B"/>
-                </a:solidFill>
-                <a:latin typeface="Segoe UI Semilight" panose="020B0402040204020203" pitchFamily="34" charset="0"/>
-                <a:cs typeface="Segoe UI Semilight" panose="020B0402040204020203" pitchFamily="34" charset="0"/>
-              </a:rPr>
-              <a:t>why?</a:t>
-            </a:r>
-          </a:p>
-          <a:p>
-            <a:pPr marL="285750" indent="-285750">
-              <a:buFont typeface="Arial" panose="020B0604020202020204" pitchFamily="34" charset="0"/>
-              <a:buChar char="•"/>
-            </a:pPr>
-            <a:endParaRPr lang="en-NZ" sz="2400" smtClean="0">
+              <a:rPr lang="en-NZ" sz="3200" dirty="0" err="1" smtClean="0">
+                <a:solidFill>
+                  <a:srgbClr val="3A537B"/>
+                </a:solidFill>
+                <a:latin typeface="Segoe UI Semilight" panose="020B0402040204020203" pitchFamily="34" charset="0"/>
+                <a:cs typeface="Segoe UI Semilight" panose="020B0402040204020203" pitchFamily="34" charset="0"/>
+              </a:rPr>
+              <a:t>BackButton</a:t>
+            </a:r>
+            <a:endParaRPr lang="en-NZ" sz="3200" dirty="0" smtClean="0">
               <a:solidFill>
                 <a:srgbClr val="3A537B"/>
               </a:solidFill>
@@ -5951,22 +6160,16 @@
               <a:buChar char="•"/>
             </a:pPr>
             <a:r>
-              <a:rPr lang="en-NZ" sz="2400" smtClean="0">
-                <a:solidFill>
-                  <a:srgbClr val="3A537B"/>
-                </a:solidFill>
-                <a:latin typeface="Segoe UI Semilight" panose="020B0402040204020203" pitchFamily="34" charset="0"/>
-                <a:cs typeface="Segoe UI Semilight" panose="020B0402040204020203" pitchFamily="34" charset="0"/>
-              </a:rPr>
-              <a:t>BackButton</a:t>
-            </a:r>
-          </a:p>
-          <a:p>
-            <a:pPr marL="285750" indent="-285750">
-              <a:buFont typeface="Arial" panose="020B0604020202020204" pitchFamily="34" charset="0"/>
-              <a:buChar char="•"/>
-            </a:pPr>
-            <a:endParaRPr lang="en-NZ" sz="2400" smtClean="0">
+              <a:rPr lang="en-NZ" sz="3200" dirty="0" smtClean="0">
+                <a:solidFill>
+                  <a:srgbClr val="3A537B"/>
+                </a:solidFill>
+                <a:latin typeface="Segoe UI Semilight" panose="020B0402040204020203" pitchFamily="34" charset="0"/>
+                <a:cs typeface="Segoe UI Semilight" panose="020B0402040204020203" pitchFamily="34" charset="0"/>
+              </a:rPr>
+              <a:t>Repeater/Item Container</a:t>
+            </a:r>
+            <a:endParaRPr lang="en-NZ" sz="3200" dirty="0" smtClean="0">
               <a:solidFill>
                 <a:srgbClr val="3A537B"/>
               </a:solidFill>
@@ -5980,22 +6183,16 @@
               <a:buChar char="•"/>
             </a:pPr>
             <a:r>
-              <a:rPr lang="en-NZ" sz="2400" smtClean="0">
-                <a:solidFill>
-                  <a:srgbClr val="3A537B"/>
-                </a:solidFill>
-                <a:latin typeface="Segoe UI Semilight" panose="020B0402040204020203" pitchFamily="34" charset="0"/>
-                <a:cs typeface="Segoe UI Semilight" panose="020B0402040204020203" pitchFamily="34" charset="0"/>
-              </a:rPr>
-              <a:t>Repeater</a:t>
-            </a:r>
-          </a:p>
-          <a:p>
-            <a:pPr marL="285750" indent="-285750">
-              <a:buFont typeface="Arial" panose="020B0604020202020204" pitchFamily="34" charset="0"/>
-              <a:buChar char="•"/>
-            </a:pPr>
-            <a:endParaRPr lang="en-NZ" sz="2400" smtClean="0">
+              <a:rPr lang="en-NZ" sz="3200" dirty="0" err="1" smtClean="0">
+                <a:solidFill>
+                  <a:srgbClr val="3A537B"/>
+                </a:solidFill>
+                <a:latin typeface="Segoe UI Semilight" panose="020B0402040204020203" pitchFamily="34" charset="0"/>
+                <a:cs typeface="Segoe UI Semilight" panose="020B0402040204020203" pitchFamily="34" charset="0"/>
+              </a:rPr>
+              <a:t>Navbar</a:t>
+            </a:r>
+            <a:endParaRPr lang="en-NZ" sz="3200" dirty="0" smtClean="0">
               <a:solidFill>
                 <a:srgbClr val="3A537B"/>
               </a:solidFill>
@@ -6003,22 +6200,94 @@
               <a:cs typeface="Segoe UI Semilight" panose="020B0402040204020203" pitchFamily="34" charset="0"/>
             </a:endParaRPr>
           </a:p>
+        </p:txBody>
+      </p:sp>
+      <p:sp>
+        <p:nvSpPr>
+          <p:cNvPr id="8" name="TextBox 7"/>
+          <p:cNvSpPr txBox="1"/>
+          <p:nvPr/>
+        </p:nvSpPr>
+        <p:spPr>
+          <a:xfrm>
+            <a:off x="609599" y="1405354"/>
+            <a:ext cx="3936912" cy="1569660"/>
+          </a:xfrm>
+          <a:prstGeom prst="rect">
+            <a:avLst/>
+          </a:prstGeom>
+          <a:noFill/>
+        </p:spPr>
+        <p:txBody>
+          <a:bodyPr wrap="none" rtlCol="0">
+            <a:spAutoFit/>
+          </a:bodyPr>
+          <a:lstStyle/>
           <a:p>
             <a:pPr marL="285750" indent="-285750">
               <a:buFont typeface="Arial" panose="020B0604020202020204" pitchFamily="34" charset="0"/>
               <a:buChar char="•"/>
             </a:pPr>
             <a:r>
-              <a:rPr lang="en-NZ" sz="2400" smtClean="0">
-                <a:solidFill>
-                  <a:srgbClr val="3A537B"/>
-                </a:solidFill>
-                <a:latin typeface="Segoe UI Semilight" panose="020B0402040204020203" pitchFamily="34" charset="0"/>
-                <a:cs typeface="Segoe UI Semilight" panose="020B0402040204020203" pitchFamily="34" charset="0"/>
-              </a:rPr>
-              <a:t>Navbar</a:t>
-            </a:r>
-            <a:endParaRPr lang="en-NZ" sz="2400" dirty="0" smtClean="0">
+              <a:rPr lang="en-AU" sz="3200" dirty="0" smtClean="0">
+                <a:solidFill>
+                  <a:srgbClr val="3A537B"/>
+                </a:solidFill>
+                <a:latin typeface="Segoe UI Semilight" panose="020B0402040204020203" pitchFamily="34" charset="0"/>
+                <a:cs typeface="Segoe UI Semilight" panose="020B0402040204020203" pitchFamily="34" charset="0"/>
+              </a:rPr>
+              <a:t>Hub Template</a:t>
+            </a:r>
+            <a:endParaRPr lang="en-NZ" sz="3200" dirty="0" smtClean="0">
+              <a:solidFill>
+                <a:srgbClr val="3A537B"/>
+              </a:solidFill>
+              <a:latin typeface="Segoe UI Semilight" panose="020B0402040204020203" pitchFamily="34" charset="0"/>
+              <a:cs typeface="Segoe UI Semilight" panose="020B0402040204020203" pitchFamily="34" charset="0"/>
+            </a:endParaRPr>
+          </a:p>
+          <a:p>
+            <a:pPr marL="285750" indent="-285750">
+              <a:buFont typeface="Arial" panose="020B0604020202020204" pitchFamily="34" charset="0"/>
+              <a:buChar char="•"/>
+            </a:pPr>
+            <a:r>
+              <a:rPr lang="en-AU" sz="3200" dirty="0" smtClean="0">
+                <a:solidFill>
+                  <a:srgbClr val="3A537B"/>
+                </a:solidFill>
+                <a:latin typeface="Segoe UI Semilight" panose="020B0402040204020203" pitchFamily="34" charset="0"/>
+                <a:cs typeface="Segoe UI Semilight" panose="020B0402040204020203" pitchFamily="34" charset="0"/>
+              </a:rPr>
+              <a:t>Fixed Layout (gone)</a:t>
+            </a:r>
+          </a:p>
+          <a:p>
+            <a:pPr marL="285750" indent="-285750">
+              <a:buFont typeface="Arial" panose="020B0604020202020204" pitchFamily="34" charset="0"/>
+              <a:buChar char="•"/>
+            </a:pPr>
+            <a:r>
+              <a:rPr lang="en-AU" sz="3200" dirty="0" smtClean="0">
+                <a:solidFill>
+                  <a:srgbClr val="3A537B"/>
+                </a:solidFill>
+                <a:latin typeface="Segoe UI Semilight" panose="020B0402040204020203" pitchFamily="34" charset="0"/>
+                <a:cs typeface="Segoe UI Semilight" panose="020B0402040204020203" pitchFamily="34" charset="0"/>
+              </a:rPr>
+              <a:t>CSS Media </a:t>
+            </a:r>
+            <a:r>
+              <a:rPr lang="en-AU" sz="3200" dirty="0" smtClean="0">
+                <a:solidFill>
+                  <a:srgbClr val="3A537B"/>
+                </a:solidFill>
+                <a:latin typeface="Segoe UI Semilight" panose="020B0402040204020203" pitchFamily="34" charset="0"/>
+                <a:cs typeface="Segoe UI Semilight" panose="020B0402040204020203" pitchFamily="34" charset="0"/>
+              </a:rPr>
+              <a:t>queries</a:t>
+            </a:r>
+            <a:endParaRPr lang="en-NZ" sz="3200" dirty="0" smtClean="0">
               <a:solidFill>
                 <a:srgbClr val="3A537B"/>
               </a:solidFill>
@@ -6486,17 +6755,7 @@
                 <a:latin typeface="Segoe UI Semilight" panose="020B0402040204020203" pitchFamily="34" charset="0"/>
                 <a:cs typeface="Segoe UI Semilight" panose="020B0402040204020203" pitchFamily="34" charset="0"/>
               </a:rPr>
-              <a:t>Wintellect</a:t>
-            </a:r>
-            <a:r>
-              <a:rPr lang="en-NZ" sz="2400" dirty="0" err="1" smtClean="0">
-                <a:solidFill>
-                  <a:srgbClr val="3A537B"/>
-                </a:solidFill>
-                <a:latin typeface="Segoe UI Semilight" panose="020B0402040204020203" pitchFamily="34" charset="0"/>
-                <a:cs typeface="Segoe UI Semilight" panose="020B0402040204020203" pitchFamily="34" charset="0"/>
-              </a:rPr>
-              <a:t>’s</a:t>
+              <a:t>Wintellect’s</a:t>
             </a:r>
             <a:r>
               <a:rPr lang="en-NZ" sz="2400" dirty="0" smtClean="0">
@@ -7869,17 +8128,7 @@
                 <a:latin typeface="Segoe UI Semilight" panose="020B0402040204020203" pitchFamily="34" charset="0"/>
                 <a:cs typeface="Segoe UI Semilight" panose="020B0402040204020203" pitchFamily="34" charset="0"/>
               </a:rPr>
-              <a:t>Start </a:t>
-            </a:r>
-            <a:r>
-              <a:rPr lang="en-NZ" sz="2400" dirty="0" smtClean="0">
-                <a:solidFill>
-                  <a:srgbClr val="3A537B"/>
-                </a:solidFill>
-                <a:latin typeface="Segoe UI Semilight" panose="020B0402040204020203" pitchFamily="34" charset="0"/>
-                <a:cs typeface="Segoe UI Semilight" panose="020B0402040204020203" pitchFamily="34" charset="0"/>
-              </a:rPr>
-              <a:t>Screen</a:t>
+              <a:t>Start Screen</a:t>
             </a:r>
             <a:endParaRPr lang="en-NZ" sz="2000" dirty="0" smtClean="0">
               <a:solidFill>
@@ -8036,13 +8285,6 @@
               </a:rPr>
               <a:t>Share</a:t>
             </a:r>
-            <a:endParaRPr lang="en-NZ" sz="2400" dirty="0" smtClean="0">
-              <a:solidFill>
-                <a:srgbClr val="3A537B"/>
-              </a:solidFill>
-              <a:latin typeface="Segoe UI Semilight" panose="020B0402040204020203" pitchFamily="34" charset="0"/>
-              <a:cs typeface="Segoe UI Semilight" panose="020B0402040204020203" pitchFamily="34" charset="0"/>
-            </a:endParaRPr>
           </a:p>
           <a:p>
             <a:pPr marL="742950" lvl="1" indent="-285750">
@@ -10499,6 +10741,15 @@
 </file>
 
 <file path=customXml/item1.xml><?xml version="1.0" encoding="utf-8"?>
+<?mso-contentType ?>
+<FormTemplates xmlns="http://schemas.microsoft.com/sharepoint/v3/contenttype/forms">
+  <Display>DocumentLibraryForm</Display>
+  <Edit>DocumentLibraryForm</Edit>
+  <New>DocumentLibraryForm</New>
+</FormTemplates>
+</file>
+
+<file path=customXml/item2.xml><?xml version="1.0" encoding="utf-8"?>
 <ct:contentTypeSchema xmlns:ct="http://schemas.microsoft.com/office/2006/metadata/contentType" xmlns:ma="http://schemas.microsoft.com/office/2006/metadata/properties/metaAttributes" ct:_="" ma:_="" ma:contentTypeName="Document" ma:contentTypeID="0x0101004DF6D0871B95904AABD22536D8AC85C8" ma:contentTypeVersion="0" ma:contentTypeDescription="Create a new document." ma:contentTypeScope="" ma:versionID="49efcf3338630220492e4247eaca93e8">
   <xsd:schema xmlns:xsd="http://www.w3.org/2001/XMLSchema" xmlns:p="http://schemas.microsoft.com/office/2006/metadata/properties" targetNamespace="http://schemas.microsoft.com/office/2006/metadata/properties" ma:root="true" ma:fieldsID="4aeb20c0e3442673af7ee10786458764">
     <xsd:element name="properties">
@@ -10547,15 +10798,6 @@
 </ct:contentTypeSchema>
 </file>
 
-<file path=customXml/item2.xml><?xml version="1.0" encoding="utf-8"?>
-<?mso-contentType ?>
-<FormTemplates xmlns="http://schemas.microsoft.com/sharepoint/v3/contenttype/forms">
-  <Display>DocumentLibraryForm</Display>
-  <Edit>DocumentLibraryForm</Edit>
-  <New>DocumentLibraryForm</New>
-</FormTemplates>
-</file>
-
 <file path=customXml/item3.xml><?xml version="1.0" encoding="utf-8"?>
 <p:properties xmlns:p="http://schemas.microsoft.com/office/2006/metadata/properties" xmlns:xsi="http://www.w3.org/2001/XMLSchema-instance">
   <documentManagement/>
@@ -10563,6 +10805,14 @@
 </file>
 
 <file path=customXml/itemProps1.xml><?xml version="1.0" encoding="utf-8"?>
+<ds:datastoreItem xmlns:ds="http://schemas.openxmlformats.org/officeDocument/2006/customXml" ds:itemID="{1AB3DE77-6CAF-498C-8660-15E14EE16CD7}">
+  <ds:schemaRefs>
+    <ds:schemaRef ds:uri="http://schemas.microsoft.com/sharepoint/v3/contenttype/forms"/>
+  </ds:schemaRefs>
+</ds:datastoreItem>
+</file>
+
+<file path=customXml/itemProps2.xml><?xml version="1.0" encoding="utf-8"?>
 <ds:datastoreItem xmlns:ds="http://schemas.openxmlformats.org/officeDocument/2006/customXml" ds:itemID="{7E1D9E91-416C-4888-A8AA-BE42FEF97FEF}">
   <ds:schemaRefs>
     <ds:schemaRef ds:uri="http://schemas.microsoft.com/office/2006/metadata/contentType"/>
@@ -10577,14 +10827,6 @@
 </ds:datastoreItem>
 </file>
 
-<file path=customXml/itemProps2.xml><?xml version="1.0" encoding="utf-8"?>
-<ds:datastoreItem xmlns:ds="http://schemas.openxmlformats.org/officeDocument/2006/customXml" ds:itemID="{1AB3DE77-6CAF-498C-8660-15E14EE16CD7}">
-  <ds:schemaRefs>
-    <ds:schemaRef ds:uri="http://schemas.microsoft.com/sharepoint/v3/contenttype/forms"/>
-  </ds:schemaRefs>
-</ds:datastoreItem>
-</file>
-
 <file path=customXml/itemProps3.xml><?xml version="1.0" encoding="utf-8"?>
 <ds:datastoreItem xmlns:ds="http://schemas.openxmlformats.org/officeDocument/2006/customXml" ds:itemID="{AEBD4C7A-EE81-430E-8E48-8F597B2AAF83}">
   <ds:schemaRefs>

--- a/WhatsNewInWindows81/WhatsNewInWindows81.pptx
+++ b/WhatsNewInWindows81/WhatsNewInWindows81.pptx
@@ -1598,6 +1598,61 @@
             <a:endParaRPr lang="en-NZ" baseline="0" dirty="0" smtClean="0"/>
           </a:p>
           <a:p>
+            <a:r>
+              <a:rPr lang="en-US" dirty="0" err="1" smtClean="0"/>
+              <a:t>Http</a:t>
+            </a:r>
+            <a:r>
+              <a:rPr lang="en-US" baseline="0" dirty="0" err="1" smtClean="0"/>
+              <a:t>Client</a:t>
+            </a:r>
+            <a:r>
+              <a:rPr lang="en-US" baseline="0" dirty="0" smtClean="0"/>
+              <a:t> now has chainable filters </a:t>
+            </a:r>
+          </a:p>
+          <a:p>
+            <a:pPr marL="171450" indent="-171450">
+              <a:buFontTx/>
+              <a:buChar char="-"/>
+            </a:pPr>
+            <a:r>
+              <a:rPr lang="en-US" baseline="0" dirty="0" smtClean="0"/>
+              <a:t>Authentication</a:t>
+            </a:r>
+          </a:p>
+          <a:p>
+            <a:pPr marL="171450" indent="-171450">
+              <a:buFontTx/>
+              <a:buChar char="-"/>
+            </a:pPr>
+            <a:r>
+              <a:rPr lang="en-US" baseline="0" dirty="0" smtClean="0"/>
+              <a:t>Caching</a:t>
+            </a:r>
+          </a:p>
+          <a:p>
+            <a:pPr marL="171450" indent="-171450">
+              <a:buFontTx/>
+              <a:buChar char="-"/>
+            </a:pPr>
+            <a:r>
+              <a:rPr lang="en-US" baseline="0" dirty="0" smtClean="0"/>
+              <a:t>Modification of requests/responses</a:t>
+            </a:r>
+          </a:p>
+          <a:p>
+            <a:pPr marL="171450" indent="-171450">
+              <a:buFontTx/>
+              <a:buChar char="-"/>
+            </a:pPr>
+            <a:endParaRPr lang="en-US" baseline="0" smtClean="0"/>
+          </a:p>
+          <a:p>
+            <a:pPr marL="171450" indent="-171450">
+              <a:buFontTx/>
+              <a:buChar char="-"/>
+            </a:pPr>
             <a:endParaRPr lang="en-US" dirty="0"/>
           </a:p>
         </p:txBody>
@@ -2233,18 +2288,7 @@
                 <a:ea typeface="+mn-ea"/>
                 <a:cs typeface="+mn-cs"/>
               </a:rPr>
-              <a:t> </a:t>
-            </a:r>
-            <a:r>
-              <a:rPr lang="en-AU" sz="1200" kern="1200" baseline="0" smtClean="0">
-                <a:solidFill>
-                  <a:schemeClr val="tx1"/>
-                </a:solidFill>
-                <a:latin typeface="+mn-lt"/>
-                <a:ea typeface="+mn-ea"/>
-                <a:cs typeface="+mn-cs"/>
-              </a:rPr>
-              <a:t>use Width</a:t>
+              <a:t> use Width</a:t>
             </a:r>
             <a:endParaRPr lang="en-NZ" sz="1200" kern="1200" dirty="0" smtClean="0">
               <a:solidFill>
@@ -6085,8 +6129,14 @@
                 <a:latin typeface="Segoe UI Semilight" panose="020B0402040204020203" pitchFamily="34" charset="0"/>
                 <a:cs typeface="Segoe UI Semilight" panose="020B0402040204020203" pitchFamily="34" charset="0"/>
               </a:rPr>
-              <a:t>Hub </a:t>
-            </a:r>
+              <a:t>Hub Control</a:t>
+            </a:r>
+          </a:p>
+          <a:p>
+            <a:pPr marL="285750" indent="-285750">
+              <a:buFont typeface="Arial" panose="020B0604020202020204" pitchFamily="34" charset="0"/>
+              <a:buChar char="•"/>
+            </a:pPr>
             <a:r>
               <a:rPr lang="en-NZ" sz="3200" dirty="0" smtClean="0">
                 <a:solidFill>
@@ -6095,7 +6145,7 @@
                 <a:latin typeface="Segoe UI Semilight" panose="020B0402040204020203" pitchFamily="34" charset="0"/>
                 <a:cs typeface="Segoe UI Semilight" panose="020B0402040204020203" pitchFamily="34" charset="0"/>
               </a:rPr>
-              <a:t>Control</a:t>
+              <a:t>Search box</a:t>
             </a:r>
           </a:p>
           <a:p>
@@ -6104,24 +6154,14 @@
               <a:buChar char="•"/>
             </a:pPr>
             <a:r>
-              <a:rPr lang="en-NZ" sz="3200" dirty="0" smtClean="0">
+              <a:rPr lang="en-NZ" sz="3200" dirty="0" err="1" smtClean="0">
                 <a:solidFill>
                   <a:srgbClr val="3A537B"/>
                 </a:solidFill>
                 <a:latin typeface="Segoe UI Semilight" panose="020B0402040204020203" pitchFamily="34" charset="0"/>
                 <a:cs typeface="Segoe UI Semilight" panose="020B0402040204020203" pitchFamily="34" charset="0"/>
               </a:rPr>
-              <a:t>Search </a:t>
-            </a:r>
-            <a:r>
-              <a:rPr lang="en-NZ" sz="3200" dirty="0" smtClean="0">
-                <a:solidFill>
-                  <a:srgbClr val="3A537B"/>
-                </a:solidFill>
-                <a:latin typeface="Segoe UI Semilight" panose="020B0402040204020203" pitchFamily="34" charset="0"/>
-                <a:cs typeface="Segoe UI Semilight" panose="020B0402040204020203" pitchFamily="34" charset="0"/>
-              </a:rPr>
-              <a:t>box</a:t>
+              <a:t>BackButton</a:t>
             </a:r>
             <a:endParaRPr lang="en-NZ" sz="3200" dirty="0" smtClean="0">
               <a:solidFill>
@@ -6137,45 +6177,15 @@
               <a:buChar char="•"/>
             </a:pPr>
             <a:r>
-              <a:rPr lang="en-NZ" sz="3200" dirty="0" err="1" smtClean="0">
+              <a:rPr lang="en-NZ" sz="3200" dirty="0" smtClean="0">
                 <a:solidFill>
                   <a:srgbClr val="3A537B"/>
                 </a:solidFill>
                 <a:latin typeface="Segoe UI Semilight" panose="020B0402040204020203" pitchFamily="34" charset="0"/>
                 <a:cs typeface="Segoe UI Semilight" panose="020B0402040204020203" pitchFamily="34" charset="0"/>
               </a:rPr>
-              <a:t>BackButton</a:t>
-            </a:r>
-            <a:endParaRPr lang="en-NZ" sz="3200" dirty="0" smtClean="0">
-              <a:solidFill>
-                <a:srgbClr val="3A537B"/>
-              </a:solidFill>
-              <a:latin typeface="Segoe UI Semilight" panose="020B0402040204020203" pitchFamily="34" charset="0"/>
-              <a:cs typeface="Segoe UI Semilight" panose="020B0402040204020203" pitchFamily="34" charset="0"/>
-            </a:endParaRPr>
-          </a:p>
-          <a:p>
-            <a:pPr marL="285750" indent="-285750">
-              <a:buFont typeface="Arial" panose="020B0604020202020204" pitchFamily="34" charset="0"/>
-              <a:buChar char="•"/>
-            </a:pPr>
-            <a:r>
-              <a:rPr lang="en-NZ" sz="3200" dirty="0" smtClean="0">
-                <a:solidFill>
-                  <a:srgbClr val="3A537B"/>
-                </a:solidFill>
-                <a:latin typeface="Segoe UI Semilight" panose="020B0402040204020203" pitchFamily="34" charset="0"/>
-                <a:cs typeface="Segoe UI Semilight" panose="020B0402040204020203" pitchFamily="34" charset="0"/>
-              </a:rPr>
               <a:t>Repeater/Item Container</a:t>
             </a:r>
-            <a:endParaRPr lang="en-NZ" sz="3200" dirty="0" smtClean="0">
-              <a:solidFill>
-                <a:srgbClr val="3A537B"/>
-              </a:solidFill>
-              <a:latin typeface="Segoe UI Semilight" panose="020B0402040204020203" pitchFamily="34" charset="0"/>
-              <a:cs typeface="Segoe UI Semilight" panose="020B0402040204020203" pitchFamily="34" charset="0"/>
-            </a:endParaRPr>
           </a:p>
           <a:p>
             <a:pPr marL="285750" indent="-285750">
@@ -6275,17 +6285,7 @@
                 <a:latin typeface="Segoe UI Semilight" panose="020B0402040204020203" pitchFamily="34" charset="0"/>
                 <a:cs typeface="Segoe UI Semilight" panose="020B0402040204020203" pitchFamily="34" charset="0"/>
               </a:rPr>
-              <a:t>CSS Media </a:t>
-            </a:r>
-            <a:r>
-              <a:rPr lang="en-AU" sz="3200" dirty="0" smtClean="0">
-                <a:solidFill>
-                  <a:srgbClr val="3A537B"/>
-                </a:solidFill>
-                <a:latin typeface="Segoe UI Semilight" panose="020B0402040204020203" pitchFamily="34" charset="0"/>
-                <a:cs typeface="Segoe UI Semilight" panose="020B0402040204020203" pitchFamily="34" charset="0"/>
-              </a:rPr>
-              <a:t>queries</a:t>
+              <a:t>CSS Media queries</a:t>
             </a:r>
             <a:endParaRPr lang="en-NZ" sz="3200" dirty="0" smtClean="0">
               <a:solidFill>
@@ -10741,12 +10741,9 @@
 </file>
 
 <file path=customXml/item1.xml><?xml version="1.0" encoding="utf-8"?>
-<?mso-contentType ?>
-<FormTemplates xmlns="http://schemas.microsoft.com/sharepoint/v3/contenttype/forms">
-  <Display>DocumentLibraryForm</Display>
-  <Edit>DocumentLibraryForm</Edit>
-  <New>DocumentLibraryForm</New>
-</FormTemplates>
+<p:properties xmlns:p="http://schemas.microsoft.com/office/2006/metadata/properties" xmlns:xsi="http://www.w3.org/2001/XMLSchema-instance">
+  <documentManagement/>
+</p:properties>
 </file>
 
 <file path=customXml/item2.xml><?xml version="1.0" encoding="utf-8"?>
@@ -10799,15 +10796,18 @@
 </file>
 
 <file path=customXml/item3.xml><?xml version="1.0" encoding="utf-8"?>
-<p:properties xmlns:p="http://schemas.microsoft.com/office/2006/metadata/properties" xmlns:xsi="http://www.w3.org/2001/XMLSchema-instance">
-  <documentManagement/>
-</p:properties>
+<?mso-contentType ?>
+<FormTemplates xmlns="http://schemas.microsoft.com/sharepoint/v3/contenttype/forms">
+  <Display>DocumentLibraryForm</Display>
+  <Edit>DocumentLibraryForm</Edit>
+  <New>DocumentLibraryForm</New>
+</FormTemplates>
 </file>
 
 <file path=customXml/itemProps1.xml><?xml version="1.0" encoding="utf-8"?>
-<ds:datastoreItem xmlns:ds="http://schemas.openxmlformats.org/officeDocument/2006/customXml" ds:itemID="{1AB3DE77-6CAF-498C-8660-15E14EE16CD7}">
+<ds:datastoreItem xmlns:ds="http://schemas.openxmlformats.org/officeDocument/2006/customXml" ds:itemID="{AEBD4C7A-EE81-430E-8E48-8F597B2AAF83}">
   <ds:schemaRefs>
-    <ds:schemaRef ds:uri="http://schemas.microsoft.com/sharepoint/v3/contenttype/forms"/>
+    <ds:schemaRef ds:uri="http://schemas.microsoft.com/office/2006/metadata/properties"/>
   </ds:schemaRefs>
 </ds:datastoreItem>
 </file>
@@ -10828,9 +10828,9 @@
 </file>
 
 <file path=customXml/itemProps3.xml><?xml version="1.0" encoding="utf-8"?>
-<ds:datastoreItem xmlns:ds="http://schemas.openxmlformats.org/officeDocument/2006/customXml" ds:itemID="{AEBD4C7A-EE81-430E-8E48-8F597B2AAF83}">
+<ds:datastoreItem xmlns:ds="http://schemas.openxmlformats.org/officeDocument/2006/customXml" ds:itemID="{1AB3DE77-6CAF-498C-8660-15E14EE16CD7}">
   <ds:schemaRefs>
-    <ds:schemaRef ds:uri="http://schemas.microsoft.com/office/2006/metadata/properties"/>
+    <ds:schemaRef ds:uri="http://schemas.microsoft.com/sharepoint/v3/contenttype/forms"/>
   </ds:schemaRefs>
 </ds:datastoreItem>
 </file>
--- a/WhatsNewInWindows81/WhatsNewInWindows81.pptx
+++ b/WhatsNewInWindows81/WhatsNewInWindows81.pptx
@@ -2221,97 +2221,30 @@
             </a:r>
           </a:p>
           <a:p>
-            <a:pPr marL="171450" indent="-171450">
-              <a:buFontTx/>
-              <a:buChar char="-"/>
-            </a:pPr>
             <a:r>
               <a:rPr lang="en-AU" dirty="0" smtClean="0"/>
-              <a:t>Don’t use </a:t>
-            </a:r>
-            <a:r>
-              <a:rPr lang="en-NZ" sz="1200" kern="1200" dirty="0" smtClean="0">
-                <a:solidFill>
-                  <a:schemeClr val="tx1"/>
-                </a:solidFill>
-                <a:latin typeface="+mn-lt"/>
-                <a:ea typeface="+mn-ea"/>
-                <a:cs typeface="+mn-cs"/>
-              </a:rPr>
-              <a:t>-</a:t>
-            </a:r>
-            <a:r>
-              <a:rPr lang="en-NZ" sz="1200" kern="1200" dirty="0" err="1" smtClean="0">
-                <a:solidFill>
-                  <a:schemeClr val="tx1"/>
-                </a:solidFill>
-                <a:latin typeface="+mn-lt"/>
-                <a:ea typeface="+mn-ea"/>
-                <a:cs typeface="+mn-cs"/>
-              </a:rPr>
+              <a:t>Don’t use -</a:t>
+            </a:r>
+            <a:r>
+              <a:rPr lang="en-AU" dirty="0" err="1" smtClean="0"/>
               <a:t>ms</a:t>
             </a:r>
             <a:r>
-              <a:rPr lang="en-NZ" sz="1200" kern="1200" dirty="0" smtClean="0">
-                <a:solidFill>
-                  <a:schemeClr val="tx1"/>
-                </a:solidFill>
-                <a:latin typeface="+mn-lt"/>
-                <a:ea typeface="+mn-ea"/>
-                <a:cs typeface="+mn-cs"/>
-              </a:rPr>
+              <a:rPr lang="en-AU" dirty="0" smtClean="0"/>
               <a:t>-view-state</a:t>
             </a:r>
           </a:p>
           <a:p>
-            <a:pPr marL="171450" indent="-171450">
-              <a:buFontTx/>
-              <a:buChar char="-"/>
-            </a:pPr>
-            <a:r>
-              <a:rPr lang="en-AU" sz="1200" kern="1200" dirty="0" smtClean="0">
-                <a:solidFill>
-                  <a:schemeClr val="tx1"/>
-                </a:solidFill>
-                <a:latin typeface="+mn-lt"/>
-                <a:ea typeface="+mn-ea"/>
-                <a:cs typeface="+mn-cs"/>
-              </a:rPr>
-              <a:t>Do</a:t>
-            </a:r>
-            <a:r>
-              <a:rPr lang="en-AU" sz="1200" kern="1200" baseline="0" dirty="0" smtClean="0">
-                <a:solidFill>
-                  <a:schemeClr val="tx1"/>
-                </a:solidFill>
-                <a:latin typeface="+mn-lt"/>
-                <a:ea typeface="+mn-ea"/>
-                <a:cs typeface="+mn-cs"/>
-              </a:rPr>
-              <a:t> use Width</a:t>
-            </a:r>
-            <a:endParaRPr lang="en-NZ" sz="1200" kern="1200" dirty="0" smtClean="0">
-              <a:solidFill>
-                <a:schemeClr val="tx1"/>
-              </a:solidFill>
-              <a:latin typeface="+mn-lt"/>
-              <a:ea typeface="+mn-ea"/>
-              <a:cs typeface="+mn-cs"/>
-            </a:endParaRPr>
-          </a:p>
-          <a:p>
-            <a:r>
-              <a:rPr lang="en-NZ" sz="1200" kern="1200" dirty="0" smtClean="0">
-                <a:solidFill>
-                  <a:schemeClr val="tx1"/>
-                </a:solidFill>
-                <a:latin typeface="+mn-lt"/>
-                <a:ea typeface="+mn-ea"/>
-                <a:cs typeface="+mn-cs"/>
-              </a:rPr>
+            <a:r>
+              <a:rPr lang="en-AU" dirty="0" smtClean="0"/>
+              <a:t>Do use Width</a:t>
+            </a:r>
+          </a:p>
+          <a:p>
+            <a:r>
+              <a:rPr lang="en-AU" dirty="0" smtClean="0"/>
               <a:t>- @media screen and (max-width: 760) { }</a:t>
             </a:r>
-            <a:endParaRPr lang="en-AU" dirty="0" smtClean="0"/>
           </a:p>
           <a:p>
             <a:endParaRPr lang="en-AU" dirty="0" smtClean="0"/>
@@ -2328,7 +2261,7 @@
           </a:p>
           <a:p>
             <a:r>
-              <a:rPr lang="en-AU" baseline="0" dirty="0" smtClean="0"/>
+              <a:rPr lang="en-AU" dirty="0" smtClean="0"/>
               <a:t>-   </a:t>
             </a:r>
             <a:r>
@@ -2338,10 +2271,6 @@
             <a:endParaRPr lang="en-AU" dirty="0" smtClean="0"/>
           </a:p>
           <a:p>
-            <a:pPr marL="171450" indent="-171450">
-              <a:buFontTx/>
-              <a:buChar char="-"/>
-            </a:pPr>
             <a:r>
               <a:rPr lang="en-AU" dirty="0" err="1" smtClean="0"/>
               <a:t>onquerysubmitted</a:t>
@@ -2349,10 +2278,6 @@
             <a:endParaRPr lang="en-AU" dirty="0" smtClean="0"/>
           </a:p>
           <a:p>
-            <a:pPr marL="171450" indent="-171450">
-              <a:buFontTx/>
-              <a:buChar char="-"/>
-            </a:pPr>
             <a:r>
               <a:rPr lang="en-AU" dirty="0" err="1" smtClean="0"/>
               <a:t>onreceivingfocusonkeyboardinput</a:t>
@@ -2360,10 +2285,6 @@
             <a:endParaRPr lang="en-AU" dirty="0" smtClean="0"/>
           </a:p>
           <a:p>
-            <a:pPr marL="171450" indent="-171450">
-              <a:buFontTx/>
-              <a:buChar char="-"/>
-            </a:pPr>
             <a:r>
               <a:rPr lang="en-AU" dirty="0" err="1" smtClean="0"/>
               <a:t>onresultsuggestionschosen</a:t>
@@ -2371,10 +2292,6 @@
             <a:endParaRPr lang="en-AU" dirty="0" smtClean="0"/>
           </a:p>
           <a:p>
-            <a:pPr marL="171450" indent="-171450">
-              <a:buFontTx/>
-              <a:buChar char="-"/>
-            </a:pPr>
             <a:r>
               <a:rPr lang="en-AU" dirty="0" err="1" smtClean="0"/>
               <a:t>onsuggestionsrequested</a:t>
@@ -2397,67 +2314,158 @@
               <a:t>ItemContainer</a:t>
             </a:r>
             <a:r>
-              <a:rPr lang="en-AU" baseline="0" dirty="0" smtClean="0"/>
+              <a:rPr lang="en-AU" dirty="0" smtClean="0"/>
               <a:t> Combo for light weight </a:t>
             </a:r>
             <a:r>
-              <a:rPr lang="en-AU" baseline="0" dirty="0" err="1" smtClean="0"/>
+              <a:rPr lang="en-AU" dirty="0" err="1" smtClean="0"/>
               <a:t>listview</a:t>
             </a:r>
             <a:r>
-              <a:rPr lang="en-AU" baseline="0" dirty="0" smtClean="0"/>
+              <a:rPr lang="en-AU" dirty="0" smtClean="0"/>
               <a:t> type control</a:t>
             </a:r>
           </a:p>
           <a:p>
-            <a:endParaRPr lang="en-AU" baseline="0" dirty="0" smtClean="0"/>
-          </a:p>
-          <a:p>
-            <a:endParaRPr lang="en-AU" baseline="0" dirty="0" smtClean="0"/>
-          </a:p>
-          <a:p>
-            <a:r>
-              <a:rPr lang="en-AU" baseline="0" dirty="0" smtClean="0"/>
+            <a:endParaRPr lang="en-AU" dirty="0" smtClean="0"/>
+          </a:p>
+          <a:p>
+            <a:r>
+              <a:rPr lang="en-AU" dirty="0" err="1" smtClean="0"/>
+              <a:t>ListView</a:t>
+            </a:r>
+            <a:endParaRPr lang="en-AU" dirty="0" smtClean="0"/>
+          </a:p>
+          <a:p>
+            <a:r>
+              <a:rPr lang="en-AU" dirty="0" smtClean="0"/>
+              <a:t>Performance</a:t>
+            </a:r>
+          </a:p>
+          <a:p>
+            <a:r>
+              <a:rPr lang="en-AU" dirty="0" smtClean="0"/>
+              <a:t>Drag and drop support</a:t>
+            </a:r>
+          </a:p>
+          <a:p>
+            <a:r>
+              <a:rPr lang="en-AU" dirty="0" err="1" smtClean="0"/>
+              <a:t>itemsDraggable</a:t>
+            </a:r>
+            <a:endParaRPr lang="en-AU" dirty="0" smtClean="0"/>
+          </a:p>
+          <a:p>
+            <a:r>
+              <a:rPr lang="en-AU" dirty="0" err="1" smtClean="0"/>
+              <a:t>itemsReorderable</a:t>
+            </a:r>
+            <a:endParaRPr lang="en-AU" dirty="0" smtClean="0"/>
+          </a:p>
+          <a:p>
+            <a:endParaRPr lang="en-AU" dirty="0" smtClean="0"/>
+          </a:p>
+          <a:p>
+            <a:r>
+              <a:rPr lang="en-AU" dirty="0" smtClean="0"/>
               <a:t>Create </a:t>
             </a:r>
             <a:r>
-              <a:rPr lang="en-AU" baseline="0" dirty="0" err="1" smtClean="0"/>
+              <a:rPr lang="en-AU" dirty="0" err="1" smtClean="0"/>
               <a:t>theNavBar</a:t>
             </a:r>
-            <a:endParaRPr lang="en-AU" baseline="0" dirty="0" smtClean="0"/>
-          </a:p>
-          <a:p>
-            <a:r>
-              <a:rPr lang="en-AU" baseline="0" dirty="0" smtClean="0"/>
+            <a:endParaRPr lang="en-AU" dirty="0" smtClean="0"/>
+          </a:p>
+          <a:p>
+            <a:r>
+              <a:rPr lang="en-AU" dirty="0" smtClean="0"/>
               <a:t> - </a:t>
             </a:r>
             <a:r>
-              <a:rPr lang="en-AU" baseline="0" dirty="0" err="1" smtClean="0"/>
+              <a:rPr lang="en-AU" dirty="0" err="1" smtClean="0"/>
               <a:t>WinJS.UI.NavBar</a:t>
             </a:r>
-            <a:endParaRPr lang="en-AU" baseline="0" dirty="0" smtClean="0"/>
-          </a:p>
-          <a:p>
-            <a:r>
-              <a:rPr lang="en-AU" baseline="0" dirty="0" smtClean="0"/>
+            <a:endParaRPr lang="en-AU" dirty="0" smtClean="0"/>
+          </a:p>
+          <a:p>
+            <a:r>
+              <a:rPr lang="en-AU" dirty="0" smtClean="0"/>
               <a:t> - </a:t>
             </a:r>
             <a:r>
-              <a:rPr lang="en-AU" baseline="0" dirty="0" err="1" smtClean="0"/>
+              <a:rPr lang="en-AU" dirty="0" err="1" smtClean="0"/>
               <a:t>WinJS.UI.NavBarContainer</a:t>
             </a:r>
-            <a:endParaRPr lang="en-AU" baseline="0" dirty="0" smtClean="0"/>
-          </a:p>
-          <a:p>
-            <a:r>
-              <a:rPr lang="en-AU" baseline="0" dirty="0" smtClean="0"/>
+            <a:endParaRPr lang="en-AU" dirty="0" smtClean="0"/>
+          </a:p>
+          <a:p>
+            <a:r>
+              <a:rPr lang="en-AU" dirty="0" smtClean="0"/>
               <a:t> - </a:t>
             </a:r>
             <a:r>
-              <a:rPr lang="en-AU" baseline="0" dirty="0" err="1" smtClean="0"/>
+              <a:rPr lang="en-AU" dirty="0" err="1" smtClean="0"/>
               <a:t>WinJS.UI.NavBarCommand</a:t>
             </a:r>
-            <a:endParaRPr lang="en-NZ" dirty="0"/>
+            <a:endParaRPr lang="en-AU" dirty="0" smtClean="0"/>
+          </a:p>
+          <a:p>
+            <a:endParaRPr lang="en-AU" dirty="0" smtClean="0"/>
+          </a:p>
+          <a:p>
+            <a:r>
+              <a:rPr lang="en-AU" dirty="0" err="1" smtClean="0"/>
+              <a:t>WebView</a:t>
+            </a:r>
+            <a:endParaRPr lang="en-AU" dirty="0" smtClean="0"/>
+          </a:p>
+          <a:p>
+            <a:r>
+              <a:rPr lang="en-AU" dirty="0" smtClean="0"/>
+              <a:t>&lt;x-</a:t>
+            </a:r>
+            <a:r>
+              <a:rPr lang="en-AU" dirty="0" err="1" smtClean="0"/>
+              <a:t>ms</a:t>
+            </a:r>
+            <a:r>
+              <a:rPr lang="en-AU" dirty="0" smtClean="0"/>
+              <a:t>-</a:t>
+            </a:r>
+            <a:r>
+              <a:rPr lang="en-AU" dirty="0" err="1" smtClean="0"/>
+              <a:t>webview</a:t>
+            </a:r>
+            <a:r>
+              <a:rPr lang="en-AU" dirty="0" smtClean="0"/>
+              <a:t>&gt;</a:t>
+            </a:r>
+          </a:p>
+          <a:p>
+            <a:r>
+              <a:rPr lang="en-AU" dirty="0" err="1" smtClean="0"/>
+              <a:t>navigateToString</a:t>
+            </a:r>
+            <a:endParaRPr lang="en-AU" dirty="0" smtClean="0"/>
+          </a:p>
+          <a:p>
+            <a:endParaRPr lang="en-AU" dirty="0" smtClean="0"/>
+          </a:p>
+          <a:p>
+            <a:r>
+              <a:rPr lang="en-AU" dirty="0" smtClean="0"/>
+              <a:t>Better Binding and Template</a:t>
+            </a:r>
+          </a:p>
+          <a:p>
+            <a:endParaRPr lang="en-AU" dirty="0" smtClean="0"/>
+          </a:p>
+          <a:p>
+            <a:r>
+              <a:rPr lang="en-AU" smtClean="0"/>
+              <a:t>Dispose API</a:t>
+            </a:r>
+            <a:endParaRPr lang="en-AU" dirty="0" smtClean="0"/>
           </a:p>
         </p:txBody>
       </p:sp>
@@ -10741,12 +10749,6 @@
 </file>
 
 <file path=customXml/item1.xml><?xml version="1.0" encoding="utf-8"?>
-<p:properties xmlns:p="http://schemas.microsoft.com/office/2006/metadata/properties" xmlns:xsi="http://www.w3.org/2001/XMLSchema-instance">
-  <documentManagement/>
-</p:properties>
-</file>
-
-<file path=customXml/item2.xml><?xml version="1.0" encoding="utf-8"?>
 <ct:contentTypeSchema xmlns:ct="http://schemas.microsoft.com/office/2006/metadata/contentType" xmlns:ma="http://schemas.microsoft.com/office/2006/metadata/properties/metaAttributes" ct:_="" ma:_="" ma:contentTypeName="Document" ma:contentTypeID="0x0101004DF6D0871B95904AABD22536D8AC85C8" ma:contentTypeVersion="0" ma:contentTypeDescription="Create a new document." ma:contentTypeScope="" ma:versionID="49efcf3338630220492e4247eaca93e8">
   <xsd:schema xmlns:xsd="http://www.w3.org/2001/XMLSchema" xmlns:p="http://schemas.microsoft.com/office/2006/metadata/properties" targetNamespace="http://schemas.microsoft.com/office/2006/metadata/properties" ma:root="true" ma:fieldsID="4aeb20c0e3442673af7ee10786458764">
     <xsd:element name="properties">
@@ -10795,6 +10797,12 @@
 </ct:contentTypeSchema>
 </file>
 
+<file path=customXml/item2.xml><?xml version="1.0" encoding="utf-8"?>
+<p:properties xmlns:p="http://schemas.microsoft.com/office/2006/metadata/properties" xmlns:xsi="http://www.w3.org/2001/XMLSchema-instance">
+  <documentManagement/>
+</p:properties>
+</file>
+
 <file path=customXml/item3.xml><?xml version="1.0" encoding="utf-8"?>
 <?mso-contentType ?>
 <FormTemplates xmlns="http://schemas.microsoft.com/sharepoint/v3/contenttype/forms">
@@ -10805,14 +10813,6 @@
 </file>
 
 <file path=customXml/itemProps1.xml><?xml version="1.0" encoding="utf-8"?>
-<ds:datastoreItem xmlns:ds="http://schemas.openxmlformats.org/officeDocument/2006/customXml" ds:itemID="{AEBD4C7A-EE81-430E-8E48-8F597B2AAF83}">
-  <ds:schemaRefs>
-    <ds:schemaRef ds:uri="http://schemas.microsoft.com/office/2006/metadata/properties"/>
-  </ds:schemaRefs>
-</ds:datastoreItem>
-</file>
-
-<file path=customXml/itemProps2.xml><?xml version="1.0" encoding="utf-8"?>
 <ds:datastoreItem xmlns:ds="http://schemas.openxmlformats.org/officeDocument/2006/customXml" ds:itemID="{7E1D9E91-416C-4888-A8AA-BE42FEF97FEF}">
   <ds:schemaRefs>
     <ds:schemaRef ds:uri="http://schemas.microsoft.com/office/2006/metadata/contentType"/>
@@ -10827,6 +10827,14 @@
 </ds:datastoreItem>
 </file>
 
+<file path=customXml/itemProps2.xml><?xml version="1.0" encoding="utf-8"?>
+<ds:datastoreItem xmlns:ds="http://schemas.openxmlformats.org/officeDocument/2006/customXml" ds:itemID="{AEBD4C7A-EE81-430E-8E48-8F597B2AAF83}">
+  <ds:schemaRefs>
+    <ds:schemaRef ds:uri="http://schemas.microsoft.com/office/2006/metadata/properties"/>
+  </ds:schemaRefs>
+</ds:datastoreItem>
+</file>
+
 <file path=customXml/itemProps3.xml><?xml version="1.0" encoding="utf-8"?>
 <ds:datastoreItem xmlns:ds="http://schemas.openxmlformats.org/officeDocument/2006/customXml" ds:itemID="{1AB3DE77-6CAF-498C-8660-15E14EE16CD7}">
   <ds:schemaRefs>
